--- a/组会报告/组会20180110.pptx
+++ b/组会报告/组会20180110.pptx
@@ -11,8 +11,8 @@
     <p:handoutMasterId r:id="rId21"/>
   </p:handoutMasterIdLst>
   <p:sldIdLst>
-    <p:sldId id="483" r:id="rId3"/>
-    <p:sldId id="520" r:id="rId5"/>
+    <p:sldId id="536" r:id="rId3"/>
+    <p:sldId id="483" r:id="rId5"/>
     <p:sldId id="482" r:id="rId6"/>
     <p:sldId id="474" r:id="rId7"/>
     <p:sldId id="503" r:id="rId8"/>
@@ -160,7 +160,7 @@
 </file>
 
 <file path=ppt/diagrams/colors1.xml><?xml version="1.0" encoding="utf-8"?>
-<dgm:colorsDef xmlns:dgm="http://schemas.openxmlformats.org/drawingml/2006/diagram" xmlns:a="http://schemas.openxmlformats.org/drawingml/2006/main" uniqueId="urn:microsoft.com/office/officeart/2005/8/colors/accent1_2">
+<dgm:colorsDef xmlns:dgm="http://schemas.openxmlformats.org/drawingml/2006/diagram" xmlns:a="http://schemas.openxmlformats.org/drawingml/2006/main" uniqueId="urn:microsoft.com/office/officeart/2005/8/colors/accent1_2#1">
   <dgm:title val=""/>
   <dgm:desc val=""/>
   <dgm:catLst>
@@ -907,7 +907,7 @@
 </file>
 
 <file path=ppt/diagrams/colors2.xml><?xml version="1.0" encoding="utf-8"?>
-<dgm:colorsDef xmlns:dgm="http://schemas.openxmlformats.org/drawingml/2006/diagram" xmlns:a="http://schemas.openxmlformats.org/drawingml/2006/main" uniqueId="urn:microsoft.com/office/officeart/2005/8/colors/accent1_2">
+<dgm:colorsDef xmlns:dgm="http://schemas.openxmlformats.org/drawingml/2006/diagram" xmlns:a="http://schemas.openxmlformats.org/drawingml/2006/main" uniqueId="urn:microsoft.com/office/officeart/2005/8/colors/accent1_2#1">
   <dgm:title val=""/>
   <dgm:desc val=""/>
   <dgm:catLst>
@@ -1657,10 +1657,11 @@
 <dgm:dataModel xmlns:dgm="http://schemas.openxmlformats.org/drawingml/2006/diagram" xmlns:a="http://schemas.openxmlformats.org/drawingml/2006/main">
   <dgm:ptLst>
     <dgm:pt modelId="{2E15931E-1654-4B73-89B2-8E333D9C42E0}" type="doc">
-      <dgm:prSet loTypeId="list" loCatId="list" qsTypeId="urn:microsoft.com/office/officeart/2005/8/quickstyle/simple1" qsCatId="simple" csTypeId="urn:microsoft.com/office/officeart/2005/8/colors/accent1_2" csCatId="accent1" phldr="0"/>
+      <dgm:prSet loTypeId="urn:microsoft.com/office/officeart/2005/8/layout/vList5" loCatId="list" qsTypeId="urn:microsoft.com/office/officeart/2005/8/quickstyle/simple1#1" qsCatId="simple" csTypeId="urn:microsoft.com/office/officeart/2005/8/colors/accent1_2#1" csCatId="accent1" phldr="0"/>
       <dgm:spPr/>
       <dgm:t>
         <a:bodyPr/>
+        <a:lstStyle/>
         <a:p>
           <a:endParaRPr lang="zh-CN" altLang="en-US"/>
         </a:p>
@@ -1675,6 +1676,13 @@
         </dgm:presLayoutVars>
       </dgm:prSet>
       <dgm:spPr/>
+      <dgm:t>
+        <a:bodyPr/>
+        <a:lstStyle/>
+        <a:p>
+          <a:endParaRPr lang="zh-CN" altLang="en-US"/>
+        </a:p>
+      </dgm:t>
     </dgm:pt>
   </dgm:ptLst>
   <dgm:cxnLst>
@@ -1694,888 +1702,11 @@
 <dgm:dataModel xmlns:dgm="http://schemas.openxmlformats.org/drawingml/2006/diagram" xmlns:a="http://schemas.openxmlformats.org/drawingml/2006/main">
   <dgm:ptLst>
     <dgm:pt modelId="{2E15931E-1654-4B73-89B2-8E333D9C42E0}" type="doc">
-      <dgm:prSet loTypeId="list" loCatId="list" qsTypeId="urn:microsoft.com/office/officeart/2005/8/quickstyle/simple1" qsCatId="simple" csTypeId="urn:microsoft.com/office/officeart/2005/8/colors/accent1_2" csCatId="accent1" phldr="0"/>
+      <dgm:prSet loTypeId="urn:microsoft.com/office/officeart/2005/8/layout/vList5" loCatId="list" qsTypeId="urn:microsoft.com/office/officeart/2005/8/quickstyle/simple1#1" qsCatId="simple" csTypeId="urn:microsoft.com/office/officeart/2005/8/colors/accent1_2#1" csCatId="accent1" phldr="0"/>
       <dgm:spPr/>
       <dgm:t>
         <a:bodyPr/>
-        <a:p>
-          <a:endParaRPr lang="zh-CN" altLang="en-US"/>
-        </a:p>
-      </dgm:t>
-    </dgm:pt>
-    <dgm:pt modelId="{90DDC401-903F-495B-A387-FFA8A45891F6}">
-      <dgm:prSet phldrT="[文本]" phldr="0" custT="1"/>
-      <dgm:spPr/>
-      <dgm:t>
-        <a:bodyPr vert="horz" wrap="square"/>
-        <a:lstStyle>
-          <a:lvl1pPr algn="ctr">
-            <a:defRPr sz="6500"/>
-          </a:lvl1pPr>
-          <a:lvl2pPr marL="285750" indent="-285750" algn="ctr">
-            <a:defRPr sz="5000"/>
-          </a:lvl2pPr>
-          <a:lvl3pPr marL="571500" indent="-285750" algn="ctr">
-            <a:defRPr sz="5000"/>
-          </a:lvl3pPr>
-          <a:lvl4pPr marL="857250" indent="-285750" algn="ctr">
-            <a:defRPr sz="5000"/>
-          </a:lvl4pPr>
-          <a:lvl5pPr marL="1143000" indent="-285750" algn="ctr">
-            <a:defRPr sz="5000"/>
-          </a:lvl5pPr>
-          <a:lvl6pPr marL="1428750" indent="-285750" algn="ctr">
-            <a:defRPr sz="5000"/>
-          </a:lvl6pPr>
-          <a:lvl7pPr marL="1714500" indent="-285750" algn="ctr">
-            <a:defRPr sz="5000"/>
-          </a:lvl7pPr>
-          <a:lvl8pPr marL="2000250" indent="-285750" algn="ctr">
-            <a:defRPr sz="5000"/>
-          </a:lvl8pPr>
-          <a:lvl9pPr marL="2286000" indent="-285750" algn="ctr">
-            <a:defRPr sz="5000"/>
-          </a:lvl9pPr>
-        </a:lstStyle>
-        <a:p>
-          <a:pPr>
-            <a:lnSpc>
-              <a:spcPct val="100000"/>
-            </a:lnSpc>
-            <a:spcBef>
-              <a:spcPct val="0"/>
-            </a:spcBef>
-            <a:spcAft>
-              <a:spcPct val="35000"/>
-            </a:spcAft>
-          </a:pPr>
-          <a:r>
-            <a:rPr lang="en-US" altLang="zh-CN" sz="2400"/>
-            <a:t>Numerical</a:t>
-          </a:r>
-          <a:r>
-            <a:rPr lang="en-US" altLang="zh-CN" sz="2400"/>
-            <a:t> model</a:t>
-          </a:r>
-          <a:r>
-            <a:rPr lang="en-US" altLang="zh-CN" sz="2400"/>
-            <a:t/>
-          </a:r>
-          <a:endParaRPr lang="en-US" altLang="zh-CN" sz="2400"/>
-        </a:p>
-      </dgm:t>
-    </dgm:pt>
-    <dgm:pt modelId="{C8BB0B8A-C63A-4F83-B8DD-3A7CE259E4EE}" cxnId="{F42AF8FF-1599-42FD-93E5-47A977B397E1}" type="parTrans">
-      <dgm:prSet/>
-      <dgm:spPr/>
-      <dgm:t>
-        <a:bodyPr/>
-        <a:p>
-          <a:endParaRPr lang="zh-CN" altLang="en-US"/>
-        </a:p>
-      </dgm:t>
-    </dgm:pt>
-    <dgm:pt modelId="{35E5E878-0907-4014-9CFA-56AEFE6C22E5}" cxnId="{F42AF8FF-1599-42FD-93E5-47A977B397E1}" type="sibTrans">
-      <dgm:prSet/>
-      <dgm:spPr/>
-      <dgm:t>
-        <a:bodyPr/>
-        <a:p>
-          <a:endParaRPr lang="zh-CN" altLang="en-US"/>
-        </a:p>
-      </dgm:t>
-    </dgm:pt>
-    <dgm:pt modelId="{E08CEB0C-E37F-4DCA-A8EA-4B2CD3AD7754}">
-      <dgm:prSet phldrT="[文本]" phldr="0" custT="0"/>
-      <dgm:spPr/>
-      <dgm:t>
-        <a:bodyPr vert="horz" wrap="square"/>
-        <a:lstStyle>
-          <a:lvl1pPr algn="l">
-            <a:defRPr sz="1500"/>
-          </a:lvl1pPr>
-          <a:lvl2pPr marL="114300" indent="-114300" algn="l">
-            <a:defRPr sz="1500"/>
-          </a:lvl2pPr>
-          <a:lvl3pPr marL="228600" indent="-114300" algn="l">
-            <a:defRPr sz="1500"/>
-          </a:lvl3pPr>
-          <a:lvl4pPr marL="342900" indent="-114300" algn="l">
-            <a:defRPr sz="1500"/>
-          </a:lvl4pPr>
-          <a:lvl5pPr marL="457200" indent="-114300" algn="l">
-            <a:defRPr sz="1500"/>
-          </a:lvl5pPr>
-          <a:lvl6pPr marL="571500" indent="-114300" algn="l">
-            <a:defRPr sz="1500"/>
-          </a:lvl6pPr>
-          <a:lvl7pPr marL="685800" indent="-114300" algn="l">
-            <a:defRPr sz="1500"/>
-          </a:lvl7pPr>
-          <a:lvl8pPr marL="800100" indent="-114300" algn="l">
-            <a:defRPr sz="1500"/>
-          </a:lvl8pPr>
-          <a:lvl9pPr marL="914400" indent="-114300" algn="l">
-            <a:defRPr sz="1500"/>
-          </a:lvl9pPr>
-        </a:lstStyle>
-        <a:p>
-          <a:pPr>
-            <a:lnSpc>
-              <a:spcPct val="100000"/>
-            </a:lnSpc>
-            <a:spcBef>
-              <a:spcPct val="0"/>
-            </a:spcBef>
-            <a:spcAft>
-              <a:spcPct val="15000"/>
-            </a:spcAft>
-          </a:pPr>
-          <a:r>
-            <a:rPr lang="en-US" altLang="zh-CN">
-              <a:sym typeface="+mn-ea"/>
-            </a:rPr>
-            <a:t>Hashin Criteria &amp; Continumm Damage Model(CDM)</a:t>
-          </a:r>
-          <a:r>
-            <a:rPr lang="zh-CN" altLang="en-US">
-              <a:sym typeface="+mn-ea"/>
-            </a:rPr>
-            <a:t/>
-          </a:r>
-          <a:endParaRPr lang="zh-CN" altLang="en-US">
-            <a:sym typeface="+mn-ea"/>
-          </a:endParaRPr>
-        </a:p>
-      </dgm:t>
-    </dgm:pt>
-    <dgm:pt modelId="{FB4BCC77-44E9-4065-8A2F-90CD32DE34E3}" cxnId="{78359818-5AB2-4193-8A2A-28936535EC2C}" type="parTrans">
-      <dgm:prSet/>
-      <dgm:spPr/>
-      <dgm:t>
-        <a:bodyPr/>
-        <a:p>
-          <a:endParaRPr lang="zh-CN" altLang="en-US"/>
-        </a:p>
-      </dgm:t>
-    </dgm:pt>
-    <dgm:pt modelId="{41FED480-3E2E-47A2-B997-02D527BC8082}" cxnId="{78359818-5AB2-4193-8A2A-28936535EC2C}" type="sibTrans">
-      <dgm:prSet/>
-      <dgm:spPr/>
-      <dgm:t>
-        <a:bodyPr/>
-        <a:p>
-          <a:endParaRPr lang="zh-CN" altLang="en-US"/>
-        </a:p>
-      </dgm:t>
-    </dgm:pt>
-    <dgm:pt modelId="{E8FCD158-3341-4AE9-8B1F-219246C2F9AF}">
-      <dgm:prSet phldr="0" custT="0"/>
-      <dgm:spPr/>
-      <dgm:t>
-        <a:bodyPr vert="horz" wrap="square"/>
-        <a:lstStyle>
-          <a:lvl1pPr algn="l">
-            <a:defRPr sz="1500"/>
-          </a:lvl1pPr>
-          <a:lvl2pPr marL="114300" indent="-114300" algn="l">
-            <a:defRPr sz="1500"/>
-          </a:lvl2pPr>
-          <a:lvl3pPr marL="228600" indent="-114300" algn="l">
-            <a:defRPr sz="1500"/>
-          </a:lvl3pPr>
-          <a:lvl4pPr marL="342900" indent="-114300" algn="l">
-            <a:defRPr sz="1500"/>
-          </a:lvl4pPr>
-          <a:lvl5pPr marL="457200" indent="-114300" algn="l">
-            <a:defRPr sz="1500"/>
-          </a:lvl5pPr>
-          <a:lvl6pPr marL="571500" indent="-114300" algn="l">
-            <a:defRPr sz="1500"/>
-          </a:lvl6pPr>
-          <a:lvl7pPr marL="685800" indent="-114300" algn="l">
-            <a:defRPr sz="1500"/>
-          </a:lvl7pPr>
-          <a:lvl8pPr marL="800100" indent="-114300" algn="l">
-            <a:defRPr sz="1500"/>
-          </a:lvl8pPr>
-          <a:lvl9pPr marL="914400" indent="-114300" algn="l">
-            <a:defRPr sz="1500"/>
-          </a:lvl9pPr>
-        </a:lstStyle>
-        <a:p>
-          <a:pPr>
-            <a:lnSpc>
-              <a:spcPct val="100000"/>
-            </a:lnSpc>
-            <a:spcBef>
-              <a:spcPct val="0"/>
-            </a:spcBef>
-            <a:spcAft>
-              <a:spcPct val="15000"/>
-            </a:spcAft>
-          </a:pPr>
-          <a:r>
-            <a:rPr lang="en-US" altLang="zh-CN">
-              <a:sym typeface="+mn-ea"/>
-            </a:rPr>
-            <a:t>Degeneration Model(linear vs exponential)</a:t>
-          </a:r>
-          <a:r>
-            <a:rPr lang="zh-CN" altLang="en-US"/>
-            <a:t/>
-          </a:r>
-          <a:endParaRPr lang="zh-CN" altLang="en-US"/>
-        </a:p>
-      </dgm:t>
-    </dgm:pt>
-    <dgm:pt modelId="{5DAD5960-7F3B-41C6-A56F-04E4A0E24F63}" cxnId="{43FAA045-57F0-4C0F-80EA-92FA28256BCF}" type="parTrans">
-      <dgm:prSet/>
-      <dgm:spPr/>
-    </dgm:pt>
-    <dgm:pt modelId="{F6C76A4A-0A69-4B10-803D-21CEF1486538}" cxnId="{43FAA045-57F0-4C0F-80EA-92FA28256BCF}" type="sibTrans">
-      <dgm:prSet/>
-      <dgm:spPr/>
-    </dgm:pt>
-    <dgm:pt modelId="{7DA5A652-D660-46D6-92EF-D18BA988C1A3}">
-      <dgm:prSet phldr="0" custT="0"/>
-      <dgm:spPr/>
-      <dgm:t>
-        <a:bodyPr vert="horz" wrap="square"/>
-        <a:lstStyle>
-          <a:lvl1pPr algn="l">
-            <a:defRPr sz="1500"/>
-          </a:lvl1pPr>
-          <a:lvl2pPr marL="114300" indent="-114300" algn="l">
-            <a:defRPr sz="1500"/>
-          </a:lvl2pPr>
-          <a:lvl3pPr marL="228600" indent="-114300" algn="l">
-            <a:defRPr sz="1500"/>
-          </a:lvl3pPr>
-          <a:lvl4pPr marL="342900" indent="-114300" algn="l">
-            <a:defRPr sz="1500"/>
-          </a:lvl4pPr>
-          <a:lvl5pPr marL="457200" indent="-114300" algn="l">
-            <a:defRPr sz="1500"/>
-          </a:lvl5pPr>
-          <a:lvl6pPr marL="571500" indent="-114300" algn="l">
-            <a:defRPr sz="1500"/>
-          </a:lvl6pPr>
-          <a:lvl7pPr marL="685800" indent="-114300" algn="l">
-            <a:defRPr sz="1500"/>
-          </a:lvl7pPr>
-          <a:lvl8pPr marL="800100" indent="-114300" algn="l">
-            <a:defRPr sz="1500"/>
-          </a:lvl8pPr>
-          <a:lvl9pPr marL="914400" indent="-114300" algn="l">
-            <a:defRPr sz="1500"/>
-          </a:lvl9pPr>
-        </a:lstStyle>
-        <a:p>
-          <a:pPr>
-            <a:lnSpc>
-              <a:spcPct val="100000"/>
-            </a:lnSpc>
-            <a:spcBef>
-              <a:spcPct val="0"/>
-            </a:spcBef>
-            <a:spcAft>
-              <a:spcPct val="15000"/>
-            </a:spcAft>
-          </a:pPr>
-          <a:r>
-            <a:rPr lang="en-US" altLang="zh-CN">
-              <a:sym typeface="+mn-ea"/>
-            </a:rPr>
-            <a:t>Shear Nonlinearity</a:t>
-          </a:r>
-          <a:endParaRPr lang="en-US" altLang="zh-CN">
-            <a:sym typeface="+mn-ea"/>
-          </a:endParaRPr>
-        </a:p>
-      </dgm:t>
-    </dgm:pt>
-    <dgm:pt modelId="{6B2F3570-CAAF-4EE4-BF40-26C458D743A3}" cxnId="{FF56786C-B1CA-4769-AE05-B6324C13A8EC}" type="parTrans">
-      <dgm:prSet/>
-      <dgm:spPr/>
-    </dgm:pt>
-    <dgm:pt modelId="{7CCFFC8F-E3C3-4018-BCB6-DB6B5F8B9CBC}" cxnId="{FF56786C-B1CA-4769-AE05-B6324C13A8EC}" type="sibTrans">
-      <dgm:prSet/>
-      <dgm:spPr/>
-    </dgm:pt>
-    <dgm:pt modelId="{8206D0A4-320D-4451-9E51-5052B8351A03}">
-      <dgm:prSet phldr="0" custT="0"/>
-      <dgm:spPr/>
-      <dgm:t>
-        <a:bodyPr vert="horz" wrap="square"/>
-        <a:lstStyle>
-          <a:lvl1pPr algn="l">
-            <a:defRPr sz="1500"/>
-          </a:lvl1pPr>
-          <a:lvl2pPr marL="114300" indent="-114300" algn="l">
-            <a:defRPr sz="1500"/>
-          </a:lvl2pPr>
-          <a:lvl3pPr marL="228600" indent="-114300" algn="l">
-            <a:defRPr sz="1500"/>
-          </a:lvl3pPr>
-          <a:lvl4pPr marL="342900" indent="-114300" algn="l">
-            <a:defRPr sz="1500"/>
-          </a:lvl4pPr>
-          <a:lvl5pPr marL="457200" indent="-114300" algn="l">
-            <a:defRPr sz="1500"/>
-          </a:lvl5pPr>
-          <a:lvl6pPr marL="571500" indent="-114300" algn="l">
-            <a:defRPr sz="1500"/>
-          </a:lvl6pPr>
-          <a:lvl7pPr marL="685800" indent="-114300" algn="l">
-            <a:defRPr sz="1500"/>
-          </a:lvl7pPr>
-          <a:lvl8pPr marL="800100" indent="-114300" algn="l">
-            <a:defRPr sz="1500"/>
-          </a:lvl8pPr>
-          <a:lvl9pPr marL="914400" indent="-114300" algn="l">
-            <a:defRPr sz="1500"/>
-          </a:lvl9pPr>
-        </a:lstStyle>
-        <a:p>
-          <a:pPr>
-            <a:lnSpc>
-              <a:spcPct val="100000"/>
-            </a:lnSpc>
-            <a:spcBef>
-              <a:spcPct val="0"/>
-            </a:spcBef>
-            <a:spcAft>
-              <a:spcPct val="15000"/>
-            </a:spcAft>
-          </a:pPr>
-          <a:r>
-            <a:rPr lang="zh-CN" altLang="en-US"/>
-            <a:t>就地强度准测？？</a:t>
-          </a:r>
-          <a:r>
-            <a:rPr lang="zh-CN" altLang="en-US"/>
-            <a:t/>
-          </a:r>
-          <a:endParaRPr lang="zh-CN" altLang="en-US"/>
-        </a:p>
-      </dgm:t>
-    </dgm:pt>
-    <dgm:pt modelId="{6940C0AB-B2F1-458A-9938-3847AC2D06E2}" cxnId="{505D6130-A3F5-431F-925D-A7F88E5964FA}" type="parTrans">
-      <dgm:prSet/>
-      <dgm:spPr/>
-    </dgm:pt>
-    <dgm:pt modelId="{DA68C49D-76F6-4DCB-B324-636FE00BB914}" cxnId="{505D6130-A3F5-431F-925D-A7F88E5964FA}" type="sibTrans">
-      <dgm:prSet/>
-      <dgm:spPr/>
-    </dgm:pt>
-    <dgm:pt modelId="{A6685E83-BEEC-49B3-B40A-539E2C0D7A1A}">
-      <dgm:prSet phldrT="[文本]" phldr="0" custT="1"/>
-      <dgm:spPr/>
-      <dgm:t>
-        <a:bodyPr vert="horz" wrap="square"/>
-        <a:lstStyle>
-          <a:lvl1pPr algn="ctr">
-            <a:defRPr sz="6500"/>
-          </a:lvl1pPr>
-          <a:lvl2pPr marL="285750" indent="-285750" algn="ctr">
-            <a:defRPr sz="5000"/>
-          </a:lvl2pPr>
-          <a:lvl3pPr marL="571500" indent="-285750" algn="ctr">
-            <a:defRPr sz="5000"/>
-          </a:lvl3pPr>
-          <a:lvl4pPr marL="857250" indent="-285750" algn="ctr">
-            <a:defRPr sz="5000"/>
-          </a:lvl4pPr>
-          <a:lvl5pPr marL="1143000" indent="-285750" algn="ctr">
-            <a:defRPr sz="5000"/>
-          </a:lvl5pPr>
-          <a:lvl6pPr marL="1428750" indent="-285750" algn="ctr">
-            <a:defRPr sz="5000"/>
-          </a:lvl6pPr>
-          <a:lvl7pPr marL="1714500" indent="-285750" algn="ctr">
-            <a:defRPr sz="5000"/>
-          </a:lvl7pPr>
-          <a:lvl8pPr marL="2000250" indent="-285750" algn="ctr">
-            <a:defRPr sz="5000"/>
-          </a:lvl8pPr>
-          <a:lvl9pPr marL="2286000" indent="-285750" algn="ctr">
-            <a:defRPr sz="5000"/>
-          </a:lvl9pPr>
-        </a:lstStyle>
-        <a:p>
-          <a:pPr>
-            <a:lnSpc>
-              <a:spcPct val="100000"/>
-            </a:lnSpc>
-            <a:spcBef>
-              <a:spcPct val="0"/>
-            </a:spcBef>
-            <a:spcAft>
-              <a:spcPct val="35000"/>
-            </a:spcAft>
-          </a:pPr>
-          <a:r>
-            <a:rPr lang="en-US" altLang="zh-CN" sz="2400" dirty="0" smtClean="0">
-              <a:sym typeface="+mn-ea"/>
-            </a:rPr>
-            <a:t>Abaqus simulation</a:t>
-          </a:r>
-          <a:r>
-            <a:rPr lang="en-US" altLang="zh-CN" sz="2400" dirty="0" smtClean="0">
-              <a:sym typeface="+mn-ea"/>
-            </a:rPr>
-            <a:t/>
-          </a:r>
-          <a:endParaRPr lang="en-US" altLang="zh-CN" sz="2400" dirty="0" smtClean="0">
-            <a:sym typeface="+mn-ea"/>
-          </a:endParaRPr>
-        </a:p>
-      </dgm:t>
-    </dgm:pt>
-    <dgm:pt modelId="{FECC43A3-D59E-4EE1-9557-8FBB90D5B362}" cxnId="{37611173-E858-49A2-8756-8281AF0B4C6A}" type="parTrans">
-      <dgm:prSet/>
-      <dgm:spPr/>
-      <dgm:t>
-        <a:bodyPr/>
-        <a:p>
-          <a:endParaRPr lang="zh-CN" altLang="en-US"/>
-        </a:p>
-      </dgm:t>
-    </dgm:pt>
-    <dgm:pt modelId="{68BB6C9A-B7F0-43A0-955B-FC8C4D4009BF}" cxnId="{37611173-E858-49A2-8756-8281AF0B4C6A}" type="sibTrans">
-      <dgm:prSet/>
-      <dgm:spPr/>
-      <dgm:t>
-        <a:bodyPr/>
-        <a:p>
-          <a:endParaRPr lang="zh-CN" altLang="en-US"/>
-        </a:p>
-      </dgm:t>
-    </dgm:pt>
-    <dgm:pt modelId="{CBA50553-63FA-4B5A-9888-EDDBA06CA593}">
-      <dgm:prSet phldrT="[文本]" phldr="0" custT="0"/>
-      <dgm:spPr/>
-      <dgm:t>
-        <a:bodyPr vert="horz" wrap="square"/>
-        <a:lstStyle>
-          <a:lvl1pPr algn="l">
-            <a:defRPr sz="1500"/>
-          </a:lvl1pPr>
-          <a:lvl2pPr marL="114300" indent="-114300" algn="l">
-            <a:defRPr sz="1500"/>
-          </a:lvl2pPr>
-          <a:lvl3pPr marL="228600" indent="-114300" algn="l">
-            <a:defRPr sz="1500"/>
-          </a:lvl3pPr>
-          <a:lvl4pPr marL="342900" indent="-114300" algn="l">
-            <a:defRPr sz="1500"/>
-          </a:lvl4pPr>
-          <a:lvl5pPr marL="457200" indent="-114300" algn="l">
-            <a:defRPr sz="1500"/>
-          </a:lvl5pPr>
-          <a:lvl6pPr marL="571500" indent="-114300" algn="l">
-            <a:defRPr sz="1500"/>
-          </a:lvl6pPr>
-          <a:lvl7pPr marL="685800" indent="-114300" algn="l">
-            <a:defRPr sz="1500"/>
-          </a:lvl7pPr>
-          <a:lvl8pPr marL="800100" indent="-114300" algn="l">
-            <a:defRPr sz="1500"/>
-          </a:lvl8pPr>
-          <a:lvl9pPr marL="914400" indent="-114300" algn="l">
-            <a:defRPr sz="1500"/>
-          </a:lvl9pPr>
-        </a:lstStyle>
-        <a:p>
-          <a:pPr>
-            <a:lnSpc>
-              <a:spcPct val="100000"/>
-            </a:lnSpc>
-            <a:spcBef>
-              <a:spcPct val="0"/>
-            </a:spcBef>
-            <a:spcAft>
-              <a:spcPct val="15000"/>
-            </a:spcAft>
-          </a:pPr>
-          <a:r>
-            <a:rPr lang="en-US" altLang="zh-CN"/>
-            <a:t>UMAT </a:t>
-          </a:r>
-          <a:r>
-            <a:rPr lang="en-US" altLang="zh-CN"/>
-            <a:t>subroutine</a:t>
-          </a:r>
-          <a:r>
-            <a:rPr lang="en-US" altLang="zh-CN"/>
-            <a:t/>
-          </a:r>
-          <a:endParaRPr lang="en-US" altLang="zh-CN"/>
-        </a:p>
-      </dgm:t>
-    </dgm:pt>
-    <dgm:pt modelId="{73E2772F-165D-4B56-ACC2-969CBF53B0A8}" cxnId="{812595CF-5014-4D95-AA93-4439FC923BB4}" type="parTrans">
-      <dgm:prSet/>
-      <dgm:spPr/>
-      <dgm:t>
-        <a:bodyPr/>
-        <a:p>
-          <a:endParaRPr lang="zh-CN" altLang="en-US"/>
-        </a:p>
-      </dgm:t>
-    </dgm:pt>
-    <dgm:pt modelId="{7BFD1607-7356-4D3D-A829-75D002A3A4B0}" cxnId="{812595CF-5014-4D95-AA93-4439FC923BB4}" type="sibTrans">
-      <dgm:prSet/>
-      <dgm:spPr/>
-      <dgm:t>
-        <a:bodyPr/>
-        <a:p>
-          <a:endParaRPr lang="zh-CN" altLang="en-US"/>
-        </a:p>
-      </dgm:t>
-    </dgm:pt>
-    <dgm:pt modelId="{27FC429B-E5F7-4921-910F-8C2AE2116031}">
-      <dgm:prSet phldr="0" custT="0"/>
-      <dgm:spPr/>
-      <dgm:t>
-        <a:bodyPr vert="horz" wrap="square"/>
-        <a:lstStyle>
-          <a:lvl1pPr algn="l">
-            <a:defRPr sz="1500"/>
-          </a:lvl1pPr>
-          <a:lvl2pPr marL="114300" indent="-114300" algn="l">
-            <a:defRPr sz="1500"/>
-          </a:lvl2pPr>
-          <a:lvl3pPr marL="228600" indent="-114300" algn="l">
-            <a:defRPr sz="1500"/>
-          </a:lvl3pPr>
-          <a:lvl4pPr marL="342900" indent="-114300" algn="l">
-            <a:defRPr sz="1500"/>
-          </a:lvl4pPr>
-          <a:lvl5pPr marL="457200" indent="-114300" algn="l">
-            <a:defRPr sz="1500"/>
-          </a:lvl5pPr>
-          <a:lvl6pPr marL="571500" indent="-114300" algn="l">
-            <a:defRPr sz="1500"/>
-          </a:lvl6pPr>
-          <a:lvl7pPr marL="685800" indent="-114300" algn="l">
-            <a:defRPr sz="1500"/>
-          </a:lvl7pPr>
-          <a:lvl8pPr marL="800100" indent="-114300" algn="l">
-            <a:defRPr sz="1500"/>
-          </a:lvl8pPr>
-          <a:lvl9pPr marL="914400" indent="-114300" algn="l">
-            <a:defRPr sz="1500"/>
-          </a:lvl9pPr>
-        </a:lstStyle>
-        <a:p>
-          <a:pPr>
-            <a:lnSpc>
-              <a:spcPct val="100000"/>
-            </a:lnSpc>
-            <a:spcBef>
-              <a:spcPct val="0"/>
-            </a:spcBef>
-            <a:spcAft>
-              <a:spcPct val="15000"/>
-            </a:spcAft>
-          </a:pPr>
-          <a:r>
-            <a:rPr lang="en-US" altLang="zh-CN"/>
-            <a:t>Characteristic Length</a:t>
-          </a:r>
-          <a:endParaRPr lang="en-US" altLang="zh-CN"/>
-        </a:p>
-      </dgm:t>
-    </dgm:pt>
-    <dgm:pt modelId="{24B6B48C-1296-4DB3-862F-E64E31B02E2B}" cxnId="{3C08E6EF-41E3-46E2-84AD-25185F727D21}" type="parTrans">
-      <dgm:prSet/>
-      <dgm:spPr/>
-    </dgm:pt>
-    <dgm:pt modelId="{85498363-EFAE-4884-BB48-2CC60F0D20C2}" cxnId="{3C08E6EF-41E3-46E2-84AD-25185F727D21}" type="sibTrans">
-      <dgm:prSet/>
-      <dgm:spPr/>
-    </dgm:pt>
-    <dgm:pt modelId="{90D64721-AE35-4DAB-8A5A-2E4658E296FB}">
-      <dgm:prSet phldr="0" custT="0"/>
-      <dgm:spPr/>
-      <dgm:t>
-        <a:bodyPr vert="horz" wrap="square"/>
-        <a:lstStyle>
-          <a:lvl1pPr algn="l">
-            <a:defRPr sz="1500"/>
-          </a:lvl1pPr>
-          <a:lvl2pPr marL="114300" indent="-114300" algn="l">
-            <a:defRPr sz="1500"/>
-          </a:lvl2pPr>
-          <a:lvl3pPr marL="228600" indent="-114300" algn="l">
-            <a:defRPr sz="1500"/>
-          </a:lvl3pPr>
-          <a:lvl4pPr marL="342900" indent="-114300" algn="l">
-            <a:defRPr sz="1500"/>
-          </a:lvl4pPr>
-          <a:lvl5pPr marL="457200" indent="-114300" algn="l">
-            <a:defRPr sz="1500"/>
-          </a:lvl5pPr>
-          <a:lvl6pPr marL="571500" indent="-114300" algn="l">
-            <a:defRPr sz="1500"/>
-          </a:lvl6pPr>
-          <a:lvl7pPr marL="685800" indent="-114300" algn="l">
-            <a:defRPr sz="1500"/>
-          </a:lvl7pPr>
-          <a:lvl8pPr marL="800100" indent="-114300" algn="l">
-            <a:defRPr sz="1500"/>
-          </a:lvl8pPr>
-          <a:lvl9pPr marL="914400" indent="-114300" algn="l">
-            <a:defRPr sz="1500"/>
-          </a:lvl9pPr>
-        </a:lstStyle>
-        <a:p>
-          <a:pPr>
-            <a:lnSpc>
-              <a:spcPct val="100000"/>
-            </a:lnSpc>
-            <a:spcBef>
-              <a:spcPct val="0"/>
-            </a:spcBef>
-            <a:spcAft>
-              <a:spcPct val="15000"/>
-            </a:spcAft>
-          </a:pPr>
-          <a:r>
-            <a:rPr lang="en-US" altLang="zh-CN"/>
-            <a:t>coefficient of viscosity</a:t>
-          </a:r>
-          <a:endParaRPr lang="en-US" altLang="zh-CN"/>
-        </a:p>
-      </dgm:t>
-    </dgm:pt>
-    <dgm:pt modelId="{F4918C90-BD18-4493-BFD4-431EFEC35BFD}" cxnId="{4AF5C3F5-D92F-42EF-BA5F-86EA6AE1E454}" type="parTrans">
-      <dgm:prSet/>
-      <dgm:spPr/>
-    </dgm:pt>
-    <dgm:pt modelId="{0EE33D94-CBE8-4925-B1C5-EFE8B3EFBDFD}" cxnId="{4AF5C3F5-D92F-42EF-BA5F-86EA6AE1E454}" type="sibTrans">
-      <dgm:prSet/>
-      <dgm:spPr/>
-    </dgm:pt>
-    <dgm:pt modelId="{44A344AB-0013-4BAC-9B78-A7303112F987}">
-      <dgm:prSet phldr="0" custT="0"/>
-      <dgm:spPr/>
-      <dgm:t>
-        <a:bodyPr vert="horz" wrap="square"/>
-        <a:lstStyle>
-          <a:lvl1pPr algn="l">
-            <a:defRPr sz="1500"/>
-          </a:lvl1pPr>
-          <a:lvl2pPr marL="114300" indent="-114300" algn="l">
-            <a:defRPr sz="1500"/>
-          </a:lvl2pPr>
-          <a:lvl3pPr marL="228600" indent="-114300" algn="l">
-            <a:defRPr sz="1500"/>
-          </a:lvl3pPr>
-          <a:lvl4pPr marL="342900" indent="-114300" algn="l">
-            <a:defRPr sz="1500"/>
-          </a:lvl4pPr>
-          <a:lvl5pPr marL="457200" indent="-114300" algn="l">
-            <a:defRPr sz="1500"/>
-          </a:lvl5pPr>
-          <a:lvl6pPr marL="571500" indent="-114300" algn="l">
-            <a:defRPr sz="1500"/>
-          </a:lvl6pPr>
-          <a:lvl7pPr marL="685800" indent="-114300" algn="l">
-            <a:defRPr sz="1500"/>
-          </a:lvl7pPr>
-          <a:lvl8pPr marL="800100" indent="-114300" algn="l">
-            <a:defRPr sz="1500"/>
-          </a:lvl8pPr>
-          <a:lvl9pPr marL="914400" indent="-114300" algn="l">
-            <a:defRPr sz="1500"/>
-          </a:lvl9pPr>
-        </a:lstStyle>
-        <a:p>
-          <a:pPr>
-            <a:lnSpc>
-              <a:spcPct val="100000"/>
-            </a:lnSpc>
-            <a:spcBef>
-              <a:spcPct val="0"/>
-            </a:spcBef>
-            <a:spcAft>
-              <a:spcPct val="15000"/>
-            </a:spcAft>
-          </a:pPr>
-          <a:r>
-            <a:rPr lang="en-US" altLang="zh-CN"/>
-            <a:t>implicit dynamic </a:t>
-          </a:r>
-          <a:endParaRPr lang="en-US" altLang="zh-CN"/>
-        </a:p>
-      </dgm:t>
-    </dgm:pt>
-    <dgm:pt modelId="{E5CB79FD-B4E3-4F25-9A5A-40FEAE415663}" cxnId="{9A0A3B14-C90B-4B73-81EF-CEBD897B4FE4}" type="parTrans">
-      <dgm:prSet/>
-      <dgm:spPr/>
-    </dgm:pt>
-    <dgm:pt modelId="{B04FF3F6-37F4-4878-B64A-C7A776EACC76}" cxnId="{9A0A3B14-C90B-4B73-81EF-CEBD897B4FE4}" type="sibTrans">
-      <dgm:prSet/>
-      <dgm:spPr/>
-    </dgm:pt>
-    <dgm:pt modelId="{C8DDDFA1-AF37-4444-AAEB-D51CEE212719}">
-      <dgm:prSet phldrT="[文本]" phldr="0" custT="1"/>
-      <dgm:spPr/>
-      <dgm:t>
-        <a:bodyPr vert="horz" wrap="square"/>
-        <a:lstStyle>
-          <a:lvl1pPr algn="ctr">
-            <a:defRPr sz="6500"/>
-          </a:lvl1pPr>
-          <a:lvl2pPr marL="285750" indent="-285750" algn="ctr">
-            <a:defRPr sz="5000"/>
-          </a:lvl2pPr>
-          <a:lvl3pPr marL="571500" indent="-285750" algn="ctr">
-            <a:defRPr sz="5000"/>
-          </a:lvl3pPr>
-          <a:lvl4pPr marL="857250" indent="-285750" algn="ctr">
-            <a:defRPr sz="5000"/>
-          </a:lvl4pPr>
-          <a:lvl5pPr marL="1143000" indent="-285750" algn="ctr">
-            <a:defRPr sz="5000"/>
-          </a:lvl5pPr>
-          <a:lvl6pPr marL="1428750" indent="-285750" algn="ctr">
-            <a:defRPr sz="5000"/>
-          </a:lvl6pPr>
-          <a:lvl7pPr marL="1714500" indent="-285750" algn="ctr">
-            <a:defRPr sz="5000"/>
-          </a:lvl7pPr>
-          <a:lvl8pPr marL="2000250" indent="-285750" algn="ctr">
-            <a:defRPr sz="5000"/>
-          </a:lvl8pPr>
-          <a:lvl9pPr marL="2286000" indent="-285750" algn="ctr">
-            <a:defRPr sz="5000"/>
-          </a:lvl9pPr>
-        </a:lstStyle>
-        <a:p>
-          <a:pPr>
-            <a:lnSpc>
-              <a:spcPct val="100000"/>
-            </a:lnSpc>
-            <a:spcBef>
-              <a:spcPct val="0"/>
-            </a:spcBef>
-            <a:spcAft>
-              <a:spcPct val="35000"/>
-            </a:spcAft>
-          </a:pPr>
-          <a:r>
-            <a:rPr lang="en-US" altLang="zh-CN" sz="2400" dirty="0" smtClean="0">
-              <a:sym typeface="+mn-ea"/>
-            </a:rPr>
-            <a:t>Results</a:t>
-          </a:r>
-          <a:r>
-            <a:rPr lang="en-US" altLang="zh-CN" sz="5900" dirty="0" smtClean="0">
-              <a:sym typeface="+mn-ea"/>
-            </a:rPr>
-            <a:t> </a:t>
-          </a:r>
-          <a:r>
-            <a:rPr lang="zh-CN" altLang="en-US" sz="5900"/>
-            <a:t/>
-          </a:r>
-          <a:endParaRPr lang="zh-CN" altLang="en-US" sz="5900"/>
-        </a:p>
-      </dgm:t>
-    </dgm:pt>
-    <dgm:pt modelId="{26EA520A-5891-4EBA-B2AD-1840663D8C07}" cxnId="{EB3038D1-48AA-4660-881B-9FC564E2E6C2}" type="parTrans">
-      <dgm:prSet/>
-      <dgm:spPr/>
-      <dgm:t>
-        <a:bodyPr/>
-        <a:p>
-          <a:endParaRPr lang="zh-CN" altLang="en-US"/>
-        </a:p>
-      </dgm:t>
-    </dgm:pt>
-    <dgm:pt modelId="{CE2287C8-6424-4771-88FD-4DADE15C5A04}" cxnId="{EB3038D1-48AA-4660-881B-9FC564E2E6C2}" type="sibTrans">
-      <dgm:prSet/>
-      <dgm:spPr/>
-      <dgm:t>
-        <a:bodyPr/>
-        <a:p>
-          <a:endParaRPr lang="zh-CN" altLang="en-US"/>
-        </a:p>
-      </dgm:t>
-    </dgm:pt>
-    <dgm:pt modelId="{5AA02751-379E-46DB-884A-F23ACBC498EE}">
-      <dgm:prSet phldrT="[文本]" phldr="0" custT="0"/>
-      <dgm:spPr/>
-      <dgm:t>
-        <a:bodyPr vert="horz" wrap="square"/>
-        <a:lstStyle>
-          <a:lvl1pPr algn="l">
-            <a:defRPr sz="2000"/>
-          </a:lvl1pPr>
-          <a:lvl2pPr marL="228600" indent="-228600" algn="l">
-            <a:defRPr sz="2000"/>
-          </a:lvl2pPr>
-          <a:lvl3pPr marL="457200" indent="-228600" algn="l">
-            <a:defRPr sz="2000"/>
-          </a:lvl3pPr>
-          <a:lvl4pPr marL="685800" indent="-228600" algn="l">
-            <a:defRPr sz="2000"/>
-          </a:lvl4pPr>
-          <a:lvl5pPr marL="914400" indent="-228600" algn="l">
-            <a:defRPr sz="2000"/>
-          </a:lvl5pPr>
-          <a:lvl6pPr marL="1143000" indent="-228600" algn="l">
-            <a:defRPr sz="2000"/>
-          </a:lvl6pPr>
-          <a:lvl7pPr marL="1371600" indent="-228600" algn="l">
-            <a:defRPr sz="2000"/>
-          </a:lvl7pPr>
-          <a:lvl8pPr marL="1600200" indent="-228600" algn="l">
-            <a:defRPr sz="2000"/>
-          </a:lvl8pPr>
-          <a:lvl9pPr marL="1828800" indent="-228600" algn="l">
-            <a:defRPr sz="2000"/>
-          </a:lvl9pPr>
-        </a:lstStyle>
-        <a:p>
-          <a:pPr>
-            <a:lnSpc>
-              <a:spcPct val="100000"/>
-            </a:lnSpc>
-            <a:spcBef>
-              <a:spcPct val="0"/>
-            </a:spcBef>
-            <a:spcAft>
-              <a:spcPct val="15000"/>
-            </a:spcAft>
-          </a:pPr>
-          <a:r>
-            <a:rPr lang="zh-CN" altLang="en-US"/>
-            <a:t/>
-          </a:r>
-          <a:endParaRPr lang="zh-CN" altLang="en-US"/>
-        </a:p>
-      </dgm:t>
-    </dgm:pt>
-    <dgm:pt modelId="{D0D77647-95BE-4607-B2F0-006D9CAB8F0E}" cxnId="{598D5947-D369-4EA4-B63E-93A72F3C0DE6}" type="parTrans">
-      <dgm:prSet/>
-      <dgm:spPr/>
-      <dgm:t>
-        <a:bodyPr/>
-        <a:p>
-          <a:endParaRPr lang="zh-CN" altLang="en-US"/>
-        </a:p>
-      </dgm:t>
-    </dgm:pt>
-    <dgm:pt modelId="{3DBF6B9F-A188-4D67-ABE8-0633561FA9E5}" cxnId="{598D5947-D369-4EA4-B63E-93A72F3C0DE6}" type="sibTrans">
-      <dgm:prSet/>
-      <dgm:spPr/>
-      <dgm:t>
-        <a:bodyPr/>
+        <a:lstStyle/>
         <a:p>
           <a:endParaRPr lang="zh-CN" altLang="en-US"/>
         </a:p>
@@ -2590,116 +1721,17 @@
         </dgm:presLayoutVars>
       </dgm:prSet>
       <dgm:spPr/>
-    </dgm:pt>
-    <dgm:pt modelId="{E61486FD-113E-4C87-8ADF-B1A8E2A84801}" type="pres">
-      <dgm:prSet presAssocID="{90DDC401-903F-495B-A387-FFA8A45891F6}" presName="linNode" presStyleCnt="0"/>
-      <dgm:spPr/>
-    </dgm:pt>
-    <dgm:pt modelId="{96BE2B31-D87C-43E1-BE64-4C27B13F4AA4}" type="pres">
-      <dgm:prSet presAssocID="{90DDC401-903F-495B-A387-FFA8A45891F6}" presName="parentText" presStyleLbl="node1" presStyleIdx="0" presStyleCnt="3">
-        <dgm:presLayoutVars>
-          <dgm:chMax val="1"/>
-          <dgm:bulletEnabled val="1"/>
-        </dgm:presLayoutVars>
-      </dgm:prSet>
-      <dgm:spPr/>
-    </dgm:pt>
-    <dgm:pt modelId="{DD9406C3-FC80-4468-A55B-122D744D43F0}" type="pres">
-      <dgm:prSet presAssocID="{90DDC401-903F-495B-A387-FFA8A45891F6}" presName="descendantText" presStyleLbl="alignAccFollowNode1" presStyleIdx="0" presStyleCnt="3">
-        <dgm:presLayoutVars>
-          <dgm:bulletEnabled val="1"/>
-        </dgm:presLayoutVars>
-      </dgm:prSet>
-      <dgm:spPr/>
-    </dgm:pt>
-    <dgm:pt modelId="{F1941F29-E51C-4282-956D-50CFAFAEB9B8}" type="pres">
-      <dgm:prSet presAssocID="{35E5E878-0907-4014-9CFA-56AEFE6C22E5}" presName="sp" presStyleCnt="0"/>
-      <dgm:spPr/>
-    </dgm:pt>
-    <dgm:pt modelId="{B589D1EC-5156-4FB2-BB1C-8E1290A868B9}" type="pres">
-      <dgm:prSet presAssocID="{A6685E83-BEEC-49B3-B40A-539E2C0D7A1A}" presName="linNode" presStyleCnt="0"/>
-      <dgm:spPr/>
-    </dgm:pt>
-    <dgm:pt modelId="{EBD335B5-8308-49CB-9630-99D852747B1F}" type="pres">
-      <dgm:prSet presAssocID="{A6685E83-BEEC-49B3-B40A-539E2C0D7A1A}" presName="parentText" presStyleLbl="node1" presStyleIdx="1" presStyleCnt="3">
-        <dgm:presLayoutVars>
-          <dgm:chMax val="1"/>
-          <dgm:bulletEnabled val="1"/>
-        </dgm:presLayoutVars>
-      </dgm:prSet>
-      <dgm:spPr/>
-    </dgm:pt>
-    <dgm:pt modelId="{6EB2A58E-CA03-4F76-94B6-D8FE50231963}" type="pres">
-      <dgm:prSet presAssocID="{A6685E83-BEEC-49B3-B40A-539E2C0D7A1A}" presName="descendantText" presStyleLbl="alignAccFollowNode1" presStyleIdx="1" presStyleCnt="3">
-        <dgm:presLayoutVars>
-          <dgm:bulletEnabled val="1"/>
-        </dgm:presLayoutVars>
-      </dgm:prSet>
-      <dgm:spPr/>
-    </dgm:pt>
-    <dgm:pt modelId="{A76EE5BB-CBA4-4DD9-BFB7-3F3F246C9BF0}" type="pres">
-      <dgm:prSet presAssocID="{68BB6C9A-B7F0-43A0-955B-FC8C4D4009BF}" presName="sp" presStyleCnt="0"/>
-      <dgm:spPr/>
-    </dgm:pt>
-    <dgm:pt modelId="{2BB2A428-FB05-47E5-AC5F-C6A7936A9AC0}" type="pres">
-      <dgm:prSet presAssocID="{C8DDDFA1-AF37-4444-AAEB-D51CEE212719}" presName="linNode" presStyleCnt="0"/>
-      <dgm:spPr/>
-    </dgm:pt>
-    <dgm:pt modelId="{B093CE78-670B-40EB-95CF-315E334D550F}" type="pres">
-      <dgm:prSet presAssocID="{C8DDDFA1-AF37-4444-AAEB-D51CEE212719}" presName="parentText" presStyleLbl="node1" presStyleIdx="2" presStyleCnt="3">
-        <dgm:presLayoutVars>
-          <dgm:chMax val="1"/>
-          <dgm:bulletEnabled val="1"/>
-        </dgm:presLayoutVars>
-      </dgm:prSet>
-      <dgm:spPr/>
-    </dgm:pt>
-    <dgm:pt modelId="{64028F0D-BE57-4642-92F7-303D4E45C524}" type="pres">
-      <dgm:prSet presAssocID="{C8DDDFA1-AF37-4444-AAEB-D51CEE212719}" presName="descendantText" presStyleLbl="alignAccFollowNode1" presStyleIdx="2" presStyleCnt="3">
-        <dgm:presLayoutVars>
-          <dgm:bulletEnabled val="1"/>
-        </dgm:presLayoutVars>
-      </dgm:prSet>
-      <dgm:spPr/>
+      <dgm:t>
+        <a:bodyPr/>
+        <a:lstStyle/>
+        <a:p>
+          <a:endParaRPr lang="zh-CN" altLang="en-US"/>
+        </a:p>
+      </dgm:t>
     </dgm:pt>
   </dgm:ptLst>
   <dgm:cxnLst>
-    <dgm:cxn modelId="{F42AF8FF-1599-42FD-93E5-47A977B397E1}" srcId="{2E15931E-1654-4B73-89B2-8E333D9C42E0}" destId="{90DDC401-903F-495B-A387-FFA8A45891F6}" srcOrd="0" destOrd="0" parTransId="{C8BB0B8A-C63A-4F83-B8DD-3A7CE259E4EE}" sibTransId="{35E5E878-0907-4014-9CFA-56AEFE6C22E5}"/>
-    <dgm:cxn modelId="{78359818-5AB2-4193-8A2A-28936535EC2C}" srcId="{90DDC401-903F-495B-A387-FFA8A45891F6}" destId="{E08CEB0C-E37F-4DCA-A8EA-4B2CD3AD7754}" srcOrd="0" destOrd="0" parTransId="{FB4BCC77-44E9-4065-8A2F-90CD32DE34E3}" sibTransId="{41FED480-3E2E-47A2-B997-02D527BC8082}"/>
-    <dgm:cxn modelId="{43FAA045-57F0-4C0F-80EA-92FA28256BCF}" srcId="{90DDC401-903F-495B-A387-FFA8A45891F6}" destId="{E8FCD158-3341-4AE9-8B1F-219246C2F9AF}" srcOrd="1" destOrd="0" parTransId="{5DAD5960-7F3B-41C6-A56F-04E4A0E24F63}" sibTransId="{F6C76A4A-0A69-4B10-803D-21CEF1486538}"/>
-    <dgm:cxn modelId="{FF56786C-B1CA-4769-AE05-B6324C13A8EC}" srcId="{90DDC401-903F-495B-A387-FFA8A45891F6}" destId="{7DA5A652-D660-46D6-92EF-D18BA988C1A3}" srcOrd="2" destOrd="0" parTransId="{6B2F3570-CAAF-4EE4-BF40-26C458D743A3}" sibTransId="{7CCFFC8F-E3C3-4018-BCB6-DB6B5F8B9CBC}"/>
-    <dgm:cxn modelId="{505D6130-A3F5-431F-925D-A7F88E5964FA}" srcId="{90DDC401-903F-495B-A387-FFA8A45891F6}" destId="{8206D0A4-320D-4451-9E51-5052B8351A03}" srcOrd="3" destOrd="0" parTransId="{6940C0AB-B2F1-458A-9938-3847AC2D06E2}" sibTransId="{DA68C49D-76F6-4DCB-B324-636FE00BB914}"/>
-    <dgm:cxn modelId="{37611173-E858-49A2-8756-8281AF0B4C6A}" srcId="{2E15931E-1654-4B73-89B2-8E333D9C42E0}" destId="{A6685E83-BEEC-49B3-B40A-539E2C0D7A1A}" srcOrd="1" destOrd="0" parTransId="{FECC43A3-D59E-4EE1-9557-8FBB90D5B362}" sibTransId="{68BB6C9A-B7F0-43A0-955B-FC8C4D4009BF}"/>
-    <dgm:cxn modelId="{812595CF-5014-4D95-AA93-4439FC923BB4}" srcId="{A6685E83-BEEC-49B3-B40A-539E2C0D7A1A}" destId="{CBA50553-63FA-4B5A-9888-EDDBA06CA593}" srcOrd="0" destOrd="1" parTransId="{73E2772F-165D-4B56-ACC2-969CBF53B0A8}" sibTransId="{7BFD1607-7356-4D3D-A829-75D002A3A4B0}"/>
-    <dgm:cxn modelId="{3C08E6EF-41E3-46E2-84AD-25185F727D21}" srcId="{A6685E83-BEEC-49B3-B40A-539E2C0D7A1A}" destId="{27FC429B-E5F7-4921-910F-8C2AE2116031}" srcOrd="1" destOrd="1" parTransId="{24B6B48C-1296-4DB3-862F-E64E31B02E2B}" sibTransId="{85498363-EFAE-4884-BB48-2CC60F0D20C2}"/>
-    <dgm:cxn modelId="{4AF5C3F5-D92F-42EF-BA5F-86EA6AE1E454}" srcId="{A6685E83-BEEC-49B3-B40A-539E2C0D7A1A}" destId="{90D64721-AE35-4DAB-8A5A-2E4658E296FB}" srcOrd="2" destOrd="1" parTransId="{F4918C90-BD18-4493-BFD4-431EFEC35BFD}" sibTransId="{0EE33D94-CBE8-4925-B1C5-EFE8B3EFBDFD}"/>
-    <dgm:cxn modelId="{9A0A3B14-C90B-4B73-81EF-CEBD897B4FE4}" srcId="{A6685E83-BEEC-49B3-B40A-539E2C0D7A1A}" destId="{44A344AB-0013-4BAC-9B78-A7303112F987}" srcOrd="3" destOrd="1" parTransId="{E5CB79FD-B4E3-4F25-9A5A-40FEAE415663}" sibTransId="{B04FF3F6-37F4-4878-B64A-C7A776EACC76}"/>
-    <dgm:cxn modelId="{EB3038D1-48AA-4660-881B-9FC564E2E6C2}" srcId="{2E15931E-1654-4B73-89B2-8E333D9C42E0}" destId="{C8DDDFA1-AF37-4444-AAEB-D51CEE212719}" srcOrd="2" destOrd="0" parTransId="{26EA520A-5891-4EBA-B2AD-1840663D8C07}" sibTransId="{CE2287C8-6424-4771-88FD-4DADE15C5A04}"/>
-    <dgm:cxn modelId="{598D5947-D369-4EA4-B63E-93A72F3C0DE6}" srcId="{C8DDDFA1-AF37-4444-AAEB-D51CEE212719}" destId="{5AA02751-379E-46DB-884A-F23ACBC498EE}" srcOrd="0" destOrd="2" parTransId="{D0D77647-95BE-4607-B2F0-006D9CAB8F0E}" sibTransId="{3DBF6B9F-A188-4D67-ABE8-0633561FA9E5}"/>
-    <dgm:cxn modelId="{EB385E51-859B-47D6-8D6C-8C6A73E540AC}" type="presOf" srcId="{2E15931E-1654-4B73-89B2-8E333D9C42E0}" destId="{D5935282-3C7C-4F88-A1AE-C27DB8591514}" srcOrd="0" destOrd="0" presId="urn:microsoft.com/office/officeart/2005/8/layout/vList5"/>
-    <dgm:cxn modelId="{1F188C6E-CD0D-4B98-BA63-D02902996E97}" type="presParOf" srcId="{D5935282-3C7C-4F88-A1AE-C27DB8591514}" destId="{E61486FD-113E-4C87-8ADF-B1A8E2A84801}" srcOrd="0" destOrd="0" presId="urn:microsoft.com/office/officeart/2005/8/layout/vList5"/>
-    <dgm:cxn modelId="{DE9F56B6-B930-4AF0-B3A3-746750E578EA}" type="presParOf" srcId="{E61486FD-113E-4C87-8ADF-B1A8E2A84801}" destId="{96BE2B31-D87C-43E1-BE64-4C27B13F4AA4}" srcOrd="0" destOrd="0" presId="urn:microsoft.com/office/officeart/2005/8/layout/vList5"/>
-    <dgm:cxn modelId="{6E2DD28D-A06D-4ABE-A457-3E2F15990679}" type="presOf" srcId="{90DDC401-903F-495B-A387-FFA8A45891F6}" destId="{96BE2B31-D87C-43E1-BE64-4C27B13F4AA4}" srcOrd="0" destOrd="0" presId="urn:microsoft.com/office/officeart/2005/8/layout/vList5"/>
-    <dgm:cxn modelId="{8CCAF2DA-AFA8-49EF-8211-F641EFF812CE}" type="presParOf" srcId="{E61486FD-113E-4C87-8ADF-B1A8E2A84801}" destId="{DD9406C3-FC80-4468-A55B-122D744D43F0}" srcOrd="1" destOrd="0" presId="urn:microsoft.com/office/officeart/2005/8/layout/vList5"/>
-    <dgm:cxn modelId="{0E78D631-B1C1-4C51-A552-497940313F4D}" type="presOf" srcId="{E08CEB0C-E37F-4DCA-A8EA-4B2CD3AD7754}" destId="{DD9406C3-FC80-4468-A55B-122D744D43F0}" srcOrd="0" destOrd="0" presId="urn:microsoft.com/office/officeart/2005/8/layout/vList5"/>
-    <dgm:cxn modelId="{CFDAD6F1-6940-431D-ADFA-796EE2B99DB7}" type="presOf" srcId="{E8FCD158-3341-4AE9-8B1F-219246C2F9AF}" destId="{DD9406C3-FC80-4468-A55B-122D744D43F0}" srcOrd="0" destOrd="1" presId="urn:microsoft.com/office/officeart/2005/8/layout/vList5"/>
-    <dgm:cxn modelId="{E6941931-DEE3-4F0E-9A8A-E35652E21AF3}" type="presOf" srcId="{7DA5A652-D660-46D6-92EF-D18BA988C1A3}" destId="{DD9406C3-FC80-4468-A55B-122D744D43F0}" srcOrd="0" destOrd="2" presId="urn:microsoft.com/office/officeart/2005/8/layout/vList5"/>
-    <dgm:cxn modelId="{DE1C221C-B470-46B8-9F19-6DA9BEF91B36}" type="presOf" srcId="{8206D0A4-320D-4451-9E51-5052B8351A03}" destId="{DD9406C3-FC80-4468-A55B-122D744D43F0}" srcOrd="0" destOrd="3" presId="urn:microsoft.com/office/officeart/2005/8/layout/vList5"/>
-    <dgm:cxn modelId="{3A0B6623-05B5-4400-A30B-7FCFBCA12ED0}" type="presParOf" srcId="{D5935282-3C7C-4F88-A1AE-C27DB8591514}" destId="{F1941F29-E51C-4282-956D-50CFAFAEB9B8}" srcOrd="1" destOrd="0" presId="urn:microsoft.com/office/officeart/2005/8/layout/vList5"/>
-    <dgm:cxn modelId="{DFB6CFC8-CD04-4C4A-AD7B-AAA0676509ED}" type="presParOf" srcId="{D5935282-3C7C-4F88-A1AE-C27DB8591514}" destId="{B589D1EC-5156-4FB2-BB1C-8E1290A868B9}" srcOrd="2" destOrd="0" presId="urn:microsoft.com/office/officeart/2005/8/layout/vList5"/>
-    <dgm:cxn modelId="{6493F57E-8F0D-4CDE-BA06-D9EC1F6DDF8D}" type="presParOf" srcId="{B589D1EC-5156-4FB2-BB1C-8E1290A868B9}" destId="{EBD335B5-8308-49CB-9630-99D852747B1F}" srcOrd="0" destOrd="2" presId="urn:microsoft.com/office/officeart/2005/8/layout/vList5"/>
-    <dgm:cxn modelId="{C185BF65-4F35-47F8-A68B-9AE519D85A89}" type="presOf" srcId="{A6685E83-BEEC-49B3-B40A-539E2C0D7A1A}" destId="{EBD335B5-8308-49CB-9630-99D852747B1F}" srcOrd="0" destOrd="0" presId="urn:microsoft.com/office/officeart/2005/8/layout/vList5"/>
-    <dgm:cxn modelId="{685F30FA-F24B-4467-9E2B-697E899BC937}" type="presParOf" srcId="{B589D1EC-5156-4FB2-BB1C-8E1290A868B9}" destId="{6EB2A58E-CA03-4F76-94B6-D8FE50231963}" srcOrd="1" destOrd="2" presId="urn:microsoft.com/office/officeart/2005/8/layout/vList5"/>
-    <dgm:cxn modelId="{E8E0EB12-0E0F-46C6-A349-E59123D9E399}" type="presOf" srcId="{CBA50553-63FA-4B5A-9888-EDDBA06CA593}" destId="{6EB2A58E-CA03-4F76-94B6-D8FE50231963}" srcOrd="0" destOrd="0" presId="urn:microsoft.com/office/officeart/2005/8/layout/vList5"/>
-    <dgm:cxn modelId="{28D66651-67E0-474B-8DA8-F1BB04139FD7}" type="presOf" srcId="{27FC429B-E5F7-4921-910F-8C2AE2116031}" destId="{6EB2A58E-CA03-4F76-94B6-D8FE50231963}" srcOrd="0" destOrd="1" presId="urn:microsoft.com/office/officeart/2005/8/layout/vList5"/>
-    <dgm:cxn modelId="{3BA156B3-54DB-48A0-9F1C-9F13BBE15918}" type="presOf" srcId="{90D64721-AE35-4DAB-8A5A-2E4658E296FB}" destId="{6EB2A58E-CA03-4F76-94B6-D8FE50231963}" srcOrd="0" destOrd="2" presId="urn:microsoft.com/office/officeart/2005/8/layout/vList5"/>
-    <dgm:cxn modelId="{AA72925C-F5A4-4CAA-ACAE-4A1D453C5694}" type="presOf" srcId="{44A344AB-0013-4BAC-9B78-A7303112F987}" destId="{6EB2A58E-CA03-4F76-94B6-D8FE50231963}" srcOrd="0" destOrd="3" presId="urn:microsoft.com/office/officeart/2005/8/layout/vList5"/>
-    <dgm:cxn modelId="{54FC8D14-B71C-420F-A132-47D501184C3D}" type="presParOf" srcId="{D5935282-3C7C-4F88-A1AE-C27DB8591514}" destId="{A76EE5BB-CBA4-4DD9-BFB7-3F3F246C9BF0}" srcOrd="3" destOrd="0" presId="urn:microsoft.com/office/officeart/2005/8/layout/vList5"/>
-    <dgm:cxn modelId="{B66668AD-A70B-41F6-BAC3-213C1ACF0310}" type="presParOf" srcId="{D5935282-3C7C-4F88-A1AE-C27DB8591514}" destId="{2BB2A428-FB05-47E5-AC5F-C6A7936A9AC0}" srcOrd="4" destOrd="0" presId="urn:microsoft.com/office/officeart/2005/8/layout/vList5"/>
-    <dgm:cxn modelId="{5E4E8FED-FE9A-4E1A-9F7D-F3A0E8F4FB40}" type="presParOf" srcId="{2BB2A428-FB05-47E5-AC5F-C6A7936A9AC0}" destId="{B093CE78-670B-40EB-95CF-315E334D550F}" srcOrd="0" destOrd="4" presId="urn:microsoft.com/office/officeart/2005/8/layout/vList5"/>
-    <dgm:cxn modelId="{C119B9A0-75C9-4D9B-A521-75D6239BE78B}" type="presOf" srcId="{C8DDDFA1-AF37-4444-AAEB-D51CEE212719}" destId="{B093CE78-670B-40EB-95CF-315E334D550F}" srcOrd="0" destOrd="0" presId="urn:microsoft.com/office/officeart/2005/8/layout/vList5"/>
-    <dgm:cxn modelId="{8A07B805-8E0C-4147-B4CE-3174F1DB5793}" type="presParOf" srcId="{2BB2A428-FB05-47E5-AC5F-C6A7936A9AC0}" destId="{64028F0D-BE57-4642-92F7-303D4E45C524}" srcOrd="1" destOrd="4" presId="urn:microsoft.com/office/officeart/2005/8/layout/vList5"/>
-    <dgm:cxn modelId="{882ACD7D-6F7E-46C7-A2B2-F37E04559FD3}" type="presOf" srcId="{5AA02751-379E-46DB-884A-F23ACBC498EE}" destId="{64028F0D-BE57-4642-92F7-303D4E45C524}" srcOrd="0" destOrd="0" presId="urn:microsoft.com/office/officeart/2005/8/layout/vList5"/>
+    <dgm:cxn modelId="{CBEFE1CD-1A4D-4498-BD0B-D9EF4F8B7B59}" type="presOf" srcId="{2E15931E-1654-4B73-89B2-8E333D9C42E0}" destId="{D5935282-3C7C-4F88-A1AE-C27DB8591514}" srcOrd="0" destOrd="0" presId="urn:microsoft.com/office/officeart/2005/8/layout/vList5"/>
   </dgm:cxnLst>
   <dgm:bg/>
   <dgm:whole/>
@@ -2709,1276 +1741,6 @@
     </a:ext>
   </dgm:extLst>
 </dgm:dataModel>
-</file>
-
-<file path=ppt/diagrams/drawing1.xml><?xml version="1.0" encoding="utf-8"?>
-<dsp:drawing xmlns:dgm="http://schemas.openxmlformats.org/drawingml/2006/diagram" xmlns:dsp="http://schemas.microsoft.com/office/drawing/2008/diagram" xmlns:a="http://schemas.openxmlformats.org/drawingml/2006/main" xmlns:r="http://schemas.openxmlformats.org/officeDocument/2006/relationships">
-  <dsp:spTree>
-    <dsp:nvGrpSpPr>
-      <dsp:cNvPr id="2" name="组合 1"/>
-      <dsp:cNvGrpSpPr/>
-    </dsp:nvGrpSpPr>
-    <dsp:grpSpPr>
-      <a:xfrm>
-        <a:off x="0" y="0"/>
-        <a:ext cx="8621395" cy="4791710"/>
-        <a:chOff x="0" y="0"/>
-        <a:chExt cx="8621395" cy="4791710"/>
-      </a:xfrm>
-    </dsp:grpSpPr>
-    <dsp:sp modelId="{DD9406C3-FC80-4468-A55B-122D744D43F0}">
-      <dsp:nvSpPr>
-        <dsp:cNvPr id="4" name="同侧圆角矩形 3"/>
-        <dsp:cNvSpPr/>
-      </dsp:nvSpPr>
-      <dsp:spPr bwMode="white">
-        <a:xfrm rot="5400000">
-          <a:off x="5244263" y="-1985990"/>
-          <a:ext cx="1236570" cy="5517693"/>
-        </a:xfrm>
-        <a:prstGeom prst="round2SameRect">
-          <a:avLst/>
-        </a:prstGeom>
-      </dsp:spPr>
-      <dsp:style>
-        <a:lnRef idx="2">
-          <a:schemeClr val="accent1">
-            <a:alpha val="90000"/>
-            <a:tint val="40000"/>
-          </a:schemeClr>
-        </a:lnRef>
-        <a:fillRef idx="1">
-          <a:schemeClr val="accent1">
-            <a:alpha val="90000"/>
-            <a:tint val="40000"/>
-          </a:schemeClr>
-        </a:fillRef>
-        <a:effectRef idx="0">
-          <a:scrgbClr r="0" g="0" b="0"/>
-        </a:effectRef>
-        <a:fontRef idx="minor"/>
-      </dsp:style>
-      <dsp:txBody>
-        <a:bodyPr rot="-5400000" vert="horz" wrap="square" lIns="76200" tIns="38100" rIns="76200" bIns="38100" anchor="ctr"/>
-        <a:lstStyle>
-          <a:lvl1pPr algn="l">
-            <a:defRPr sz="2000"/>
-          </a:lvl1pPr>
-          <a:lvl2pPr marL="228600" indent="-228600" algn="l">
-            <a:defRPr sz="2000"/>
-          </a:lvl2pPr>
-          <a:lvl3pPr marL="457200" indent="-228600" algn="l">
-            <a:defRPr sz="2000"/>
-          </a:lvl3pPr>
-          <a:lvl4pPr marL="685800" indent="-228600" algn="l">
-            <a:defRPr sz="2000"/>
-          </a:lvl4pPr>
-          <a:lvl5pPr marL="914400" indent="-228600" algn="l">
-            <a:defRPr sz="2000"/>
-          </a:lvl5pPr>
-          <a:lvl6pPr marL="1143000" indent="-228600" algn="l">
-            <a:defRPr sz="2000"/>
-          </a:lvl6pPr>
-          <a:lvl7pPr marL="1371600" indent="-228600" algn="l">
-            <a:defRPr sz="2000"/>
-          </a:lvl7pPr>
-          <a:lvl8pPr marL="1600200" indent="-228600" algn="l">
-            <a:defRPr sz="2000"/>
-          </a:lvl8pPr>
-          <a:lvl9pPr marL="1828800" indent="-228600" algn="l">
-            <a:defRPr sz="2000"/>
-          </a:lvl9pPr>
-        </a:lstStyle>
-        <a:p>
-          <a:pPr lvl="1">
-            <a:lnSpc>
-              <a:spcPct val="100000"/>
-            </a:lnSpc>
-            <a:spcBef>
-              <a:spcPct val="0"/>
-            </a:spcBef>
-            <a:spcAft>
-              <a:spcPct val="15000"/>
-            </a:spcAft>
-            <a:buChar char="•"/>
-          </a:pPr>
-          <a:r>
-            <a:rPr lang="en-US" altLang="zh-CN">
-              <a:solidFill>
-                <a:schemeClr val="dk1"/>
-              </a:solidFill>
-              <a:sym typeface="+mn-ea"/>
-            </a:rPr>
-            <a:t>Degeneration Model(linear vs exponential)</a:t>
-          </a:r>
-          <a:endParaRPr lang="zh-CN" altLang="en-US">
-            <a:solidFill>
-              <a:schemeClr val="dk1"/>
-            </a:solidFill>
-          </a:endParaRPr>
-        </a:p>
-        <a:p>
-          <a:pPr lvl="1">
-            <a:lnSpc>
-              <a:spcPct val="100000"/>
-            </a:lnSpc>
-            <a:spcBef>
-              <a:spcPct val="0"/>
-            </a:spcBef>
-            <a:spcAft>
-              <a:spcPct val="15000"/>
-            </a:spcAft>
-            <a:buChar char="•"/>
-          </a:pPr>
-          <a:r>
-            <a:rPr lang="en-US" altLang="zh-CN">
-              <a:solidFill>
-                <a:schemeClr val="dk1"/>
-              </a:solidFill>
-              <a:sym typeface="+mn-ea"/>
-            </a:rPr>
-            <a:t>Shear Nonlinearity</a:t>
-          </a:r>
-          <a:endParaRPr lang="en-US" altLang="zh-CN">
-            <a:solidFill>
-              <a:schemeClr val="dk1"/>
-            </a:solidFill>
-          </a:endParaRPr>
-        </a:p>
-      </dsp:txBody>
-      <dsp:txXfrm rot="5400000">
-        <a:off x="5244263" y="-1985990"/>
-        <a:ext cx="1236570" cy="5517693"/>
-      </dsp:txXfrm>
-    </dsp:sp>
-    <dsp:sp modelId="{96BE2B31-D87C-43E1-BE64-4C27B13F4AA4}">
-      <dsp:nvSpPr>
-        <dsp:cNvPr id="3" name="圆角矩形 2"/>
-        <dsp:cNvSpPr/>
-      </dsp:nvSpPr>
-      <dsp:spPr bwMode="white">
-        <a:xfrm>
-          <a:off x="0" y="0"/>
-          <a:ext cx="3103702" cy="1545713"/>
-        </a:xfrm>
-        <a:prstGeom prst="roundRect">
-          <a:avLst/>
-        </a:prstGeom>
-      </dsp:spPr>
-      <dsp:style>
-        <a:lnRef idx="2">
-          <a:schemeClr val="lt1"/>
-        </a:lnRef>
-        <a:fillRef idx="1">
-          <a:schemeClr val="accent1"/>
-        </a:fillRef>
-        <a:effectRef idx="0">
-          <a:scrgbClr r="0" g="0" b="0"/>
-        </a:effectRef>
-        <a:fontRef idx="minor">
-          <a:schemeClr val="lt1"/>
-        </a:fontRef>
-      </dsp:style>
-      <dsp:txBody>
-        <a:bodyPr vert="horz" wrap="square" lIns="121920" tIns="60960" rIns="121920" bIns="60960" anchor="ctr"/>
-        <a:lstStyle>
-          <a:lvl1pPr algn="ctr">
-            <a:defRPr sz="3200"/>
-          </a:lvl1pPr>
-          <a:lvl2pPr marL="228600" indent="-228600" algn="ctr">
-            <a:defRPr sz="2400"/>
-          </a:lvl2pPr>
-          <a:lvl3pPr marL="457200" indent="-228600" algn="ctr">
-            <a:defRPr sz="2400"/>
-          </a:lvl3pPr>
-          <a:lvl4pPr marL="685800" indent="-228600" algn="ctr">
-            <a:defRPr sz="2400"/>
-          </a:lvl4pPr>
-          <a:lvl5pPr marL="914400" indent="-228600" algn="ctr">
-            <a:defRPr sz="2400"/>
-          </a:lvl5pPr>
-          <a:lvl6pPr marL="1143000" indent="-228600" algn="ctr">
-            <a:defRPr sz="2400"/>
-          </a:lvl6pPr>
-          <a:lvl7pPr marL="1371600" indent="-228600" algn="ctr">
-            <a:defRPr sz="2400"/>
-          </a:lvl7pPr>
-          <a:lvl8pPr marL="1600200" indent="-228600" algn="ctr">
-            <a:defRPr sz="2400"/>
-          </a:lvl8pPr>
-          <a:lvl9pPr marL="1828800" indent="-228600" algn="ctr">
-            <a:defRPr sz="2400"/>
-          </a:lvl9pPr>
-        </a:lstStyle>
-        <a:p>
-          <a:pPr lvl="0">
-            <a:lnSpc>
-              <a:spcPct val="100000"/>
-            </a:lnSpc>
-            <a:spcBef>
-              <a:spcPct val="0"/>
-            </a:spcBef>
-            <a:spcAft>
-              <a:spcPct val="35000"/>
-            </a:spcAft>
-          </a:pPr>
-          <a:r>
-            <a:rPr lang="en-US" altLang="zh-CN"/>
-            <a:t>Continumm damage model</a:t>
-          </a:r>
-          <a:endParaRPr lang="en-US" altLang="zh-CN"/>
-        </a:p>
-      </dsp:txBody>
-      <dsp:txXfrm>
-        <a:off x="0" y="0"/>
-        <a:ext cx="3103702" cy="1545713"/>
-      </dsp:txXfrm>
-    </dsp:sp>
-    <dsp:sp modelId="{6EB2A58E-CA03-4F76-94B6-D8FE50231963}">
-      <dsp:nvSpPr>
-        <dsp:cNvPr id="6" name="同侧圆角矩形 5"/>
-        <dsp:cNvSpPr/>
-      </dsp:nvSpPr>
-      <dsp:spPr bwMode="white">
-        <a:xfrm rot="5400000">
-          <a:off x="5244263" y="-362991"/>
-          <a:ext cx="1236570" cy="5517693"/>
-        </a:xfrm>
-        <a:prstGeom prst="round2SameRect">
-          <a:avLst/>
-        </a:prstGeom>
-      </dsp:spPr>
-      <dsp:style>
-        <a:lnRef idx="2">
-          <a:schemeClr val="accent1">
-            <a:alpha val="90000"/>
-            <a:tint val="40000"/>
-          </a:schemeClr>
-        </a:lnRef>
-        <a:fillRef idx="1">
-          <a:schemeClr val="accent1">
-            <a:alpha val="90000"/>
-            <a:tint val="40000"/>
-          </a:schemeClr>
-        </a:fillRef>
-        <a:effectRef idx="0">
-          <a:scrgbClr r="0" g="0" b="0"/>
-        </a:effectRef>
-        <a:fontRef idx="minor"/>
-      </dsp:style>
-      <dsp:txBody>
-        <a:bodyPr rot="-5400000" vert="horz" wrap="square" lIns="76200" tIns="38100" rIns="76200" bIns="38100" anchor="ctr"/>
-        <a:lstStyle>
-          <a:lvl1pPr algn="l">
-            <a:defRPr sz="2000"/>
-          </a:lvl1pPr>
-          <a:lvl2pPr marL="228600" indent="-228600" algn="l">
-            <a:defRPr sz="2000"/>
-          </a:lvl2pPr>
-          <a:lvl3pPr marL="457200" indent="-228600" algn="l">
-            <a:defRPr sz="2000"/>
-          </a:lvl3pPr>
-          <a:lvl4pPr marL="685800" indent="-228600" algn="l">
-            <a:defRPr sz="2000"/>
-          </a:lvl4pPr>
-          <a:lvl5pPr marL="914400" indent="-228600" algn="l">
-            <a:defRPr sz="2000"/>
-          </a:lvl5pPr>
-          <a:lvl6pPr marL="1143000" indent="-228600" algn="l">
-            <a:defRPr sz="2000"/>
-          </a:lvl6pPr>
-          <a:lvl7pPr marL="1371600" indent="-228600" algn="l">
-            <a:defRPr sz="2000"/>
-          </a:lvl7pPr>
-          <a:lvl8pPr marL="1600200" indent="-228600" algn="l">
-            <a:defRPr sz="2000"/>
-          </a:lvl8pPr>
-          <a:lvl9pPr marL="1828800" indent="-228600" algn="l">
-            <a:defRPr sz="2000"/>
-          </a:lvl9pPr>
-        </a:lstStyle>
-        <a:p>
-          <a:pPr lvl="1">
-            <a:lnSpc>
-              <a:spcPct val="100000"/>
-            </a:lnSpc>
-            <a:spcBef>
-              <a:spcPct val="0"/>
-            </a:spcBef>
-            <a:spcAft>
-              <a:spcPct val="15000"/>
-            </a:spcAft>
-            <a:buChar char="•"/>
-          </a:pPr>
-          <a:r>
-            <a:rPr lang="en-US" altLang="zh-CN">
-              <a:solidFill>
-                <a:schemeClr val="dk1"/>
-              </a:solidFill>
-            </a:rPr>
-            <a:t>Characteristic Length</a:t>
-          </a:r>
-          <a:endParaRPr lang="en-US" altLang="zh-CN">
-            <a:solidFill>
-              <a:schemeClr val="dk1"/>
-            </a:solidFill>
-          </a:endParaRPr>
-        </a:p>
-        <a:p>
-          <a:pPr lvl="1">
-            <a:lnSpc>
-              <a:spcPct val="100000"/>
-            </a:lnSpc>
-            <a:spcBef>
-              <a:spcPct val="0"/>
-            </a:spcBef>
-            <a:spcAft>
-              <a:spcPct val="15000"/>
-            </a:spcAft>
-            <a:buChar char="•"/>
-          </a:pPr>
-          <a:r>
-            <a:rPr lang="en-US" altLang="zh-CN">
-              <a:solidFill>
-                <a:schemeClr val="dk1"/>
-              </a:solidFill>
-            </a:rPr>
-            <a:t>coefficient of viscosity</a:t>
-          </a:r>
-          <a:endParaRPr lang="en-US" altLang="zh-CN">
-            <a:solidFill>
-              <a:schemeClr val="dk1"/>
-            </a:solidFill>
-          </a:endParaRPr>
-        </a:p>
-        <a:p>
-          <a:pPr lvl="1">
-            <a:lnSpc>
-              <a:spcPct val="100000"/>
-            </a:lnSpc>
-            <a:spcBef>
-              <a:spcPct val="0"/>
-            </a:spcBef>
-            <a:spcAft>
-              <a:spcPct val="15000"/>
-            </a:spcAft>
-            <a:buChar char="•"/>
-          </a:pPr>
-          <a:r>
-            <a:rPr lang="en-US" altLang="zh-CN">
-              <a:solidFill>
-                <a:schemeClr val="dk1"/>
-              </a:solidFill>
-            </a:rPr>
-            <a:t>implicit dynamic </a:t>
-          </a:r>
-          <a:endParaRPr lang="en-US" altLang="zh-CN">
-            <a:solidFill>
-              <a:schemeClr val="dk1"/>
-            </a:solidFill>
-          </a:endParaRPr>
-        </a:p>
-      </dsp:txBody>
-      <dsp:txXfrm rot="5400000">
-        <a:off x="5244263" y="-362991"/>
-        <a:ext cx="1236570" cy="5517693"/>
-      </dsp:txXfrm>
-    </dsp:sp>
-    <dsp:sp modelId="{EBD335B5-8308-49CB-9630-99D852747B1F}">
-      <dsp:nvSpPr>
-        <dsp:cNvPr id="5" name="圆角矩形 4"/>
-        <dsp:cNvSpPr/>
-      </dsp:nvSpPr>
-      <dsp:spPr bwMode="white">
-        <a:xfrm>
-          <a:off x="0" y="1622999"/>
-          <a:ext cx="3103702" cy="1545713"/>
-        </a:xfrm>
-        <a:prstGeom prst="roundRect">
-          <a:avLst/>
-        </a:prstGeom>
-      </dsp:spPr>
-      <dsp:style>
-        <a:lnRef idx="2">
-          <a:schemeClr val="lt1"/>
-        </a:lnRef>
-        <a:fillRef idx="1">
-          <a:schemeClr val="accent1"/>
-        </a:fillRef>
-        <a:effectRef idx="0">
-          <a:scrgbClr r="0" g="0" b="0"/>
-        </a:effectRef>
-        <a:fontRef idx="minor">
-          <a:schemeClr val="lt1"/>
-        </a:fontRef>
-      </dsp:style>
-      <dsp:txBody>
-        <a:bodyPr vert="horz" wrap="square" lIns="121920" tIns="60960" rIns="121920" bIns="60960" anchor="ctr"/>
-        <a:lstStyle>
-          <a:lvl1pPr algn="ctr">
-            <a:defRPr sz="3200"/>
-          </a:lvl1pPr>
-          <a:lvl2pPr marL="228600" indent="-228600" algn="ctr">
-            <a:defRPr sz="2400"/>
-          </a:lvl2pPr>
-          <a:lvl3pPr marL="457200" indent="-228600" algn="ctr">
-            <a:defRPr sz="2400"/>
-          </a:lvl3pPr>
-          <a:lvl4pPr marL="685800" indent="-228600" algn="ctr">
-            <a:defRPr sz="2400"/>
-          </a:lvl4pPr>
-          <a:lvl5pPr marL="914400" indent="-228600" algn="ctr">
-            <a:defRPr sz="2400"/>
-          </a:lvl5pPr>
-          <a:lvl6pPr marL="1143000" indent="-228600" algn="ctr">
-            <a:defRPr sz="2400"/>
-          </a:lvl6pPr>
-          <a:lvl7pPr marL="1371600" indent="-228600" algn="ctr">
-            <a:defRPr sz="2400"/>
-          </a:lvl7pPr>
-          <a:lvl8pPr marL="1600200" indent="-228600" algn="ctr">
-            <a:defRPr sz="2400"/>
-          </a:lvl8pPr>
-          <a:lvl9pPr marL="1828800" indent="-228600" algn="ctr">
-            <a:defRPr sz="2400"/>
-          </a:lvl9pPr>
-        </a:lstStyle>
-        <a:p>
-          <a:pPr lvl="0">
-            <a:lnSpc>
-              <a:spcPct val="100000"/>
-            </a:lnSpc>
-            <a:spcBef>
-              <a:spcPct val="0"/>
-            </a:spcBef>
-            <a:spcAft>
-              <a:spcPct val="35000"/>
-            </a:spcAft>
-          </a:pPr>
-          <a:r>
-            <a:rPr lang="en-US" altLang="zh-CN" dirty="0" smtClean="0">
-              <a:sym typeface="+mn-ea"/>
-            </a:rPr>
-            <a:t>Abaqus simulation</a:t>
-          </a:r>
-          <a:endParaRPr lang="zh-CN" altLang="en-US"/>
-        </a:p>
-      </dsp:txBody>
-      <dsp:txXfrm>
-        <a:off x="0" y="1622999"/>
-        <a:ext cx="3103702" cy="1545713"/>
-      </dsp:txXfrm>
-    </dsp:sp>
-    <dsp:sp modelId="{64028F0D-BE57-4642-92F7-303D4E45C524}">
-      <dsp:nvSpPr>
-        <dsp:cNvPr id="8" name="同侧圆角矩形 7"/>
-        <dsp:cNvSpPr/>
-      </dsp:nvSpPr>
-      <dsp:spPr bwMode="white">
-        <a:xfrm rot="5400000">
-          <a:off x="5244263" y="1260007"/>
-          <a:ext cx="1236570" cy="5517693"/>
-        </a:xfrm>
-        <a:prstGeom prst="round2SameRect">
-          <a:avLst/>
-        </a:prstGeom>
-      </dsp:spPr>
-      <dsp:style>
-        <a:lnRef idx="2">
-          <a:schemeClr val="accent1">
-            <a:alpha val="90000"/>
-            <a:tint val="40000"/>
-          </a:schemeClr>
-        </a:lnRef>
-        <a:fillRef idx="1">
-          <a:schemeClr val="accent1">
-            <a:alpha val="90000"/>
-            <a:tint val="40000"/>
-          </a:schemeClr>
-        </a:fillRef>
-        <a:effectRef idx="0">
-          <a:scrgbClr r="0" g="0" b="0"/>
-        </a:effectRef>
-        <a:fontRef idx="minor"/>
-      </dsp:style>
-      <dsp:txBody>
-        <a:bodyPr rot="-5400000" vert="horz" wrap="square" lIns="76200" tIns="38100" rIns="76200" bIns="38100" anchor="ctr"/>
-        <a:lstStyle>
-          <a:lvl1pPr algn="l">
-            <a:defRPr sz="2000"/>
-          </a:lvl1pPr>
-          <a:lvl2pPr marL="228600" indent="-228600" algn="l">
-            <a:defRPr sz="2000"/>
-          </a:lvl2pPr>
-          <a:lvl3pPr marL="457200" indent="-228600" algn="l">
-            <a:defRPr sz="2000"/>
-          </a:lvl3pPr>
-          <a:lvl4pPr marL="685800" indent="-228600" algn="l">
-            <a:defRPr sz="2000"/>
-          </a:lvl4pPr>
-          <a:lvl5pPr marL="914400" indent="-228600" algn="l">
-            <a:defRPr sz="2000"/>
-          </a:lvl5pPr>
-          <a:lvl6pPr marL="1143000" indent="-228600" algn="l">
-            <a:defRPr sz="2000"/>
-          </a:lvl6pPr>
-          <a:lvl7pPr marL="1371600" indent="-228600" algn="l">
-            <a:defRPr sz="2000"/>
-          </a:lvl7pPr>
-          <a:lvl8pPr marL="1600200" indent="-228600" algn="l">
-            <a:defRPr sz="2000"/>
-          </a:lvl8pPr>
-          <a:lvl9pPr marL="1828800" indent="-228600" algn="l">
-            <a:defRPr sz="2000"/>
-          </a:lvl9pPr>
-        </a:lstStyle>
-        <a:p>
-          <a:pPr lvl="1">
-            <a:lnSpc>
-              <a:spcPct val="100000"/>
-            </a:lnSpc>
-            <a:spcBef>
-              <a:spcPct val="0"/>
-            </a:spcBef>
-            <a:spcAft>
-              <a:spcPct val="15000"/>
-            </a:spcAft>
-            <a:buChar char="•"/>
-          </a:pPr>
-          <a:endParaRPr lang="zh-CN" altLang="en-US">
-            <a:solidFill>
-              <a:schemeClr val="dk1"/>
-            </a:solidFill>
-          </a:endParaRPr>
-        </a:p>
-      </dsp:txBody>
-      <dsp:txXfrm rot="5400000">
-        <a:off x="5244263" y="1260007"/>
-        <a:ext cx="1236570" cy="5517693"/>
-      </dsp:txXfrm>
-    </dsp:sp>
-    <dsp:sp modelId="{B093CE78-670B-40EB-95CF-315E334D550F}">
-      <dsp:nvSpPr>
-        <dsp:cNvPr id="7" name="圆角矩形 6"/>
-        <dsp:cNvSpPr/>
-      </dsp:nvSpPr>
-      <dsp:spPr bwMode="white">
-        <a:xfrm>
-          <a:off x="0" y="3245997"/>
-          <a:ext cx="3103702" cy="1545713"/>
-        </a:xfrm>
-        <a:prstGeom prst="roundRect">
-          <a:avLst/>
-        </a:prstGeom>
-      </dsp:spPr>
-      <dsp:style>
-        <a:lnRef idx="2">
-          <a:schemeClr val="lt1"/>
-        </a:lnRef>
-        <a:fillRef idx="1">
-          <a:schemeClr val="accent1"/>
-        </a:fillRef>
-        <a:effectRef idx="0">
-          <a:scrgbClr r="0" g="0" b="0"/>
-        </a:effectRef>
-        <a:fontRef idx="minor">
-          <a:schemeClr val="lt1"/>
-        </a:fontRef>
-      </dsp:style>
-      <dsp:txBody>
-        <a:bodyPr vert="horz" wrap="square" lIns="121920" tIns="60960" rIns="121920" bIns="60960" anchor="ctr"/>
-        <a:lstStyle>
-          <a:lvl1pPr algn="ctr">
-            <a:defRPr sz="3200"/>
-          </a:lvl1pPr>
-          <a:lvl2pPr marL="228600" indent="-228600" algn="ctr">
-            <a:defRPr sz="2400"/>
-          </a:lvl2pPr>
-          <a:lvl3pPr marL="457200" indent="-228600" algn="ctr">
-            <a:defRPr sz="2400"/>
-          </a:lvl3pPr>
-          <a:lvl4pPr marL="685800" indent="-228600" algn="ctr">
-            <a:defRPr sz="2400"/>
-          </a:lvl4pPr>
-          <a:lvl5pPr marL="914400" indent="-228600" algn="ctr">
-            <a:defRPr sz="2400"/>
-          </a:lvl5pPr>
-          <a:lvl6pPr marL="1143000" indent="-228600" algn="ctr">
-            <a:defRPr sz="2400"/>
-          </a:lvl6pPr>
-          <a:lvl7pPr marL="1371600" indent="-228600" algn="ctr">
-            <a:defRPr sz="2400"/>
-          </a:lvl7pPr>
-          <a:lvl8pPr marL="1600200" indent="-228600" algn="ctr">
-            <a:defRPr sz="2400"/>
-          </a:lvl8pPr>
-          <a:lvl9pPr marL="1828800" indent="-228600" algn="ctr">
-            <a:defRPr sz="2400"/>
-          </a:lvl9pPr>
-        </a:lstStyle>
-        <a:p>
-          <a:pPr lvl="0">
-            <a:lnSpc>
-              <a:spcPct val="100000"/>
-            </a:lnSpc>
-            <a:spcBef>
-              <a:spcPct val="0"/>
-            </a:spcBef>
-            <a:spcAft>
-              <a:spcPct val="35000"/>
-            </a:spcAft>
-          </a:pPr>
-          <a:r>
-            <a:rPr lang="en-US" altLang="zh-CN" dirty="0" smtClean="0">
-              <a:sym typeface="+mn-ea"/>
-            </a:rPr>
-            <a:t>Results </a:t>
-          </a:r>
-          <a:endParaRPr lang="zh-CN" altLang="en-US"/>
-        </a:p>
-      </dsp:txBody>
-      <dsp:txXfrm>
-        <a:off x="0" y="3245997"/>
-        <a:ext cx="3103702" cy="1545713"/>
-      </dsp:txXfrm>
-    </dsp:sp>
-  </dsp:spTree>
-</dsp:drawing>
-</file>
-
-<file path=ppt/diagrams/drawing2.xml><?xml version="1.0" encoding="utf-8"?>
-<dsp:drawing xmlns:dgm="http://schemas.openxmlformats.org/drawingml/2006/diagram" xmlns:dsp="http://schemas.microsoft.com/office/drawing/2008/diagram" xmlns:a="http://schemas.openxmlformats.org/drawingml/2006/main" xmlns:r="http://schemas.openxmlformats.org/officeDocument/2006/relationships">
-  <dsp:spTree>
-    <dsp:nvGrpSpPr>
-      <dsp:cNvPr id="2" name="组合 1"/>
-      <dsp:cNvGrpSpPr/>
-    </dsp:nvGrpSpPr>
-    <dsp:grpSpPr>
-      <a:xfrm>
-        <a:off x="0" y="0"/>
-        <a:ext cx="8621395" cy="4791710"/>
-        <a:chOff x="0" y="0"/>
-        <a:chExt cx="8621395" cy="4791710"/>
-      </a:xfrm>
-    </dsp:grpSpPr>
-    <dsp:sp modelId="{DD9406C3-FC80-4468-A55B-122D744D43F0}">
-      <dsp:nvSpPr>
-        <dsp:cNvPr id="4" name="同侧圆角矩形 3"/>
-        <dsp:cNvSpPr/>
-      </dsp:nvSpPr>
-      <dsp:spPr bwMode="white">
-        <a:xfrm rot="5400000">
-          <a:off x="5244263" y="-1985990"/>
-          <a:ext cx="1236570" cy="5517693"/>
-        </a:xfrm>
-        <a:prstGeom prst="round2SameRect">
-          <a:avLst/>
-        </a:prstGeom>
-      </dsp:spPr>
-      <dsp:style>
-        <a:lnRef idx="2">
-          <a:schemeClr val="accent1">
-            <a:alpha val="90000"/>
-            <a:tint val="40000"/>
-          </a:schemeClr>
-        </a:lnRef>
-        <a:fillRef idx="1">
-          <a:schemeClr val="accent1">
-            <a:alpha val="90000"/>
-            <a:tint val="40000"/>
-          </a:schemeClr>
-        </a:fillRef>
-        <a:effectRef idx="0">
-          <a:scrgbClr r="0" g="0" b="0"/>
-        </a:effectRef>
-        <a:fontRef idx="minor"/>
-      </dsp:style>
-      <dsp:txBody>
-        <a:bodyPr rot="-5400000" vert="horz" wrap="square" lIns="76200" tIns="38100" rIns="76200" bIns="38100" anchor="ctr"/>
-        <a:lstStyle>
-          <a:lvl1pPr algn="l">
-            <a:defRPr sz="2000"/>
-          </a:lvl1pPr>
-          <a:lvl2pPr marL="228600" indent="-228600" algn="l">
-            <a:defRPr sz="2000"/>
-          </a:lvl2pPr>
-          <a:lvl3pPr marL="457200" indent="-228600" algn="l">
-            <a:defRPr sz="2000"/>
-          </a:lvl3pPr>
-          <a:lvl4pPr marL="685800" indent="-228600" algn="l">
-            <a:defRPr sz="2000"/>
-          </a:lvl4pPr>
-          <a:lvl5pPr marL="914400" indent="-228600" algn="l">
-            <a:defRPr sz="2000"/>
-          </a:lvl5pPr>
-          <a:lvl6pPr marL="1143000" indent="-228600" algn="l">
-            <a:defRPr sz="2000"/>
-          </a:lvl6pPr>
-          <a:lvl7pPr marL="1371600" indent="-228600" algn="l">
-            <a:defRPr sz="2000"/>
-          </a:lvl7pPr>
-          <a:lvl8pPr marL="1600200" indent="-228600" algn="l">
-            <a:defRPr sz="2000"/>
-          </a:lvl8pPr>
-          <a:lvl9pPr marL="1828800" indent="-228600" algn="l">
-            <a:defRPr sz="2000"/>
-          </a:lvl9pPr>
-        </a:lstStyle>
-        <a:p>
-          <a:pPr lvl="1">
-            <a:lnSpc>
-              <a:spcPct val="100000"/>
-            </a:lnSpc>
-            <a:spcBef>
-              <a:spcPct val="0"/>
-            </a:spcBef>
-            <a:spcAft>
-              <a:spcPct val="15000"/>
-            </a:spcAft>
-            <a:buChar char="•"/>
-          </a:pPr>
-          <a:r>
-            <a:rPr lang="en-US" altLang="zh-CN">
-              <a:solidFill>
-                <a:schemeClr val="dk1"/>
-              </a:solidFill>
-              <a:sym typeface="+mn-ea"/>
-            </a:rPr>
-            <a:t>Degeneration Model(linear vs exponential)</a:t>
-          </a:r>
-          <a:endParaRPr lang="zh-CN" altLang="en-US">
-            <a:solidFill>
-              <a:schemeClr val="dk1"/>
-            </a:solidFill>
-          </a:endParaRPr>
-        </a:p>
-        <a:p>
-          <a:pPr lvl="1">
-            <a:lnSpc>
-              <a:spcPct val="100000"/>
-            </a:lnSpc>
-            <a:spcBef>
-              <a:spcPct val="0"/>
-            </a:spcBef>
-            <a:spcAft>
-              <a:spcPct val="15000"/>
-            </a:spcAft>
-            <a:buChar char="•"/>
-          </a:pPr>
-          <a:r>
-            <a:rPr lang="en-US" altLang="zh-CN">
-              <a:solidFill>
-                <a:schemeClr val="dk1"/>
-              </a:solidFill>
-              <a:sym typeface="+mn-ea"/>
-            </a:rPr>
-            <a:t>Shear Nonlinearity</a:t>
-          </a:r>
-          <a:endParaRPr lang="en-US" altLang="zh-CN">
-            <a:solidFill>
-              <a:schemeClr val="dk1"/>
-            </a:solidFill>
-          </a:endParaRPr>
-        </a:p>
-      </dsp:txBody>
-      <dsp:txXfrm rot="5400000">
-        <a:off x="5244263" y="-1985990"/>
-        <a:ext cx="1236570" cy="5517693"/>
-      </dsp:txXfrm>
-    </dsp:sp>
-    <dsp:sp modelId="{96BE2B31-D87C-43E1-BE64-4C27B13F4AA4}">
-      <dsp:nvSpPr>
-        <dsp:cNvPr id="3" name="圆角矩形 2"/>
-        <dsp:cNvSpPr/>
-      </dsp:nvSpPr>
-      <dsp:spPr bwMode="white">
-        <a:xfrm>
-          <a:off x="0" y="0"/>
-          <a:ext cx="3103702" cy="1545713"/>
-        </a:xfrm>
-        <a:prstGeom prst="roundRect">
-          <a:avLst/>
-        </a:prstGeom>
-      </dsp:spPr>
-      <dsp:style>
-        <a:lnRef idx="2">
-          <a:schemeClr val="lt1"/>
-        </a:lnRef>
-        <a:fillRef idx="1">
-          <a:schemeClr val="accent1"/>
-        </a:fillRef>
-        <a:effectRef idx="0">
-          <a:scrgbClr r="0" g="0" b="0"/>
-        </a:effectRef>
-        <a:fontRef idx="minor">
-          <a:schemeClr val="lt1"/>
-        </a:fontRef>
-      </dsp:style>
-      <dsp:txBody>
-        <a:bodyPr vert="horz" wrap="square" lIns="121920" tIns="60960" rIns="121920" bIns="60960" anchor="ctr"/>
-        <a:lstStyle>
-          <a:lvl1pPr algn="ctr">
-            <a:defRPr sz="3200"/>
-          </a:lvl1pPr>
-          <a:lvl2pPr marL="228600" indent="-228600" algn="ctr">
-            <a:defRPr sz="2400"/>
-          </a:lvl2pPr>
-          <a:lvl3pPr marL="457200" indent="-228600" algn="ctr">
-            <a:defRPr sz="2400"/>
-          </a:lvl3pPr>
-          <a:lvl4pPr marL="685800" indent="-228600" algn="ctr">
-            <a:defRPr sz="2400"/>
-          </a:lvl4pPr>
-          <a:lvl5pPr marL="914400" indent="-228600" algn="ctr">
-            <a:defRPr sz="2400"/>
-          </a:lvl5pPr>
-          <a:lvl6pPr marL="1143000" indent="-228600" algn="ctr">
-            <a:defRPr sz="2400"/>
-          </a:lvl6pPr>
-          <a:lvl7pPr marL="1371600" indent="-228600" algn="ctr">
-            <a:defRPr sz="2400"/>
-          </a:lvl7pPr>
-          <a:lvl8pPr marL="1600200" indent="-228600" algn="ctr">
-            <a:defRPr sz="2400"/>
-          </a:lvl8pPr>
-          <a:lvl9pPr marL="1828800" indent="-228600" algn="ctr">
-            <a:defRPr sz="2400"/>
-          </a:lvl9pPr>
-        </a:lstStyle>
-        <a:p>
-          <a:pPr lvl="0">
-            <a:lnSpc>
-              <a:spcPct val="100000"/>
-            </a:lnSpc>
-            <a:spcBef>
-              <a:spcPct val="0"/>
-            </a:spcBef>
-            <a:spcAft>
-              <a:spcPct val="35000"/>
-            </a:spcAft>
-          </a:pPr>
-          <a:r>
-            <a:rPr lang="en-US" altLang="zh-CN"/>
-            <a:t>Continumm damage model</a:t>
-          </a:r>
-          <a:endParaRPr lang="en-US" altLang="zh-CN"/>
-        </a:p>
-      </dsp:txBody>
-      <dsp:txXfrm>
-        <a:off x="0" y="0"/>
-        <a:ext cx="3103702" cy="1545713"/>
-      </dsp:txXfrm>
-    </dsp:sp>
-    <dsp:sp modelId="{6EB2A58E-CA03-4F76-94B6-D8FE50231963}">
-      <dsp:nvSpPr>
-        <dsp:cNvPr id="6" name="同侧圆角矩形 5"/>
-        <dsp:cNvSpPr/>
-      </dsp:nvSpPr>
-      <dsp:spPr bwMode="white">
-        <a:xfrm rot="5400000">
-          <a:off x="5244263" y="-362991"/>
-          <a:ext cx="1236570" cy="5517693"/>
-        </a:xfrm>
-        <a:prstGeom prst="round2SameRect">
-          <a:avLst/>
-        </a:prstGeom>
-      </dsp:spPr>
-      <dsp:style>
-        <a:lnRef idx="2">
-          <a:schemeClr val="accent1">
-            <a:alpha val="90000"/>
-            <a:tint val="40000"/>
-          </a:schemeClr>
-        </a:lnRef>
-        <a:fillRef idx="1">
-          <a:schemeClr val="accent1">
-            <a:alpha val="90000"/>
-            <a:tint val="40000"/>
-          </a:schemeClr>
-        </a:fillRef>
-        <a:effectRef idx="0">
-          <a:scrgbClr r="0" g="0" b="0"/>
-        </a:effectRef>
-        <a:fontRef idx="minor"/>
-      </dsp:style>
-      <dsp:txBody>
-        <a:bodyPr rot="-5400000" vert="horz" wrap="square" lIns="76200" tIns="38100" rIns="76200" bIns="38100" anchor="ctr"/>
-        <a:lstStyle>
-          <a:lvl1pPr algn="l">
-            <a:defRPr sz="2000"/>
-          </a:lvl1pPr>
-          <a:lvl2pPr marL="228600" indent="-228600" algn="l">
-            <a:defRPr sz="2000"/>
-          </a:lvl2pPr>
-          <a:lvl3pPr marL="457200" indent="-228600" algn="l">
-            <a:defRPr sz="2000"/>
-          </a:lvl3pPr>
-          <a:lvl4pPr marL="685800" indent="-228600" algn="l">
-            <a:defRPr sz="2000"/>
-          </a:lvl4pPr>
-          <a:lvl5pPr marL="914400" indent="-228600" algn="l">
-            <a:defRPr sz="2000"/>
-          </a:lvl5pPr>
-          <a:lvl6pPr marL="1143000" indent="-228600" algn="l">
-            <a:defRPr sz="2000"/>
-          </a:lvl6pPr>
-          <a:lvl7pPr marL="1371600" indent="-228600" algn="l">
-            <a:defRPr sz="2000"/>
-          </a:lvl7pPr>
-          <a:lvl8pPr marL="1600200" indent="-228600" algn="l">
-            <a:defRPr sz="2000"/>
-          </a:lvl8pPr>
-          <a:lvl9pPr marL="1828800" indent="-228600" algn="l">
-            <a:defRPr sz="2000"/>
-          </a:lvl9pPr>
-        </a:lstStyle>
-        <a:p>
-          <a:pPr lvl="1">
-            <a:lnSpc>
-              <a:spcPct val="100000"/>
-            </a:lnSpc>
-            <a:spcBef>
-              <a:spcPct val="0"/>
-            </a:spcBef>
-            <a:spcAft>
-              <a:spcPct val="15000"/>
-            </a:spcAft>
-            <a:buChar char="•"/>
-          </a:pPr>
-          <a:r>
-            <a:rPr lang="en-US" altLang="zh-CN">
-              <a:solidFill>
-                <a:schemeClr val="dk1"/>
-              </a:solidFill>
-            </a:rPr>
-            <a:t>Characteristic Length</a:t>
-          </a:r>
-          <a:endParaRPr lang="en-US" altLang="zh-CN">
-            <a:solidFill>
-              <a:schemeClr val="dk1"/>
-            </a:solidFill>
-          </a:endParaRPr>
-        </a:p>
-        <a:p>
-          <a:pPr lvl="1">
-            <a:lnSpc>
-              <a:spcPct val="100000"/>
-            </a:lnSpc>
-            <a:spcBef>
-              <a:spcPct val="0"/>
-            </a:spcBef>
-            <a:spcAft>
-              <a:spcPct val="15000"/>
-            </a:spcAft>
-            <a:buChar char="•"/>
-          </a:pPr>
-          <a:r>
-            <a:rPr lang="en-US" altLang="zh-CN">
-              <a:solidFill>
-                <a:schemeClr val="dk1"/>
-              </a:solidFill>
-            </a:rPr>
-            <a:t>coefficient of viscosity</a:t>
-          </a:r>
-          <a:endParaRPr lang="en-US" altLang="zh-CN">
-            <a:solidFill>
-              <a:schemeClr val="dk1"/>
-            </a:solidFill>
-          </a:endParaRPr>
-        </a:p>
-        <a:p>
-          <a:pPr lvl="1">
-            <a:lnSpc>
-              <a:spcPct val="100000"/>
-            </a:lnSpc>
-            <a:spcBef>
-              <a:spcPct val="0"/>
-            </a:spcBef>
-            <a:spcAft>
-              <a:spcPct val="15000"/>
-            </a:spcAft>
-            <a:buChar char="•"/>
-          </a:pPr>
-          <a:r>
-            <a:rPr lang="en-US" altLang="zh-CN">
-              <a:solidFill>
-                <a:schemeClr val="dk1"/>
-              </a:solidFill>
-            </a:rPr>
-            <a:t>implicit dynamic </a:t>
-          </a:r>
-          <a:endParaRPr lang="en-US" altLang="zh-CN">
-            <a:solidFill>
-              <a:schemeClr val="dk1"/>
-            </a:solidFill>
-          </a:endParaRPr>
-        </a:p>
-      </dsp:txBody>
-      <dsp:txXfrm rot="5400000">
-        <a:off x="5244263" y="-362991"/>
-        <a:ext cx="1236570" cy="5517693"/>
-      </dsp:txXfrm>
-    </dsp:sp>
-    <dsp:sp modelId="{EBD335B5-8308-49CB-9630-99D852747B1F}">
-      <dsp:nvSpPr>
-        <dsp:cNvPr id="5" name="圆角矩形 4"/>
-        <dsp:cNvSpPr/>
-      </dsp:nvSpPr>
-      <dsp:spPr bwMode="white">
-        <a:xfrm>
-          <a:off x="0" y="1622999"/>
-          <a:ext cx="3103702" cy="1545713"/>
-        </a:xfrm>
-        <a:prstGeom prst="roundRect">
-          <a:avLst/>
-        </a:prstGeom>
-      </dsp:spPr>
-      <dsp:style>
-        <a:lnRef idx="2">
-          <a:schemeClr val="lt1"/>
-        </a:lnRef>
-        <a:fillRef idx="1">
-          <a:schemeClr val="accent1"/>
-        </a:fillRef>
-        <a:effectRef idx="0">
-          <a:scrgbClr r="0" g="0" b="0"/>
-        </a:effectRef>
-        <a:fontRef idx="minor">
-          <a:schemeClr val="lt1"/>
-        </a:fontRef>
-      </dsp:style>
-      <dsp:txBody>
-        <a:bodyPr vert="horz" wrap="square" lIns="121920" tIns="60960" rIns="121920" bIns="60960" anchor="ctr"/>
-        <a:lstStyle>
-          <a:lvl1pPr algn="ctr">
-            <a:defRPr sz="3200"/>
-          </a:lvl1pPr>
-          <a:lvl2pPr marL="228600" indent="-228600" algn="ctr">
-            <a:defRPr sz="2400"/>
-          </a:lvl2pPr>
-          <a:lvl3pPr marL="457200" indent="-228600" algn="ctr">
-            <a:defRPr sz="2400"/>
-          </a:lvl3pPr>
-          <a:lvl4pPr marL="685800" indent="-228600" algn="ctr">
-            <a:defRPr sz="2400"/>
-          </a:lvl4pPr>
-          <a:lvl5pPr marL="914400" indent="-228600" algn="ctr">
-            <a:defRPr sz="2400"/>
-          </a:lvl5pPr>
-          <a:lvl6pPr marL="1143000" indent="-228600" algn="ctr">
-            <a:defRPr sz="2400"/>
-          </a:lvl6pPr>
-          <a:lvl7pPr marL="1371600" indent="-228600" algn="ctr">
-            <a:defRPr sz="2400"/>
-          </a:lvl7pPr>
-          <a:lvl8pPr marL="1600200" indent="-228600" algn="ctr">
-            <a:defRPr sz="2400"/>
-          </a:lvl8pPr>
-          <a:lvl9pPr marL="1828800" indent="-228600" algn="ctr">
-            <a:defRPr sz="2400"/>
-          </a:lvl9pPr>
-        </a:lstStyle>
-        <a:p>
-          <a:pPr lvl="0">
-            <a:lnSpc>
-              <a:spcPct val="100000"/>
-            </a:lnSpc>
-            <a:spcBef>
-              <a:spcPct val="0"/>
-            </a:spcBef>
-            <a:spcAft>
-              <a:spcPct val="35000"/>
-            </a:spcAft>
-          </a:pPr>
-          <a:r>
-            <a:rPr lang="en-US" altLang="zh-CN" dirty="0" smtClean="0">
-              <a:sym typeface="+mn-ea"/>
-            </a:rPr>
-            <a:t>Abaqus simulation</a:t>
-          </a:r>
-          <a:endParaRPr lang="zh-CN" altLang="en-US"/>
-        </a:p>
-      </dsp:txBody>
-      <dsp:txXfrm>
-        <a:off x="0" y="1622999"/>
-        <a:ext cx="3103702" cy="1545713"/>
-      </dsp:txXfrm>
-    </dsp:sp>
-    <dsp:sp modelId="{64028F0D-BE57-4642-92F7-303D4E45C524}">
-      <dsp:nvSpPr>
-        <dsp:cNvPr id="8" name="同侧圆角矩形 7"/>
-        <dsp:cNvSpPr/>
-      </dsp:nvSpPr>
-      <dsp:spPr bwMode="white">
-        <a:xfrm rot="5400000">
-          <a:off x="5244263" y="1260007"/>
-          <a:ext cx="1236570" cy="5517693"/>
-        </a:xfrm>
-        <a:prstGeom prst="round2SameRect">
-          <a:avLst/>
-        </a:prstGeom>
-      </dsp:spPr>
-      <dsp:style>
-        <a:lnRef idx="2">
-          <a:schemeClr val="accent1">
-            <a:alpha val="90000"/>
-            <a:tint val="40000"/>
-          </a:schemeClr>
-        </a:lnRef>
-        <a:fillRef idx="1">
-          <a:schemeClr val="accent1">
-            <a:alpha val="90000"/>
-            <a:tint val="40000"/>
-          </a:schemeClr>
-        </a:fillRef>
-        <a:effectRef idx="0">
-          <a:scrgbClr r="0" g="0" b="0"/>
-        </a:effectRef>
-        <a:fontRef idx="minor"/>
-      </dsp:style>
-      <dsp:txBody>
-        <a:bodyPr rot="-5400000" vert="horz" wrap="square" lIns="76200" tIns="38100" rIns="76200" bIns="38100" anchor="ctr"/>
-        <a:lstStyle>
-          <a:lvl1pPr algn="l">
-            <a:defRPr sz="2000"/>
-          </a:lvl1pPr>
-          <a:lvl2pPr marL="228600" indent="-228600" algn="l">
-            <a:defRPr sz="2000"/>
-          </a:lvl2pPr>
-          <a:lvl3pPr marL="457200" indent="-228600" algn="l">
-            <a:defRPr sz="2000"/>
-          </a:lvl3pPr>
-          <a:lvl4pPr marL="685800" indent="-228600" algn="l">
-            <a:defRPr sz="2000"/>
-          </a:lvl4pPr>
-          <a:lvl5pPr marL="914400" indent="-228600" algn="l">
-            <a:defRPr sz="2000"/>
-          </a:lvl5pPr>
-          <a:lvl6pPr marL="1143000" indent="-228600" algn="l">
-            <a:defRPr sz="2000"/>
-          </a:lvl6pPr>
-          <a:lvl7pPr marL="1371600" indent="-228600" algn="l">
-            <a:defRPr sz="2000"/>
-          </a:lvl7pPr>
-          <a:lvl8pPr marL="1600200" indent="-228600" algn="l">
-            <a:defRPr sz="2000"/>
-          </a:lvl8pPr>
-          <a:lvl9pPr marL="1828800" indent="-228600" algn="l">
-            <a:defRPr sz="2000"/>
-          </a:lvl9pPr>
-        </a:lstStyle>
-        <a:p>
-          <a:pPr lvl="1">
-            <a:lnSpc>
-              <a:spcPct val="100000"/>
-            </a:lnSpc>
-            <a:spcBef>
-              <a:spcPct val="0"/>
-            </a:spcBef>
-            <a:spcAft>
-              <a:spcPct val="15000"/>
-            </a:spcAft>
-            <a:buChar char="•"/>
-          </a:pPr>
-          <a:endParaRPr lang="zh-CN" altLang="en-US">
-            <a:solidFill>
-              <a:schemeClr val="dk1"/>
-            </a:solidFill>
-          </a:endParaRPr>
-        </a:p>
-      </dsp:txBody>
-      <dsp:txXfrm rot="5400000">
-        <a:off x="5244263" y="1260007"/>
-        <a:ext cx="1236570" cy="5517693"/>
-      </dsp:txXfrm>
-    </dsp:sp>
-    <dsp:sp modelId="{B093CE78-670B-40EB-95CF-315E334D550F}">
-      <dsp:nvSpPr>
-        <dsp:cNvPr id="7" name="圆角矩形 6"/>
-        <dsp:cNvSpPr/>
-      </dsp:nvSpPr>
-      <dsp:spPr bwMode="white">
-        <a:xfrm>
-          <a:off x="0" y="3245997"/>
-          <a:ext cx="3103702" cy="1545713"/>
-        </a:xfrm>
-        <a:prstGeom prst="roundRect">
-          <a:avLst/>
-        </a:prstGeom>
-      </dsp:spPr>
-      <dsp:style>
-        <a:lnRef idx="2">
-          <a:schemeClr val="lt1"/>
-        </a:lnRef>
-        <a:fillRef idx="1">
-          <a:schemeClr val="accent1"/>
-        </a:fillRef>
-        <a:effectRef idx="0">
-          <a:scrgbClr r="0" g="0" b="0"/>
-        </a:effectRef>
-        <a:fontRef idx="minor">
-          <a:schemeClr val="lt1"/>
-        </a:fontRef>
-      </dsp:style>
-      <dsp:txBody>
-        <a:bodyPr vert="horz" wrap="square" lIns="121920" tIns="60960" rIns="121920" bIns="60960" anchor="ctr"/>
-        <a:lstStyle>
-          <a:lvl1pPr algn="ctr">
-            <a:defRPr sz="3200"/>
-          </a:lvl1pPr>
-          <a:lvl2pPr marL="228600" indent="-228600" algn="ctr">
-            <a:defRPr sz="2400"/>
-          </a:lvl2pPr>
-          <a:lvl3pPr marL="457200" indent="-228600" algn="ctr">
-            <a:defRPr sz="2400"/>
-          </a:lvl3pPr>
-          <a:lvl4pPr marL="685800" indent="-228600" algn="ctr">
-            <a:defRPr sz="2400"/>
-          </a:lvl4pPr>
-          <a:lvl5pPr marL="914400" indent="-228600" algn="ctr">
-            <a:defRPr sz="2400"/>
-          </a:lvl5pPr>
-          <a:lvl6pPr marL="1143000" indent="-228600" algn="ctr">
-            <a:defRPr sz="2400"/>
-          </a:lvl6pPr>
-          <a:lvl7pPr marL="1371600" indent="-228600" algn="ctr">
-            <a:defRPr sz="2400"/>
-          </a:lvl7pPr>
-          <a:lvl8pPr marL="1600200" indent="-228600" algn="ctr">
-            <a:defRPr sz="2400"/>
-          </a:lvl8pPr>
-          <a:lvl9pPr marL="1828800" indent="-228600" algn="ctr">
-            <a:defRPr sz="2400"/>
-          </a:lvl9pPr>
-        </a:lstStyle>
-        <a:p>
-          <a:pPr lvl="0">
-            <a:lnSpc>
-              <a:spcPct val="100000"/>
-            </a:lnSpc>
-            <a:spcBef>
-              <a:spcPct val="0"/>
-            </a:spcBef>
-            <a:spcAft>
-              <a:spcPct val="35000"/>
-            </a:spcAft>
-          </a:pPr>
-          <a:r>
-            <a:rPr lang="en-US" altLang="zh-CN" dirty="0" smtClean="0">
-              <a:sym typeface="+mn-ea"/>
-            </a:rPr>
-            <a:t>Results </a:t>
-          </a:r>
-          <a:endParaRPr lang="zh-CN" altLang="en-US"/>
-        </a:p>
-      </dsp:txBody>
-      <dsp:txXfrm>
-        <a:off x="0" y="3245997"/>
-        <a:ext cx="3103702" cy="1545713"/>
-      </dsp:txXfrm>
-    </dsp:sp>
-  </dsp:spTree>
-</dsp:drawing>
 </file>
 
 <file path=ppt/diagrams/layout1.xml><?xml version="1.0" encoding="utf-8"?>
@@ -4452,7 +2214,7 @@
 </file>
 
 <file path=ppt/diagrams/quickStyle1.xml><?xml version="1.0" encoding="utf-8"?>
-<dgm:styleDef xmlns:dgm="http://schemas.openxmlformats.org/drawingml/2006/diagram" xmlns:a="http://schemas.openxmlformats.org/drawingml/2006/main" uniqueId="urn:microsoft.com/office/officeart/2005/8/quickstyle/simple1">
+<dgm:styleDef xmlns:dgm="http://schemas.openxmlformats.org/drawingml/2006/diagram" xmlns:a="http://schemas.openxmlformats.org/drawingml/2006/main" uniqueId="urn:microsoft.com/office/officeart/2005/8/quickstyle/simple1#1">
   <dgm:title val=""/>
   <dgm:desc val=""/>
   <dgm:catLst>
@@ -5437,7 +3199,7 @@
 </file>
 
 <file path=ppt/diagrams/quickStyle2.xml><?xml version="1.0" encoding="utf-8"?>
-<dgm:styleDef xmlns:dgm="http://schemas.openxmlformats.org/drawingml/2006/diagram" xmlns:a="http://schemas.openxmlformats.org/drawingml/2006/main" uniqueId="urn:microsoft.com/office/officeart/2005/8/quickstyle/simple1">
+<dgm:styleDef xmlns:dgm="http://schemas.openxmlformats.org/drawingml/2006/diagram" xmlns:a="http://schemas.openxmlformats.org/drawingml/2006/main" uniqueId="urn:microsoft.com/office/officeart/2005/8/quickstyle/simple1#1">
   <dgm:title val=""/>
   <dgm:desc val=""/>
   <dgm:catLst>
@@ -6992,11 +4754,20 @@
         <p:cNvGrpSpPr/>
         <p:nvPr/>
       </p:nvGrpSpPr>
-      <p:grpSpPr/>
+      <p:grpSpPr>
+        <a:xfrm>
+          <a:off x="0" y="0"/>
+          <a:ext cx="0" cy="0"/>
+          <a:chOff x="0" y="0"/>
+          <a:chExt cx="0" cy="0"/>
+        </a:xfrm>
+      </p:grpSpPr>
       <p:sp>
         <p:nvSpPr>
           <p:cNvPr id="2" name="幻灯片图像占位符 1"/>
-          <p:cNvSpPr/>
+          <p:cNvSpPr>
+            <a:spLocks noGrp="1" noRot="1" noChangeAspect="1"/>
+          </p:cNvSpPr>
           <p:nvPr>
             <p:ph type="sldImg" idx="2"/>
           </p:nvPr>
@@ -7006,7 +4777,9 @@
       <p:sp>
         <p:nvSpPr>
           <p:cNvPr id="3" name="文本占位符 2"/>
-          <p:cNvSpPr/>
+          <p:cNvSpPr>
+            <a:spLocks noGrp="1"/>
+          </p:cNvSpPr>
           <p:nvPr>
             <p:ph type="body" idx="3"/>
           </p:nvPr>
@@ -7014,6 +4787,7 @@
         <p:spPr/>
         <p:txBody>
           <a:bodyPr/>
+          <a:lstStyle/>
           <a:p>
             <a:endParaRPr lang="zh-CN" altLang="en-US"/>
           </a:p>
@@ -7817,11 +5591,20 @@
         <p:cNvGrpSpPr/>
         <p:nvPr/>
       </p:nvGrpSpPr>
-      <p:grpSpPr/>
+      <p:grpSpPr>
+        <a:xfrm>
+          <a:off x="0" y="0"/>
+          <a:ext cx="0" cy="0"/>
+          <a:chOff x="0" y="0"/>
+          <a:chExt cx="0" cy="0"/>
+        </a:xfrm>
+      </p:grpSpPr>
       <p:sp>
         <p:nvSpPr>
           <p:cNvPr id="2" name="幻灯片图像占位符 1"/>
-          <p:cNvSpPr/>
+          <p:cNvSpPr>
+            <a:spLocks noGrp="1" noRot="1" noChangeAspect="1"/>
+          </p:cNvSpPr>
           <p:nvPr>
             <p:ph type="sldImg" idx="2"/>
           </p:nvPr>
@@ -7831,7 +5614,9 @@
       <p:sp>
         <p:nvSpPr>
           <p:cNvPr id="3" name="文本占位符 2"/>
-          <p:cNvSpPr/>
+          <p:cNvSpPr>
+            <a:spLocks noGrp="1"/>
+          </p:cNvSpPr>
           <p:nvPr>
             <p:ph type="body" idx="3"/>
           </p:nvPr>
@@ -7839,6 +5624,7 @@
         <p:spPr/>
         <p:txBody>
           <a:bodyPr/>
+          <a:lstStyle/>
           <a:p>
             <a:endParaRPr lang="zh-CN" altLang="en-US"/>
           </a:p>
@@ -8538,7 +6324,7 @@
             </a:r>
             <a:r>
               <a:rPr lang="zh-CN" altLang="en-US" dirty="0" smtClean="0"/>
-              <a:t>位移响应解有很强的网格依赖性。清晰的显示出随着单元尺寸的减小，断裂所做的外部功不断减少。应变局部化被限制与一个单元厚度的一层上。能量耗散和失效单元的体积成正比，而不是断裂表面的面积，随着网格划分的细密，能量耗散趋于</a:t>
+              <a:t>位移响应解显示出有很强的网格依赖性。清晰的显示出随着单元尺寸的减小，断裂所做的外部功不断减少。应变局部化被限制与一个单元厚度的一层上。能量耗散和失效单元的体积成正比，而不是断裂表面的面积，随着网格划分的细密，能量耗散趋于</a:t>
             </a:r>
             <a:r>
               <a:rPr lang="en-US" altLang="zh-CN" dirty="0" smtClean="0"/>
@@ -8553,9 +6339,29 @@
             </a:pPr>
             <a:r>
               <a:rPr lang="zh-CN" altLang="en-US" dirty="0" smtClean="0"/>
-              <a:t>为了纠正这个行为，我们使用裂纹带模型，在这个模型中，断裂被做成一个平行的密集分布的微裂纹带（一个弄脏的裂纹带）在这个模型中，强度极限应变ef并不是固定的而是按照公式来调整。</a:t>
-            </a:r>
-            <a:endParaRPr lang="zh-CN" altLang="en-US" dirty="0" smtClean="0"/>
+              <a:t>为了纠正这个行为，我们使用裂纹带模型，在这个模型中，断裂被做成一个平行的密集分布的微裂纹带（一个弄脏的裂纹带）在这个模型中，强度极限应变ef并不是固定的而是按照公式来调整，使得总的断裂能保持不变</a:t>
+            </a:r>
+            <a:r>
+              <a:rPr lang="en-US" altLang="zh-CN" dirty="0" smtClean="0"/>
+              <a:t>bao</a:t>
+            </a:r>
+            <a:r>
+              <a:rPr lang="zh-CN" altLang="en-US" dirty="0" smtClean="0"/>
+              <a:t>。</a:t>
+            </a:r>
+            <a:r>
+              <a:rPr lang="en-US" altLang="zh-CN" dirty="0" smtClean="0"/>
+              <a:t>(</a:t>
+            </a:r>
+            <a:r>
+              <a:rPr lang="zh-CN" altLang="en-US" dirty="0" smtClean="0"/>
+              <a:t>公式略</a:t>
+            </a:r>
+            <a:r>
+              <a:rPr lang="en-US" altLang="zh-CN" dirty="0" smtClean="0"/>
+              <a:t>)</a:t>
+            </a:r>
+            <a:endParaRPr lang="en-US" altLang="zh-CN" dirty="0" smtClean="0"/>
           </a:p>
           <a:p>
             <a:pPr marL="171450" indent="-171450">
@@ -13221,14 +11027,14 @@
       </p:graphicFrame>
       <p:sp>
         <p:nvSpPr>
-          <p:cNvPr id="4" name="文本框 3"/>
+          <p:cNvPr id="3" name="文本框 2"/>
           <p:cNvSpPr txBox="1"/>
           <p:nvPr/>
         </p:nvSpPr>
         <p:spPr>
           <a:xfrm>
-            <a:off x="461010" y="1336675"/>
-            <a:ext cx="7325360" cy="4799965"/>
+            <a:off x="386715" y="2367280"/>
+            <a:ext cx="8517890" cy="1198880"/>
           </a:xfrm>
           <a:prstGeom prst="rect">
             <a:avLst/>
@@ -13236,267 +11042,56 @@
           <a:noFill/>
         </p:spPr>
         <p:txBody>
-          <a:bodyPr wrap="square" rtlCol="0" anchor="t">
+          <a:bodyPr wrap="square" rtlCol="0">
             <a:spAutoFit/>
           </a:bodyPr>
           <a:p>
-            <a:pPr marL="342900" indent="-342900">
-              <a:buFont typeface="+mj-lt"/>
-              <a:buAutoNum type="arabicPeriod"/>
-            </a:pPr>
-            <a:r>
-              <a:rPr lang="zh-CN" altLang="en-US" sz="2400" b="1">
+            <a:pPr algn="ctr"/>
+            <a:r>
+              <a:rPr lang="en-US" altLang="zh-CN" sz="3600">
                 <a:latin typeface="Times New Roman" panose="02020603050405020304" pitchFamily="18" charset="0"/>
               </a:rPr>
-              <a:t>Numerical model</a:t>
-            </a:r>
-            <a:endParaRPr lang="zh-CN" altLang="en-US" sz="2400" b="1">
+              <a:t>Progressive damage analysis of Composite laminates with big cutouts</a:t>
+            </a:r>
+            <a:endParaRPr lang="en-US" altLang="zh-CN" sz="3600">
               <a:latin typeface="Times New Roman" panose="02020603050405020304" pitchFamily="18" charset="0"/>
             </a:endParaRPr>
           </a:p>
-          <a:p>
-            <a:pPr marL="1257300" lvl="2" indent="-342900">
-              <a:buFont typeface="Arial" panose="020B0604020202020204" pitchFamily="34" charset="0"/>
-              <a:buChar char="•"/>
-            </a:pPr>
-            <a:r>
-              <a:rPr lang="zh-CN" altLang="en-US">
-                <a:latin typeface="Times New Roman" panose="02020603050405020304" pitchFamily="18" charset="0"/>
-                <a:sym typeface="+mn-ea"/>
-              </a:rPr>
-              <a:t>Hashin Criteria &amp; Continumm Damage Model(CDM)</a:t>
-            </a:r>
-            <a:endParaRPr lang="zh-CN" altLang="en-US">
-              <a:latin typeface="Times New Roman" panose="02020603050405020304" pitchFamily="18" charset="0"/>
-            </a:endParaRPr>
-          </a:p>
-          <a:p>
-            <a:pPr marL="1200150" lvl="2" indent="-285750">
-              <a:buFont typeface="Arial" panose="020B0604020202020204" pitchFamily="34" charset="0"/>
-              <a:buChar char="•"/>
-            </a:pPr>
-            <a:r>
-              <a:rPr lang="zh-CN" altLang="en-US">
-                <a:latin typeface="Times New Roman" panose="02020603050405020304" pitchFamily="18" charset="0"/>
-                <a:sym typeface="+mn-ea"/>
-              </a:rPr>
-              <a:t>Degeneration Model(linear vs exponential)</a:t>
-            </a:r>
-            <a:endParaRPr lang="zh-CN" altLang="en-US">
-              <a:latin typeface="Times New Roman" panose="02020603050405020304" pitchFamily="18" charset="0"/>
-              <a:sym typeface="+mn-ea"/>
-            </a:endParaRPr>
-          </a:p>
-          <a:p>
-            <a:pPr marL="1200150" lvl="2" indent="-285750">
-              <a:buFont typeface="Arial" panose="020B0604020202020204" pitchFamily="34" charset="0"/>
-              <a:buChar char="•"/>
-            </a:pPr>
-            <a:r>
-              <a:rPr lang="zh-CN" altLang="en-US">
-                <a:latin typeface="Times New Roman" panose="02020603050405020304" pitchFamily="18" charset="0"/>
-                <a:sym typeface="+mn-ea"/>
-              </a:rPr>
-              <a:t>Shear Nonlinearity</a:t>
-            </a:r>
-            <a:endParaRPr lang="zh-CN" altLang="en-US">
-              <a:latin typeface="Times New Roman" panose="02020603050405020304" pitchFamily="18" charset="0"/>
-            </a:endParaRPr>
-          </a:p>
-          <a:p>
-            <a:pPr marL="1200150" lvl="2" indent="-285750">
-              <a:buFont typeface="Arial" panose="020B0604020202020204" pitchFamily="34" charset="0"/>
-              <a:buChar char="•"/>
-            </a:pPr>
-            <a:r>
-              <a:rPr lang="zh-CN" altLang="en-US">
-                <a:latin typeface="Times New Roman" panose="02020603050405020304" pitchFamily="18" charset="0"/>
-                <a:sym typeface="+mn-ea"/>
-              </a:rPr>
-              <a:t>就地强度准测？？</a:t>
-            </a:r>
-            <a:endParaRPr lang="zh-CN" altLang="en-US">
-              <a:latin typeface="Times New Roman" panose="02020603050405020304" pitchFamily="18" charset="0"/>
-            </a:endParaRPr>
-          </a:p>
-          <a:p>
-            <a:pPr marL="342900" indent="-342900">
-              <a:buFont typeface="+mj-lt"/>
-              <a:buAutoNum type="arabicPeriod"/>
-            </a:pPr>
-            <a:endParaRPr lang="zh-CN" altLang="en-US">
-              <a:latin typeface="Times New Roman" panose="02020603050405020304" pitchFamily="18" charset="0"/>
-            </a:endParaRPr>
-          </a:p>
-          <a:p>
-            <a:pPr marL="342900" indent="-342900">
-              <a:buFont typeface="+mj-lt"/>
-              <a:buAutoNum type="arabicPeriod"/>
-            </a:pPr>
-            <a:endParaRPr lang="zh-CN" altLang="en-US">
-              <a:latin typeface="Times New Roman" panose="02020603050405020304" pitchFamily="18" charset="0"/>
-            </a:endParaRPr>
-          </a:p>
-          <a:p>
-            <a:pPr marL="342900" indent="-342900">
-              <a:buFont typeface="+mj-lt"/>
-              <a:buAutoNum type="arabicPeriod"/>
-            </a:pPr>
-            <a:r>
-              <a:rPr lang="zh-CN" altLang="en-US" sz="2400" b="1">
-                <a:latin typeface="Times New Roman" panose="02020603050405020304" pitchFamily="18" charset="0"/>
-                <a:sym typeface="+mn-ea"/>
-              </a:rPr>
-              <a:t>Abaqus simulation</a:t>
-            </a:r>
-            <a:endParaRPr lang="zh-CN" altLang="en-US" sz="2400" b="1">
-              <a:latin typeface="Times New Roman" panose="02020603050405020304" pitchFamily="18" charset="0"/>
-              <a:sym typeface="+mn-ea"/>
-            </a:endParaRPr>
-          </a:p>
-          <a:p>
-            <a:pPr marL="1200150" lvl="2" indent="-285750">
-              <a:buFont typeface="Arial" panose="020B0604020202020204" pitchFamily="34" charset="0"/>
-              <a:buChar char="•"/>
-            </a:pPr>
-            <a:r>
-              <a:rPr lang="zh-CN" altLang="en-US">
-                <a:latin typeface="Times New Roman" panose="02020603050405020304" pitchFamily="18" charset="0"/>
-                <a:sym typeface="+mn-ea"/>
-              </a:rPr>
-              <a:t>UMAT subroutine</a:t>
-            </a:r>
-            <a:endParaRPr lang="zh-CN" altLang="en-US">
-              <a:latin typeface="Times New Roman" panose="02020603050405020304" pitchFamily="18" charset="0"/>
-            </a:endParaRPr>
-          </a:p>
-          <a:p>
-            <a:pPr marL="1200150" lvl="2" indent="-285750">
-              <a:buFont typeface="Arial" panose="020B0604020202020204" pitchFamily="34" charset="0"/>
-              <a:buChar char="•"/>
-            </a:pPr>
-            <a:r>
-              <a:rPr lang="en-US" altLang="zh-CN">
-                <a:latin typeface="Times New Roman" panose="02020603050405020304" pitchFamily="18" charset="0"/>
-                <a:sym typeface="+mn-ea"/>
-              </a:rPr>
-              <a:t>c</a:t>
-            </a:r>
-            <a:r>
-              <a:rPr lang="zh-CN" altLang="en-US">
-                <a:latin typeface="Times New Roman" panose="02020603050405020304" pitchFamily="18" charset="0"/>
-                <a:sym typeface="+mn-ea"/>
-              </a:rPr>
-              <a:t>haracteristic </a:t>
-            </a:r>
-            <a:r>
-              <a:rPr lang="en-US" altLang="zh-CN">
-                <a:latin typeface="Times New Roman" panose="02020603050405020304" pitchFamily="18" charset="0"/>
-                <a:sym typeface="+mn-ea"/>
-              </a:rPr>
-              <a:t>l</a:t>
-            </a:r>
-            <a:r>
-              <a:rPr lang="zh-CN" altLang="en-US">
-                <a:latin typeface="Times New Roman" panose="02020603050405020304" pitchFamily="18" charset="0"/>
-                <a:sym typeface="+mn-ea"/>
-              </a:rPr>
-              <a:t>ength</a:t>
-            </a:r>
-            <a:endParaRPr lang="zh-CN" altLang="en-US">
-              <a:latin typeface="Times New Roman" panose="02020603050405020304" pitchFamily="18" charset="0"/>
-            </a:endParaRPr>
-          </a:p>
-          <a:p>
-            <a:pPr marL="1200150" lvl="2" indent="-285750">
-              <a:buFont typeface="Arial" panose="020B0604020202020204" pitchFamily="34" charset="0"/>
-              <a:buChar char="•"/>
-            </a:pPr>
-            <a:r>
-              <a:rPr lang="zh-CN" altLang="en-US">
-                <a:latin typeface="Times New Roman" panose="02020603050405020304" pitchFamily="18" charset="0"/>
-                <a:sym typeface="+mn-ea"/>
-              </a:rPr>
-              <a:t>coefficient of viscosity</a:t>
-            </a:r>
-            <a:endParaRPr lang="zh-CN" altLang="en-US">
-              <a:latin typeface="Times New Roman" panose="02020603050405020304" pitchFamily="18" charset="0"/>
-            </a:endParaRPr>
-          </a:p>
-          <a:p>
-            <a:pPr marL="1200150" lvl="2" indent="-285750">
-              <a:buFont typeface="Arial" panose="020B0604020202020204" pitchFamily="34" charset="0"/>
-              <a:buChar char="•"/>
-            </a:pPr>
-            <a:r>
-              <a:rPr lang="zh-CN" altLang="en-US">
-                <a:latin typeface="Times New Roman" panose="02020603050405020304" pitchFamily="18" charset="0"/>
-                <a:sym typeface="+mn-ea"/>
-              </a:rPr>
-              <a:t>implicit dynamic </a:t>
-            </a:r>
-            <a:endParaRPr lang="zh-CN" altLang="en-US">
-              <a:latin typeface="Times New Roman" panose="02020603050405020304" pitchFamily="18" charset="0"/>
-            </a:endParaRPr>
-          </a:p>
-          <a:p>
-            <a:pPr marL="342900" indent="-342900">
-              <a:buFont typeface="+mj-lt"/>
-              <a:buAutoNum type="arabicPeriod"/>
-            </a:pPr>
-            <a:endParaRPr lang="zh-CN" altLang="en-US">
-              <a:latin typeface="Times New Roman" panose="02020603050405020304" pitchFamily="18" charset="0"/>
-              <a:sym typeface="+mn-ea"/>
-            </a:endParaRPr>
-          </a:p>
-          <a:p>
-            <a:pPr marL="342900" indent="-342900">
-              <a:buFont typeface="+mj-lt"/>
-              <a:buAutoNum type="arabicPeriod"/>
-            </a:pPr>
-            <a:endParaRPr lang="zh-CN" altLang="en-US">
-              <a:latin typeface="Times New Roman" panose="02020603050405020304" pitchFamily="18" charset="0"/>
-              <a:sym typeface="+mn-ea"/>
-            </a:endParaRPr>
-          </a:p>
-          <a:p>
-            <a:pPr marL="342900" indent="-342900">
-              <a:buFont typeface="+mj-lt"/>
-              <a:buAutoNum type="arabicPeriod"/>
-            </a:pPr>
-            <a:r>
-              <a:rPr lang="zh-CN" altLang="en-US" sz="2400" b="1">
-                <a:latin typeface="Times New Roman" panose="02020603050405020304" pitchFamily="18" charset="0"/>
-                <a:sym typeface="+mn-ea"/>
-              </a:rPr>
-              <a:t>Results </a:t>
-            </a:r>
-            <a:r>
-              <a:rPr lang="en-US" altLang="zh-CN" sz="2400" b="1">
-                <a:latin typeface="Times New Roman" panose="02020603050405020304" pitchFamily="18" charset="0"/>
-                <a:sym typeface="+mn-ea"/>
-              </a:rPr>
-              <a:t>&amp; Conclusions</a:t>
-            </a:r>
-            <a:endParaRPr lang="zh-CN" altLang="en-US" sz="2400" b="1">
-              <a:latin typeface="Times New Roman" panose="02020603050405020304" pitchFamily="18" charset="0"/>
-              <a:sym typeface="+mn-ea"/>
-            </a:endParaRPr>
-          </a:p>
-          <a:p>
-            <a:pPr marL="0" indent="0">
-              <a:buFont typeface="+mj-lt"/>
-              <a:buNone/>
-            </a:pPr>
-            <a:r>
-              <a:rPr lang="zh-CN" altLang="en-US">
-                <a:sym typeface="+mn-ea"/>
-              </a:rPr>
-              <a:t> </a:t>
-            </a:r>
-            <a:r>
-              <a:rPr lang="zh-CN" altLang="en-US"/>
-              <a:t>	</a:t>
+        </p:txBody>
+      </p:sp>
+      <p:sp>
+        <p:nvSpPr>
+          <p:cNvPr id="5" name="文本框 4"/>
+          <p:cNvSpPr txBox="1"/>
+          <p:nvPr/>
+        </p:nvSpPr>
+        <p:spPr>
+          <a:xfrm>
+            <a:off x="6680200" y="4282440"/>
+            <a:ext cx="2070735" cy="645160"/>
+          </a:xfrm>
+          <a:prstGeom prst="rect">
+            <a:avLst/>
+          </a:prstGeom>
+          <a:noFill/>
+        </p:spPr>
+        <p:txBody>
+          <a:bodyPr wrap="square" rtlCol="0">
+            <a:spAutoFit/>
+          </a:bodyPr>
+          <a:p>
+            <a:pPr algn="ctr"/>
+            <a:r>
+              <a:rPr lang="en-US" altLang="zh-CN"/>
+              <a:t>Chu PengCheng</a:t>
+            </a:r>
+            <a:endParaRPr lang="en-US" altLang="zh-CN"/>
+          </a:p>
+          <a:p>
+            <a:pPr algn="ctr"/>
+            <a:r>
+              <a:rPr lang="en-US" altLang="zh-CN"/>
+              <a:t> 2018.01.10</a:t>
             </a:r>
             <a:endParaRPr lang="en-US" altLang="zh-CN"/>
           </a:p>
@@ -13538,8 +11133,8 @@
         </p:nvSpPr>
         <p:spPr>
           <a:xfrm>
-            <a:off x="288925" y="479425"/>
-            <a:ext cx="9114155" cy="737235"/>
+            <a:off x="121285" y="-120650"/>
+            <a:ext cx="9114155" cy="1291590"/>
           </a:xfrm>
           <a:prstGeom prst="rect">
             <a:avLst/>
@@ -13549,6 +11144,7 @@
           <a:bodyPr wrap="square">
             <a:spAutoFit/>
           </a:bodyPr>
+          <a:lstStyle/>
           <a:p>
             <a:pPr marL="0" lvl="1">
               <a:lnSpc>
@@ -13562,12 +11158,23 @@
               </a:rPr>
               <a:t>Abaqus Simulation</a:t>
             </a:r>
+            <a:endParaRPr lang="en-US" altLang="zh-CN" sz="2800" dirty="0" smtClean="0">
+              <a:latin typeface="Times New Roman" panose="02020603050405020304" pitchFamily="18" charset="0"/>
+              <a:cs typeface="Times New Roman" panose="02020603050405020304" pitchFamily="18" charset="0"/>
+            </a:endParaRPr>
+          </a:p>
+          <a:p>
+            <a:pPr marL="0" lvl="1">
+              <a:lnSpc>
+                <a:spcPct val="150000"/>
+              </a:lnSpc>
+            </a:pPr>
             <a:r>
               <a:rPr lang="en-US" altLang="zh-CN" sz="2400" dirty="0" smtClean="0">
                 <a:latin typeface="Times New Roman" panose="02020603050405020304" pitchFamily="18" charset="0"/>
                 <a:cs typeface="Times New Roman" panose="02020603050405020304" pitchFamily="18" charset="0"/>
               </a:rPr>
-              <a:t>—</a:t>
+              <a:t>                       —</a:t>
             </a:r>
             <a:r>
               <a:rPr lang="en-US" altLang="zh-CN" sz="2400">
@@ -13606,6 +11213,7 @@
           <a:bodyPr wrap="square" rtlCol="0">
             <a:spAutoFit/>
           </a:bodyPr>
+          <a:lstStyle/>
           <a:p>
             <a:r>
               <a:rPr sz="1600">
@@ -13633,7 +11241,7 @@
       <p:graphicFrame>
         <p:nvGraphicFramePr>
           <p:cNvPr id="5" name="对象 4">
-            <a:hlinkClick r:id="" action="ppaction://ole?verb="/>
+            <a:hlinkClick r:id="" action="ppaction://ole?verb=0"/>
           </p:cNvPr>
           <p:cNvGraphicFramePr>
             <a:graphicFrameLocks noChangeAspect="1"/>
@@ -13648,7 +11256,7 @@
           <a:graphicData uri="http://schemas.openxmlformats.org/presentationml/2006/ole">
             <mc:AlternateContent xmlns:mc="http://schemas.openxmlformats.org/markup-compatibility/2006">
               <mc:Choice xmlns:v="urn:schemas-microsoft-com:vml" Requires="v">
-                <p:oleObj spid="_x0000_s1025" name="" r:id="rId1" imgW="1066800" imgH="862965" progId="Equation.KSEE3">
+                <p:oleObj spid="_x0000_s4099" name="" r:id="rId1" imgW="1066800" imgH="862965" progId="Equation.KSEE3">
                   <p:embed/>
                 </p:oleObj>
               </mc:Choice>
@@ -13703,6 +11311,7 @@
           <a:bodyPr wrap="square" rtlCol="0">
             <a:spAutoFit/>
           </a:bodyPr>
+          <a:lstStyle/>
           <a:p>
             <a:r>
               <a:rPr lang="en-US" altLang="zh-CN" sz="2400"/>
@@ -13808,6 +11417,7 @@
           <a:bodyPr wrap="square" rtlCol="0" anchor="t">
             <a:spAutoFit/>
           </a:bodyPr>
+          <a:lstStyle/>
           <a:p>
             <a:r>
               <a:rPr lang="zh-CN" altLang="en-US" sz="1400"/>
@@ -13865,6 +11475,7 @@
           <a:bodyPr wrap="square" rtlCol="0" anchor="t">
             <a:spAutoFit/>
           </a:bodyPr>
+          <a:lstStyle/>
           <a:p>
             <a:r>
               <a:rPr lang="zh-CN" altLang="en-US" sz="1400"/>
@@ -13894,6 +11505,7 @@
           <a:bodyPr wrap="square" rtlCol="0" anchor="t">
             <a:spAutoFit/>
           </a:bodyPr>
+          <a:lstStyle/>
           <a:p>
             <a:r>
               <a:rPr lang="zh-CN" altLang="en-US" sz="1400"/>
@@ -13930,6 +11542,7 @@
           <a:bodyPr wrap="square" rtlCol="0">
             <a:spAutoFit/>
           </a:bodyPr>
+          <a:lstStyle/>
           <a:p>
             <a:r>
               <a:rPr lang="en-US" altLang="zh-CN" sz="1400">
@@ -14005,6 +11618,7 @@
           <a:bodyPr anchor="t">
             <a:spAutoFit/>
           </a:bodyPr>
+          <a:lstStyle/>
           <a:p>
             <a:r>
               <a:rPr lang="zh-CN" altLang="en-US" sz="1400" b="0" dirty="0">
@@ -14078,6 +11692,7 @@
           <a:bodyPr anchor="t">
             <a:spAutoFit/>
           </a:bodyPr>
+          <a:lstStyle/>
           <a:p>
             <a:r>
               <a:rPr lang="zh-CN" altLang="en-US" b="0" dirty="0">
@@ -14123,7 +11738,7 @@
         <p:spPr>
           <a:xfrm>
             <a:off x="1097280" y="5755005"/>
-            <a:ext cx="4184015" cy="645160"/>
+            <a:ext cx="4930775" cy="368300"/>
           </a:xfrm>
           <a:prstGeom prst="rect">
             <a:avLst/>
@@ -14137,6 +11752,7 @@
           <a:bodyPr wrap="square" anchor="t">
             <a:spAutoFit/>
           </a:bodyPr>
+          <a:lstStyle/>
           <a:p>
             <a:r>
               <a:rPr lang="en-US" altLang="zh-CN" sz="1800">
@@ -14181,6 +11797,7 @@
           <a:bodyPr wrap="square" anchor="t">
             <a:spAutoFit/>
           </a:bodyPr>
+          <a:lstStyle/>
           <a:p>
             <a:r>
               <a:rPr lang="en-US" altLang="zh-CN" sz="2000" b="0" dirty="0">
@@ -14263,6 +11880,7 @@
           <a:bodyPr wrap="square">
             <a:spAutoFit/>
           </a:bodyPr>
+          <a:lstStyle/>
           <a:p>
             <a:pPr marL="0" lvl="1">
               <a:lnSpc>
@@ -14710,6 +12328,7 @@
                 <a:tc>
                   <a:txBody>
                     <a:bodyPr/>
+                    <a:lstStyle/>
                     <a:p>
                       <a:pPr algn="ctr">
                         <a:spcAft>
@@ -14744,6 +12363,7 @@
                 <a:tc>
                   <a:txBody>
                     <a:bodyPr/>
+                    <a:lstStyle/>
                     <a:p>
                       <a:pPr algn="ctr">
                         <a:spcAft>
@@ -15313,6 +12933,7 @@
                 <a:tc gridSpan="2">
                   <a:txBody>
                     <a:bodyPr/>
+                    <a:lstStyle/>
                     <a:p>
                       <a:pPr algn="ctr">
                         <a:spcAft>
@@ -15371,6 +12992,7 @@
                 <a:tc>
                   <a:txBody>
                     <a:bodyPr/>
+                    <a:lstStyle/>
                     <a:p>
                       <a:pPr algn="ctr">
                         <a:spcAft>
@@ -15405,6 +13027,7 @@
                 <a:tc>
                   <a:txBody>
                     <a:bodyPr/>
+                    <a:lstStyle/>
                     <a:p>
                       <a:pPr algn="ctr">
                         <a:spcAft>
@@ -15441,6 +13064,7 @@
                 <a:tc>
                   <a:txBody>
                     <a:bodyPr/>
+                    <a:lstStyle/>
                     <a:p>
                       <a:pPr algn="ctr">
                         <a:spcAft>
@@ -15469,6 +13093,7 @@
                 <a:tc>
                   <a:txBody>
                     <a:bodyPr/>
+                    <a:lstStyle/>
                     <a:p>
                       <a:pPr algn="ctr">
                         <a:spcAft>
@@ -15499,6 +13124,7 @@
                 <a:tc>
                   <a:txBody>
                     <a:bodyPr/>
+                    <a:lstStyle/>
                     <a:p>
                       <a:pPr algn="ctr">
                         <a:spcAft>
@@ -15527,6 +13153,7 @@
                 <a:tc>
                   <a:txBody>
                     <a:bodyPr/>
+                    <a:lstStyle/>
                     <a:p>
                       <a:pPr algn="ctr">
                         <a:spcAft>
@@ -15557,6 +13184,7 @@
                 <a:tc>
                   <a:txBody>
                     <a:bodyPr/>
+                    <a:lstStyle/>
                     <a:p>
                       <a:pPr algn="ctr">
                         <a:spcAft>
@@ -15584,6 +13212,7 @@
                 <a:tc>
                   <a:txBody>
                     <a:bodyPr/>
+                    <a:lstStyle/>
                     <a:p>
                       <a:pPr algn="ctr">
                         <a:spcAft>
@@ -15639,6 +13268,7 @@
           <a:bodyPr wrap="square">
             <a:spAutoFit/>
           </a:bodyPr>
+          <a:lstStyle/>
           <a:p>
             <a:pPr algn="ctr"/>
             <a:r>
@@ -15697,6 +13327,7 @@
           <a:bodyPr wrap="square" rtlCol="0" anchor="t">
             <a:spAutoFit/>
           </a:bodyPr>
+          <a:lstStyle/>
           <a:p>
             <a:pPr marL="0" indent="0">
               <a:buFont typeface="+mj-lt"/>
@@ -15806,6 +13437,7 @@
           <a:bodyPr wrap="square" rtlCol="0">
             <a:spAutoFit/>
           </a:bodyPr>
+          <a:lstStyle/>
           <a:p>
             <a:endParaRPr lang="zh-CN" altLang="en-US"/>
           </a:p>
@@ -15831,6 +13463,7 @@
           <a:bodyPr wrap="square" rtlCol="0">
             <a:spAutoFit/>
           </a:bodyPr>
+          <a:lstStyle/>
           <a:p>
             <a:pPr marL="0" indent="0">
               <a:buFont typeface="+mj-lt"/>
@@ -15975,6 +13608,7 @@
           <a:bodyPr wrap="square" rtlCol="0">
             <a:spAutoFit/>
           </a:bodyPr>
+          <a:lstStyle/>
           <a:p>
             <a:r>
               <a:rPr lang="en-US" altLang="zh-CN" sz="1600"/>
@@ -16004,6 +13638,7 @@
           <a:bodyPr wrap="square" rtlCol="0">
             <a:spAutoFit/>
           </a:bodyPr>
+          <a:lstStyle/>
           <a:p>
             <a:r>
               <a:rPr lang="en-US" altLang="zh-CN" sz="1200"/>
@@ -16219,6 +13854,7 @@
           <a:bodyPr wrap="square">
             <a:spAutoFit/>
           </a:bodyPr>
+          <a:lstStyle/>
           <a:p>
             <a:pPr algn="ctr"/>
             <a:r>
@@ -16347,6 +13983,7 @@
           <a:bodyPr wrap="square" rtlCol="0">
             <a:spAutoFit/>
           </a:bodyPr>
+          <a:lstStyle/>
           <a:p>
             <a:r>
               <a:rPr lang="en-US" altLang="zh-CN" sz="1600"/>
@@ -16389,6 +14026,7 @@
           <a:bodyPr wrap="square">
             <a:spAutoFit/>
           </a:bodyPr>
+          <a:lstStyle/>
           <a:p>
             <a:pPr algn="ctr"/>
             <a:r>
@@ -16522,6 +14160,7 @@
           <a:bodyPr wrap="square" rtlCol="0">
             <a:spAutoFit/>
           </a:bodyPr>
+          <a:lstStyle/>
           <a:p>
             <a:pPr algn="ctr"/>
             <a:r>
@@ -16646,6 +14285,7 @@
           <a:bodyPr wrap="square" rtlCol="0">
             <a:spAutoFit/>
           </a:bodyPr>
+          <a:lstStyle/>
           <a:p>
             <a:pPr algn="ctr"/>
             <a:r>
@@ -16692,6 +14332,7 @@
         </p:spPr>
         <p:txBody>
           <a:bodyPr vert="horz" wrap="square" lIns="91440" tIns="45720" rIns="91440" bIns="45720" numCol="1" anchor="t" anchorCtr="0" compatLnSpc="1"/>
+          <a:lstStyle/>
           <a:p>
             <a:pPr marL="0" marR="0" indent="0" algn="l" defTabSz="914400" rtl="0" eaLnBrk="0" fontAlgn="base" latinLnBrk="0" hangingPunct="0">
               <a:lnSpc>
@@ -16742,6 +14383,7 @@
           <a:bodyPr wrap="square" rtlCol="0">
             <a:spAutoFit/>
           </a:bodyPr>
+          <a:lstStyle/>
           <a:p>
             <a:r>
               <a:rPr lang="en-US" altLang="zh-CN"/>
@@ -16781,6 +14423,7 @@
           <a:bodyPr wrap="square" rtlCol="0">
             <a:spAutoFit/>
           </a:bodyPr>
+          <a:lstStyle/>
           <a:p>
             <a:r>
               <a:rPr lang="en-US" altLang="zh-CN" sz="1400"/>
@@ -16842,6 +14485,7 @@
           <a:bodyPr wrap="square">
             <a:spAutoFit/>
           </a:bodyPr>
+          <a:lstStyle/>
           <a:p>
             <a:pPr>
               <a:lnSpc>
@@ -17013,6 +14657,7 @@
           <a:bodyPr wrap="square" rtlCol="0">
             <a:spAutoFit/>
           </a:bodyPr>
+          <a:lstStyle/>
           <a:p>
             <a:r>
               <a:rPr lang="en-US" altLang="zh-CN"/>
@@ -17059,6 +14704,15 @@
           <a:bodyPr>
             <a:spAutoFit/>
           </a:bodyPr>
+          <a:lstStyle/>
+          <a:p>
+            <a:pPr marL="0" indent="0" algn="ctr"/>
+            <a:endParaRPr lang="en-US" altLang="zh-CN" sz="1050" b="0">
+              <a:latin typeface="宋体" panose="02010600030101010101" pitchFamily="2" charset="-122"/>
+              <a:ea typeface="宋体" panose="02010600030101010101" pitchFamily="2" charset="-122"/>
+              <a:cs typeface="宋体" panose="02010600030101010101" pitchFamily="2" charset="-122"/>
+            </a:endParaRPr>
+          </a:p>
           <a:p>
             <a:pPr marL="0" indent="0" algn="ctr"/>
             <a:r>
@@ -17067,8 +14721,7 @@
                 <a:ea typeface="宋体" panose="02010600030101010101" pitchFamily="2" charset="-122"/>
                 <a:cs typeface="宋体" panose="02010600030101010101" pitchFamily="2" charset="-122"/>
               </a:rPr>
-              <a:t>- </a:t>
+              <a:t> </a:t>
             </a:r>
             <a:endParaRPr lang="zh-CN" altLang="en-US"/>
           </a:p>
@@ -17197,6 +14850,14 @@
           <a:bodyPr>
             <a:spAutoFit/>
           </a:bodyPr>
+          <a:lstStyle/>
+          <a:p>
+            <a:pPr marL="0" indent="0"/>
+            <a:endParaRPr lang="en-US" altLang="zh-CN" sz="1050" b="0">
+              <a:latin typeface="Calibri" panose="020F0502020204030204" charset="0"/>
+              <a:cs typeface="Calibri" panose="020F0502020204030204" charset="0"/>
+            </a:endParaRPr>
+          </a:p>
           <a:p>
             <a:pPr marL="0" indent="0"/>
             <a:r>
@@ -17204,8 +14865,7 @@
                 <a:latin typeface="Calibri" panose="020F0502020204030204" charset="0"/>
                 <a:cs typeface="Calibri" panose="020F0502020204030204" charset="0"/>
               </a:rPr>
-              <a:t>- </a:t>
+              <a:t> </a:t>
             </a:r>
             <a:endParaRPr lang="zh-CN" altLang="en-US"/>
           </a:p>
@@ -17231,6 +14891,7 @@
           <a:bodyPr wrap="square" rtlCol="0">
             <a:spAutoFit/>
           </a:bodyPr>
+          <a:lstStyle/>
           <a:p>
             <a:r>
               <a:rPr lang="en-US" altLang="zh-CN"/>
@@ -17260,6 +14921,7 @@
           <a:bodyPr wrap="square" rtlCol="0">
             <a:spAutoFit/>
           </a:bodyPr>
+          <a:lstStyle/>
           <a:p>
             <a:r>
               <a:rPr lang="en-US" altLang="zh-CN"/>
@@ -17296,6 +14958,7 @@
           <a:bodyPr>
             <a:spAutoFit/>
           </a:bodyPr>
+          <a:lstStyle/>
           <a:p>
             <a:pPr marL="0" indent="0"/>
             <a:r>
@@ -17366,6 +15029,14 @@
           <a:bodyPr>
             <a:spAutoFit/>
           </a:bodyPr>
+          <a:lstStyle/>
+          <a:p>
+            <a:pPr marL="0" indent="0"/>
+            <a:endParaRPr lang="en-US" altLang="zh-CN" sz="1050" b="0">
+              <a:latin typeface="Calibri" panose="020F0502020204030204" charset="0"/>
+              <a:cs typeface="Calibri" panose="020F0502020204030204" charset="0"/>
+            </a:endParaRPr>
+          </a:p>
           <a:p>
             <a:pPr marL="0" indent="0"/>
             <a:r>
@@ -17373,16 +15044,21 @@
                 <a:latin typeface="Calibri" panose="020F0502020204030204" charset="0"/>
                 <a:cs typeface="Calibri" panose="020F0502020204030204" charset="0"/>
               </a:rPr>
-              <a:t>- </a:t>
-            </a:r>
+              <a:t> </a:t>
+            </a:r>
+            <a:endParaRPr lang="en-US" altLang="zh-CN" sz="1050" b="1">
+              <a:latin typeface="Calibri" panose="020F0502020204030204" charset="0"/>
+              <a:cs typeface="Calibri" panose="020F0502020204030204" charset="0"/>
+            </a:endParaRPr>
+          </a:p>
+          <a:p>
+            <a:pPr marL="0" indent="0"/>
             <a:r>
               <a:rPr lang="en-US" altLang="zh-CN" sz="1050" b="1">
                 <a:latin typeface="Calibri" panose="020F0502020204030204" charset="0"/>
                 <a:cs typeface="Calibri" panose="020F0502020204030204" charset="0"/>
               </a:rPr>
-              <a:t>-Laminate damage model for composite structures</a:t>
+              <a:t>Laminate damage model for composite structures</a:t>
             </a:r>
             <a:endParaRPr lang="zh-CN" altLang="en-US"/>
           </a:p>
@@ -17413,7 +15089,14 @@
         <p:cNvGrpSpPr/>
         <p:nvPr/>
       </p:nvGrpSpPr>
-      <p:grpSpPr/>
+      <p:grpSpPr>
+        <a:xfrm>
+          <a:off x="0" y="0"/>
+          <a:ext cx="0" cy="0"/>
+          <a:chOff x="0" y="0"/>
+          <a:chExt cx="0" cy="0"/>
+        </a:xfrm>
+      </p:grpSpPr>
       <p:sp>
         <p:nvSpPr>
           <p:cNvPr id="2" name="文本框 1"/>
@@ -17434,6 +15117,7 @@
           <a:bodyPr wrap="square" rtlCol="0">
             <a:spAutoFit/>
           </a:bodyPr>
+          <a:lstStyle/>
           <a:p>
             <a:r>
               <a:rPr lang="en-US" altLang="zh-CN"/>
@@ -17474,6 +15158,7 @@
                 <a:tc>
                   <a:txBody>
                     <a:bodyPr/>
+                    <a:lstStyle/>
                     <a:p>
                       <a:pPr algn="ctr">
                         <a:buNone/>
@@ -17507,6 +15192,7 @@
                 <a:tc>
                   <a:txBody>
                     <a:bodyPr/>
+                    <a:lstStyle/>
                     <a:p>
                       <a:pPr algn="ctr">
                         <a:buNone/>
@@ -17551,6 +15237,7 @@
                 <a:tc>
                   <a:txBody>
                     <a:bodyPr/>
+                    <a:lstStyle/>
                     <a:p>
                       <a:pPr algn="l">
                         <a:buNone/>
@@ -17578,6 +15265,7 @@
                 <a:tc>
                   <a:txBody>
                     <a:bodyPr/>
+                    <a:lstStyle/>
                     <a:p>
                       <a:pPr algn="l">
                         <a:buNone/>
@@ -17603,6 +15291,7 @@
                 <a:tc>
                   <a:txBody>
                     <a:bodyPr/>
+                    <a:lstStyle/>
                     <a:p>
                       <a:pPr algn="l">
                         <a:buNone/>
@@ -17626,6 +15315,7 @@
                 <a:tc>
                   <a:txBody>
                     <a:bodyPr/>
+                    <a:lstStyle/>
                     <a:p>
                       <a:pPr algn="l">
                         <a:buNone/>
@@ -17651,6 +15341,7 @@
                 <a:tc>
                   <a:txBody>
                     <a:bodyPr/>
+                    <a:lstStyle/>
                     <a:p>
                       <a:pPr algn="l">
                         <a:buNone/>
@@ -17684,6 +15375,7 @@
                 <a:tc>
                   <a:txBody>
                     <a:bodyPr/>
+                    <a:lstStyle/>
                     <a:p>
                       <a:pPr algn="l">
                         <a:buNone/>
@@ -17739,6 +15431,7 @@
           <a:bodyPr wrap="square" rtlCol="0" anchor="t">
             <a:spAutoFit/>
           </a:bodyPr>
+          <a:lstStyle/>
           <a:p>
             <a:pPr algn="l"/>
             <a:r>
@@ -17825,6 +15518,310 @@
           </a:graphicData>
         </a:graphic>
       </p:graphicFrame>
+      <p:sp>
+        <p:nvSpPr>
+          <p:cNvPr id="4" name="文本框 3"/>
+          <p:cNvSpPr txBox="1"/>
+          <p:nvPr/>
+        </p:nvSpPr>
+        <p:spPr>
+          <a:xfrm>
+            <a:off x="461010" y="1121410"/>
+            <a:ext cx="7325360" cy="5354320"/>
+          </a:xfrm>
+          <a:prstGeom prst="rect">
+            <a:avLst/>
+          </a:prstGeom>
+          <a:noFill/>
+        </p:spPr>
+        <p:txBody>
+          <a:bodyPr wrap="square" rtlCol="0" anchor="t">
+            <a:spAutoFit/>
+          </a:bodyPr>
+          <a:lstStyle/>
+          <a:p>
+            <a:pPr marL="342900" indent="-342900">
+              <a:buFont typeface="+mj-lt"/>
+              <a:buAutoNum type="arabicPeriod"/>
+            </a:pPr>
+            <a:r>
+              <a:rPr lang="zh-CN" altLang="en-US" sz="2400" b="1">
+                <a:latin typeface="Times New Roman" panose="02020603050405020304" pitchFamily="18" charset="0"/>
+              </a:rPr>
+              <a:t>Numerical model</a:t>
+            </a:r>
+            <a:endParaRPr lang="zh-CN" altLang="en-US" sz="2400" b="1">
+              <a:latin typeface="Times New Roman" panose="02020603050405020304" pitchFamily="18" charset="0"/>
+            </a:endParaRPr>
+          </a:p>
+          <a:p>
+            <a:pPr marL="1257300" lvl="2" indent="-342900">
+              <a:buFont typeface="Arial" panose="020B0604020202020204" pitchFamily="34" charset="0"/>
+              <a:buChar char="•"/>
+            </a:pPr>
+            <a:endParaRPr lang="zh-CN" altLang="en-US">
+              <a:latin typeface="Times New Roman" panose="02020603050405020304" pitchFamily="18" charset="0"/>
+              <a:sym typeface="+mn-ea"/>
+            </a:endParaRPr>
+          </a:p>
+          <a:p>
+            <a:pPr marL="1198880" lvl="2" indent="-284480" latinLnBrk="0">
+              <a:buFont typeface="Arial" panose="020B0604020202020204" pitchFamily="34" charset="0"/>
+              <a:buChar char="•"/>
+            </a:pPr>
+            <a:r>
+              <a:rPr lang="zh-CN" altLang="en-US">
+                <a:latin typeface="Times New Roman" panose="02020603050405020304" pitchFamily="18" charset="0"/>
+                <a:sym typeface="+mn-ea"/>
+              </a:rPr>
+              <a:t>Hashin Criteria &amp; Continumm Damage Model(CDM)</a:t>
+            </a:r>
+            <a:endParaRPr lang="zh-CN" altLang="en-US">
+              <a:latin typeface="Times New Roman" panose="02020603050405020304" pitchFamily="18" charset="0"/>
+            </a:endParaRPr>
+          </a:p>
+          <a:p>
+            <a:pPr marL="1200150" lvl="2" indent="-285750">
+              <a:buFont typeface="Arial" panose="020B0604020202020204" pitchFamily="34" charset="0"/>
+              <a:buChar char="•"/>
+            </a:pPr>
+            <a:r>
+              <a:rPr lang="zh-CN" altLang="en-US">
+                <a:latin typeface="Times New Roman" panose="02020603050405020304" pitchFamily="18" charset="0"/>
+                <a:sym typeface="+mn-ea"/>
+              </a:rPr>
+              <a:t>Degeneration Model(linear vs exponential)</a:t>
+            </a:r>
+            <a:endParaRPr lang="zh-CN" altLang="en-US">
+              <a:latin typeface="Times New Roman" panose="02020603050405020304" pitchFamily="18" charset="0"/>
+              <a:sym typeface="+mn-ea"/>
+            </a:endParaRPr>
+          </a:p>
+          <a:p>
+            <a:pPr marL="1200150" lvl="2" indent="-285750">
+              <a:buFont typeface="Arial" panose="020B0604020202020204" pitchFamily="34" charset="0"/>
+              <a:buChar char="•"/>
+            </a:pPr>
+            <a:r>
+              <a:rPr lang="zh-CN" altLang="en-US">
+                <a:latin typeface="Times New Roman" panose="02020603050405020304" pitchFamily="18" charset="0"/>
+                <a:sym typeface="+mn-ea"/>
+              </a:rPr>
+              <a:t>Shear Nonlinearity</a:t>
+            </a:r>
+            <a:endParaRPr lang="zh-CN" altLang="en-US">
+              <a:latin typeface="Times New Roman" panose="02020603050405020304" pitchFamily="18" charset="0"/>
+            </a:endParaRPr>
+          </a:p>
+          <a:p>
+            <a:pPr marL="1200150" lvl="2" indent="-285750">
+              <a:buFont typeface="Arial" panose="020B0604020202020204" pitchFamily="34" charset="0"/>
+              <a:buChar char="•"/>
+            </a:pPr>
+            <a:r>
+              <a:rPr lang="zh-CN" altLang="en-US">
+                <a:latin typeface="Times New Roman" panose="02020603050405020304" pitchFamily="18" charset="0"/>
+                <a:sym typeface="+mn-ea"/>
+              </a:rPr>
+              <a:t>就地强度准测？？</a:t>
+            </a:r>
+            <a:endParaRPr lang="zh-CN" altLang="en-US">
+              <a:latin typeface="Times New Roman" panose="02020603050405020304" pitchFamily="18" charset="0"/>
+            </a:endParaRPr>
+          </a:p>
+          <a:p>
+            <a:pPr marL="342900" indent="-342900">
+              <a:buFont typeface="+mj-lt"/>
+              <a:buAutoNum type="arabicPeriod"/>
+            </a:pPr>
+            <a:endParaRPr lang="zh-CN" altLang="en-US">
+              <a:latin typeface="Times New Roman" panose="02020603050405020304" pitchFamily="18" charset="0"/>
+            </a:endParaRPr>
+          </a:p>
+          <a:p>
+            <a:pPr marL="342900" indent="-342900">
+              <a:buFont typeface="+mj-lt"/>
+              <a:buAutoNum type="arabicPeriod"/>
+            </a:pPr>
+            <a:endParaRPr lang="zh-CN" altLang="en-US">
+              <a:latin typeface="Times New Roman" panose="02020603050405020304" pitchFamily="18" charset="0"/>
+            </a:endParaRPr>
+          </a:p>
+          <a:p>
+            <a:pPr marL="342900" indent="-342900">
+              <a:buFont typeface="+mj-lt"/>
+              <a:buAutoNum type="arabicPeriod"/>
+            </a:pPr>
+            <a:r>
+              <a:rPr lang="zh-CN" altLang="en-US" sz="2400" b="1">
+                <a:latin typeface="Times New Roman" panose="02020603050405020304" pitchFamily="18" charset="0"/>
+                <a:sym typeface="+mn-ea"/>
+              </a:rPr>
+              <a:t>Abaqus simulation</a:t>
+            </a:r>
+            <a:endParaRPr lang="zh-CN" altLang="en-US" sz="2400" b="1">
+              <a:latin typeface="Times New Roman" panose="02020603050405020304" pitchFamily="18" charset="0"/>
+              <a:sym typeface="+mn-ea"/>
+            </a:endParaRPr>
+          </a:p>
+          <a:p>
+            <a:pPr marL="1200150" lvl="2" indent="-285750">
+              <a:buFont typeface="Arial" panose="020B0604020202020204" pitchFamily="34" charset="0"/>
+              <a:buChar char="•"/>
+            </a:pPr>
+            <a:endParaRPr lang="zh-CN" altLang="en-US">
+              <a:latin typeface="Times New Roman" panose="02020603050405020304" pitchFamily="18" charset="0"/>
+              <a:sym typeface="+mn-ea"/>
+            </a:endParaRPr>
+          </a:p>
+          <a:p>
+            <a:pPr marL="1200150" lvl="2" indent="-285750">
+              <a:buFont typeface="Arial" panose="020B0604020202020204" pitchFamily="34" charset="0"/>
+              <a:buChar char="•"/>
+            </a:pPr>
+            <a:r>
+              <a:rPr lang="zh-CN" altLang="en-US">
+                <a:latin typeface="Times New Roman" panose="02020603050405020304" pitchFamily="18" charset="0"/>
+                <a:sym typeface="+mn-ea"/>
+              </a:rPr>
+              <a:t>UMAT subroutine</a:t>
+            </a:r>
+            <a:endParaRPr lang="zh-CN" altLang="en-US">
+              <a:latin typeface="Times New Roman" panose="02020603050405020304" pitchFamily="18" charset="0"/>
+            </a:endParaRPr>
+          </a:p>
+          <a:p>
+            <a:pPr marL="1200150" lvl="2" indent="-285750">
+              <a:buFont typeface="Arial" panose="020B0604020202020204" pitchFamily="34" charset="0"/>
+              <a:buChar char="•"/>
+            </a:pPr>
+            <a:r>
+              <a:rPr lang="en-US" altLang="zh-CN">
+                <a:latin typeface="Times New Roman" panose="02020603050405020304" pitchFamily="18" charset="0"/>
+                <a:sym typeface="+mn-ea"/>
+              </a:rPr>
+              <a:t>c</a:t>
+            </a:r>
+            <a:r>
+              <a:rPr lang="zh-CN" altLang="en-US">
+                <a:latin typeface="Times New Roman" panose="02020603050405020304" pitchFamily="18" charset="0"/>
+                <a:sym typeface="+mn-ea"/>
+              </a:rPr>
+              <a:t>haracteristic </a:t>
+            </a:r>
+            <a:r>
+              <a:rPr lang="en-US" altLang="zh-CN">
+                <a:latin typeface="Times New Roman" panose="02020603050405020304" pitchFamily="18" charset="0"/>
+                <a:sym typeface="+mn-ea"/>
+              </a:rPr>
+              <a:t>l</a:t>
+            </a:r>
+            <a:r>
+              <a:rPr lang="zh-CN" altLang="en-US">
+                <a:latin typeface="Times New Roman" panose="02020603050405020304" pitchFamily="18" charset="0"/>
+                <a:sym typeface="+mn-ea"/>
+              </a:rPr>
+              <a:t>ength</a:t>
+            </a:r>
+            <a:endParaRPr lang="zh-CN" altLang="en-US">
+              <a:latin typeface="Times New Roman" panose="02020603050405020304" pitchFamily="18" charset="0"/>
+            </a:endParaRPr>
+          </a:p>
+          <a:p>
+            <a:pPr marL="1200150" lvl="2" indent="-285750">
+              <a:buFont typeface="Arial" panose="020B0604020202020204" pitchFamily="34" charset="0"/>
+              <a:buChar char="•"/>
+            </a:pPr>
+            <a:r>
+              <a:rPr lang="zh-CN" altLang="en-US">
+                <a:latin typeface="Times New Roman" panose="02020603050405020304" pitchFamily="18" charset="0"/>
+                <a:sym typeface="+mn-ea"/>
+              </a:rPr>
+              <a:t>coefficient of viscosity</a:t>
+            </a:r>
+            <a:endParaRPr lang="zh-CN" altLang="en-US">
+              <a:latin typeface="Times New Roman" panose="02020603050405020304" pitchFamily="18" charset="0"/>
+            </a:endParaRPr>
+          </a:p>
+          <a:p>
+            <a:pPr marL="1200150" lvl="2" indent="-285750">
+              <a:buFont typeface="Arial" panose="020B0604020202020204" pitchFamily="34" charset="0"/>
+              <a:buChar char="•"/>
+            </a:pPr>
+            <a:r>
+              <a:rPr lang="zh-CN" altLang="en-US">
+                <a:latin typeface="Times New Roman" panose="02020603050405020304" pitchFamily="18" charset="0"/>
+                <a:sym typeface="+mn-ea"/>
+              </a:rPr>
+              <a:t>implicit dynamic </a:t>
+            </a:r>
+            <a:endParaRPr lang="zh-CN" altLang="en-US">
+              <a:latin typeface="Times New Roman" panose="02020603050405020304" pitchFamily="18" charset="0"/>
+            </a:endParaRPr>
+          </a:p>
+          <a:p>
+            <a:pPr marL="342900" indent="-342900">
+              <a:buFont typeface="+mj-lt"/>
+              <a:buAutoNum type="arabicPeriod"/>
+            </a:pPr>
+            <a:endParaRPr lang="zh-CN" altLang="en-US">
+              <a:latin typeface="Times New Roman" panose="02020603050405020304" pitchFamily="18" charset="0"/>
+              <a:sym typeface="+mn-ea"/>
+            </a:endParaRPr>
+          </a:p>
+          <a:p>
+            <a:pPr marL="342900" indent="-342900">
+              <a:buFont typeface="+mj-lt"/>
+              <a:buAutoNum type="arabicPeriod"/>
+            </a:pPr>
+            <a:endParaRPr lang="zh-CN" altLang="en-US">
+              <a:latin typeface="Times New Roman" panose="02020603050405020304" pitchFamily="18" charset="0"/>
+              <a:sym typeface="+mn-ea"/>
+            </a:endParaRPr>
+          </a:p>
+          <a:p>
+            <a:pPr marL="342900" indent="-342900">
+              <a:buFont typeface="+mj-lt"/>
+              <a:buAutoNum type="arabicPeriod"/>
+            </a:pPr>
+            <a:r>
+              <a:rPr lang="zh-CN" altLang="en-US" sz="2400" b="1">
+                <a:latin typeface="Times New Roman" panose="02020603050405020304" pitchFamily="18" charset="0"/>
+                <a:sym typeface="+mn-ea"/>
+              </a:rPr>
+              <a:t>Results </a:t>
+            </a:r>
+            <a:r>
+              <a:rPr lang="en-US" altLang="zh-CN" sz="2400" b="1">
+                <a:latin typeface="Times New Roman" panose="02020603050405020304" pitchFamily="18" charset="0"/>
+                <a:sym typeface="+mn-ea"/>
+              </a:rPr>
+              <a:t>&amp; Conclusions</a:t>
+            </a:r>
+            <a:endParaRPr lang="zh-CN" altLang="en-US" sz="2400" b="1">
+              <a:latin typeface="Times New Roman" panose="02020603050405020304" pitchFamily="18" charset="0"/>
+              <a:sym typeface="+mn-ea"/>
+            </a:endParaRPr>
+          </a:p>
+          <a:p>
+            <a:pPr marL="0" indent="0">
+              <a:buFont typeface="+mj-lt"/>
+              <a:buNone/>
+            </a:pPr>
+            <a:r>
+              <a:rPr lang="zh-CN" altLang="en-US">
+                <a:sym typeface="+mn-ea"/>
+              </a:rPr>
+              <a:t> </a:t>
+            </a:r>
+            <a:r>
+              <a:rPr lang="zh-CN" altLang="en-US"/>
+              <a:t>	</a:t>
+            </a:r>
+            <a:endParaRPr lang="en-US" altLang="zh-CN"/>
+          </a:p>
+        </p:txBody>
+      </p:sp>
     </p:spTree>
     <p:custDataLst>
       <p:tags r:id="rId6"/>
@@ -17833,7 +15830,6 @@
   <p:clrMapOvr>
     <a:masterClrMapping/>
   </p:clrMapOvr>
-  <p:transition/>
 </p:sld>
 </file>
 
@@ -19971,6 +17967,7 @@
           <a:bodyPr wrap="square">
             <a:spAutoFit/>
           </a:bodyPr>
+          <a:lstStyle/>
           <a:p>
             <a:pPr marL="0" lvl="1">
               <a:lnSpc>
@@ -20043,6 +18040,7 @@
         </p:spPr>
         <p:txBody>
           <a:bodyPr vert="horz" wrap="square" lIns="91440" tIns="45720" rIns="91440" bIns="45720" numCol="1" rtlCol="0" anchor="t" anchorCtr="0" compatLnSpc="1"/>
+          <a:lstStyle/>
           <a:p>
             <a:pPr marL="0" marR="0" indent="0" algn="l" defTabSz="914400" rtl="0" eaLnBrk="0" fontAlgn="base" latinLnBrk="0" hangingPunct="0">
               <a:lnSpc>
@@ -20107,6 +18105,7 @@
         </p:spPr>
         <p:txBody>
           <a:bodyPr vert="horz" wrap="square" lIns="91440" tIns="45720" rIns="91440" bIns="45720" numCol="1" rtlCol="0" anchor="t" anchorCtr="0" compatLnSpc="1"/>
+          <a:lstStyle/>
           <a:p>
             <a:pPr marL="0" marR="0" indent="0" algn="l" defTabSz="914400" rtl="0" eaLnBrk="0" fontAlgn="base" latinLnBrk="0" hangingPunct="0">
               <a:lnSpc>
@@ -20155,6 +18154,7 @@
         </p:spPr>
         <p:txBody>
           <a:bodyPr/>
+          <a:lstStyle/>
           <a:p>
             <a:pPr>
               <a:defRPr/>
@@ -20185,6 +18185,7 @@
           <a:bodyPr wrap="none">
             <a:spAutoFit/>
           </a:bodyPr>
+          <a:lstStyle/>
           <a:p>
             <a:r>
               <a:rPr lang="en-US" altLang="zh-CN" dirty="0" err="1" smtClean="0">
@@ -20280,6 +18281,7 @@
           <a:bodyPr wrap="none" rtlCol="0" anchor="t">
             <a:spAutoFit/>
           </a:bodyPr>
+          <a:lstStyle/>
           <a:p>
             <a:r>
               <a:rPr lang="en-US" altLang="zh-CN" sz="1400" dirty="0">
@@ -20397,6 +18399,7 @@
           <a:bodyPr wrap="none" rtlCol="0" anchor="t">
             <a:spAutoFit/>
           </a:bodyPr>
+          <a:lstStyle/>
           <a:p>
             <a:r>
               <a:rPr lang="en-US" altLang="zh-CN" dirty="0" smtClean="0">
@@ -20434,6 +18437,7 @@
           <a:bodyPr wrap="square" rtlCol="0" anchor="t">
             <a:spAutoFit/>
           </a:bodyPr>
+          <a:lstStyle/>
           <a:p>
             <a:r>
               <a:rPr lang="zh-CN" altLang="en-US" sz="1000" dirty="0"/>
@@ -20519,6 +18523,7 @@
           <a:bodyPr wrap="square">
             <a:spAutoFit/>
           </a:bodyPr>
+          <a:lstStyle/>
           <a:p>
             <a:pPr marL="0" lvl="1">
               <a:lnSpc>
@@ -20577,6 +18582,7 @@
           <a:bodyPr wrap="square" rtlCol="0" anchor="t">
             <a:spAutoFit/>
           </a:bodyPr>
+          <a:lstStyle/>
           <a:p>
             <a:pPr algn="l"/>
             <a:r>
@@ -20638,6 +18644,7 @@
         </p:style>
         <p:txBody>
           <a:bodyPr vert="horz" wrap="square" lIns="91440" tIns="45720" rIns="91440" bIns="45720" numCol="1" anchor="t" anchorCtr="0" compatLnSpc="1"/>
+          <a:lstStyle/>
           <a:p>
             <a:pPr marL="0" marR="0" indent="0" algn="l" defTabSz="914400" rtl="0" eaLnBrk="0" fontAlgn="base" latinLnBrk="0" hangingPunct="0">
               <a:lnSpc>
@@ -20686,7 +18693,7 @@
           <a:graphicData uri="http://schemas.openxmlformats.org/presentationml/2006/ole">
             <mc:AlternateContent xmlns:mc="http://schemas.openxmlformats.org/markup-compatibility/2006">
               <mc:Choice xmlns:v="urn:schemas-microsoft-com:vml" Requires="v">
-                <p:oleObj spid="_x0000_s2139" name="" r:id="rId1" imgW="1905000" imgH="457200" progId="Equation.KSEE3">
+                <p:oleObj spid="_x0000_s2147" name="" r:id="rId1" imgW="1905000" imgH="457200" progId="Equation.KSEE3">
                   <p:embed/>
                 </p:oleObj>
               </mc:Choice>
@@ -20739,7 +18746,7 @@
           <a:graphicData uri="http://schemas.openxmlformats.org/presentationml/2006/ole">
             <mc:AlternateContent xmlns:mc="http://schemas.openxmlformats.org/markup-compatibility/2006">
               <mc:Choice xmlns:v="urn:schemas-microsoft-com:vml" Requires="v">
-                <p:oleObj spid="_x0000_s2140" name="" r:id="rId3" imgW="2908300" imgH="939800" progId="Equation.KSEE3">
+                <p:oleObj spid="_x0000_s2148" name="" r:id="rId3" imgW="2908300" imgH="939800" progId="Equation.KSEE3">
                   <p:embed/>
                 </p:oleObj>
               </mc:Choice>
@@ -20794,6 +18801,7 @@
           <a:bodyPr wrap="square" rtlCol="0">
             <a:spAutoFit/>
           </a:bodyPr>
+          <a:lstStyle/>
           <a:p>
             <a:r>
               <a:rPr lang="en-US" altLang="zh-CN"/>
@@ -20821,7 +18829,7 @@
           <a:graphicData uri="http://schemas.openxmlformats.org/presentationml/2006/ole">
             <mc:AlternateContent xmlns:mc="http://schemas.openxmlformats.org/markup-compatibility/2006">
               <mc:Choice xmlns:v="urn:schemas-microsoft-com:vml" Requires="v">
-                <p:oleObj spid="_x0000_s2141" name="" r:id="rId5" imgW="2311400" imgH="889000" progId="Equation.KSEE3">
+                <p:oleObj spid="_x0000_s2149" name="" r:id="rId5" imgW="2311400" imgH="889000" progId="Equation.KSEE3">
                   <p:embed/>
                 </p:oleObj>
               </mc:Choice>
@@ -20892,6 +18900,7 @@
         </p:style>
         <p:txBody>
           <a:bodyPr vert="horz" wrap="square" lIns="91440" tIns="45720" rIns="91440" bIns="45720" numCol="1" anchor="t" anchorCtr="0" compatLnSpc="1"/>
+          <a:lstStyle/>
           <a:p>
             <a:pPr marL="0" marR="0" indent="0" algn="l" defTabSz="914400" rtl="0" eaLnBrk="0" fontAlgn="base" latinLnBrk="0" hangingPunct="0">
               <a:lnSpc>
@@ -20942,6 +18951,7 @@
           <a:bodyPr wrap="square" rtlCol="0">
             <a:spAutoFit/>
           </a:bodyPr>
+          <a:lstStyle/>
           <a:p>
             <a:r>
               <a:rPr lang="en-US" altLang="zh-CN"/>
@@ -21123,6 +19133,7 @@
           <a:bodyPr wrap="square">
             <a:spAutoFit/>
           </a:bodyPr>
+          <a:lstStyle/>
           <a:p>
             <a:pPr marL="0" lvl="1">
               <a:lnSpc>
@@ -21220,6 +19231,7 @@
           <a:bodyPr wrap="none" rtlCol="0" anchor="t">
             <a:spAutoFit/>
           </a:bodyPr>
+          <a:lstStyle/>
           <a:p>
             <a:r>
               <a:rPr lang="en-US" altLang="zh-CN" sz="1400" dirty="0">
@@ -21337,6 +19349,7 @@
           <a:bodyPr wrap="square" rtlCol="0" anchor="t">
             <a:spAutoFit/>
           </a:bodyPr>
+          <a:lstStyle/>
           <a:p>
             <a:r>
               <a:rPr lang="zh-CN" altLang="en-US" sz="1000" dirty="0"/>
@@ -21388,6 +19401,7 @@
         </p:spPr>
         <p:txBody>
           <a:bodyPr/>
+          <a:lstStyle/>
           <a:p>
             <a:pPr>
               <a:defRPr/>
@@ -21419,6 +19433,7 @@
           <a:bodyPr wrap="none" rtlCol="0" anchor="t">
             <a:spAutoFit/>
           </a:bodyPr>
+          <a:lstStyle/>
           <a:p>
             <a:r>
               <a:rPr lang="en-US" altLang="zh-CN" sz="1400" dirty="0">
@@ -21464,6 +19479,7 @@
           <a:bodyPr wrap="square" rtlCol="0" anchor="t">
             <a:spAutoFit/>
           </a:bodyPr>
+          <a:lstStyle/>
           <a:p>
             <a:r>
               <a:rPr lang="zh-CN" altLang="en-US" sz="1000" dirty="0"/>
@@ -21506,6 +19522,7 @@
           <a:bodyPr wrap="square">
             <a:spAutoFit/>
           </a:bodyPr>
+          <a:lstStyle/>
           <a:p>
             <a:pPr>
               <a:lnSpc>
@@ -21619,6 +19636,7 @@
           <a:bodyPr wrap="none" rtlCol="0" anchor="t">
             <a:spAutoFit/>
           </a:bodyPr>
+          <a:lstStyle/>
           <a:p>
             <a:r>
               <a:rPr lang="en-US" altLang="zh-CN" b="1" dirty="0" smtClean="0">
@@ -21728,6 +19746,7 @@
           <a:bodyPr wrap="square" rtlCol="0" anchor="t">
             <a:spAutoFit/>
           </a:bodyPr>
+          <a:lstStyle/>
           <a:p>
             <a:r>
               <a:rPr lang="zh-CN" altLang="en-US" sz="1000"/>
@@ -21862,6 +19881,7 @@
           <a:bodyPr wrap="square" rtlCol="0">
             <a:spAutoFit/>
           </a:bodyPr>
+          <a:lstStyle/>
           <a:p>
             <a:r>
               <a:rPr lang="en-US" altLang="zh-CN" sz="1600"/>
@@ -21891,6 +19911,7 @@
           <a:bodyPr wrap="square" rtlCol="0">
             <a:spAutoFit/>
           </a:bodyPr>
+          <a:lstStyle/>
           <a:p>
             <a:r>
               <a:rPr lang="en-US" altLang="zh-CN" sz="1200"/>
@@ -21967,6 +19988,7 @@
           <a:bodyPr wrap="square">
             <a:spAutoFit/>
           </a:bodyPr>
+          <a:lstStyle/>
           <a:p>
             <a:pPr marL="0" lvl="1">
               <a:lnSpc>
@@ -22299,7 +20321,7 @@
           <a:graphicData uri="http://schemas.openxmlformats.org/presentationml/2006/ole">
             <mc:AlternateContent xmlns:mc="http://schemas.openxmlformats.org/markup-compatibility/2006">
               <mc:Choice xmlns:v="urn:schemas-microsoft-com:vml" Requires="v">
-                <p:oleObj spid="_x0000_s3136" name="" r:id="rId1" imgW="457200" imgH="177165" progId="Equation.KSEE3">
+                <p:oleObj spid="_x0000_s3142" name="" r:id="rId1" imgW="457200" imgH="177165" progId="Equation.KSEE3">
                   <p:embed/>
                 </p:oleObj>
               </mc:Choice>
@@ -23258,6 +21280,7 @@
         <p:spPr/>
         <p:txBody>
           <a:bodyPr/>
+          <a:lstStyle/>
           <a:p>
             <a:pPr>
               <a:defRPr/>
@@ -23288,6 +21311,7 @@
           <a:bodyPr wrap="square">
             <a:spAutoFit/>
           </a:bodyPr>
+          <a:lstStyle/>
           <a:p>
             <a:pPr marL="0" lvl="1">
               <a:lnSpc>
@@ -23369,6 +21393,7 @@
         </p:style>
         <p:txBody>
           <a:bodyPr vert="horz" wrap="square" lIns="91440" tIns="45720" rIns="91440" bIns="45720" numCol="1" anchor="t" anchorCtr="0" compatLnSpc="1"/>
+          <a:lstStyle/>
           <a:p>
             <a:pPr marL="0" marR="0" indent="0" algn="l" defTabSz="914400" rtl="0" eaLnBrk="0" fontAlgn="base" latinLnBrk="0" hangingPunct="0">
               <a:lnSpc>
@@ -23402,7 +21427,7 @@
       <p:graphicFrame>
         <p:nvGraphicFramePr>
           <p:cNvPr id="25" name="对象 24">
-            <a:hlinkClick r:id="" action="ppaction://ole?verb="/>
+            <a:hlinkClick r:id="" action="ppaction://ole?verb=0"/>
           </p:cNvPr>
           <p:cNvGraphicFramePr>
             <a:graphicFrameLocks noChangeAspect="1"/>
@@ -23417,7 +21442,7 @@
           <a:graphicData uri="http://schemas.openxmlformats.org/presentationml/2006/ole">
             <mc:AlternateContent xmlns:mc="http://schemas.openxmlformats.org/markup-compatibility/2006">
               <mc:Choice xmlns:v="urn:schemas-microsoft-com:vml" Requires="v">
-                <p:oleObj spid="_x0000_s2049" name="" r:id="rId3" imgW="2311400" imgH="889000" progId="Equation.KSEE3">
+                <p:oleObj spid="_x0000_s3143" name="" r:id="rId3" imgW="2311400" imgH="889000" progId="Equation.KSEE3">
                   <p:embed/>
                 </p:oleObj>
               </mc:Choice>
@@ -23472,6 +21497,7 @@
           <a:bodyPr wrap="square" rtlCol="0">
             <a:spAutoFit/>
           </a:bodyPr>
+          <a:lstStyle/>
           <a:p>
             <a:r>
               <a:rPr lang="en-US" altLang="zh-CN">
@@ -23660,6 +21686,7 @@
         </p:style>
         <p:txBody>
           <a:bodyPr vert="horz" wrap="square" lIns="91440" tIns="45720" rIns="91440" bIns="45720" numCol="1" anchor="t" anchorCtr="0" compatLnSpc="1"/>
+          <a:lstStyle/>
           <a:p>
             <a:pPr marL="0" marR="0" indent="0" algn="l" defTabSz="914400" rtl="0" eaLnBrk="0" fontAlgn="base" latinLnBrk="0" hangingPunct="0">
               <a:lnSpc>
@@ -23749,6 +21776,7 @@
         </p:spPr>
         <p:txBody>
           <a:bodyPr vert="horz" wrap="square" lIns="91440" tIns="45720" rIns="91440" bIns="45720" numCol="1" anchor="t" anchorCtr="0" compatLnSpc="1"/>
+          <a:lstStyle/>
           <a:p>
             <a:pPr marL="0" marR="0" indent="0" algn="l" defTabSz="914400" rtl="0" eaLnBrk="0" fontAlgn="base" latinLnBrk="0" hangingPunct="0">
               <a:lnSpc>
@@ -23820,8 +21848,8 @@
         </p:nvSpPr>
         <p:spPr>
           <a:xfrm>
-            <a:off x="-16510" y="1266825"/>
-            <a:ext cx="6306185" cy="4799965"/>
+            <a:off x="-34290" y="1255395"/>
+            <a:ext cx="4476750" cy="5569585"/>
           </a:xfrm>
           <a:prstGeom prst="rect">
             <a:avLst/>
@@ -23832,102 +21860,164 @@
           <a:bodyPr wrap="square" rtlCol="0">
             <a:spAutoFit/>
           </a:bodyPr>
-          <a:p>
-            <a:r>
-              <a:rPr lang="zh-CN" altLang="en-US" b="1"/>
-              <a:t>网格依赖性：</a:t>
-            </a:r>
-            <a:endParaRPr lang="zh-CN" altLang="en-US" b="1"/>
-          </a:p>
-          <a:p>
-            <a:r>
-              <a:rPr lang="zh-CN" altLang="en-US"/>
-              <a:t>  When the material exhibits strain-softening behavior, leading to strain localization, this formulation results in a strong mesh dependency of the finite element results in that the energy dissipated decreases upon mesh refinement.即能量耗散值与失效单元体积成正比。</a:t>
-            </a:r>
-            <a:endParaRPr lang="zh-CN" altLang="en-US"/>
-          </a:p>
-          <a:p>
-            <a:r>
-              <a:rPr lang="zh-CN" altLang="en-US">
+          <a:lstStyle/>
+          <a:p>
+            <a:r>
+              <a:rPr lang="en-US" altLang="zh-CN" b="1" dirty="0"/>
+              <a:t>Mesh Dependency</a:t>
+            </a:r>
+            <a:r>
+              <a:rPr lang="zh-CN" altLang="en-US" b="1" dirty="0"/>
+              <a:t>：</a:t>
+            </a:r>
+            <a:endParaRPr lang="zh-CN" altLang="en-US" b="1" dirty="0"/>
+          </a:p>
+          <a:p>
+            <a:pPr algn="just" latinLnBrk="0"/>
+            <a:r>
+              <a:rPr lang="zh-CN" altLang="en-US" dirty="0">
+                <a:latin typeface="Times New Roman" panose="02020603050405020304" pitchFamily="18" charset="0"/>
+                <a:cs typeface="Times New Roman" panose="02020603050405020304" pitchFamily="18" charset="0"/>
+              </a:rPr>
+              <a:t>   </a:t>
+            </a:r>
+            <a:r>
+              <a:rPr lang="zh-CN" altLang="en-US" sz="1600" dirty="0">
+                <a:latin typeface="Times New Roman" panose="02020603050405020304" pitchFamily="18" charset="0"/>
+                <a:cs typeface="Times New Roman" panose="02020603050405020304" pitchFamily="18" charset="0"/>
+              </a:rPr>
+              <a:t>When the material exhibits strain-softening behavior, leading to strain localization, this formulation results in a strong </a:t>
+            </a:r>
+            <a:r>
+              <a:rPr lang="zh-CN" altLang="en-US" sz="1600" b="1" dirty="0">
+                <a:latin typeface="Times New Roman" panose="02020603050405020304" pitchFamily="18" charset="0"/>
+                <a:cs typeface="Times New Roman" panose="02020603050405020304" pitchFamily="18" charset="0"/>
+              </a:rPr>
+              <a:t>mesh dependency</a:t>
+            </a:r>
+            <a:r>
+              <a:rPr lang="zh-CN" altLang="en-US" sz="1600" dirty="0">
+                <a:latin typeface="Times New Roman" panose="02020603050405020304" pitchFamily="18" charset="0"/>
+                <a:cs typeface="Times New Roman" panose="02020603050405020304" pitchFamily="18" charset="0"/>
+              </a:rPr>
+              <a:t> of the finite element results in that the energy dissipated decreases upon mesh refinement.</a:t>
+            </a:r>
+            <a:r>
+              <a:rPr lang="zh-CN" altLang="en-US" sz="1600" b="1" dirty="0">
+                <a:latin typeface="Times New Roman" panose="02020603050405020304" pitchFamily="18" charset="0"/>
+                <a:cs typeface="Times New Roman" panose="02020603050405020304" pitchFamily="18" charset="0"/>
+              </a:rPr>
+              <a:t>The energy dissipated is proportional to the volume of the failed element</a:t>
+            </a:r>
+            <a:r>
+              <a:rPr lang="en-US" altLang="zh-CN" sz="1600" b="1" dirty="0">
+                <a:latin typeface="Times New Roman" panose="02020603050405020304" pitchFamily="18" charset="0"/>
+                <a:cs typeface="Times New Roman" panose="02020603050405020304" pitchFamily="18" charset="0"/>
+              </a:rPr>
+              <a:t>.</a:t>
+            </a:r>
+            <a:endParaRPr lang="en-US" altLang="zh-CN" sz="1600" b="1" dirty="0">
+              <a:latin typeface="Times New Roman" panose="02020603050405020304" pitchFamily="18" charset="0"/>
+              <a:cs typeface="Times New Roman" panose="02020603050405020304" pitchFamily="18" charset="0"/>
+            </a:endParaRPr>
+          </a:p>
+          <a:p>
+            <a:pPr algn="just" latinLnBrk="0"/>
+            <a:r>
+              <a:rPr lang="zh-CN" altLang="en-US" sz="1600" dirty="0">
+                <a:latin typeface="Times New Roman" panose="02020603050405020304" pitchFamily="18" charset="0"/>
+              </a:rPr>
+              <a:t>    To correct this behavior we use the crack band model</a:t>
+            </a:r>
+            <a:r>
+              <a:rPr lang="en-US" altLang="zh-CN" sz="1600" dirty="0">
+                <a:latin typeface="Times New Roman" panose="02020603050405020304" pitchFamily="18" charset="0"/>
+              </a:rPr>
+              <a:t>,</a:t>
+            </a:r>
+            <a:r>
+              <a:rPr sz="1600" dirty="0">
                 <a:latin typeface="Times New Roman" panose="02020603050405020304" pitchFamily="18" charset="0"/>
                 <a:sym typeface="+mn-ea"/>
               </a:rPr>
-              <a:t>    为了避免网格依赖性，使用特征长度法，损伤变量的演化会使应力</a:t>
-            </a:r>
-            <a:r>
-              <a:rPr lang="en-US" altLang="zh-CN">
+              <a:t>In this model the strength limit      is not kept constant but is adjusted in such a way that the </a:t>
+            </a:r>
+            <a:r>
+              <a:rPr sz="1600" b="1" dirty="0">
                 <a:latin typeface="Times New Roman" panose="02020603050405020304" pitchFamily="18" charset="0"/>
                 <a:sym typeface="+mn-ea"/>
               </a:rPr>
-              <a:t>-</a:t>
-            </a:r>
-            <a:r>
-              <a:rPr lang="zh-CN" altLang="en-US">
-                <a:latin typeface="Times New Roman" panose="02020603050405020304" pitchFamily="18" charset="0"/>
-                <a:sym typeface="+mn-ea"/>
-              </a:rPr>
-              <a:t>位移的关系如右图所示</a:t>
-            </a:r>
-            <a:endParaRPr lang="zh-CN" altLang="en-US"/>
-          </a:p>
-          <a:p>
-            <a:r>
-              <a:rPr lang="zh-CN" altLang="en-US"/>
-              <a:t>   裂纹带模型：将断裂模拟为一条平行紧密分布的微裂纹带，此时，极限失效应变不再为常数：</a:t>
-            </a:r>
-            <a:endParaRPr lang="zh-CN" altLang="en-US"/>
-          </a:p>
-          <a:p>
-            <a:endParaRPr lang="en-US" altLang="zh-CN"/>
-          </a:p>
-          <a:p>
-            <a:endParaRPr lang="en-US" altLang="zh-CN"/>
-          </a:p>
-          <a:p>
-            <a:endParaRPr lang="en-US" altLang="zh-CN"/>
-          </a:p>
-          <a:p>
-            <a:endParaRPr lang="zh-CN" altLang="en-US">
+              <a:t>fracture energy is preserved</a:t>
+            </a:r>
+            <a:endParaRPr sz="1600" b="1" dirty="0">
               <a:latin typeface="Times New Roman" panose="02020603050405020304" pitchFamily="18" charset="0"/>
               <a:sym typeface="+mn-ea"/>
             </a:endParaRPr>
           </a:p>
           <a:p>
-            <a:r>
-              <a:rPr lang="zh-CN" altLang="en-US">
+            <a:pPr algn="just" latinLnBrk="0"/>
+            <a:endParaRPr lang="en-US" altLang="zh-CN" sz="1600" dirty="0">
+              <a:latin typeface="Times New Roman" panose="02020603050405020304" pitchFamily="18" charset="0"/>
+              <a:sym typeface="+mn-ea"/>
+            </a:endParaRPr>
+          </a:p>
+          <a:p>
+            <a:pPr algn="just" latinLnBrk="0"/>
+            <a:endParaRPr lang="en-US" altLang="zh-CN" sz="1600" dirty="0">
+              <a:latin typeface="Times New Roman" panose="02020603050405020304" pitchFamily="18" charset="0"/>
+              <a:sym typeface="+mn-ea"/>
+            </a:endParaRPr>
+          </a:p>
+          <a:p>
+            <a:pPr algn="just" latinLnBrk="0"/>
+            <a:endParaRPr lang="en-US" altLang="zh-CN" sz="1600" dirty="0">
+              <a:latin typeface="Times New Roman" panose="02020603050405020304" pitchFamily="18" charset="0"/>
+              <a:sym typeface="+mn-ea"/>
+            </a:endParaRPr>
+          </a:p>
+          <a:p>
+            <a:pPr algn="just" latinLnBrk="0"/>
+            <a:endParaRPr lang="en-US" altLang="zh-CN" sz="1600" dirty="0">
+              <a:latin typeface="Times New Roman" panose="02020603050405020304" pitchFamily="18" charset="0"/>
+              <a:sym typeface="+mn-ea"/>
+            </a:endParaRPr>
+          </a:p>
+          <a:p>
+            <a:pPr algn="just" latinLnBrk="0"/>
+            <a:r>
+              <a:rPr sz="1600" dirty="0">
                 <a:latin typeface="Times New Roman" panose="02020603050405020304" pitchFamily="18" charset="0"/>
+                <a:cs typeface="Times New Roman" panose="02020603050405020304" pitchFamily="18" charset="0"/>
                 <a:sym typeface="+mn-ea"/>
               </a:rPr>
-              <a:t>特征长度</a:t>
-            </a:r>
-            <a:r>
-              <a:rPr lang="en-US" altLang="zh-CN">
+              <a:t>    Different methods have been suggested for computing the characteristic length.</a:t>
+            </a:r>
+            <a:r>
+              <a:rPr lang="zh-CN" altLang="en-US" sz="1600" dirty="0">
                 <a:latin typeface="Times New Roman" panose="02020603050405020304" pitchFamily="18" charset="0"/>
+                <a:cs typeface="Times New Roman" panose="02020603050405020304" pitchFamily="18" charset="0"/>
                 <a:sym typeface="+mn-ea"/>
               </a:rPr>
-              <a:t>Lc</a:t>
-            </a:r>
-            <a:r>
-              <a:rPr lang="zh-CN" altLang="zh-CN">
+              <a:t>In the current model, we assume that the characteristic length at a material point is equal to the square root of  the area associated with it</a:t>
+            </a:r>
+            <a:r>
+              <a:rPr lang="en-US" altLang="zh-CN" sz="1600" dirty="0">
                 <a:latin typeface="Times New Roman" panose="02020603050405020304" pitchFamily="18" charset="0"/>
+                <a:cs typeface="Times New Roman" panose="02020603050405020304" pitchFamily="18" charset="0"/>
                 <a:sym typeface="+mn-ea"/>
               </a:rPr>
-              <a:t>有多种取法</a:t>
-            </a:r>
-            <a:r>
-              <a:rPr lang="zh-CN" altLang="en-US">
-                <a:latin typeface="Times New Roman" panose="02020603050405020304" pitchFamily="18" charset="0"/>
-                <a:sym typeface="+mn-ea"/>
-              </a:rPr>
-              <a:t>，对于壳单元，特征长度为参考平面面积的平方根</a:t>
-            </a:r>
-            <a:endParaRPr lang="zh-CN" altLang="en-US" b="0">
+              <a:t>.</a:t>
+            </a:r>
+            <a:endParaRPr lang="en-US" altLang="zh-CN" sz="1600" dirty="0">
               <a:latin typeface="Times New Roman" panose="02020603050405020304" pitchFamily="18" charset="0"/>
-              <a:ea typeface="宋体" panose="02010600030101010101" pitchFamily="2" charset="-122"/>
+              <a:cs typeface="Times New Roman" panose="02020603050405020304" pitchFamily="18" charset="0"/>
+              <a:sym typeface="+mn-ea"/>
             </a:endParaRPr>
           </a:p>
           <a:p>
-            <a:endParaRPr lang="en-US" altLang="zh-CN"/>
+            <a:endParaRPr lang="zh-CN" altLang="en-US" sz="1600" dirty="0">
+              <a:sym typeface="+mn-ea"/>
+            </a:endParaRPr>
           </a:p>
         </p:txBody>
       </p:sp>
@@ -23947,8 +22037,8 @@
         </p:blipFill>
         <p:spPr>
           <a:xfrm>
-            <a:off x="4088130" y="3115945"/>
-            <a:ext cx="5129530" cy="2950845"/>
+            <a:off x="4883785" y="4029075"/>
+            <a:ext cx="3544570" cy="2038985"/>
           </a:xfrm>
           <a:prstGeom prst="rect">
             <a:avLst/>
@@ -23958,7 +22048,7 @@
       <p:graphicFrame>
         <p:nvGraphicFramePr>
           <p:cNvPr id="6" name="对象 5">
-            <a:hlinkClick r:id="" action="ppaction://ole?verb="/>
+            <a:hlinkClick r:id="" action="ppaction://ole?verb=0"/>
           </p:cNvPr>
           <p:cNvGraphicFramePr>
             <a:graphicFrameLocks noChangeAspect="1"/>
@@ -23966,14 +22056,14 @@
           <p:nvPr/>
         </p:nvGraphicFramePr>
         <p:xfrm>
-          <a:off x="1658620" y="4346575"/>
-          <a:ext cx="1183640" cy="759460"/>
+          <a:off x="1764665" y="4510405"/>
+          <a:ext cx="879475" cy="563880"/>
         </p:xfrm>
         <a:graphic>
           <a:graphicData uri="http://schemas.openxmlformats.org/presentationml/2006/ole">
             <mc:AlternateContent xmlns:mc="http://schemas.openxmlformats.org/markup-compatibility/2006">
               <mc:Choice xmlns:v="urn:schemas-microsoft-com:vml" Requires="v">
-                <p:oleObj spid="_x0000_s3073" name="" r:id="rId2" imgW="673100" imgH="431800" progId="Equation.KSEE3">
+                <p:oleObj spid="_x0000_s1031" name="" r:id="rId2" imgW="673100" imgH="431800" progId="Equation.KSEE3">
                   <p:embed/>
                 </p:oleObj>
               </mc:Choice>
@@ -23994,8 +22084,8 @@
                     </p:blipFill>
                     <p:spPr>
                       <a:xfrm>
-                        <a:off x="1658620" y="4346575"/>
-                        <a:ext cx="1183640" cy="759460"/>
+                        <a:off x="1764665" y="4510405"/>
+                        <a:ext cx="879475" cy="563880"/>
                       </a:xfrm>
                       <a:prstGeom prst="rect">
                         <a:avLst/>
@@ -24024,8 +22114,8 @@
         </p:blipFill>
         <p:spPr>
           <a:xfrm>
-            <a:off x="4902200" y="463550"/>
-            <a:ext cx="5102225" cy="2860675"/>
+            <a:off x="4883785" y="4017010"/>
+            <a:ext cx="3678555" cy="2062480"/>
           </a:xfrm>
           <a:prstGeom prst="rect">
             <a:avLst/>
@@ -24040,7 +22130,7 @@
         </p:nvSpPr>
         <p:spPr>
           <a:xfrm>
-            <a:off x="4210050" y="5975985"/>
+            <a:off x="4268470" y="6255385"/>
             <a:ext cx="4774565" cy="645160"/>
           </a:xfrm>
           <a:prstGeom prst="rect">
@@ -24052,6 +22142,7 @@
           <a:bodyPr wrap="square" rtlCol="0" anchor="t">
             <a:spAutoFit/>
           </a:bodyPr>
+          <a:lstStyle/>
           <a:p>
             <a:r>
               <a:rPr lang="zh-CN" altLang="en-US" sz="1200">
@@ -24084,6 +22175,7 @@
           <a:bodyPr wrap="square">
             <a:spAutoFit/>
           </a:bodyPr>
+          <a:lstStyle/>
           <a:p>
             <a:pPr marL="0" lvl="1">
               <a:lnSpc>
@@ -24120,7 +22212,7 @@
                 <a:latin typeface="Times New Roman" panose="02020603050405020304" pitchFamily="18" charset="0"/>
                 <a:cs typeface="Times New Roman" panose="02020603050405020304" pitchFamily="18" charset="0"/>
               </a:rPr>
-              <a:t>—</a:t>
+              <a:t>—c</a:t>
             </a:r>
             <a:r>
               <a:rPr lang="en-US" altLang="zh-CN" sz="2400">
@@ -24130,7 +22222,7 @@
                 <a:latin typeface="Times New Roman" panose="02020603050405020304" pitchFamily="18" charset="0"/>
                 <a:sym typeface="+mn-ea"/>
               </a:rPr>
-              <a:t>Characteristic Length</a:t>
+              <a:t>haracteristic length</a:t>
             </a:r>
             <a:endParaRPr lang="en-US" altLang="zh-CN" sz="2400" dirty="0" smtClean="0">
               <a:latin typeface="Times New Roman" panose="02020603050405020304" pitchFamily="18" charset="0"/>
@@ -24139,6 +22231,107 @@
           </a:p>
         </p:txBody>
       </p:sp>
+      <p:graphicFrame>
+        <p:nvGraphicFramePr>
+          <p:cNvPr id="2" name="对象 1">
+            <a:hlinkClick r:id="" action="ppaction://ole?verb=0"/>
+          </p:cNvPr>
+          <p:cNvGraphicFramePr>
+            <a:graphicFrameLocks noChangeAspect="1"/>
+          </p:cNvGraphicFramePr>
+          <p:nvPr/>
+        </p:nvGraphicFramePr>
+        <p:xfrm>
+          <a:off x="3173730" y="3446145"/>
+          <a:ext cx="309880" cy="392430"/>
+        </p:xfrm>
+        <a:graphic>
+          <a:graphicData uri="http://schemas.openxmlformats.org/presentationml/2006/ole">
+            <mc:AlternateContent xmlns:mc="http://schemas.openxmlformats.org/markup-compatibility/2006">
+              <mc:Choice xmlns:v="urn:schemas-microsoft-com:vml" Requires="v">
+                <p:oleObj spid="_x0000_s1032" name="" r:id="rId5" imgW="190500" imgH="241300" progId="Equation.KSEE3">
+                  <p:embed/>
+                </p:oleObj>
+              </mc:Choice>
+              <mc:Fallback>
+                <p:oleObj name="" r:id="rId5" imgW="190500" imgH="241300" progId="Equation.KSEE3">
+                  <p:embed/>
+                  <p:pic>
+                    <p:nvPicPr>
+                      <p:cNvPr id="0" name="图片 1024"/>
+                      <p:cNvPicPr/>
+                      <p:nvPr/>
+                    </p:nvPicPr>
+                    <p:blipFill>
+                      <a:blip r:embed="rId6"/>
+                      <a:stretch>
+                        <a:fillRect/>
+                      </a:stretch>
+                    </p:blipFill>
+                    <p:spPr>
+                      <a:xfrm>
+                        <a:off x="3173730" y="3446145"/>
+                        <a:ext cx="309880" cy="392430"/>
+                      </a:xfrm>
+                      <a:prstGeom prst="rect">
+                        <a:avLst/>
+                      </a:prstGeom>
+                    </p:spPr>
+                  </p:pic>
+                </p:oleObj>
+              </mc:Fallback>
+            </mc:AlternateContent>
+          </a:graphicData>
+        </a:graphic>
+      </p:graphicFrame>
+      <p:pic>
+        <p:nvPicPr>
+          <p:cNvPr id="3" name="图片 2"/>
+          <p:cNvPicPr>
+            <a:picLocks noChangeAspect="1"/>
+          </p:cNvPicPr>
+          <p:nvPr/>
+        </p:nvPicPr>
+        <p:blipFill>
+          <a:blip r:embed="rId7"/>
+          <a:stretch>
+            <a:fillRect/>
+          </a:stretch>
+        </p:blipFill>
+        <p:spPr>
+          <a:xfrm>
+            <a:off x="5328285" y="1255395"/>
+            <a:ext cx="2438400" cy="1352550"/>
+          </a:xfrm>
+          <a:prstGeom prst="rect">
+            <a:avLst/>
+          </a:prstGeom>
+        </p:spPr>
+      </p:pic>
+      <p:pic>
+        <p:nvPicPr>
+          <p:cNvPr id="7" name="图片 6"/>
+          <p:cNvPicPr>
+            <a:picLocks noChangeAspect="1"/>
+          </p:cNvPicPr>
+          <p:nvPr/>
+        </p:nvPicPr>
+        <p:blipFill>
+          <a:blip r:embed="rId8"/>
+          <a:stretch>
+            <a:fillRect/>
+          </a:stretch>
+        </p:blipFill>
+        <p:spPr>
+          <a:xfrm>
+            <a:off x="5200015" y="2893060"/>
+            <a:ext cx="2694940" cy="838200"/>
+          </a:xfrm>
+          <a:prstGeom prst="rect">
+            <a:avLst/>
+          </a:prstGeom>
+        </p:spPr>
+      </p:pic>
     </p:spTree>
   </p:cSld>
   <p:clrMapOvr>
@@ -24148,7 +22341,121 @@
   <p:timing>
     <p:tnLst>
       <p:par>
-        <p:cTn id="1" dur="indefinite" restart="never" nodeType="tmRoot"/>
+        <p:cTn id="1" dur="indefinite" restart="never" nodeType="tmRoot">
+          <p:childTnLst>
+            <p:seq concurrent="1" nextAc="seek">
+              <p:cTn id="2" dur="indefinite" nodeType="mainSeq">
+                <p:childTnLst>
+                  <p:par>
+                    <p:cTn id="3" fill="hold">
+                      <p:stCondLst>
+                        <p:cond delay="indefinite"/>
+                      </p:stCondLst>
+                      <p:childTnLst>
+                        <p:par>
+                          <p:cTn id="4" fill="hold">
+                            <p:stCondLst>
+                              <p:cond delay="0"/>
+                            </p:stCondLst>
+                            <p:childTnLst>
+                              <p:par>
+                                <p:cTn id="5" presetID="2" presetClass="entr" presetSubtype="4" fill="hold" nodeType="clickEffect">
+                                  <p:stCondLst>
+                                    <p:cond delay="0"/>
+                                  </p:stCondLst>
+                                  <p:childTnLst>
+                                    <p:set>
+                                      <p:cBhvr>
+                                        <p:cTn id="6" dur="1" fill="hold">
+                                          <p:stCondLst>
+                                            <p:cond delay="0"/>
+                                          </p:stCondLst>
+                                        </p:cTn>
+                                        <p:tgtEl>
+                                          <p:spTgt spid="8"/>
+                                        </p:tgtEl>
+                                        <p:attrNameLst>
+                                          <p:attrName>style.visibility</p:attrName>
+                                        </p:attrNameLst>
+                                      </p:cBhvr>
+                                      <p:to>
+                                        <p:strVal val="visible"/>
+                                      </p:to>
+                                    </p:set>
+                                    <p:anim calcmode="lin" valueType="num">
+                                      <p:cBhvr additive="base">
+                                        <p:cTn id="7" dur="500" fill="hold"/>
+                                        <p:tgtEl>
+                                          <p:spTgt spid="8"/>
+                                        </p:tgtEl>
+                                        <p:attrNameLst>
+                                          <p:attrName>ppt_x</p:attrName>
+                                        </p:attrNameLst>
+                                      </p:cBhvr>
+                                      <p:tavLst>
+                                        <p:tav tm="0">
+                                          <p:val>
+                                            <p:strVal val="#ppt_x"/>
+                                          </p:val>
+                                        </p:tav>
+                                        <p:tav tm="100000">
+                                          <p:val>
+                                            <p:strVal val="#ppt_x"/>
+                                          </p:val>
+                                        </p:tav>
+                                      </p:tavLst>
+                                    </p:anim>
+                                    <p:anim calcmode="lin" valueType="num">
+                                      <p:cBhvr additive="base">
+                                        <p:cTn id="8" dur="500" fill="hold"/>
+                                        <p:tgtEl>
+                                          <p:spTgt spid="8"/>
+                                        </p:tgtEl>
+                                        <p:attrNameLst>
+                                          <p:attrName>ppt_y</p:attrName>
+                                        </p:attrNameLst>
+                                      </p:cBhvr>
+                                      <p:tavLst>
+                                        <p:tav tm="0">
+                                          <p:val>
+                                            <p:strVal val="1+#ppt_h/2"/>
+                                          </p:val>
+                                        </p:tav>
+                                        <p:tav tm="100000">
+                                          <p:val>
+                                            <p:strVal val="#ppt_y"/>
+                                          </p:val>
+                                        </p:tav>
+                                      </p:tavLst>
+                                    </p:anim>
+                                  </p:childTnLst>
+                                </p:cTn>
+                              </p:par>
+                            </p:childTnLst>
+                          </p:cTn>
+                        </p:par>
+                      </p:childTnLst>
+                    </p:cTn>
+                  </p:par>
+                </p:childTnLst>
+              </p:cTn>
+              <p:prevCondLst>
+                <p:cond evt="onPrev" delay="0">
+                  <p:tgtEl>
+                    <p:sldTgt/>
+                  </p:tgtEl>
+                </p:cond>
+              </p:prevCondLst>
+              <p:nextCondLst>
+                <p:cond evt="onNext" delay="0">
+                  <p:tgtEl>
+                    <p:sldTgt/>
+                  </p:tgtEl>
+                </p:cond>
+              </p:nextCondLst>
+            </p:seq>
+          </p:childTnLst>
+        </p:cTn>
       </p:par>
     </p:tnLst>
   </p:timing>

--- a/组会报告/组会20180110.pptx
+++ b/组会报告/组会20180110.pptx
@@ -8,7 +8,7 @@
     <p:notesMasterId r:id="rId4"/>
   </p:notesMasterIdLst>
   <p:handoutMasterIdLst>
-    <p:handoutMasterId r:id="rId21"/>
+    <p:handoutMasterId r:id="rId22"/>
   </p:handoutMasterIdLst>
   <p:sldIdLst>
     <p:sldId id="536" r:id="rId3"/>
@@ -19,15 +19,16 @@
     <p:sldId id="498" r:id="rId9"/>
     <p:sldId id="499" r:id="rId10"/>
     <p:sldId id="501" r:id="rId11"/>
-    <p:sldId id="496" r:id="rId12"/>
-    <p:sldId id="489" r:id="rId13"/>
-    <p:sldId id="488" r:id="rId14"/>
-    <p:sldId id="470" r:id="rId15"/>
-    <p:sldId id="456" r:id="rId16"/>
-    <p:sldId id="471" r:id="rId17"/>
-    <p:sldId id="472" r:id="rId18"/>
-    <p:sldId id="473" r:id="rId19"/>
-    <p:sldId id="500" r:id="rId20"/>
+    <p:sldId id="553" r:id="rId12"/>
+    <p:sldId id="496" r:id="rId13"/>
+    <p:sldId id="489" r:id="rId14"/>
+    <p:sldId id="488" r:id="rId15"/>
+    <p:sldId id="470" r:id="rId16"/>
+    <p:sldId id="456" r:id="rId17"/>
+    <p:sldId id="471" r:id="rId18"/>
+    <p:sldId id="472" r:id="rId19"/>
+    <p:sldId id="473" r:id="rId20"/>
+    <p:sldId id="500" r:id="rId21"/>
   </p:sldIdLst>
   <p:sldSz cx="9144000" cy="6858000" type="screen4x3"/>
   <p:notesSz cx="6858000" cy="9144000"/>
@@ -4859,6 +4860,123 @@
               <a:buFont typeface="Wingdings" panose="05000000000000000000" pitchFamily="2" charset="2"/>
               <a:buNone/>
             </a:pPr>
+            <a:r>
+              <a:rPr lang="zh-CN" altLang="en-US" dirty="0" smtClean="0"/>
+              <a:t>为了说明这个问题，我们考虑一个施加了单向拉伸的棒，此棒由线弹性材料组成，直到应力达到峰值，并且在此后的构型中线性软化。更进一步，我们假设在垂直于轴线方向有一条很窄的材料带，这个地方的强度比材料其他地方要稍低一些。从有限元的力</a:t>
+            </a:r>
+            <a:r>
+              <a:rPr lang="en-US" altLang="zh-CN" dirty="0" smtClean="0"/>
+              <a:t>-</a:t>
+            </a:r>
+            <a:r>
+              <a:rPr lang="zh-CN" altLang="en-US" dirty="0" smtClean="0"/>
+              <a:t>位移响应解显示出有很强的网格依赖性。清晰的显示出随着单元尺寸的减小，断裂所做的外部功不断减少。应变局部化被限制与一个单元厚度的一层上。能量耗散和失效单元的体积成正比，而不是断裂表面的面积，随着网格划分的细密，能量耗散趋于</a:t>
+            </a:r>
+            <a:r>
+              <a:rPr lang="en-US" altLang="zh-CN" dirty="0" smtClean="0"/>
+              <a:t>0.</a:t>
+            </a:r>
+            <a:endParaRPr lang="en-US" altLang="zh-CN" dirty="0" smtClean="0"/>
+          </a:p>
+          <a:p>
+            <a:pPr marL="171450" indent="-171450">
+              <a:buFont typeface="Wingdings" panose="05000000000000000000" pitchFamily="2" charset="2"/>
+              <a:buNone/>
+            </a:pPr>
+            <a:r>
+              <a:rPr lang="zh-CN" altLang="en-US" dirty="0" smtClean="0"/>
+              <a:t>为了纠正这个行为，我们使用裂纹带模型，在这个模型中，断裂被做成一个平行的密集分布的微裂纹带（一个弄脏的裂纹带）在这个模型中，强度极限应变ef并不是固定的而是按照公式来调整，使得总的断裂能保持不变</a:t>
+            </a:r>
+            <a:r>
+              <a:rPr lang="en-US" altLang="zh-CN" dirty="0" smtClean="0"/>
+              <a:t>bao</a:t>
+            </a:r>
+            <a:r>
+              <a:rPr lang="zh-CN" altLang="en-US" dirty="0" smtClean="0"/>
+              <a:t>。</a:t>
+            </a:r>
+            <a:r>
+              <a:rPr lang="en-US" altLang="zh-CN" dirty="0" smtClean="0"/>
+              <a:t>(</a:t>
+            </a:r>
+            <a:r>
+              <a:rPr lang="zh-CN" altLang="en-US" dirty="0" smtClean="0"/>
+              <a:t>公式略</a:t>
+            </a:r>
+            <a:r>
+              <a:rPr lang="en-US" altLang="zh-CN" dirty="0" smtClean="0"/>
+              <a:t>)</a:t>
+            </a:r>
+            <a:endParaRPr lang="en-US" altLang="zh-CN" dirty="0" smtClean="0"/>
+          </a:p>
+          <a:p>
+            <a:pPr marL="171450" indent="-171450">
+              <a:buFont typeface="Wingdings" panose="05000000000000000000" pitchFamily="2" charset="2"/>
+              <a:buNone/>
+            </a:pPr>
+            <a:r>
+              <a:rPr lang="zh-CN" altLang="en-US" dirty="0" smtClean="0"/>
+              <a:t>   </a:t>
+            </a:r>
+            <a:r>
+              <a:rPr lang="en-US" altLang="zh-CN" dirty="0" smtClean="0"/>
+              <a:t>Lc</a:t>
+            </a:r>
+            <a:r>
+              <a:rPr lang="zh-CN" altLang="en-US" dirty="0" smtClean="0"/>
+              <a:t>为单元的特征长度，</a:t>
+            </a:r>
+            <a:r>
+              <a:rPr lang="en-US" altLang="zh-CN" dirty="0" smtClean="0"/>
+              <a:t>Gc</a:t>
+            </a:r>
+            <a:r>
+              <a:rPr lang="zh-CN" altLang="en-US" dirty="0" smtClean="0"/>
+              <a:t>是断裂能，这是一个材料性能，必须要被确定，</a:t>
+            </a:r>
+            <a:r>
+              <a:rPr lang="en-US" altLang="zh-CN" dirty="0" smtClean="0"/>
+              <a:t>Lc</a:t>
+            </a:r>
+            <a:r>
+              <a:rPr lang="zh-CN" altLang="en-US" dirty="0" smtClean="0"/>
+              <a:t>可以有不同的方法来计算</a:t>
+            </a:r>
+            <a:endParaRPr lang="zh-CN" altLang="en-US" dirty="0" smtClean="0"/>
+          </a:p>
+          <a:p>
+            <a:pPr marL="171450" indent="-171450">
+              <a:buFont typeface="Wingdings" panose="05000000000000000000" pitchFamily="2" charset="2"/>
+              <a:buNone/>
+            </a:pPr>
+            <a:endParaRPr lang="en-US" altLang="zh-CN" dirty="0" smtClean="0"/>
+          </a:p>
+          <a:p>
+            <a:pPr marL="171450" indent="-171450">
+              <a:buFont typeface="Wingdings" panose="05000000000000000000" pitchFamily="2" charset="2"/>
+              <a:buNone/>
+            </a:pPr>
+            <a:endParaRPr lang="zh-CN" altLang="en-US" dirty="0" smtClean="0"/>
+          </a:p>
+          <a:p>
+            <a:pPr marL="171450" indent="-171450">
+              <a:buFont typeface="Wingdings" panose="05000000000000000000" pitchFamily="2" charset="2"/>
+              <a:buNone/>
+            </a:pPr>
+            <a:endParaRPr lang="zh-CN" altLang="en-US" dirty="0" smtClean="0"/>
+          </a:p>
+          <a:p>
+            <a:pPr marL="171450" indent="-171450">
+              <a:buFont typeface="Wingdings" panose="05000000000000000000" pitchFamily="2" charset="2"/>
+              <a:buNone/>
+            </a:pPr>
+            <a:endParaRPr lang="zh-CN" altLang="en-US" dirty="0" smtClean="0"/>
+          </a:p>
+          <a:p>
+            <a:pPr marL="171450" indent="-171450">
+              <a:buFont typeface="Wingdings" panose="05000000000000000000" pitchFamily="2" charset="2"/>
+              <a:buNone/>
+            </a:pPr>
             <a:endParaRPr lang="zh-CN" altLang="en-US" dirty="0" smtClean="0"/>
           </a:p>
         </p:txBody>
@@ -5061,31 +5179,11 @@
           <a:bodyPr wrap="square" numCol="1" anchor="t" anchorCtr="0" compatLnSpc="1"/>
           <a:lstStyle/>
           <a:p>
-            <a:pPr marL="171450" marR="0" indent="-171450" algn="l" defTabSz="914400" rtl="0" eaLnBrk="0" fontAlgn="base" latinLnBrk="0" hangingPunct="0">
-              <a:lnSpc>
-                <a:spcPct val="100000"/>
-              </a:lnSpc>
-              <a:spcBef>
-                <a:spcPct val="30000"/>
-              </a:spcBef>
-              <a:spcAft>
-                <a:spcPct val="0"/>
-              </a:spcAft>
-              <a:buClrTx/>
-              <a:buSzTx/>
+            <a:pPr marL="171450" indent="-171450">
               <a:buFont typeface="Wingdings" panose="05000000000000000000" pitchFamily="2" charset="2"/>
               <a:buNone/>
-              <a:defRPr/>
             </a:pPr>
-            <a:endParaRPr lang="en-US" altLang="zh-CN" sz="1200" kern="1200" dirty="0" smtClean="0">
-              <a:solidFill>
-                <a:schemeClr val="tx1"/>
-              </a:solidFill>
-              <a:effectLst/>
-              <a:latin typeface="+mn-lt"/>
-              <a:ea typeface="+mn-ea"/>
-              <a:cs typeface="+mn-cs"/>
-            </a:endParaRPr>
+            <a:endParaRPr lang="zh-CN" altLang="en-US" dirty="0" smtClean="0"/>
           </a:p>
         </p:txBody>
       </p:sp>
@@ -5184,11 +5282,31 @@
           <a:bodyPr wrap="square" numCol="1" anchor="t" anchorCtr="0" compatLnSpc="1"/>
           <a:lstStyle/>
           <a:p>
-            <a:pPr marL="171450" indent="-171450">
+            <a:pPr marL="171450" marR="0" indent="-171450" algn="l" defTabSz="914400" rtl="0" eaLnBrk="0" fontAlgn="base" latinLnBrk="0" hangingPunct="0">
+              <a:lnSpc>
+                <a:spcPct val="100000"/>
+              </a:lnSpc>
+              <a:spcBef>
+                <a:spcPct val="30000"/>
+              </a:spcBef>
+              <a:spcAft>
+                <a:spcPct val="0"/>
+              </a:spcAft>
+              <a:buClrTx/>
+              <a:buSzTx/>
               <a:buFont typeface="Wingdings" panose="05000000000000000000" pitchFamily="2" charset="2"/>
               <a:buNone/>
+              <a:defRPr/>
             </a:pPr>
-            <a:endParaRPr lang="zh-CN" altLang="en-US" dirty="0" smtClean="0"/>
+            <a:endParaRPr lang="en-US" altLang="zh-CN" sz="1200" kern="1200" dirty="0" smtClean="0">
+              <a:solidFill>
+                <a:schemeClr val="tx1"/>
+              </a:solidFill>
+              <a:effectLst/>
+              <a:latin typeface="+mn-lt"/>
+              <a:ea typeface="+mn-ea"/>
+              <a:cs typeface="+mn-cs"/>
+            </a:endParaRPr>
           </a:p>
         </p:txBody>
       </p:sp>
@@ -5287,31 +5405,11 @@
           <a:bodyPr wrap="square" numCol="1" anchor="t" anchorCtr="0" compatLnSpc="1"/>
           <a:lstStyle/>
           <a:p>
-            <a:pPr marL="171450" marR="0" indent="-171450" algn="l" defTabSz="914400" rtl="0" eaLnBrk="0" fontAlgn="base" latinLnBrk="0" hangingPunct="0">
-              <a:lnSpc>
-                <a:spcPct val="100000"/>
-              </a:lnSpc>
-              <a:spcBef>
-                <a:spcPct val="30000"/>
-              </a:spcBef>
-              <a:spcAft>
-                <a:spcPct val="0"/>
-              </a:spcAft>
-              <a:buClrTx/>
-              <a:buSzTx/>
+            <a:pPr marL="171450" indent="-171450">
               <a:buFont typeface="Wingdings" panose="05000000000000000000" pitchFamily="2" charset="2"/>
               <a:buNone/>
-              <a:defRPr/>
             </a:pPr>
-            <a:endParaRPr lang="en-US" altLang="zh-CN" sz="1200" kern="1200" dirty="0" smtClean="0">
-              <a:solidFill>
-                <a:schemeClr val="tx1"/>
-              </a:solidFill>
-              <a:effectLst/>
-              <a:latin typeface="+mn-lt"/>
-              <a:ea typeface="+mn-ea"/>
-              <a:cs typeface="+mn-cs"/>
-            </a:endParaRPr>
+            <a:endParaRPr lang="zh-CN" altLang="en-US" dirty="0" smtClean="0"/>
           </a:p>
         </p:txBody>
       </p:sp>
@@ -5480,6 +5578,129 @@
 </file>
 
 <file path=ppt/notesSlides/notesSlide16.xml><?xml version="1.0" encoding="utf-8"?>
+<p:notes xmlns:a="http://schemas.openxmlformats.org/drawingml/2006/main" xmlns:r="http://schemas.openxmlformats.org/officeDocument/2006/relationships" xmlns:p="http://schemas.openxmlformats.org/presentationml/2006/main">
+  <p:cSld>
+    <p:spTree>
+      <p:nvGrpSpPr>
+        <p:cNvPr id="1" name=""/>
+        <p:cNvGrpSpPr/>
+        <p:nvPr/>
+      </p:nvGrpSpPr>
+      <p:grpSpPr>
+        <a:xfrm>
+          <a:off x="0" y="0"/>
+          <a:ext cx="0" cy="0"/>
+          <a:chOff x="0" y="0"/>
+          <a:chExt cx="0" cy="0"/>
+        </a:xfrm>
+      </p:grpSpPr>
+      <p:sp>
+        <p:nvSpPr>
+          <p:cNvPr id="51202" name="幻灯片图像占位符 1"/>
+          <p:cNvSpPr>
+            <a:spLocks noGrp="1" noRot="1" noChangeAspect="1" noTextEdit="1"/>
+          </p:cNvSpPr>
+          <p:nvPr>
+            <p:ph type="sldImg"/>
+          </p:nvPr>
+        </p:nvSpPr>
+        <p:spPr bwMode="auto">
+          <a:noFill/>
+          <a:ln>
+            <a:solidFill>
+              <a:srgbClr val="000000"/>
+            </a:solidFill>
+            <a:miter lim="800000"/>
+          </a:ln>
+        </p:spPr>
+      </p:sp>
+      <p:sp>
+        <p:nvSpPr>
+          <p:cNvPr id="51203" name="备注占位符 2"/>
+          <p:cNvSpPr>
+            <a:spLocks noGrp="1"/>
+          </p:cNvSpPr>
+          <p:nvPr>
+            <p:ph type="body" idx="1"/>
+          </p:nvPr>
+        </p:nvSpPr>
+        <p:spPr bwMode="auto">
+          <a:noFill/>
+        </p:spPr>
+        <p:txBody>
+          <a:bodyPr wrap="square" numCol="1" anchor="t" anchorCtr="0" compatLnSpc="1"/>
+          <a:lstStyle/>
+          <a:p>
+            <a:pPr marL="171450" marR="0" indent="-171450" algn="l" defTabSz="914400" rtl="0" eaLnBrk="0" fontAlgn="base" latinLnBrk="0" hangingPunct="0">
+              <a:lnSpc>
+                <a:spcPct val="100000"/>
+              </a:lnSpc>
+              <a:spcBef>
+                <a:spcPct val="30000"/>
+              </a:spcBef>
+              <a:spcAft>
+                <a:spcPct val="0"/>
+              </a:spcAft>
+              <a:buClrTx/>
+              <a:buSzTx/>
+              <a:buFont typeface="Wingdings" panose="05000000000000000000" pitchFamily="2" charset="2"/>
+              <a:buNone/>
+              <a:defRPr/>
+            </a:pPr>
+            <a:endParaRPr lang="en-US" altLang="zh-CN" sz="1200" kern="1200" dirty="0" smtClean="0">
+              <a:solidFill>
+                <a:schemeClr val="tx1"/>
+              </a:solidFill>
+              <a:effectLst/>
+              <a:latin typeface="+mn-lt"/>
+              <a:ea typeface="+mn-ea"/>
+              <a:cs typeface="+mn-cs"/>
+            </a:endParaRPr>
+          </a:p>
+        </p:txBody>
+      </p:sp>
+      <p:sp>
+        <p:nvSpPr>
+          <p:cNvPr id="51204" name="灯片编号占位符 3"/>
+          <p:cNvSpPr>
+            <a:spLocks noGrp="1"/>
+          </p:cNvSpPr>
+          <p:nvPr>
+            <p:ph type="sldNum" sz="quarter" idx="5"/>
+          </p:nvPr>
+        </p:nvSpPr>
+        <p:spPr bwMode="auto">
+          <a:noFill/>
+          <a:ln>
+            <a:miter lim="800000"/>
+          </a:ln>
+        </p:spPr>
+        <p:txBody>
+          <a:bodyPr wrap="square" numCol="1" anchorCtr="0" compatLnSpc="1"/>
+          <a:lstStyle/>
+          <a:p>
+            <a:fld id="{27079A59-C579-4586-98B8-6BEF6403C71B}" type="slidenum">
+              <a:rPr lang="zh-CN" altLang="en-US" smtClean="0">
+                <a:latin typeface="Arial" panose="020B0604020202020204" pitchFamily="34" charset="0"/>
+                <a:ea typeface="宋体" panose="02010600030101010101" pitchFamily="2" charset="-122"/>
+              </a:rPr>
+            </a:fld>
+            <a:endParaRPr lang="en-US" altLang="zh-CN" smtClean="0">
+              <a:latin typeface="Arial" panose="020B0604020202020204" pitchFamily="34" charset="0"/>
+              <a:ea typeface="宋体" panose="02010600030101010101" pitchFamily="2" charset="-122"/>
+            </a:endParaRPr>
+          </a:p>
+        </p:txBody>
+      </p:sp>
+    </p:spTree>
+  </p:cSld>
+  <p:clrMapOvr>
+    <a:masterClrMapping/>
+  </p:clrMapOvr>
+</p:notes>
+</file>
+
+<file path=ppt/notesSlides/notesSlide17.xml><?xml version="1.0" encoding="utf-8"?>
 <p:notes xmlns:a="http://schemas.openxmlformats.org/drawingml/2006/main" xmlns:r="http://schemas.openxmlformats.org/officeDocument/2006/relationships" xmlns:p="http://schemas.openxmlformats.org/presentationml/2006/main">
   <p:cSld>
     <p:spTree>
@@ -6314,124 +6535,7 @@
               <a:buFont typeface="Wingdings" panose="05000000000000000000" pitchFamily="2" charset="2"/>
               <a:buNone/>
             </a:pPr>
-            <a:r>
-              <a:rPr lang="zh-CN" altLang="en-US" dirty="0" smtClean="0"/>
-              <a:t>为了说明这个问题，我们考虑一个施加了单向拉伸的棒，此棒由线弹性材料组成，直到应力达到峰值，并且在此后的构型中线性软化。更进一步，我们假设在垂直于轴线方向有一条很窄的材料带，这个地方的强度比材料其他地方要稍低一些。从有限元的力</a:t>
-            </a:r>
-            <a:r>
-              <a:rPr lang="en-US" altLang="zh-CN" dirty="0" smtClean="0"/>
-              <a:t>-</a:t>
-            </a:r>
-            <a:r>
-              <a:rPr lang="zh-CN" altLang="en-US" dirty="0" smtClean="0"/>
-              <a:t>位移响应解显示出有很强的网格依赖性。清晰的显示出随着单元尺寸的减小，断裂所做的外部功不断减少。应变局部化被限制与一个单元厚度的一层上。能量耗散和失效单元的体积成正比，而不是断裂表面的面积，随着网格划分的细密，能量耗散趋于</a:t>
-            </a:r>
-            <a:r>
-              <a:rPr lang="en-US" altLang="zh-CN" dirty="0" smtClean="0"/>
-              <a:t>0.</a:t>
-            </a:r>
             <a:endParaRPr lang="en-US" altLang="zh-CN" dirty="0" smtClean="0"/>
-          </a:p>
-          <a:p>
-            <a:pPr marL="171450" indent="-171450">
-              <a:buFont typeface="Wingdings" panose="05000000000000000000" pitchFamily="2" charset="2"/>
-              <a:buNone/>
-            </a:pPr>
-            <a:r>
-              <a:rPr lang="zh-CN" altLang="en-US" dirty="0" smtClean="0"/>
-              <a:t>为了纠正这个行为，我们使用裂纹带模型，在这个模型中，断裂被做成一个平行的密集分布的微裂纹带（一个弄脏的裂纹带）在这个模型中，强度极限应变ef并不是固定的而是按照公式来调整，使得总的断裂能保持不变</a:t>
-            </a:r>
-            <a:r>
-              <a:rPr lang="en-US" altLang="zh-CN" dirty="0" smtClean="0"/>
-              <a:t>bao</a:t>
-            </a:r>
-            <a:r>
-              <a:rPr lang="zh-CN" altLang="en-US" dirty="0" smtClean="0"/>
-              <a:t>。</a:t>
-            </a:r>
-            <a:r>
-              <a:rPr lang="en-US" altLang="zh-CN" dirty="0" smtClean="0"/>
-              <a:t>(</a:t>
-            </a:r>
-            <a:r>
-              <a:rPr lang="zh-CN" altLang="en-US" dirty="0" smtClean="0"/>
-              <a:t>公式略</a:t>
-            </a:r>
-            <a:r>
-              <a:rPr lang="en-US" altLang="zh-CN" dirty="0" smtClean="0"/>
-              <a:t>)</a:t>
-            </a:r>
-            <a:endParaRPr lang="en-US" altLang="zh-CN" dirty="0" smtClean="0"/>
-          </a:p>
-          <a:p>
-            <a:pPr marL="171450" indent="-171450">
-              <a:buFont typeface="Wingdings" panose="05000000000000000000" pitchFamily="2" charset="2"/>
-              <a:buNone/>
-            </a:pPr>
-            <a:r>
-              <a:rPr lang="zh-CN" altLang="en-US" dirty="0" smtClean="0"/>
-              <a:t>   </a:t>
-            </a:r>
-            <a:r>
-              <a:rPr lang="en-US" altLang="zh-CN" dirty="0" smtClean="0"/>
-              <a:t>Lc</a:t>
-            </a:r>
-            <a:r>
-              <a:rPr lang="zh-CN" altLang="en-US" dirty="0" smtClean="0"/>
-              <a:t>为单元的特征长度，</a:t>
-            </a:r>
-            <a:r>
-              <a:rPr lang="en-US" altLang="zh-CN" dirty="0" smtClean="0"/>
-              <a:t>Gc</a:t>
-            </a:r>
-            <a:r>
-              <a:rPr lang="zh-CN" altLang="en-US" dirty="0" smtClean="0"/>
-              <a:t>是断裂能，这是一个材料性能，必须要被确定，</a:t>
-            </a:r>
-            <a:r>
-              <a:rPr lang="en-US" altLang="zh-CN" dirty="0" smtClean="0"/>
-              <a:t>Lc</a:t>
-            </a:r>
-            <a:r>
-              <a:rPr lang="zh-CN" altLang="en-US" dirty="0" smtClean="0"/>
-              <a:t>可以有不同的方法来计算</a:t>
-            </a:r>
-            <a:endParaRPr lang="zh-CN" altLang="en-US" dirty="0" smtClean="0"/>
-          </a:p>
-          <a:p>
-            <a:pPr marL="171450" indent="-171450">
-              <a:buFont typeface="Wingdings" panose="05000000000000000000" pitchFamily="2" charset="2"/>
-              <a:buNone/>
-            </a:pPr>
-            <a:endParaRPr lang="en-US" altLang="zh-CN" dirty="0" smtClean="0"/>
-          </a:p>
-          <a:p>
-            <a:pPr marL="171450" indent="-171450">
-              <a:buFont typeface="Wingdings" panose="05000000000000000000" pitchFamily="2" charset="2"/>
-              <a:buNone/>
-            </a:pPr>
-            <a:endParaRPr lang="zh-CN" altLang="en-US" dirty="0" smtClean="0"/>
-          </a:p>
-          <a:p>
-            <a:pPr marL="171450" indent="-171450">
-              <a:buFont typeface="Wingdings" panose="05000000000000000000" pitchFamily="2" charset="2"/>
-              <a:buNone/>
-            </a:pPr>
-            <a:endParaRPr lang="zh-CN" altLang="en-US" dirty="0" smtClean="0"/>
-          </a:p>
-          <a:p>
-            <a:pPr marL="171450" indent="-171450">
-              <a:buFont typeface="Wingdings" panose="05000000000000000000" pitchFamily="2" charset="2"/>
-              <a:buNone/>
-            </a:pPr>
-            <a:endParaRPr lang="zh-CN" altLang="en-US" dirty="0" smtClean="0"/>
-          </a:p>
-          <a:p>
-            <a:pPr marL="171450" indent="-171450">
-              <a:buFont typeface="Wingdings" panose="05000000000000000000" pitchFamily="2" charset="2"/>
-              <a:buNone/>
-            </a:pPr>
-            <a:endParaRPr lang="zh-CN" altLang="en-US" dirty="0" smtClean="0"/>
           </a:p>
         </p:txBody>
       </p:sp>
@@ -11127,6 +11231,645 @@
       </p:grpSpPr>
       <p:sp>
         <p:nvSpPr>
+          <p:cNvPr id="4" name="文本框 3"/>
+          <p:cNvSpPr txBox="1"/>
+          <p:nvPr/>
+        </p:nvSpPr>
+        <p:spPr>
+          <a:xfrm>
+            <a:off x="-34290" y="1255395"/>
+            <a:ext cx="4476750" cy="5569585"/>
+          </a:xfrm>
+          <a:prstGeom prst="rect">
+            <a:avLst/>
+          </a:prstGeom>
+          <a:noFill/>
+        </p:spPr>
+        <p:txBody>
+          <a:bodyPr wrap="square" rtlCol="0">
+            <a:spAutoFit/>
+          </a:bodyPr>
+          <a:lstStyle/>
+          <a:p>
+            <a:r>
+              <a:rPr lang="en-US" altLang="zh-CN" b="1" dirty="0"/>
+              <a:t>Mesh Dependency</a:t>
+            </a:r>
+            <a:r>
+              <a:rPr lang="zh-CN" altLang="en-US" b="1" dirty="0"/>
+              <a:t>：</a:t>
+            </a:r>
+            <a:endParaRPr lang="zh-CN" altLang="en-US" b="1" dirty="0"/>
+          </a:p>
+          <a:p>
+            <a:pPr algn="just" latinLnBrk="0"/>
+            <a:r>
+              <a:rPr lang="zh-CN" altLang="en-US" dirty="0">
+                <a:latin typeface="Times New Roman" panose="02020603050405020304" pitchFamily="18" charset="0"/>
+                <a:cs typeface="Times New Roman" panose="02020603050405020304" pitchFamily="18" charset="0"/>
+              </a:rPr>
+              <a:t>   </a:t>
+            </a:r>
+            <a:r>
+              <a:rPr lang="zh-CN" altLang="en-US" sz="1600" dirty="0">
+                <a:latin typeface="Times New Roman" panose="02020603050405020304" pitchFamily="18" charset="0"/>
+                <a:cs typeface="Times New Roman" panose="02020603050405020304" pitchFamily="18" charset="0"/>
+              </a:rPr>
+              <a:t>When the material exhibits strain-softening behavior, leading to strain localization, this formulation results in a strong </a:t>
+            </a:r>
+            <a:r>
+              <a:rPr lang="zh-CN" altLang="en-US" sz="1600" b="1" dirty="0">
+                <a:latin typeface="Times New Roman" panose="02020603050405020304" pitchFamily="18" charset="0"/>
+                <a:cs typeface="Times New Roman" panose="02020603050405020304" pitchFamily="18" charset="0"/>
+              </a:rPr>
+              <a:t>mesh dependency</a:t>
+            </a:r>
+            <a:r>
+              <a:rPr lang="zh-CN" altLang="en-US" sz="1600" dirty="0">
+                <a:latin typeface="Times New Roman" panose="02020603050405020304" pitchFamily="18" charset="0"/>
+                <a:cs typeface="Times New Roman" panose="02020603050405020304" pitchFamily="18" charset="0"/>
+              </a:rPr>
+              <a:t> of the finite element results in that the energy dissipated decreases upon mesh refinement.</a:t>
+            </a:r>
+            <a:r>
+              <a:rPr lang="zh-CN" altLang="en-US" sz="1600" b="1" dirty="0">
+                <a:latin typeface="Times New Roman" panose="02020603050405020304" pitchFamily="18" charset="0"/>
+                <a:cs typeface="Times New Roman" panose="02020603050405020304" pitchFamily="18" charset="0"/>
+              </a:rPr>
+              <a:t>The energy dissipated is proportional to the volume of the failed element</a:t>
+            </a:r>
+            <a:r>
+              <a:rPr lang="en-US" altLang="zh-CN" sz="1600" b="1" dirty="0">
+                <a:latin typeface="Times New Roman" panose="02020603050405020304" pitchFamily="18" charset="0"/>
+                <a:cs typeface="Times New Roman" panose="02020603050405020304" pitchFamily="18" charset="0"/>
+              </a:rPr>
+              <a:t>.</a:t>
+            </a:r>
+            <a:endParaRPr lang="en-US" altLang="zh-CN" sz="1600" b="1" dirty="0">
+              <a:latin typeface="Times New Roman" panose="02020603050405020304" pitchFamily="18" charset="0"/>
+              <a:cs typeface="Times New Roman" panose="02020603050405020304" pitchFamily="18" charset="0"/>
+            </a:endParaRPr>
+          </a:p>
+          <a:p>
+            <a:pPr algn="just" latinLnBrk="0"/>
+            <a:r>
+              <a:rPr lang="zh-CN" altLang="en-US" sz="1600" dirty="0">
+                <a:latin typeface="Times New Roman" panose="02020603050405020304" pitchFamily="18" charset="0"/>
+              </a:rPr>
+              <a:t>    To correct this behavior we use the crack band model</a:t>
+            </a:r>
+            <a:r>
+              <a:rPr lang="en-US" altLang="zh-CN" sz="1600" dirty="0">
+                <a:latin typeface="Times New Roman" panose="02020603050405020304" pitchFamily="18" charset="0"/>
+              </a:rPr>
+              <a:t>,</a:t>
+            </a:r>
+            <a:r>
+              <a:rPr sz="1600" dirty="0">
+                <a:latin typeface="Times New Roman" panose="02020603050405020304" pitchFamily="18" charset="0"/>
+                <a:sym typeface="+mn-ea"/>
+              </a:rPr>
+              <a:t>In this model the strength limit      is not kept constant but is adjusted in such a way that the </a:t>
+            </a:r>
+            <a:r>
+              <a:rPr sz="1600" b="1" dirty="0">
+                <a:latin typeface="Times New Roman" panose="02020603050405020304" pitchFamily="18" charset="0"/>
+                <a:sym typeface="+mn-ea"/>
+              </a:rPr>
+              <a:t>fracture energy is preserved</a:t>
+            </a:r>
+            <a:endParaRPr sz="1600" b="1" dirty="0">
+              <a:latin typeface="Times New Roman" panose="02020603050405020304" pitchFamily="18" charset="0"/>
+              <a:sym typeface="+mn-ea"/>
+            </a:endParaRPr>
+          </a:p>
+          <a:p>
+            <a:pPr algn="just" latinLnBrk="0"/>
+            <a:endParaRPr lang="en-US" altLang="zh-CN" sz="1600" dirty="0">
+              <a:latin typeface="Times New Roman" panose="02020603050405020304" pitchFamily="18" charset="0"/>
+              <a:sym typeface="+mn-ea"/>
+            </a:endParaRPr>
+          </a:p>
+          <a:p>
+            <a:pPr algn="just" latinLnBrk="0"/>
+            <a:endParaRPr lang="en-US" altLang="zh-CN" sz="1600" dirty="0">
+              <a:latin typeface="Times New Roman" panose="02020603050405020304" pitchFamily="18" charset="0"/>
+              <a:sym typeface="+mn-ea"/>
+            </a:endParaRPr>
+          </a:p>
+          <a:p>
+            <a:pPr algn="just" latinLnBrk="0"/>
+            <a:endParaRPr lang="en-US" altLang="zh-CN" sz="1600" dirty="0">
+              <a:latin typeface="Times New Roman" panose="02020603050405020304" pitchFamily="18" charset="0"/>
+              <a:sym typeface="+mn-ea"/>
+            </a:endParaRPr>
+          </a:p>
+          <a:p>
+            <a:pPr algn="just" latinLnBrk="0"/>
+            <a:endParaRPr lang="en-US" altLang="zh-CN" sz="1600" dirty="0">
+              <a:latin typeface="Times New Roman" panose="02020603050405020304" pitchFamily="18" charset="0"/>
+              <a:sym typeface="+mn-ea"/>
+            </a:endParaRPr>
+          </a:p>
+          <a:p>
+            <a:pPr algn="just" latinLnBrk="0"/>
+            <a:r>
+              <a:rPr sz="1600" dirty="0">
+                <a:latin typeface="Times New Roman" panose="02020603050405020304" pitchFamily="18" charset="0"/>
+                <a:cs typeface="Times New Roman" panose="02020603050405020304" pitchFamily="18" charset="0"/>
+                <a:sym typeface="+mn-ea"/>
+              </a:rPr>
+              <a:t>    Different methods have been suggested for computing the characteristic length.</a:t>
+            </a:r>
+            <a:r>
+              <a:rPr lang="zh-CN" altLang="en-US" sz="1600" dirty="0">
+                <a:latin typeface="Times New Roman" panose="02020603050405020304" pitchFamily="18" charset="0"/>
+                <a:cs typeface="Times New Roman" panose="02020603050405020304" pitchFamily="18" charset="0"/>
+                <a:sym typeface="+mn-ea"/>
+              </a:rPr>
+              <a:t>In the current model, we assume that the characteristic length at a material point is equal to the square root of  the area associated with it</a:t>
+            </a:r>
+            <a:r>
+              <a:rPr lang="en-US" altLang="zh-CN" sz="1600" dirty="0">
+                <a:latin typeface="Times New Roman" panose="02020603050405020304" pitchFamily="18" charset="0"/>
+                <a:cs typeface="Times New Roman" panose="02020603050405020304" pitchFamily="18" charset="0"/>
+                <a:sym typeface="+mn-ea"/>
+              </a:rPr>
+              <a:t>.</a:t>
+            </a:r>
+            <a:endParaRPr lang="en-US" altLang="zh-CN" sz="1600" dirty="0">
+              <a:latin typeface="Times New Roman" panose="02020603050405020304" pitchFamily="18" charset="0"/>
+              <a:cs typeface="Times New Roman" panose="02020603050405020304" pitchFamily="18" charset="0"/>
+              <a:sym typeface="+mn-ea"/>
+            </a:endParaRPr>
+          </a:p>
+          <a:p>
+            <a:endParaRPr lang="zh-CN" altLang="en-US" sz="1600" dirty="0">
+              <a:sym typeface="+mn-ea"/>
+            </a:endParaRPr>
+          </a:p>
+        </p:txBody>
+      </p:sp>
+      <p:pic>
+        <p:nvPicPr>
+          <p:cNvPr id="5" name="图片 4"/>
+          <p:cNvPicPr>
+            <a:picLocks noChangeAspect="1"/>
+          </p:cNvPicPr>
+          <p:nvPr/>
+        </p:nvPicPr>
+        <p:blipFill>
+          <a:blip r:embed="rId1"/>
+          <a:stretch>
+            <a:fillRect/>
+          </a:stretch>
+        </p:blipFill>
+        <p:spPr>
+          <a:xfrm>
+            <a:off x="4883785" y="4029075"/>
+            <a:ext cx="3544570" cy="2038985"/>
+          </a:xfrm>
+          <a:prstGeom prst="rect">
+            <a:avLst/>
+          </a:prstGeom>
+        </p:spPr>
+      </p:pic>
+      <p:graphicFrame>
+        <p:nvGraphicFramePr>
+          <p:cNvPr id="6" name="对象 5">
+            <a:hlinkClick r:id="" action="ppaction://ole?verb=0"/>
+          </p:cNvPr>
+          <p:cNvGraphicFramePr>
+            <a:graphicFrameLocks noChangeAspect="1"/>
+          </p:cNvGraphicFramePr>
+          <p:nvPr/>
+        </p:nvGraphicFramePr>
+        <p:xfrm>
+          <a:off x="1764665" y="4510405"/>
+          <a:ext cx="879475" cy="563880"/>
+        </p:xfrm>
+        <a:graphic>
+          <a:graphicData uri="http://schemas.openxmlformats.org/presentationml/2006/ole">
+            <mc:AlternateContent xmlns:mc="http://schemas.openxmlformats.org/markup-compatibility/2006">
+              <mc:Choice xmlns:v="urn:schemas-microsoft-com:vml" Requires="v">
+                <p:oleObj spid="_x0000_s1031" name="" r:id="rId2" imgW="673100" imgH="431800" progId="Equation.KSEE3">
+                  <p:embed/>
+                </p:oleObj>
+              </mc:Choice>
+              <mc:Fallback>
+                <p:oleObj name="" r:id="rId2" imgW="673100" imgH="431800" progId="Equation.KSEE3">
+                  <p:embed/>
+                  <p:pic>
+                    <p:nvPicPr>
+                      <p:cNvPr id="0" name="图片 3072"/>
+                      <p:cNvPicPr/>
+                      <p:nvPr/>
+                    </p:nvPicPr>
+                    <p:blipFill>
+                      <a:blip r:embed="rId3"/>
+                      <a:stretch>
+                        <a:fillRect/>
+                      </a:stretch>
+                    </p:blipFill>
+                    <p:spPr>
+                      <a:xfrm>
+                        <a:off x="1764665" y="4510405"/>
+                        <a:ext cx="879475" cy="563880"/>
+                      </a:xfrm>
+                      <a:prstGeom prst="rect">
+                        <a:avLst/>
+                      </a:prstGeom>
+                    </p:spPr>
+                  </p:pic>
+                </p:oleObj>
+              </mc:Fallback>
+            </mc:AlternateContent>
+          </a:graphicData>
+        </a:graphic>
+      </p:graphicFrame>
+      <p:pic>
+        <p:nvPicPr>
+          <p:cNvPr id="8" name="图片 7"/>
+          <p:cNvPicPr>
+            <a:picLocks noChangeAspect="1"/>
+          </p:cNvPicPr>
+          <p:nvPr/>
+        </p:nvPicPr>
+        <p:blipFill>
+          <a:blip r:embed="rId4"/>
+          <a:stretch>
+            <a:fillRect/>
+          </a:stretch>
+        </p:blipFill>
+        <p:spPr>
+          <a:xfrm>
+            <a:off x="4883785" y="4017010"/>
+            <a:ext cx="3678555" cy="2062480"/>
+          </a:xfrm>
+          <a:prstGeom prst="rect">
+            <a:avLst/>
+          </a:prstGeom>
+        </p:spPr>
+      </p:pic>
+      <p:sp>
+        <p:nvSpPr>
+          <p:cNvPr id="9" name="文本框 8"/>
+          <p:cNvSpPr txBox="1"/>
+          <p:nvPr/>
+        </p:nvSpPr>
+        <p:spPr>
+          <a:xfrm>
+            <a:off x="4268470" y="6255385"/>
+            <a:ext cx="4774565" cy="645160"/>
+          </a:xfrm>
+          <a:prstGeom prst="rect">
+            <a:avLst/>
+          </a:prstGeom>
+          <a:noFill/>
+        </p:spPr>
+        <p:txBody>
+          <a:bodyPr wrap="square" rtlCol="0" anchor="t">
+            <a:spAutoFit/>
+          </a:bodyPr>
+          <a:lstStyle/>
+          <a:p>
+            <a:r>
+              <a:rPr lang="zh-CN" altLang="en-US" sz="1200">
+                <a:latin typeface="Times New Roman" panose="02020603050405020304" pitchFamily="18" charset="0"/>
+              </a:rPr>
+              <a:t>Lapczyk I, Hurtado J A. Progressive damage modeling in fiber-reinforced materials[J]. Composites Part A Applied Science &amp; Manufacturing, 2007, 38(11):2333-2341.</a:t>
+            </a:r>
+            <a:endParaRPr lang="zh-CN" altLang="en-US" sz="1200">
+              <a:latin typeface="Times New Roman" panose="02020603050405020304" pitchFamily="18" charset="0"/>
+            </a:endParaRPr>
+          </a:p>
+        </p:txBody>
+      </p:sp>
+      <p:sp>
+        <p:nvSpPr>
+          <p:cNvPr id="21" name="矩形 20"/>
+          <p:cNvSpPr/>
+          <p:nvPr/>
+        </p:nvSpPr>
+        <p:spPr>
+          <a:xfrm>
+            <a:off x="103505" y="-128270"/>
+            <a:ext cx="9114155" cy="1383665"/>
+          </a:xfrm>
+          <a:prstGeom prst="rect">
+            <a:avLst/>
+          </a:prstGeom>
+        </p:spPr>
+        <p:txBody>
+          <a:bodyPr wrap="square">
+            <a:spAutoFit/>
+          </a:bodyPr>
+          <a:lstStyle/>
+          <a:p>
+            <a:pPr marL="0" lvl="1">
+              <a:lnSpc>
+                <a:spcPct val="150000"/>
+              </a:lnSpc>
+            </a:pPr>
+            <a:r>
+              <a:rPr lang="en-US" altLang="zh-CN" sz="2800" dirty="0" smtClean="0">
+                <a:latin typeface="Times New Roman" panose="02020603050405020304" pitchFamily="18" charset="0"/>
+                <a:cs typeface="Times New Roman" panose="02020603050405020304" pitchFamily="18" charset="0"/>
+              </a:rPr>
+              <a:t>Abaqus Simulation</a:t>
+            </a:r>
+            <a:endParaRPr lang="en-US" altLang="zh-CN" sz="2800" dirty="0" smtClean="0">
+              <a:latin typeface="Times New Roman" panose="02020603050405020304" pitchFamily="18" charset="0"/>
+              <a:cs typeface="Times New Roman" panose="02020603050405020304" pitchFamily="18" charset="0"/>
+            </a:endParaRPr>
+          </a:p>
+          <a:p>
+            <a:pPr marL="0" lvl="1">
+              <a:lnSpc>
+                <a:spcPct val="150000"/>
+              </a:lnSpc>
+            </a:pPr>
+            <a:r>
+              <a:rPr lang="en-US" altLang="zh-CN" sz="2800" dirty="0" smtClean="0">
+                <a:latin typeface="Times New Roman" panose="02020603050405020304" pitchFamily="18" charset="0"/>
+                <a:cs typeface="Times New Roman" panose="02020603050405020304" pitchFamily="18" charset="0"/>
+              </a:rPr>
+              <a:t>                     </a:t>
+            </a:r>
+            <a:r>
+              <a:rPr lang="en-US" altLang="zh-CN" sz="2400" dirty="0" smtClean="0">
+                <a:latin typeface="Times New Roman" panose="02020603050405020304" pitchFamily="18" charset="0"/>
+                <a:cs typeface="Times New Roman" panose="02020603050405020304" pitchFamily="18" charset="0"/>
+              </a:rPr>
+              <a:t>—c</a:t>
+            </a:r>
+            <a:r>
+              <a:rPr lang="en-US" altLang="zh-CN" sz="2400">
+                <a:solidFill>
+                  <a:schemeClr val="dk1"/>
+                </a:solidFill>
+                <a:latin typeface="Times New Roman" panose="02020603050405020304" pitchFamily="18" charset="0"/>
+                <a:sym typeface="+mn-ea"/>
+              </a:rPr>
+              <a:t>haracteristic length</a:t>
+            </a:r>
+            <a:endParaRPr lang="en-US" altLang="zh-CN" sz="2400" dirty="0" smtClean="0">
+              <a:latin typeface="Times New Roman" panose="02020603050405020304" pitchFamily="18" charset="0"/>
+              <a:cs typeface="Times New Roman" panose="02020603050405020304" pitchFamily="18" charset="0"/>
+            </a:endParaRPr>
+          </a:p>
+        </p:txBody>
+      </p:sp>
+      <p:graphicFrame>
+        <p:nvGraphicFramePr>
+          <p:cNvPr id="2" name="对象 1">
+            <a:hlinkClick r:id="" action="ppaction://ole?verb=0"/>
+          </p:cNvPr>
+          <p:cNvGraphicFramePr>
+            <a:graphicFrameLocks noChangeAspect="1"/>
+          </p:cNvGraphicFramePr>
+          <p:nvPr/>
+        </p:nvGraphicFramePr>
+        <p:xfrm>
+          <a:off x="3173730" y="3446145"/>
+          <a:ext cx="309880" cy="392430"/>
+        </p:xfrm>
+        <a:graphic>
+          <a:graphicData uri="http://schemas.openxmlformats.org/presentationml/2006/ole">
+            <mc:AlternateContent xmlns:mc="http://schemas.openxmlformats.org/markup-compatibility/2006">
+              <mc:Choice xmlns:v="urn:schemas-microsoft-com:vml" Requires="v">
+                <p:oleObj spid="_x0000_s1032" name="" r:id="rId5" imgW="190500" imgH="241300" progId="Equation.KSEE3">
+                  <p:embed/>
+                </p:oleObj>
+              </mc:Choice>
+              <mc:Fallback>
+                <p:oleObj name="" r:id="rId5" imgW="190500" imgH="241300" progId="Equation.KSEE3">
+                  <p:embed/>
+                  <p:pic>
+                    <p:nvPicPr>
+                      <p:cNvPr id="0" name="图片 1024"/>
+                      <p:cNvPicPr/>
+                      <p:nvPr/>
+                    </p:nvPicPr>
+                    <p:blipFill>
+                      <a:blip r:embed="rId6"/>
+                      <a:stretch>
+                        <a:fillRect/>
+                      </a:stretch>
+                    </p:blipFill>
+                    <p:spPr>
+                      <a:xfrm>
+                        <a:off x="3173730" y="3446145"/>
+                        <a:ext cx="309880" cy="392430"/>
+                      </a:xfrm>
+                      <a:prstGeom prst="rect">
+                        <a:avLst/>
+                      </a:prstGeom>
+                    </p:spPr>
+                  </p:pic>
+                </p:oleObj>
+              </mc:Fallback>
+            </mc:AlternateContent>
+          </a:graphicData>
+        </a:graphic>
+      </p:graphicFrame>
+      <p:pic>
+        <p:nvPicPr>
+          <p:cNvPr id="3" name="图片 2"/>
+          <p:cNvPicPr>
+            <a:picLocks noChangeAspect="1"/>
+          </p:cNvPicPr>
+          <p:nvPr/>
+        </p:nvPicPr>
+        <p:blipFill>
+          <a:blip r:embed="rId7"/>
+          <a:stretch>
+            <a:fillRect/>
+          </a:stretch>
+        </p:blipFill>
+        <p:spPr>
+          <a:xfrm>
+            <a:off x="5328285" y="1255395"/>
+            <a:ext cx="2438400" cy="1352550"/>
+          </a:xfrm>
+          <a:prstGeom prst="rect">
+            <a:avLst/>
+          </a:prstGeom>
+        </p:spPr>
+      </p:pic>
+      <p:pic>
+        <p:nvPicPr>
+          <p:cNvPr id="7" name="图片 6"/>
+          <p:cNvPicPr>
+            <a:picLocks noChangeAspect="1"/>
+          </p:cNvPicPr>
+          <p:nvPr/>
+        </p:nvPicPr>
+        <p:blipFill>
+          <a:blip r:embed="rId8"/>
+          <a:stretch>
+            <a:fillRect/>
+          </a:stretch>
+        </p:blipFill>
+        <p:spPr>
+          <a:xfrm>
+            <a:off x="5200015" y="2893060"/>
+            <a:ext cx="2694940" cy="838200"/>
+          </a:xfrm>
+          <a:prstGeom prst="rect">
+            <a:avLst/>
+          </a:prstGeom>
+        </p:spPr>
+      </p:pic>
+    </p:spTree>
+  </p:cSld>
+  <p:clrMapOvr>
+    <a:masterClrMapping/>
+  </p:clrMapOvr>
+  <p:transition/>
+  <p:timing>
+    <p:tnLst>
+      <p:par>
+        <p:cTn id="1" dur="indefinite" restart="never" nodeType="tmRoot">
+          <p:childTnLst>
+            <p:seq concurrent="1" nextAc="seek">
+              <p:cTn id="2" dur="indefinite" nodeType="mainSeq">
+                <p:childTnLst>
+                  <p:par>
+                    <p:cTn id="3" fill="hold">
+                      <p:stCondLst>
+                        <p:cond delay="indefinite"/>
+                      </p:stCondLst>
+                      <p:childTnLst>
+                        <p:par>
+                          <p:cTn id="4" fill="hold">
+                            <p:stCondLst>
+                              <p:cond delay="0"/>
+                            </p:stCondLst>
+                            <p:childTnLst>
+                              <p:par>
+                                <p:cTn id="5" presetID="2" presetClass="entr" presetSubtype="4" fill="hold" nodeType="clickEffect">
+                                  <p:stCondLst>
+                                    <p:cond delay="0"/>
+                                  </p:stCondLst>
+                                  <p:childTnLst>
+                                    <p:set>
+                                      <p:cBhvr>
+                                        <p:cTn id="6" dur="1" fill="hold">
+                                          <p:stCondLst>
+                                            <p:cond delay="0"/>
+                                          </p:stCondLst>
+                                        </p:cTn>
+                                        <p:tgtEl>
+                                          <p:spTgt spid="8"/>
+                                        </p:tgtEl>
+                                        <p:attrNameLst>
+                                          <p:attrName>style.visibility</p:attrName>
+                                        </p:attrNameLst>
+                                      </p:cBhvr>
+                                      <p:to>
+                                        <p:strVal val="visible"/>
+                                      </p:to>
+                                    </p:set>
+                                    <p:anim calcmode="lin" valueType="num">
+                                      <p:cBhvr additive="base">
+                                        <p:cTn id="7" dur="500" fill="hold"/>
+                                        <p:tgtEl>
+                                          <p:spTgt spid="8"/>
+                                        </p:tgtEl>
+                                        <p:attrNameLst>
+                                          <p:attrName>ppt_x</p:attrName>
+                                        </p:attrNameLst>
+                                      </p:cBhvr>
+                                      <p:tavLst>
+                                        <p:tav tm="0">
+                                          <p:val>
+                                            <p:strVal val="#ppt_x"/>
+                                          </p:val>
+                                        </p:tav>
+                                        <p:tav tm="100000">
+                                          <p:val>
+                                            <p:strVal val="#ppt_x"/>
+                                          </p:val>
+                                        </p:tav>
+                                      </p:tavLst>
+                                    </p:anim>
+                                    <p:anim calcmode="lin" valueType="num">
+                                      <p:cBhvr additive="base">
+                                        <p:cTn id="8" dur="500" fill="hold"/>
+                                        <p:tgtEl>
+                                          <p:spTgt spid="8"/>
+                                        </p:tgtEl>
+                                        <p:attrNameLst>
+                                          <p:attrName>ppt_y</p:attrName>
+                                        </p:attrNameLst>
+                                      </p:cBhvr>
+                                      <p:tavLst>
+                                        <p:tav tm="0">
+                                          <p:val>
+                                            <p:strVal val="1+#ppt_h/2"/>
+                                          </p:val>
+                                        </p:tav>
+                                        <p:tav tm="100000">
+                                          <p:val>
+                                            <p:strVal val="#ppt_y"/>
+                                          </p:val>
+                                        </p:tav>
+                                      </p:tavLst>
+                                    </p:anim>
+                                  </p:childTnLst>
+                                </p:cTn>
+                              </p:par>
+                            </p:childTnLst>
+                          </p:cTn>
+                        </p:par>
+                      </p:childTnLst>
+                    </p:cTn>
+                  </p:par>
+                </p:childTnLst>
+              </p:cTn>
+              <p:prevCondLst>
+                <p:cond evt="onPrev" delay="0">
+                  <p:tgtEl>
+                    <p:sldTgt/>
+                  </p:tgtEl>
+                </p:cond>
+              </p:prevCondLst>
+              <p:nextCondLst>
+                <p:cond evt="onNext" delay="0">
+                  <p:tgtEl>
+                    <p:sldTgt/>
+                  </p:tgtEl>
+                </p:cond>
+              </p:nextCondLst>
+            </p:seq>
+          </p:childTnLst>
+        </p:cTn>
+      </p:par>
+    </p:tnLst>
+  </p:timing>
+</p:sld>
+</file>
+
+<file path=ppt/slides/slide11.xml><?xml version="1.0" encoding="utf-8"?>
+<p:sld xmlns:a="http://schemas.openxmlformats.org/drawingml/2006/main" xmlns:r="http://schemas.openxmlformats.org/officeDocument/2006/relationships" xmlns:p="http://schemas.openxmlformats.org/presentationml/2006/main">
+  <p:cSld>
+    <p:spTree>
+      <p:nvGrpSpPr>
+        <p:cNvPr id="1" name=""/>
+        <p:cNvGrpSpPr/>
+        <p:nvPr/>
+      </p:nvGrpSpPr>
+      <p:grpSpPr>
+        <a:xfrm>
+          <a:off x="0" y="0"/>
+          <a:ext cx="0" cy="0"/>
+          <a:chOff x="0" y="0"/>
+          <a:chExt cx="0" cy="0"/>
+        </a:xfrm>
+      </p:grpSpPr>
+      <p:sp>
+        <p:nvSpPr>
           <p:cNvPr id="2" name="矩形 1"/>
           <p:cNvSpPr/>
           <p:nvPr/>
@@ -11578,7 +12321,7 @@
 </p:sld>
 </file>
 
-<file path=ppt/slides/slide11.xml><?xml version="1.0" encoding="utf-8"?>
+<file path=ppt/slides/slide12.xml><?xml version="1.0" encoding="utf-8"?>
 <p:sld xmlns:a="http://schemas.openxmlformats.org/drawingml/2006/main" xmlns:r="http://schemas.openxmlformats.org/officeDocument/2006/relationships" xmlns:p="http://schemas.openxmlformats.org/presentationml/2006/main">
   <p:cSld>
     <p:spTree>
@@ -11962,7 +12705,7 @@
 </p:sld>
 </file>
 
-<file path=ppt/slides/slide12.xml><?xml version="1.0" encoding="utf-8"?>
+<file path=ppt/slides/slide13.xml><?xml version="1.0" encoding="utf-8"?>
 <p:sld xmlns:a="http://schemas.openxmlformats.org/drawingml/2006/main" xmlns:r="http://schemas.openxmlformats.org/officeDocument/2006/relationships" xmlns:p="http://schemas.openxmlformats.org/presentationml/2006/main">
   <p:cSld>
     <p:spTree>
@@ -13400,7 +14143,7 @@
 </p:sld>
 </file>
 
-<file path=ppt/slides/slide13.xml><?xml version="1.0" encoding="utf-8"?>
+<file path=ppt/slides/slide14.xml><?xml version="1.0" encoding="utf-8"?>
 <p:sld xmlns:a="http://schemas.openxmlformats.org/drawingml/2006/main" xmlns:r="http://schemas.openxmlformats.org/officeDocument/2006/relationships" xmlns:p="http://schemas.openxmlformats.org/presentationml/2006/main">
   <p:cSld>
     <p:spTree>
@@ -13712,7 +14455,7 @@
 </p:sld>
 </file>
 
-<file path=ppt/slides/slide14.xml><?xml version="1.0" encoding="utf-8"?>
+<file path=ppt/slides/slide15.xml><?xml version="1.0" encoding="utf-8"?>
 <p:sld xmlns:a="http://schemas.openxmlformats.org/drawingml/2006/main" xmlns:r="http://schemas.openxmlformats.org/officeDocument/2006/relationships" xmlns:p="http://schemas.openxmlformats.org/presentationml/2006/main">
   <p:cSld>
     <p:spTree>
@@ -14053,7 +14796,7 @@
 </p:sld>
 </file>
 
-<file path=ppt/slides/slide15.xml><?xml version="1.0" encoding="utf-8"?>
+<file path=ppt/slides/slide16.xml><?xml version="1.0" encoding="utf-8"?>
 <p:sld xmlns:a="http://schemas.openxmlformats.org/drawingml/2006/main" xmlns:r="http://schemas.openxmlformats.org/officeDocument/2006/relationships" xmlns:p="http://schemas.openxmlformats.org/presentationml/2006/main">
   <p:cSld>
     <p:spTree>
@@ -14449,7 +15192,7 @@
 </p:sld>
 </file>
 
-<file path=ppt/slides/slide16.xml><?xml version="1.0" encoding="utf-8"?>
+<file path=ppt/slides/slide17.xml><?xml version="1.0" encoding="utf-8"?>
 <p:sld xmlns:a="http://schemas.openxmlformats.org/drawingml/2006/main" xmlns:r="http://schemas.openxmlformats.org/officeDocument/2006/relationships" xmlns:p="http://schemas.openxmlformats.org/presentationml/2006/main">
   <p:cSld>
     <p:spTree>
@@ -15080,7 +15823,7 @@
 </p:sld>
 </file>
 
-<file path=ppt/slides/slide17.xml><?xml version="1.0" encoding="utf-8"?>
+<file path=ppt/slides/slide18.xml><?xml version="1.0" encoding="utf-8"?>
 <p:sld xmlns:a="http://schemas.openxmlformats.org/drawingml/2006/main" xmlns:r="http://schemas.openxmlformats.org/officeDocument/2006/relationships" xmlns:p="http://schemas.openxmlformats.org/presentationml/2006/main">
   <p:cSld>
     <p:spTree>
@@ -15548,7 +16291,19 @@
               <a:rPr lang="zh-CN" altLang="en-US" sz="2400" b="1">
                 <a:latin typeface="Times New Roman" panose="02020603050405020304" pitchFamily="18" charset="0"/>
               </a:rPr>
-              <a:t>Numerical model</a:t>
+              <a:t>Numerical </a:t>
+            </a:r>
+            <a:r>
+              <a:rPr lang="en-US" altLang="zh-CN" sz="2400" b="1">
+                <a:latin typeface="Times New Roman" panose="02020603050405020304" pitchFamily="18" charset="0"/>
+              </a:rPr>
+              <a:t>M</a:t>
+            </a:r>
+            <a:r>
+              <a:rPr lang="zh-CN" altLang="en-US" sz="2400" b="1">
+                <a:latin typeface="Times New Roman" panose="02020603050405020304" pitchFamily="18" charset="0"/>
+              </a:rPr>
+              <a:t>odel</a:t>
             </a:r>
             <a:endParaRPr lang="zh-CN" altLang="en-US" sz="2400" b="1">
               <a:latin typeface="Times New Roman" panose="02020603050405020304" pitchFamily="18" charset="0"/>
@@ -15565,67 +16320,67 @@
             </a:endParaRPr>
           </a:p>
           <a:p>
-            <a:pPr marL="1198880" lvl="2" indent="-284480" latinLnBrk="0">
+            <a:pPr marL="720090" lvl="2" indent="-284480" latinLnBrk="0">
               <a:buFont typeface="Arial" panose="020B0604020202020204" pitchFamily="34" charset="0"/>
               <a:buChar char="•"/>
             </a:pPr>
             <a:r>
-              <a:rPr lang="zh-CN" altLang="en-US">
+              <a:rPr lang="zh-CN" altLang="en-US" sz="2000">
                 <a:latin typeface="Times New Roman" panose="02020603050405020304" pitchFamily="18" charset="0"/>
                 <a:sym typeface="+mn-ea"/>
               </a:rPr>
               <a:t>Hashin Criteria &amp; Continumm Damage Model(CDM)</a:t>
             </a:r>
-            <a:endParaRPr lang="zh-CN" altLang="en-US">
+            <a:endParaRPr lang="zh-CN" altLang="en-US" sz="2000">
               <a:latin typeface="Times New Roman" panose="02020603050405020304" pitchFamily="18" charset="0"/>
             </a:endParaRPr>
           </a:p>
           <a:p>
-            <a:pPr marL="1200150" lvl="2" indent="-285750">
+            <a:pPr marL="720090" lvl="2" indent="-284480" latinLnBrk="0">
               <a:buFont typeface="Arial" panose="020B0604020202020204" pitchFamily="34" charset="0"/>
               <a:buChar char="•"/>
             </a:pPr>
             <a:r>
-              <a:rPr lang="zh-CN" altLang="en-US">
+              <a:rPr lang="zh-CN" altLang="en-US" sz="2000">
                 <a:latin typeface="Times New Roman" panose="02020603050405020304" pitchFamily="18" charset="0"/>
                 <a:sym typeface="+mn-ea"/>
               </a:rPr>
               <a:t>Degeneration Model(linear vs exponential)</a:t>
             </a:r>
-            <a:endParaRPr lang="zh-CN" altLang="en-US">
+            <a:endParaRPr lang="zh-CN" altLang="en-US" sz="2000">
               <a:latin typeface="Times New Roman" panose="02020603050405020304" pitchFamily="18" charset="0"/>
               <a:sym typeface="+mn-ea"/>
             </a:endParaRPr>
           </a:p>
           <a:p>
-            <a:pPr marL="1200150" lvl="2" indent="-285750">
+            <a:pPr marL="720090" lvl="2" indent="-284480" latinLnBrk="0">
               <a:buFont typeface="Arial" panose="020B0604020202020204" pitchFamily="34" charset="0"/>
               <a:buChar char="•"/>
             </a:pPr>
             <a:r>
-              <a:rPr lang="zh-CN" altLang="en-US">
+              <a:rPr lang="zh-CN" altLang="en-US" sz="2000">
                 <a:latin typeface="Times New Roman" panose="02020603050405020304" pitchFamily="18" charset="0"/>
                 <a:sym typeface="+mn-ea"/>
               </a:rPr>
               <a:t>Shear Nonlinearity</a:t>
             </a:r>
-            <a:endParaRPr lang="zh-CN" altLang="en-US">
+            <a:endParaRPr lang="zh-CN" altLang="en-US" sz="2000">
               <a:latin typeface="Times New Roman" panose="02020603050405020304" pitchFamily="18" charset="0"/>
             </a:endParaRPr>
           </a:p>
           <a:p>
-            <a:pPr marL="1200150" lvl="2" indent="-285750">
+            <a:pPr marL="720090" lvl="2" indent="-284480" latinLnBrk="0">
               <a:buFont typeface="Arial" panose="020B0604020202020204" pitchFamily="34" charset="0"/>
               <a:buChar char="•"/>
             </a:pPr>
             <a:r>
-              <a:rPr lang="zh-CN" altLang="en-US">
+              <a:rPr lang="zh-CN" altLang="en-US" sz="2000">
                 <a:latin typeface="Times New Roman" panose="02020603050405020304" pitchFamily="18" charset="0"/>
                 <a:sym typeface="+mn-ea"/>
               </a:rPr>
               <a:t>就地强度准测？？</a:t>
             </a:r>
-            <a:endParaRPr lang="zh-CN" altLang="en-US">
+            <a:endParaRPr lang="zh-CN" altLang="en-US" sz="2000">
               <a:latin typeface="Times New Roman" panose="02020603050405020304" pitchFamily="18" charset="0"/>
             </a:endParaRPr>
           </a:p>
@@ -15643,21 +16398,26 @@
               <a:buFont typeface="+mj-lt"/>
               <a:buAutoNum type="arabicPeriod"/>
             </a:pPr>
-            <a:endParaRPr lang="zh-CN" altLang="en-US">
-              <a:latin typeface="Times New Roman" panose="02020603050405020304" pitchFamily="18" charset="0"/>
-            </a:endParaRPr>
-          </a:p>
-          <a:p>
-            <a:pPr marL="342900" indent="-342900">
-              <a:buFont typeface="+mj-lt"/>
-              <a:buAutoNum type="arabicPeriod"/>
-            </a:pPr>
             <a:r>
               <a:rPr lang="zh-CN" altLang="en-US" sz="2400" b="1">
                 <a:latin typeface="Times New Roman" panose="02020603050405020304" pitchFamily="18" charset="0"/>
                 <a:sym typeface="+mn-ea"/>
               </a:rPr>
-              <a:t>Abaqus simulation</a:t>
+              <a:t>Abaqus </a:t>
+            </a:r>
+            <a:r>
+              <a:rPr lang="en-US" altLang="zh-CN" sz="2400" b="1">
+                <a:latin typeface="Times New Roman" panose="02020603050405020304" pitchFamily="18" charset="0"/>
+                <a:sym typeface="+mn-ea"/>
+              </a:rPr>
+              <a:t>S</a:t>
+            </a:r>
+            <a:r>
+              <a:rPr lang="zh-CN" altLang="en-US" sz="2400" b="1">
+                <a:latin typeface="Times New Roman" panose="02020603050405020304" pitchFamily="18" charset="0"/>
+                <a:sym typeface="+mn-ea"/>
+              </a:rPr>
+              <a:t>imulation</a:t>
             </a:r>
             <a:endParaRPr lang="zh-CN" altLang="en-US" sz="2400" b="1">
               <a:latin typeface="Times New Roman" panose="02020603050405020304" pitchFamily="18" charset="0"/>
@@ -15665,9 +16425,9 @@
             </a:endParaRPr>
           </a:p>
           <a:p>
-            <a:pPr marL="1200150" lvl="2" indent="-285750">
+            <a:pPr lvl="2" indent="0">
               <a:buFont typeface="Arial" panose="020B0604020202020204" pitchFamily="34" charset="0"/>
-              <a:buChar char="•"/>
+              <a:buNone/>
             </a:pPr>
             <a:endParaRPr lang="zh-CN" altLang="en-US">
               <a:latin typeface="Times New Roman" panose="02020603050405020304" pitchFamily="18" charset="0"/>
@@ -15675,98 +16435,105 @@
             </a:endParaRPr>
           </a:p>
           <a:p>
-            <a:pPr marL="1200150" lvl="2" indent="-285750">
+            <a:pPr marL="720090" lvl="2" indent="-285750" latinLnBrk="0">
               <a:buFont typeface="Arial" panose="020B0604020202020204" pitchFamily="34" charset="0"/>
               <a:buChar char="•"/>
             </a:pPr>
             <a:r>
-              <a:rPr lang="zh-CN" altLang="en-US">
+              <a:rPr lang="en-US" altLang="zh-CN" sz="2000">
+                <a:latin typeface="Times New Roman" panose="02020603050405020304" pitchFamily="18" charset="0"/>
+                <a:sym typeface="+mn-ea"/>
+              </a:rPr>
+              <a:t>Element choose</a:t>
+            </a:r>
+            <a:endParaRPr lang="en-US" altLang="zh-CN" sz="2000">
+              <a:latin typeface="Times New Roman" panose="02020603050405020304" pitchFamily="18" charset="0"/>
+              <a:sym typeface="+mn-ea"/>
+            </a:endParaRPr>
+          </a:p>
+          <a:p>
+            <a:pPr marL="720090" lvl="2" indent="-285750" latinLnBrk="0">
+              <a:buFont typeface="Arial" panose="020B0604020202020204" pitchFamily="34" charset="0"/>
+              <a:buChar char="•"/>
+            </a:pPr>
+            <a:r>
+              <a:rPr lang="zh-CN" altLang="en-US" sz="2000">
                 <a:latin typeface="Times New Roman" panose="02020603050405020304" pitchFamily="18" charset="0"/>
                 <a:sym typeface="+mn-ea"/>
               </a:rPr>
               <a:t>UMAT subroutine</a:t>
             </a:r>
-            <a:endParaRPr lang="zh-CN" altLang="en-US">
+            <a:endParaRPr lang="zh-CN" altLang="en-US" sz="2000">
               <a:latin typeface="Times New Roman" panose="02020603050405020304" pitchFamily="18" charset="0"/>
             </a:endParaRPr>
           </a:p>
           <a:p>
-            <a:pPr marL="1200150" lvl="2" indent="-285750">
+            <a:pPr marL="720090" lvl="2" indent="-285750" latinLnBrk="0">
               <a:buFont typeface="Arial" panose="020B0604020202020204" pitchFamily="34" charset="0"/>
               <a:buChar char="•"/>
             </a:pPr>
             <a:r>
-              <a:rPr lang="en-US" altLang="zh-CN">
+              <a:rPr lang="en-US" altLang="zh-CN" sz="2000">
                 <a:latin typeface="Times New Roman" panose="02020603050405020304" pitchFamily="18" charset="0"/>
                 <a:sym typeface="+mn-ea"/>
               </a:rPr>
               <a:t>c</a:t>
             </a:r>
             <a:r>
-              <a:rPr lang="zh-CN" altLang="en-US">
+              <a:rPr lang="zh-CN" altLang="en-US" sz="2000">
                 <a:latin typeface="Times New Roman" panose="02020603050405020304" pitchFamily="18" charset="0"/>
                 <a:sym typeface="+mn-ea"/>
               </a:rPr>
               <a:t>haracteristic </a:t>
             </a:r>
             <a:r>
-              <a:rPr lang="en-US" altLang="zh-CN">
+              <a:rPr lang="en-US" altLang="zh-CN" sz="2000">
                 <a:latin typeface="Times New Roman" panose="02020603050405020304" pitchFamily="18" charset="0"/>
                 <a:sym typeface="+mn-ea"/>
               </a:rPr>
               <a:t>l</a:t>
             </a:r>
             <a:r>
-              <a:rPr lang="zh-CN" altLang="en-US">
+              <a:rPr lang="zh-CN" altLang="en-US" sz="2000">
                 <a:latin typeface="Times New Roman" panose="02020603050405020304" pitchFamily="18" charset="0"/>
                 <a:sym typeface="+mn-ea"/>
               </a:rPr>
               <a:t>ength</a:t>
             </a:r>
-            <a:endParaRPr lang="zh-CN" altLang="en-US">
+            <a:endParaRPr lang="zh-CN" altLang="en-US" sz="2000">
               <a:latin typeface="Times New Roman" panose="02020603050405020304" pitchFamily="18" charset="0"/>
             </a:endParaRPr>
           </a:p>
           <a:p>
-            <a:pPr marL="1200150" lvl="2" indent="-285750">
+            <a:pPr marL="720090" lvl="2" indent="-285750" latinLnBrk="0">
               <a:buFont typeface="Arial" panose="020B0604020202020204" pitchFamily="34" charset="0"/>
               <a:buChar char="•"/>
             </a:pPr>
             <a:r>
-              <a:rPr lang="zh-CN" altLang="en-US">
+              <a:rPr lang="zh-CN" altLang="en-US" sz="2000">
                 <a:latin typeface="Times New Roman" panose="02020603050405020304" pitchFamily="18" charset="0"/>
                 <a:sym typeface="+mn-ea"/>
               </a:rPr>
               <a:t>coefficient of viscosity</a:t>
             </a:r>
-            <a:endParaRPr lang="zh-CN" altLang="en-US">
+            <a:endParaRPr lang="zh-CN" altLang="en-US" sz="2000">
               <a:latin typeface="Times New Roman" panose="02020603050405020304" pitchFamily="18" charset="0"/>
             </a:endParaRPr>
           </a:p>
           <a:p>
-            <a:pPr marL="1200150" lvl="2" indent="-285750">
+            <a:pPr marL="720090" lvl="2" indent="-285750" latinLnBrk="0">
               <a:buFont typeface="Arial" panose="020B0604020202020204" pitchFamily="34" charset="0"/>
               <a:buChar char="•"/>
             </a:pPr>
             <a:r>
-              <a:rPr lang="zh-CN" altLang="en-US">
+              <a:rPr lang="zh-CN" altLang="en-US" sz="2000">
                 <a:latin typeface="Times New Roman" panose="02020603050405020304" pitchFamily="18" charset="0"/>
                 <a:sym typeface="+mn-ea"/>
               </a:rPr>
               <a:t>implicit dynamic </a:t>
             </a:r>
-            <a:endParaRPr lang="zh-CN" altLang="en-US">
+            <a:endParaRPr lang="zh-CN" altLang="en-US" sz="2000">
               <a:latin typeface="Times New Roman" panose="02020603050405020304" pitchFamily="18" charset="0"/>
-            </a:endParaRPr>
-          </a:p>
-          <a:p>
-            <a:pPr marL="342900" indent="-342900">
-              <a:buFont typeface="+mj-lt"/>
-              <a:buAutoNum type="arabicPeriod"/>
-            </a:pPr>
-            <a:endParaRPr lang="zh-CN" altLang="en-US">
-              <a:latin typeface="Times New Roman" panose="02020603050405020304" pitchFamily="18" charset="0"/>
-              <a:sym typeface="+mn-ea"/>
             </a:endParaRPr>
           </a:p>
           <a:p>
@@ -20077,6 +20844,1722 @@
       </p:grpSpPr>
       <p:sp>
         <p:nvSpPr>
+          <p:cNvPr id="21" name="矩形 20"/>
+          <p:cNvSpPr/>
+          <p:nvPr/>
+        </p:nvSpPr>
+        <p:spPr>
+          <a:xfrm>
+            <a:off x="103505" y="-128270"/>
+            <a:ext cx="9114155" cy="1938020"/>
+          </a:xfrm>
+          <a:prstGeom prst="rect">
+            <a:avLst/>
+          </a:prstGeom>
+        </p:spPr>
+        <p:txBody>
+          <a:bodyPr wrap="square">
+            <a:spAutoFit/>
+          </a:bodyPr>
+          <a:lstStyle/>
+          <a:p>
+            <a:pPr marL="0" lvl="1">
+              <a:lnSpc>
+                <a:spcPct val="150000"/>
+              </a:lnSpc>
+            </a:pPr>
+            <a:r>
+              <a:rPr lang="en-US" altLang="zh-CN" sz="2800" dirty="0" smtClean="0">
+                <a:latin typeface="Times New Roman" panose="02020603050405020304" pitchFamily="18" charset="0"/>
+                <a:cs typeface="Times New Roman" panose="02020603050405020304" pitchFamily="18" charset="0"/>
+              </a:rPr>
+              <a:t>Abaqus Simulation</a:t>
+            </a:r>
+            <a:endParaRPr lang="en-US" altLang="zh-CN" sz="2800" dirty="0" smtClean="0">
+              <a:latin typeface="Times New Roman" panose="02020603050405020304" pitchFamily="18" charset="0"/>
+              <a:cs typeface="Times New Roman" panose="02020603050405020304" pitchFamily="18" charset="0"/>
+            </a:endParaRPr>
+          </a:p>
+          <a:p>
+            <a:pPr marL="0" lvl="2">
+              <a:lnSpc>
+                <a:spcPct val="150000"/>
+              </a:lnSpc>
+            </a:pPr>
+            <a:r>
+              <a:rPr lang="en-US" altLang="zh-CN" sz="2800" dirty="0" smtClean="0">
+                <a:latin typeface="Times New Roman" panose="02020603050405020304" pitchFamily="18" charset="0"/>
+                <a:cs typeface="Times New Roman" panose="02020603050405020304" pitchFamily="18" charset="0"/>
+              </a:rPr>
+              <a:t>                     </a:t>
+            </a:r>
+            <a:r>
+              <a:rPr lang="en-US" altLang="zh-CN" sz="2400" dirty="0" smtClean="0">
+                <a:latin typeface="Times New Roman" panose="02020603050405020304" pitchFamily="18" charset="0"/>
+                <a:cs typeface="Times New Roman" panose="02020603050405020304" pitchFamily="18" charset="0"/>
+              </a:rPr>
+              <a:t>—</a:t>
+            </a:r>
+            <a:r>
+              <a:rPr lang="en-US" altLang="zh-CN" sz="2400">
+                <a:latin typeface="Times New Roman" panose="02020603050405020304" pitchFamily="18" charset="0"/>
+                <a:sym typeface="+mn-ea"/>
+              </a:rPr>
+              <a:t>Element choose</a:t>
+            </a:r>
+            <a:endParaRPr lang="en-US" altLang="zh-CN" sz="2400">
+              <a:latin typeface="Times New Roman" panose="02020603050405020304" pitchFamily="18" charset="0"/>
+              <a:sym typeface="+mn-ea"/>
+            </a:endParaRPr>
+          </a:p>
+          <a:p>
+            <a:pPr marL="0" lvl="1">
+              <a:lnSpc>
+                <a:spcPct val="150000"/>
+              </a:lnSpc>
+            </a:pPr>
+            <a:endParaRPr lang="en-US" altLang="zh-CN" sz="2400" dirty="0" smtClean="0">
+              <a:latin typeface="Times New Roman" panose="02020603050405020304" pitchFamily="18" charset="0"/>
+              <a:cs typeface="Times New Roman" panose="02020603050405020304" pitchFamily="18" charset="0"/>
+            </a:endParaRPr>
+          </a:p>
+        </p:txBody>
+      </p:sp>
+      <p:sp>
+        <p:nvSpPr>
+          <p:cNvPr id="3074" name="文本框 3073"/>
+          <p:cNvSpPr txBox="1"/>
+          <p:nvPr/>
+        </p:nvSpPr>
+        <p:spPr>
+          <a:xfrm>
+            <a:off x="371475" y="1210310"/>
+            <a:ext cx="7632700" cy="2861310"/>
+          </a:xfrm>
+          <a:prstGeom prst="rect">
+            <a:avLst/>
+          </a:prstGeom>
+          <a:noFill/>
+          <a:ln w="9525">
+            <a:noFill/>
+          </a:ln>
+        </p:spPr>
+        <p:txBody>
+          <a:bodyPr wrap="square">
+            <a:spAutoFit/>
+          </a:bodyPr>
+          <a:p>
+            <a:pPr marL="1905" indent="-1905">
+              <a:buFont typeface="Wingdings" panose="05000000000000000000" pitchFamily="2" charset="2"/>
+              <a:buChar char="l"/>
+            </a:pPr>
+            <a:r>
+              <a:rPr lang="zh-CN" altLang="en-US" dirty="0">
+                <a:latin typeface="Arial" panose="020B0604020202020204" pitchFamily="34" charset="0"/>
+              </a:rPr>
+              <a:t>conventional shell   (where only the shell reference surface is discretized只有壳参考面被离散)</a:t>
+            </a:r>
+            <a:endParaRPr lang="zh-CN" altLang="en-US" dirty="0">
+              <a:latin typeface="Arial" panose="020B0604020202020204" pitchFamily="34" charset="0"/>
+            </a:endParaRPr>
+          </a:p>
+          <a:p>
+            <a:pPr marL="1905" indent="-1905">
+              <a:buFont typeface="Wingdings" panose="05000000000000000000" pitchFamily="2" charset="2"/>
+              <a:buChar char="l"/>
+            </a:pPr>
+            <a:r>
+              <a:rPr lang="zh-CN" altLang="en-US" dirty="0">
+                <a:latin typeface="Arial" panose="020B0604020202020204" pitchFamily="34" charset="0"/>
+              </a:rPr>
+              <a:t>continuum shell   (where a 3D volume is discretized but the kinematic behavior of the element is based on shell theory网格离散的是三维图形，但单元的动力学行为是基于壳理论计算的)(SC6R and SC8R) </a:t>
+            </a:r>
+            <a:endParaRPr lang="zh-CN" altLang="en-US" dirty="0">
+              <a:latin typeface="Arial" panose="020B0604020202020204" pitchFamily="34" charset="0"/>
+            </a:endParaRPr>
+          </a:p>
+          <a:p>
+            <a:pPr marL="1905" indent="-1905">
+              <a:buFont typeface="Wingdings" panose="05000000000000000000" pitchFamily="2" charset="2"/>
+              <a:buChar char="l"/>
+            </a:pPr>
+            <a:r>
+              <a:rPr lang="zh-CN" altLang="en-US" dirty="0">
+                <a:latin typeface="Arial" panose="020B0604020202020204" pitchFamily="34" charset="0"/>
+              </a:rPr>
+              <a:t>solid element(C3D8R)</a:t>
+            </a:r>
+            <a:endParaRPr lang="zh-CN" altLang="en-US" dirty="0">
+              <a:latin typeface="Arial" panose="020B0604020202020204" pitchFamily="34" charset="0"/>
+            </a:endParaRPr>
+          </a:p>
+          <a:p>
+            <a:pPr marL="1905" indent="-1905"/>
+            <a:endParaRPr lang="zh-CN" altLang="en-US" dirty="0">
+              <a:latin typeface="Arial" panose="020B0604020202020204" pitchFamily="34" charset="0"/>
+            </a:endParaRPr>
+          </a:p>
+          <a:p>
+            <a:pPr marL="1905" indent="-1905"/>
+            <a:endParaRPr lang="zh-CN" altLang="en-US" dirty="0">
+              <a:latin typeface="Arial" panose="020B0604020202020204" pitchFamily="34" charset="0"/>
+            </a:endParaRPr>
+          </a:p>
+          <a:p>
+            <a:pPr marL="1905" indent="-1905"/>
+            <a:endParaRPr lang="zh-CN" altLang="en-US" dirty="0">
+              <a:latin typeface="Arial" panose="020B0604020202020204" pitchFamily="34" charset="0"/>
+            </a:endParaRPr>
+          </a:p>
+          <a:p>
+            <a:pPr marL="1905" indent="-1905"/>
+            <a:endParaRPr lang="zh-CN" altLang="en-US" dirty="0">
+              <a:latin typeface="Arial" panose="020B0604020202020204" pitchFamily="34" charset="0"/>
+            </a:endParaRPr>
+          </a:p>
+        </p:txBody>
+      </p:sp>
+      <p:graphicFrame>
+        <p:nvGraphicFramePr>
+          <p:cNvPr id="16" name="表格 15"/>
+          <p:cNvGraphicFramePr/>
+          <p:nvPr/>
+        </p:nvGraphicFramePr>
+        <p:xfrm>
+          <a:off x="1952625" y="3599180"/>
+          <a:ext cx="6396355" cy="2586990"/>
+        </p:xfrm>
+        <a:graphic>
+          <a:graphicData uri="http://schemas.openxmlformats.org/drawingml/2006/table">
+            <a:tbl>
+              <a:tblPr firstRow="1" bandRow="1">
+                <a:tableStyleId>{5C22544A-7EE6-4342-B048-85BDC9FD1C3A}</a:tableStyleId>
+              </a:tblPr>
+              <a:tblGrid>
+                <a:gridCol w="913765"/>
+                <a:gridCol w="913765"/>
+                <a:gridCol w="913765"/>
+                <a:gridCol w="913765"/>
+                <a:gridCol w="913765"/>
+                <a:gridCol w="913765"/>
+                <a:gridCol w="913765"/>
+              </a:tblGrid>
+              <a:tr h="697230">
+                <a:tc>
+                  <a:txBody>
+                    <a:bodyPr/>
+                    <a:p>
+                      <a:pPr marL="0" lvl="0" indent="0" algn="ctr">
+                        <a:buNone/>
+                      </a:pPr>
+                      <a:endParaRPr lang="zh-CN" altLang="en-US" sz="1400" b="1" dirty="0">
+                        <a:solidFill>
+                          <a:schemeClr val="bg1"/>
+                        </a:solidFill>
+                        <a:latin typeface="Calibri" panose="020F0502020204030204" charset="0"/>
+                      </a:endParaRPr>
+                    </a:p>
+                  </a:txBody>
+                  <a:tcPr marL="71755" marR="71755" marT="28575" marB="28575" vert="horz" anchor="ctr"/>
+                </a:tc>
+                <a:tc>
+                  <a:txBody>
+                    <a:bodyPr/>
+                    <a:p>
+                      <a:pPr marL="0" lvl="0" indent="0" algn="ctr">
+                        <a:buNone/>
+                      </a:pPr>
+                      <a:endParaRPr lang="zh-CN" altLang="en-US" sz="1800" b="1">
+                        <a:solidFill>
+                          <a:srgbClr val="FFFFFF"/>
+                        </a:solidFill>
+                        <a:latin typeface="Calibri" panose="020F0502020204030204" charset="0"/>
+                      </a:endParaRPr>
+                    </a:p>
+                  </a:txBody>
+                  <a:tcPr marL="71755" marR="71755" marT="28575" marB="28575" vert="horz" anchor="ctr"/>
+                </a:tc>
+                <a:tc>
+                  <a:txBody>
+                    <a:bodyPr/>
+                    <a:p>
+                      <a:pPr marL="0" lvl="0" indent="0" algn="ctr">
+                        <a:buNone/>
+                      </a:pPr>
+                      <a:r>
+                        <a:rPr lang="zh-CN" altLang="en-US" sz="1400" b="0" dirty="0">
+                          <a:solidFill>
+                            <a:srgbClr val="FFFFFF"/>
+                          </a:solidFill>
+                          <a:latin typeface="Calibri" panose="020F0502020204030204" charset="0"/>
+                        </a:rPr>
+                        <a:t>ply1初始失效位移（mm）</a:t>
+                      </a:r>
+                      <a:endParaRPr lang="zh-CN" altLang="en-US" sz="1400" b="0" dirty="0">
+                        <a:solidFill>
+                          <a:srgbClr val="FFFFFF"/>
+                        </a:solidFill>
+                        <a:latin typeface="Calibri" panose="020F0502020204030204" charset="0"/>
+                      </a:endParaRPr>
+                    </a:p>
+                  </a:txBody>
+                  <a:tcPr marL="71755" marR="71755" marT="28575" marB="28575" vert="horz" anchor="ctr"/>
+                </a:tc>
+                <a:tc>
+                  <a:txBody>
+                    <a:bodyPr/>
+                    <a:p>
+                      <a:pPr marL="0" lvl="0" indent="0" algn="ctr">
+                        <a:buNone/>
+                      </a:pPr>
+                      <a:r>
+                        <a:rPr lang="zh-CN" altLang="en-US" sz="1400" b="0" dirty="0">
+                          <a:solidFill>
+                            <a:srgbClr val="FFFFFF"/>
+                          </a:solidFill>
+                          <a:latin typeface="Calibri" panose="020F0502020204030204" charset="0"/>
+                        </a:rPr>
+                        <a:t>ply2初始失效位移（mm）</a:t>
+                      </a:r>
+                      <a:endParaRPr lang="zh-CN" altLang="en-US" sz="1400" b="0" dirty="0">
+                        <a:solidFill>
+                          <a:srgbClr val="FFFFFF"/>
+                        </a:solidFill>
+                        <a:latin typeface="Calibri" panose="020F0502020204030204" charset="0"/>
+                      </a:endParaRPr>
+                    </a:p>
+                  </a:txBody>
+                  <a:tcPr marL="71755" marR="71755" marT="28575" marB="28575" vert="horz" anchor="ctr"/>
+                </a:tc>
+                <a:tc>
+                  <a:txBody>
+                    <a:bodyPr/>
+                    <a:p>
+                      <a:pPr marL="0" lvl="0" indent="0" algn="ctr">
+                        <a:buNone/>
+                      </a:pPr>
+                      <a:r>
+                        <a:rPr lang="zh-CN" altLang="en-US" sz="1400" b="0" dirty="0">
+                          <a:solidFill>
+                            <a:srgbClr val="FFFFFF"/>
+                          </a:solidFill>
+                          <a:latin typeface="Calibri" panose="020F0502020204030204" charset="0"/>
+                        </a:rPr>
+                        <a:t>ply11初始失效位移（mm）</a:t>
+                      </a:r>
+                      <a:endParaRPr lang="zh-CN" altLang="en-US" sz="1400" b="0" dirty="0">
+                        <a:solidFill>
+                          <a:srgbClr val="FFFFFF"/>
+                        </a:solidFill>
+                        <a:latin typeface="Calibri" panose="020F0502020204030204" charset="0"/>
+                      </a:endParaRPr>
+                    </a:p>
+                  </a:txBody>
+                  <a:tcPr marL="71755" marR="71755" marT="28575" marB="28575" vert="horz" anchor="ctr"/>
+                </a:tc>
+                <a:tc>
+                  <a:txBody>
+                    <a:bodyPr/>
+                    <a:p>
+                      <a:pPr marL="0" lvl="0" indent="0" algn="ctr">
+                        <a:buNone/>
+                      </a:pPr>
+                      <a:r>
+                        <a:rPr lang="zh-CN" altLang="en-US" sz="1400" b="0" dirty="0">
+                          <a:solidFill>
+                            <a:srgbClr val="FFFFFF"/>
+                          </a:solidFill>
+                          <a:latin typeface="Calibri" panose="020F0502020204030204" charset="0"/>
+                        </a:rPr>
+                        <a:t>ply12初始失效位移（mm）</a:t>
+                      </a:r>
+                      <a:endParaRPr lang="zh-CN" altLang="en-US" sz="1400" b="0" dirty="0">
+                        <a:solidFill>
+                          <a:srgbClr val="FFFFFF"/>
+                        </a:solidFill>
+                        <a:latin typeface="Calibri" panose="020F0502020204030204" charset="0"/>
+                      </a:endParaRPr>
+                    </a:p>
+                  </a:txBody>
+                  <a:tcPr marL="71755" marR="71755" marT="28575" marB="28575" vert="horz" anchor="ctr"/>
+                </a:tc>
+                <a:tc>
+                  <a:txBody>
+                    <a:bodyPr/>
+                    <a:p>
+                      <a:pPr marL="0" lvl="0" indent="0" algn="ctr">
+                        <a:buNone/>
+                      </a:pPr>
+                      <a:r>
+                        <a:rPr lang="zh-CN" altLang="en-US" sz="1400" b="0" dirty="0">
+                          <a:solidFill>
+                            <a:srgbClr val="FFFFFF"/>
+                          </a:solidFill>
+                          <a:latin typeface="Calibri" panose="020F0502020204030204" charset="0"/>
+                        </a:rPr>
+                        <a:t>拉伸极限载荷（N）</a:t>
+                      </a:r>
+                      <a:endParaRPr lang="zh-CN" altLang="en-US" sz="1400" b="0" dirty="0">
+                        <a:solidFill>
+                          <a:srgbClr val="FFFFFF"/>
+                        </a:solidFill>
+                        <a:latin typeface="Calibri" panose="020F0502020204030204" charset="0"/>
+                      </a:endParaRPr>
+                    </a:p>
+                  </a:txBody>
+                  <a:tcPr marL="71755" marR="71755" marT="28575" marB="28575" vert="horz" anchor="ctr"/>
+                </a:tc>
+              </a:tr>
+              <a:tr h="309880">
+                <a:tc rowSpan="3">
+                  <a:txBody>
+                    <a:bodyPr/>
+                    <a:p>
+                      <a:pPr marL="0" lvl="0" indent="0" algn="ctr">
+                        <a:buNone/>
+                      </a:pPr>
+                      <a:r>
+                        <a:rPr lang="zh-CN" altLang="en-US" sz="1400" dirty="0">
+                          <a:solidFill>
+                            <a:schemeClr val="tx1"/>
+                          </a:solidFill>
+                          <a:latin typeface="Calibri" panose="020F0502020204030204" charset="0"/>
+                          <a:sym typeface="+mn-ea"/>
+                        </a:rPr>
+                        <a:t>solid element</a:t>
+                      </a:r>
+                      <a:endParaRPr lang="zh-CN" altLang="en-US" sz="1400" dirty="0">
+                        <a:solidFill>
+                          <a:schemeClr val="tx1"/>
+                        </a:solidFill>
+                        <a:latin typeface="Calibri" panose="020F0502020204030204" charset="0"/>
+                        <a:sym typeface="+mn-ea"/>
+                      </a:endParaRPr>
+                    </a:p>
+                    <a:p>
+                      <a:pPr marL="0" lvl="0" indent="0" algn="ctr">
+                        <a:buNone/>
+                      </a:pPr>
+                      <a:r>
+                        <a:rPr lang="zh-CN" altLang="en-US" sz="1400" dirty="0">
+                          <a:solidFill>
+                            <a:schemeClr val="tx1"/>
+                          </a:solidFill>
+                          <a:latin typeface="Calibri" panose="020F0502020204030204" charset="0"/>
+                          <a:sym typeface="+mn-ea"/>
+                        </a:rPr>
+                        <a:t>(C3D8R)</a:t>
+                      </a:r>
+                      <a:endParaRPr lang="zh-CN" altLang="en-US" sz="1400" dirty="0">
+                        <a:solidFill>
+                          <a:schemeClr val="tx1"/>
+                        </a:solidFill>
+                        <a:latin typeface="Calibri" panose="020F0502020204030204" charset="0"/>
+                        <a:sym typeface="+mn-ea"/>
+                      </a:endParaRPr>
+                    </a:p>
+                    <a:p>
+                      <a:pPr>
+                        <a:buNone/>
+                      </a:pPr>
+                      <a:endParaRPr lang="zh-CN" altLang="en-US" sz="1400" dirty="0">
+                        <a:solidFill>
+                          <a:schemeClr val="tx1"/>
+                        </a:solidFill>
+                        <a:latin typeface="Calibri" panose="020F0502020204030204" charset="0"/>
+                        <a:sym typeface="+mn-ea"/>
+                      </a:endParaRPr>
+                    </a:p>
+                  </a:txBody>
+                  <a:tcPr/>
+                </a:tc>
+                <a:tc>
+                  <a:txBody>
+                    <a:bodyPr/>
+                    <a:p>
+                      <a:pPr marL="0" lvl="0" indent="0" algn="l" fontAlgn="auto">
+                        <a:lnSpc>
+                          <a:spcPct val="100000"/>
+                        </a:lnSpc>
+                        <a:buNone/>
+                      </a:pPr>
+                      <a:r>
+                        <a:rPr lang="zh-CN" altLang="en-US" sz="1400" dirty="0">
+                          <a:solidFill>
+                            <a:srgbClr val="000000"/>
+                          </a:solidFill>
+                          <a:latin typeface="宋体" panose="02010600030101010101" pitchFamily="2" charset="-122"/>
+                          <a:ea typeface="宋体" panose="02010600030101010101" pitchFamily="2" charset="-122"/>
+                        </a:rPr>
+                        <a:t>1层单元</a:t>
+                      </a:r>
+                      <a:endParaRPr lang="zh-CN" altLang="en-US" sz="1400" dirty="0">
+                        <a:solidFill>
+                          <a:srgbClr val="000000"/>
+                        </a:solidFill>
+                        <a:latin typeface="宋体" panose="02010600030101010101" pitchFamily="2" charset="-122"/>
+                        <a:ea typeface="宋体" panose="02010600030101010101" pitchFamily="2" charset="-122"/>
+                      </a:endParaRPr>
+                    </a:p>
+                  </a:txBody>
+                  <a:tcPr marL="71755" marR="71755" marT="28575" marB="28575" vert="horz" anchor="ctr"/>
+                </a:tc>
+                <a:tc>
+                  <a:txBody>
+                    <a:bodyPr/>
+                    <a:p>
+                      <a:pPr marL="0" lvl="0" indent="0" algn="ctr" fontAlgn="auto">
+                        <a:lnSpc>
+                          <a:spcPct val="100000"/>
+                        </a:lnSpc>
+                        <a:buNone/>
+                      </a:pPr>
+                      <a:r>
+                        <a:rPr lang="zh-CN" altLang="en-US" sz="1400" dirty="0">
+                          <a:solidFill>
+                            <a:srgbClr val="000000"/>
+                          </a:solidFill>
+                          <a:latin typeface="宋体" panose="02010600030101010101" pitchFamily="2" charset="-122"/>
+                          <a:ea typeface="宋体" panose="02010600030101010101" pitchFamily="2" charset="-122"/>
+                        </a:rPr>
+                        <a:t> 0.75</a:t>
+                      </a:r>
+                      <a:endParaRPr lang="zh-CN" altLang="en-US" sz="1400" dirty="0">
+                        <a:solidFill>
+                          <a:srgbClr val="000000"/>
+                        </a:solidFill>
+                        <a:latin typeface="宋体" panose="02010600030101010101" pitchFamily="2" charset="-122"/>
+                        <a:ea typeface="宋体" panose="02010600030101010101" pitchFamily="2" charset="-122"/>
+                      </a:endParaRPr>
+                    </a:p>
+                  </a:txBody>
+                  <a:tcPr marL="71755" marR="71755" marT="28575" marB="28575" vert="horz" anchor="ctr"/>
+                </a:tc>
+                <a:tc>
+                  <a:txBody>
+                    <a:bodyPr/>
+                    <a:p>
+                      <a:pPr marL="0" lvl="0" indent="0" algn="ctr" fontAlgn="auto">
+                        <a:lnSpc>
+                          <a:spcPct val="100000"/>
+                        </a:lnSpc>
+                        <a:buNone/>
+                      </a:pPr>
+                      <a:r>
+                        <a:rPr lang="zh-CN" altLang="en-US" sz="1400" dirty="0">
+                          <a:solidFill>
+                            <a:srgbClr val="000000"/>
+                          </a:solidFill>
+                          <a:latin typeface="宋体" panose="02010600030101010101" pitchFamily="2" charset="-122"/>
+                          <a:ea typeface="宋体" panose="02010600030101010101" pitchFamily="2" charset="-122"/>
+                        </a:rPr>
+                        <a:t>0.57</a:t>
+                      </a:r>
+                      <a:endParaRPr lang="zh-CN" altLang="en-US" sz="1400" dirty="0">
+                        <a:solidFill>
+                          <a:srgbClr val="000000"/>
+                        </a:solidFill>
+                        <a:latin typeface="宋体" panose="02010600030101010101" pitchFamily="2" charset="-122"/>
+                        <a:ea typeface="宋体" panose="02010600030101010101" pitchFamily="2" charset="-122"/>
+                      </a:endParaRPr>
+                    </a:p>
+                  </a:txBody>
+                  <a:tcPr marL="71755" marR="71755" marT="28575" marB="28575" vert="horz" anchor="ctr"/>
+                </a:tc>
+                <a:tc>
+                  <a:txBody>
+                    <a:bodyPr/>
+                    <a:p>
+                      <a:pPr marL="0" lvl="0" indent="0" algn="l" fontAlgn="auto">
+                        <a:lnSpc>
+                          <a:spcPct val="100000"/>
+                        </a:lnSpc>
+                        <a:buNone/>
+                      </a:pPr>
+                      <a:r>
+                        <a:rPr lang="en-US" altLang="zh-CN" sz="1400" dirty="0">
+                          <a:solidFill>
+                            <a:srgbClr val="000000"/>
+                          </a:solidFill>
+                          <a:latin typeface="宋体" panose="02010600030101010101" pitchFamily="2" charset="-122"/>
+                          <a:ea typeface="宋体" panose="02010600030101010101" pitchFamily="2" charset="-122"/>
+                        </a:rPr>
+                        <a:t>  0.75</a:t>
+                      </a:r>
+                      <a:endParaRPr lang="zh-CN" altLang="en-US" sz="1400" dirty="0">
+                        <a:solidFill>
+                          <a:srgbClr val="000000"/>
+                        </a:solidFill>
+                        <a:latin typeface="宋体" panose="02010600030101010101" pitchFamily="2" charset="-122"/>
+                        <a:ea typeface="宋体" panose="02010600030101010101" pitchFamily="2" charset="-122"/>
+                      </a:endParaRPr>
+                    </a:p>
+                  </a:txBody>
+                  <a:tcPr marL="71755" marR="71755" marT="28575" marB="28575" vert="horz" anchor="ctr"/>
+                </a:tc>
+                <a:tc>
+                  <a:txBody>
+                    <a:bodyPr/>
+                    <a:p>
+                      <a:pPr marL="0" lvl="0" indent="0" algn="ctr" fontAlgn="auto">
+                        <a:lnSpc>
+                          <a:spcPct val="100000"/>
+                        </a:lnSpc>
+                        <a:buNone/>
+                      </a:pPr>
+                      <a:r>
+                        <a:rPr lang="zh-CN" altLang="en-US" sz="1400" dirty="0">
+                          <a:solidFill>
+                            <a:srgbClr val="000000"/>
+                          </a:solidFill>
+                          <a:latin typeface="宋体" panose="02010600030101010101" pitchFamily="2" charset="-122"/>
+                          <a:ea typeface="宋体" panose="02010600030101010101" pitchFamily="2" charset="-122"/>
+                        </a:rPr>
+                        <a:t>0.57</a:t>
+                      </a:r>
+                      <a:endParaRPr lang="zh-CN" altLang="en-US" sz="1400" dirty="0">
+                        <a:solidFill>
+                          <a:srgbClr val="000000"/>
+                        </a:solidFill>
+                        <a:latin typeface="宋体" panose="02010600030101010101" pitchFamily="2" charset="-122"/>
+                        <a:ea typeface="宋体" panose="02010600030101010101" pitchFamily="2" charset="-122"/>
+                      </a:endParaRPr>
+                    </a:p>
+                  </a:txBody>
+                  <a:tcPr marL="71755" marR="71755" marT="28575" marB="28575" vert="horz" anchor="ctr"/>
+                </a:tc>
+                <a:tc>
+                  <a:txBody>
+                    <a:bodyPr/>
+                    <a:p>
+                      <a:pPr marL="0" lvl="0" indent="0" algn="ctr" fontAlgn="auto">
+                        <a:lnSpc>
+                          <a:spcPct val="100000"/>
+                        </a:lnSpc>
+                        <a:buNone/>
+                      </a:pPr>
+                      <a:r>
+                        <a:rPr lang="en-US" altLang="zh-CN" sz="1400">
+                          <a:solidFill>
+                            <a:srgbClr val="000000"/>
+                          </a:solidFill>
+                          <a:latin typeface="宋体" panose="02010600030101010101" pitchFamily="2" charset="-122"/>
+                          <a:ea typeface="宋体" panose="02010600030101010101" pitchFamily="2" charset="-122"/>
+                        </a:rPr>
+                        <a:t> 29456.2</a:t>
+                      </a:r>
+                      <a:endParaRPr lang="en-US" altLang="zh-CN" sz="1400">
+                        <a:solidFill>
+                          <a:srgbClr val="000000"/>
+                        </a:solidFill>
+                        <a:latin typeface="宋体" panose="02010600030101010101" pitchFamily="2" charset="-122"/>
+                        <a:ea typeface="宋体" panose="02010600030101010101" pitchFamily="2" charset="-122"/>
+                      </a:endParaRPr>
+                    </a:p>
+                  </a:txBody>
+                  <a:tcPr marL="71755" marR="71755" marT="28575" marB="28575" vert="horz" anchor="ctr"/>
+                </a:tc>
+              </a:tr>
+              <a:tr h="270510">
+                <a:tc vMerge="1">
+                  <a:tcPr/>
+                </a:tc>
+                <a:tc>
+                  <a:txBody>
+                    <a:bodyPr/>
+                    <a:p>
+                      <a:pPr marL="0" lvl="0" indent="0" algn="ctr" fontAlgn="auto">
+                        <a:buNone/>
+                      </a:pPr>
+                      <a:r>
+                        <a:rPr lang="zh-CN" altLang="en-US" sz="1400" dirty="0">
+                          <a:solidFill>
+                            <a:srgbClr val="000000"/>
+                          </a:solidFill>
+                          <a:latin typeface="宋体" panose="02010600030101010101" pitchFamily="2" charset="-122"/>
+                          <a:ea typeface="宋体" panose="02010600030101010101" pitchFamily="2" charset="-122"/>
+                        </a:rPr>
+                        <a:t>24层单元</a:t>
+                      </a:r>
+                      <a:endParaRPr lang="zh-CN" altLang="en-US" sz="1400" dirty="0">
+                        <a:solidFill>
+                          <a:srgbClr val="000000"/>
+                        </a:solidFill>
+                        <a:latin typeface="宋体" panose="02010600030101010101" pitchFamily="2" charset="-122"/>
+                        <a:ea typeface="宋体" panose="02010600030101010101" pitchFamily="2" charset="-122"/>
+                      </a:endParaRPr>
+                    </a:p>
+                  </a:txBody>
+                  <a:tcPr marL="71755" marR="71755" marT="28575" marB="28575" vert="horz" anchor="ctr"/>
+                </a:tc>
+                <a:tc>
+                  <a:txBody>
+                    <a:bodyPr/>
+                    <a:p>
+                      <a:pPr marL="0" lvl="0" indent="0" algn="ctr" fontAlgn="auto">
+                        <a:buNone/>
+                      </a:pPr>
+                      <a:r>
+                        <a:rPr lang="zh-CN" altLang="en-US" sz="1400" dirty="0">
+                          <a:solidFill>
+                            <a:srgbClr val="000000"/>
+                          </a:solidFill>
+                          <a:latin typeface="宋体" panose="02010600030101010101" pitchFamily="2" charset="-122"/>
+                          <a:ea typeface="宋体" panose="02010600030101010101" pitchFamily="2" charset="-122"/>
+                        </a:rPr>
+                        <a:t> 0.75</a:t>
+                      </a:r>
+                      <a:endParaRPr lang="zh-CN" altLang="en-US" sz="1400" dirty="0">
+                        <a:solidFill>
+                          <a:srgbClr val="000000"/>
+                        </a:solidFill>
+                        <a:latin typeface="宋体" panose="02010600030101010101" pitchFamily="2" charset="-122"/>
+                        <a:ea typeface="宋体" panose="02010600030101010101" pitchFamily="2" charset="-122"/>
+                      </a:endParaRPr>
+                    </a:p>
+                  </a:txBody>
+                  <a:tcPr marL="71755" marR="71755" marT="28575" marB="28575" vert="horz" anchor="ctr"/>
+                </a:tc>
+                <a:tc>
+                  <a:txBody>
+                    <a:bodyPr/>
+                    <a:p>
+                      <a:pPr marL="0" lvl="0" indent="0" algn="ctr" fontAlgn="auto">
+                        <a:buNone/>
+                      </a:pPr>
+                      <a:r>
+                        <a:rPr lang="zh-CN" altLang="en-US" sz="1400" dirty="0">
+                          <a:solidFill>
+                            <a:srgbClr val="000000"/>
+                          </a:solidFill>
+                          <a:latin typeface="宋体" panose="02010600030101010101" pitchFamily="2" charset="-122"/>
+                          <a:ea typeface="宋体" panose="02010600030101010101" pitchFamily="2" charset="-122"/>
+                        </a:rPr>
+                        <a:t>0.57</a:t>
+                      </a:r>
+                      <a:endParaRPr lang="zh-CN" altLang="en-US" sz="1400" dirty="0">
+                        <a:solidFill>
+                          <a:srgbClr val="000000"/>
+                        </a:solidFill>
+                        <a:latin typeface="宋体" panose="02010600030101010101" pitchFamily="2" charset="-122"/>
+                        <a:ea typeface="宋体" panose="02010600030101010101" pitchFamily="2" charset="-122"/>
+                      </a:endParaRPr>
+                    </a:p>
+                  </a:txBody>
+                  <a:tcPr marL="71755" marR="71755" marT="28575" marB="28575" vert="horz" anchor="ctr"/>
+                </a:tc>
+                <a:tc>
+                  <a:txBody>
+                    <a:bodyPr/>
+                    <a:p>
+                      <a:pPr marL="0" lvl="0" indent="0" algn="ctr" fontAlgn="auto">
+                        <a:buNone/>
+                      </a:pPr>
+                      <a:r>
+                        <a:rPr lang="zh-CN" altLang="en-US" sz="1400" dirty="0">
+                          <a:solidFill>
+                            <a:srgbClr val="000000"/>
+                          </a:solidFill>
+                          <a:latin typeface="宋体" panose="02010600030101010101" pitchFamily="2" charset="-122"/>
+                          <a:ea typeface="宋体" panose="02010600030101010101" pitchFamily="2" charset="-122"/>
+                        </a:rPr>
+                        <a:t>0.75</a:t>
+                      </a:r>
+                      <a:endParaRPr lang="zh-CN" altLang="en-US" sz="1400" dirty="0">
+                        <a:solidFill>
+                          <a:srgbClr val="000000"/>
+                        </a:solidFill>
+                        <a:latin typeface="宋体" panose="02010600030101010101" pitchFamily="2" charset="-122"/>
+                        <a:ea typeface="宋体" panose="02010600030101010101" pitchFamily="2" charset="-122"/>
+                      </a:endParaRPr>
+                    </a:p>
+                  </a:txBody>
+                  <a:tcPr marL="71755" marR="71755" marT="28575" marB="28575" vert="horz" anchor="ctr"/>
+                </a:tc>
+                <a:tc>
+                  <a:txBody>
+                    <a:bodyPr/>
+                    <a:p>
+                      <a:pPr marL="0" lvl="0" indent="0" algn="ctr" fontAlgn="auto">
+                        <a:buNone/>
+                      </a:pPr>
+                      <a:r>
+                        <a:rPr lang="zh-CN" altLang="en-US" sz="1400" dirty="0">
+                          <a:solidFill>
+                            <a:srgbClr val="000000"/>
+                          </a:solidFill>
+                          <a:latin typeface="宋体" panose="02010600030101010101" pitchFamily="2" charset="-122"/>
+                          <a:ea typeface="宋体" panose="02010600030101010101" pitchFamily="2" charset="-122"/>
+                        </a:rPr>
+                        <a:t>0.57</a:t>
+                      </a:r>
+                      <a:endParaRPr lang="zh-CN" altLang="en-US" sz="1400" dirty="0">
+                        <a:solidFill>
+                          <a:srgbClr val="000000"/>
+                        </a:solidFill>
+                        <a:latin typeface="宋体" panose="02010600030101010101" pitchFamily="2" charset="-122"/>
+                        <a:ea typeface="宋体" panose="02010600030101010101" pitchFamily="2" charset="-122"/>
+                      </a:endParaRPr>
+                    </a:p>
+                  </a:txBody>
+                  <a:tcPr marL="71755" marR="71755" marT="28575" marB="28575" vert="horz" anchor="ctr"/>
+                </a:tc>
+                <a:tc>
+                  <a:txBody>
+                    <a:bodyPr/>
+                    <a:p>
+                      <a:pPr marL="0" lvl="0" indent="0" algn="ctr" fontAlgn="auto">
+                        <a:buNone/>
+                      </a:pPr>
+                      <a:r>
+                        <a:rPr lang="en-US" altLang="zh-CN" sz="1400">
+                          <a:solidFill>
+                            <a:srgbClr val="000000"/>
+                          </a:solidFill>
+                          <a:latin typeface="宋体" panose="02010600030101010101" pitchFamily="2" charset="-122"/>
+                          <a:ea typeface="宋体" panose="02010600030101010101" pitchFamily="2" charset="-122"/>
+                        </a:rPr>
+                        <a:t>29516.4</a:t>
+                      </a:r>
+                      <a:endParaRPr lang="en-US" altLang="zh-CN" sz="1400">
+                        <a:solidFill>
+                          <a:srgbClr val="000000"/>
+                        </a:solidFill>
+                        <a:latin typeface="宋体" panose="02010600030101010101" pitchFamily="2" charset="-122"/>
+                        <a:ea typeface="宋体" panose="02010600030101010101" pitchFamily="2" charset="-122"/>
+                      </a:endParaRPr>
+                    </a:p>
+                  </a:txBody>
+                  <a:tcPr marL="71755" marR="71755" marT="28575" marB="28575" vert="horz" anchor="ctr"/>
+                </a:tc>
+              </a:tr>
+              <a:tr h="316865">
+                <a:tc vMerge="1">
+                  <a:tcPr/>
+                </a:tc>
+                <a:tc>
+                  <a:txBody>
+                    <a:bodyPr/>
+                    <a:p>
+                      <a:pPr marL="0" lvl="0" indent="0" algn="ctr">
+                        <a:buNone/>
+                      </a:pPr>
+                      <a:r>
+                        <a:rPr lang="zh-CN" altLang="en-US" sz="1400" dirty="0">
+                          <a:solidFill>
+                            <a:srgbClr val="000000"/>
+                          </a:solidFill>
+                          <a:latin typeface="宋体" panose="02010600030101010101" pitchFamily="2" charset="-122"/>
+                          <a:ea typeface="宋体" panose="02010600030101010101" pitchFamily="2" charset="-122"/>
+                        </a:rPr>
+                        <a:t>meshpart</a:t>
+                      </a:r>
+                      <a:endParaRPr lang="zh-CN" altLang="en-US" sz="1400" dirty="0">
+                        <a:solidFill>
+                          <a:srgbClr val="000000"/>
+                        </a:solidFill>
+                        <a:latin typeface="宋体" panose="02010600030101010101" pitchFamily="2" charset="-122"/>
+                        <a:ea typeface="宋体" panose="02010600030101010101" pitchFamily="2" charset="-122"/>
+                      </a:endParaRPr>
+                    </a:p>
+                  </a:txBody>
+                  <a:tcPr marL="71755" marR="71755" marT="28575" marB="28575" vert="horz" anchor="ctr"/>
+                </a:tc>
+                <a:tc>
+                  <a:txBody>
+                    <a:bodyPr/>
+                    <a:p>
+                      <a:pPr marL="0" lvl="0" indent="0" algn="ctr">
+                        <a:buNone/>
+                      </a:pPr>
+                      <a:r>
+                        <a:rPr lang="en-US" altLang="zh-CN" sz="1400" dirty="0">
+                          <a:solidFill>
+                            <a:srgbClr val="000000"/>
+                          </a:solidFill>
+                          <a:latin typeface="宋体" panose="02010600030101010101" pitchFamily="2" charset="-122"/>
+                          <a:ea typeface="宋体" panose="02010600030101010101" pitchFamily="2" charset="-122"/>
+                        </a:rPr>
+                        <a:t> </a:t>
+                      </a:r>
+                      <a:r>
+                        <a:rPr lang="zh-CN" altLang="en-US" sz="1400" dirty="0">
+                          <a:solidFill>
+                            <a:srgbClr val="000000"/>
+                          </a:solidFill>
+                          <a:latin typeface="宋体" panose="02010600030101010101" pitchFamily="2" charset="-122"/>
+                          <a:ea typeface="宋体" panose="02010600030101010101" pitchFamily="2" charset="-122"/>
+                        </a:rPr>
+                        <a:t>0.74</a:t>
+                      </a:r>
+                      <a:endParaRPr lang="zh-CN" altLang="en-US" sz="1400" dirty="0">
+                        <a:solidFill>
+                          <a:srgbClr val="000000"/>
+                        </a:solidFill>
+                        <a:latin typeface="宋体" panose="02010600030101010101" pitchFamily="2" charset="-122"/>
+                        <a:ea typeface="宋体" panose="02010600030101010101" pitchFamily="2" charset="-122"/>
+                      </a:endParaRPr>
+                    </a:p>
+                  </a:txBody>
+                  <a:tcPr marL="71755" marR="71755" marT="28575" marB="28575" vert="horz" anchor="ctr"/>
+                </a:tc>
+                <a:tc>
+                  <a:txBody>
+                    <a:bodyPr/>
+                    <a:p>
+                      <a:pPr marL="0" lvl="0" indent="0" algn="ctr">
+                        <a:buNone/>
+                      </a:pPr>
+                      <a:r>
+                        <a:rPr lang="zh-CN" altLang="en-US" sz="1400" dirty="0">
+                          <a:solidFill>
+                            <a:srgbClr val="000000"/>
+                          </a:solidFill>
+                          <a:latin typeface="宋体" panose="02010600030101010101" pitchFamily="2" charset="-122"/>
+                          <a:ea typeface="宋体" panose="02010600030101010101" pitchFamily="2" charset="-122"/>
+                        </a:rPr>
+                        <a:t>0.5</a:t>
+                      </a:r>
+                      <a:endParaRPr lang="zh-CN" altLang="en-US" sz="1400" dirty="0">
+                        <a:solidFill>
+                          <a:srgbClr val="000000"/>
+                        </a:solidFill>
+                        <a:latin typeface="宋体" panose="02010600030101010101" pitchFamily="2" charset="-122"/>
+                        <a:ea typeface="宋体" panose="02010600030101010101" pitchFamily="2" charset="-122"/>
+                      </a:endParaRPr>
+                    </a:p>
+                  </a:txBody>
+                  <a:tcPr marL="71755" marR="71755" marT="28575" marB="28575" vert="horz" anchor="ctr"/>
+                </a:tc>
+                <a:tc>
+                  <a:txBody>
+                    <a:bodyPr/>
+                    <a:p>
+                      <a:pPr marL="0" lvl="0" indent="0" algn="ctr">
+                        <a:buNone/>
+                      </a:pPr>
+                      <a:r>
+                        <a:rPr lang="zh-CN" altLang="en-US" sz="1400" dirty="0">
+                          <a:solidFill>
+                            <a:srgbClr val="000000"/>
+                          </a:solidFill>
+                          <a:latin typeface="宋体" panose="02010600030101010101" pitchFamily="2" charset="-122"/>
+                          <a:ea typeface="宋体" panose="02010600030101010101" pitchFamily="2" charset="-122"/>
+                        </a:rPr>
+                        <a:t>0.68</a:t>
+                      </a:r>
+                      <a:endParaRPr lang="zh-CN" altLang="en-US" sz="1400" dirty="0">
+                        <a:solidFill>
+                          <a:srgbClr val="000000"/>
+                        </a:solidFill>
+                        <a:latin typeface="宋体" panose="02010600030101010101" pitchFamily="2" charset="-122"/>
+                        <a:ea typeface="宋体" panose="02010600030101010101" pitchFamily="2" charset="-122"/>
+                      </a:endParaRPr>
+                    </a:p>
+                  </a:txBody>
+                  <a:tcPr marL="71755" marR="71755" marT="28575" marB="28575" vert="horz" anchor="ctr"/>
+                </a:tc>
+                <a:tc>
+                  <a:txBody>
+                    <a:bodyPr/>
+                    <a:p>
+                      <a:pPr marL="0" lvl="0" indent="0" algn="ctr">
+                        <a:buNone/>
+                      </a:pPr>
+                      <a:r>
+                        <a:rPr lang="zh-CN" altLang="en-US" sz="1400" dirty="0">
+                          <a:solidFill>
+                            <a:srgbClr val="000000"/>
+                          </a:solidFill>
+                          <a:latin typeface="宋体" panose="02010600030101010101" pitchFamily="2" charset="-122"/>
+                          <a:ea typeface="宋体" panose="02010600030101010101" pitchFamily="2" charset="-122"/>
+                        </a:rPr>
+                        <a:t>0.5</a:t>
+                      </a:r>
+                      <a:endParaRPr lang="zh-CN" altLang="en-US" sz="1400" dirty="0">
+                        <a:solidFill>
+                          <a:srgbClr val="000000"/>
+                        </a:solidFill>
+                        <a:latin typeface="宋体" panose="02010600030101010101" pitchFamily="2" charset="-122"/>
+                        <a:ea typeface="宋体" panose="02010600030101010101" pitchFamily="2" charset="-122"/>
+                      </a:endParaRPr>
+                    </a:p>
+                  </a:txBody>
+                  <a:tcPr marL="71755" marR="71755" marT="28575" marB="28575" vert="horz" anchor="ctr"/>
+                </a:tc>
+                <a:tc>
+                  <a:txBody>
+                    <a:bodyPr/>
+                    <a:p>
+                      <a:pPr marL="0" lvl="0" indent="0" algn="ctr">
+                        <a:buNone/>
+                      </a:pPr>
+                      <a:r>
+                        <a:rPr lang="en-US" altLang="zh-CN" sz="1400">
+                          <a:solidFill>
+                            <a:srgbClr val="000000"/>
+                          </a:solidFill>
+                          <a:latin typeface="宋体" panose="02010600030101010101" pitchFamily="2" charset="-122"/>
+                          <a:ea typeface="宋体" panose="02010600030101010101" pitchFamily="2" charset="-122"/>
+                        </a:rPr>
+                        <a:t>26229.9</a:t>
+                      </a:r>
+                      <a:endParaRPr lang="en-US" altLang="zh-CN" sz="1400">
+                        <a:solidFill>
+                          <a:srgbClr val="000000"/>
+                        </a:solidFill>
+                        <a:latin typeface="宋体" panose="02010600030101010101" pitchFamily="2" charset="-122"/>
+                        <a:ea typeface="宋体" panose="02010600030101010101" pitchFamily="2" charset="-122"/>
+                      </a:endParaRPr>
+                    </a:p>
+                  </a:txBody>
+                  <a:tcPr marL="71755" marR="71755" marT="28575" marB="28575" vert="horz" anchor="ctr"/>
+                </a:tc>
+              </a:tr>
+              <a:tr h="240665">
+                <a:tc rowSpan="3">
+                  <a:txBody>
+                    <a:bodyPr/>
+                    <a:p>
+                      <a:pPr marL="0" lvl="0" indent="0" algn="ctr">
+                        <a:buNone/>
+                      </a:pPr>
+                      <a:r>
+                        <a:rPr lang="zh-CN" altLang="en-US" sz="1400" dirty="0">
+                          <a:solidFill>
+                            <a:schemeClr val="tx1"/>
+                          </a:solidFill>
+                          <a:latin typeface="Calibri" panose="020F0502020204030204" charset="0"/>
+                          <a:sym typeface="+mn-ea"/>
+                        </a:rPr>
+                        <a:t>continum shell</a:t>
+                      </a:r>
+                      <a:endParaRPr lang="zh-CN" altLang="en-US" sz="1400" dirty="0">
+                        <a:solidFill>
+                          <a:schemeClr val="tx1"/>
+                        </a:solidFill>
+                        <a:latin typeface="Calibri" panose="020F0502020204030204" charset="0"/>
+                        <a:sym typeface="+mn-ea"/>
+                      </a:endParaRPr>
+                    </a:p>
+                    <a:p>
+                      <a:pPr marL="0" lvl="0" indent="0" algn="ctr">
+                        <a:buNone/>
+                      </a:pPr>
+                      <a:r>
+                        <a:rPr lang="zh-CN" altLang="en-US" sz="1400" dirty="0">
+                          <a:solidFill>
+                            <a:schemeClr val="tx1"/>
+                          </a:solidFill>
+                          <a:latin typeface="Calibri" panose="020F0502020204030204" charset="0"/>
+                          <a:sym typeface="+mn-ea"/>
+                        </a:rPr>
+                        <a:t>(SC8R)</a:t>
+                      </a:r>
+                      <a:endParaRPr lang="zh-CN" altLang="en-US" sz="1400" dirty="0">
+                        <a:solidFill>
+                          <a:schemeClr val="tx1"/>
+                        </a:solidFill>
+                        <a:latin typeface="Calibri" panose="020F0502020204030204" charset="0"/>
+                        <a:sym typeface="+mn-ea"/>
+                      </a:endParaRPr>
+                    </a:p>
+                    <a:p>
+                      <a:pPr>
+                        <a:buNone/>
+                      </a:pPr>
+                      <a:endParaRPr lang="zh-CN" altLang="en-US" sz="1400" dirty="0">
+                        <a:solidFill>
+                          <a:schemeClr val="tx1"/>
+                        </a:solidFill>
+                        <a:latin typeface="Calibri" panose="020F0502020204030204" charset="0"/>
+                        <a:sym typeface="+mn-ea"/>
+                      </a:endParaRPr>
+                    </a:p>
+                  </a:txBody>
+                  <a:tcPr/>
+                </a:tc>
+                <a:tc>
+                  <a:txBody>
+                    <a:bodyPr/>
+                    <a:p>
+                      <a:pPr marL="0" lvl="0" indent="0" algn="ctr" fontAlgn="auto">
+                        <a:buNone/>
+                      </a:pPr>
+                      <a:r>
+                        <a:rPr lang="zh-CN" altLang="en-US" sz="1400" dirty="0">
+                          <a:solidFill>
+                            <a:srgbClr val="000000"/>
+                          </a:solidFill>
+                          <a:latin typeface="宋体" panose="02010600030101010101" pitchFamily="2" charset="-122"/>
+                          <a:ea typeface="宋体" panose="02010600030101010101" pitchFamily="2" charset="-122"/>
+                        </a:rPr>
+                        <a:t>1层单元</a:t>
+                      </a:r>
+                      <a:endParaRPr lang="zh-CN" altLang="en-US" sz="1400" dirty="0">
+                        <a:solidFill>
+                          <a:srgbClr val="000000"/>
+                        </a:solidFill>
+                        <a:latin typeface="宋体" panose="02010600030101010101" pitchFamily="2" charset="-122"/>
+                        <a:ea typeface="宋体" panose="02010600030101010101" pitchFamily="2" charset="-122"/>
+                      </a:endParaRPr>
+                    </a:p>
+                  </a:txBody>
+                  <a:tcPr marL="71755" marR="71755" marT="28575" marB="28575" vert="horz" anchor="ctr"/>
+                </a:tc>
+                <a:tc>
+                  <a:txBody>
+                    <a:bodyPr/>
+                    <a:p>
+                      <a:pPr marL="0" lvl="0" indent="0" algn="ctr" fontAlgn="auto">
+                        <a:buNone/>
+                      </a:pPr>
+                      <a:r>
+                        <a:rPr lang="zh-CN" altLang="en-US" sz="1400" dirty="0">
+                          <a:solidFill>
+                            <a:srgbClr val="000000"/>
+                          </a:solidFill>
+                          <a:latin typeface="宋体" panose="02010600030101010101" pitchFamily="2" charset="-122"/>
+                          <a:ea typeface="宋体" panose="02010600030101010101" pitchFamily="2" charset="-122"/>
+                        </a:rPr>
+                        <a:t>0.75</a:t>
+                      </a:r>
+                      <a:endParaRPr lang="zh-CN" altLang="en-US" sz="1400" dirty="0">
+                        <a:solidFill>
+                          <a:srgbClr val="000000"/>
+                        </a:solidFill>
+                        <a:latin typeface="宋体" panose="02010600030101010101" pitchFamily="2" charset="-122"/>
+                        <a:ea typeface="宋体" panose="02010600030101010101" pitchFamily="2" charset="-122"/>
+                      </a:endParaRPr>
+                    </a:p>
+                  </a:txBody>
+                  <a:tcPr marL="71755" marR="71755" marT="28575" marB="28575" vert="horz" anchor="ctr"/>
+                </a:tc>
+                <a:tc>
+                  <a:txBody>
+                    <a:bodyPr/>
+                    <a:p>
+                      <a:pPr marL="0" lvl="0" indent="0" algn="ctr" fontAlgn="auto">
+                        <a:buNone/>
+                      </a:pPr>
+                      <a:r>
+                        <a:rPr lang="zh-CN" altLang="en-US" sz="1400" dirty="0">
+                          <a:solidFill>
+                            <a:srgbClr val="000000"/>
+                          </a:solidFill>
+                          <a:latin typeface="宋体" panose="02010600030101010101" pitchFamily="2" charset="-122"/>
+                          <a:ea typeface="宋体" panose="02010600030101010101" pitchFamily="2" charset="-122"/>
+                        </a:rPr>
+                        <a:t>0.57</a:t>
+                      </a:r>
+                      <a:endParaRPr lang="zh-CN" altLang="en-US" sz="1400" dirty="0">
+                        <a:solidFill>
+                          <a:srgbClr val="000000"/>
+                        </a:solidFill>
+                        <a:latin typeface="宋体" panose="02010600030101010101" pitchFamily="2" charset="-122"/>
+                        <a:ea typeface="宋体" panose="02010600030101010101" pitchFamily="2" charset="-122"/>
+                      </a:endParaRPr>
+                    </a:p>
+                  </a:txBody>
+                  <a:tcPr marL="71755" marR="71755" marT="28575" marB="28575" vert="horz" anchor="ctr"/>
+                </a:tc>
+                <a:tc>
+                  <a:txBody>
+                    <a:bodyPr/>
+                    <a:p>
+                      <a:pPr marL="0" lvl="0" indent="0" algn="ctr" fontAlgn="auto">
+                        <a:buNone/>
+                      </a:pPr>
+                      <a:r>
+                        <a:rPr lang="zh-CN" altLang="en-US" sz="1400" dirty="0">
+                          <a:solidFill>
+                            <a:srgbClr val="000000"/>
+                          </a:solidFill>
+                          <a:latin typeface="宋体" panose="02010600030101010101" pitchFamily="2" charset="-122"/>
+                          <a:ea typeface="宋体" panose="02010600030101010101" pitchFamily="2" charset="-122"/>
+                        </a:rPr>
+                        <a:t>0.75</a:t>
+                      </a:r>
+                      <a:endParaRPr lang="zh-CN" altLang="en-US" sz="1400" dirty="0">
+                        <a:solidFill>
+                          <a:srgbClr val="000000"/>
+                        </a:solidFill>
+                        <a:latin typeface="宋体" panose="02010600030101010101" pitchFamily="2" charset="-122"/>
+                        <a:ea typeface="宋体" panose="02010600030101010101" pitchFamily="2" charset="-122"/>
+                      </a:endParaRPr>
+                    </a:p>
+                  </a:txBody>
+                  <a:tcPr marL="71755" marR="71755" marT="28575" marB="28575" vert="horz" anchor="ctr"/>
+                </a:tc>
+                <a:tc>
+                  <a:txBody>
+                    <a:bodyPr/>
+                    <a:p>
+                      <a:pPr marL="0" lvl="0" indent="0" algn="ctr" fontAlgn="auto">
+                        <a:buNone/>
+                      </a:pPr>
+                      <a:r>
+                        <a:rPr lang="zh-CN" altLang="en-US" sz="1400" dirty="0">
+                          <a:solidFill>
+                            <a:srgbClr val="000000"/>
+                          </a:solidFill>
+                          <a:latin typeface="宋体" panose="02010600030101010101" pitchFamily="2" charset="-122"/>
+                          <a:ea typeface="宋体" panose="02010600030101010101" pitchFamily="2" charset="-122"/>
+                        </a:rPr>
+                        <a:t>0.57</a:t>
+                      </a:r>
+                      <a:endParaRPr lang="zh-CN" altLang="en-US" sz="1400" dirty="0">
+                        <a:solidFill>
+                          <a:srgbClr val="000000"/>
+                        </a:solidFill>
+                        <a:latin typeface="宋体" panose="02010600030101010101" pitchFamily="2" charset="-122"/>
+                        <a:ea typeface="宋体" panose="02010600030101010101" pitchFamily="2" charset="-122"/>
+                      </a:endParaRPr>
+                    </a:p>
+                  </a:txBody>
+                  <a:tcPr marL="71755" marR="71755" marT="28575" marB="28575" vert="horz" anchor="ctr"/>
+                </a:tc>
+                <a:tc>
+                  <a:txBody>
+                    <a:bodyPr/>
+                    <a:p>
+                      <a:pPr marL="0" lvl="0" indent="0" algn="ctr" fontAlgn="auto">
+                        <a:buNone/>
+                      </a:pPr>
+                      <a:r>
+                        <a:rPr lang="en-US" altLang="zh-CN" sz="1400">
+                          <a:solidFill>
+                            <a:srgbClr val="000000"/>
+                          </a:solidFill>
+                          <a:latin typeface="宋体" panose="02010600030101010101" pitchFamily="2" charset="-122"/>
+                          <a:ea typeface="宋体" panose="02010600030101010101" pitchFamily="2" charset="-122"/>
+                        </a:rPr>
+                        <a:t>30501.7</a:t>
+                      </a:r>
+                      <a:endParaRPr lang="en-US" altLang="zh-CN" sz="1400">
+                        <a:solidFill>
+                          <a:srgbClr val="000000"/>
+                        </a:solidFill>
+                        <a:latin typeface="宋体" panose="02010600030101010101" pitchFamily="2" charset="-122"/>
+                        <a:ea typeface="宋体" panose="02010600030101010101" pitchFamily="2" charset="-122"/>
+                      </a:endParaRPr>
+                    </a:p>
+                  </a:txBody>
+                  <a:tcPr marL="71755" marR="71755" marT="28575" marB="28575" vert="horz" anchor="ctr"/>
+                </a:tc>
+              </a:tr>
+              <a:tr h="0">
+                <a:tc vMerge="1">
+                  <a:tcPr/>
+                </a:tc>
+                <a:tc>
+                  <a:txBody>
+                    <a:bodyPr/>
+                    <a:p>
+                      <a:pPr marL="0" lvl="0" indent="0" algn="ctr" fontAlgn="auto">
+                        <a:buNone/>
+                      </a:pPr>
+                      <a:r>
+                        <a:rPr lang="zh-CN" altLang="en-US" sz="1400" dirty="0">
+                          <a:solidFill>
+                            <a:srgbClr val="000000"/>
+                          </a:solidFill>
+                          <a:latin typeface="宋体" panose="02010600030101010101" pitchFamily="2" charset="-122"/>
+                          <a:ea typeface="宋体" panose="02010600030101010101" pitchFamily="2" charset="-122"/>
+                        </a:rPr>
+                        <a:t>24层单元</a:t>
+                      </a:r>
+                      <a:endParaRPr lang="zh-CN" altLang="en-US" sz="1400" dirty="0">
+                        <a:solidFill>
+                          <a:srgbClr val="000000"/>
+                        </a:solidFill>
+                        <a:latin typeface="宋体" panose="02010600030101010101" pitchFamily="2" charset="-122"/>
+                        <a:ea typeface="宋体" panose="02010600030101010101" pitchFamily="2" charset="-122"/>
+                      </a:endParaRPr>
+                    </a:p>
+                  </a:txBody>
+                  <a:tcPr marL="71755" marR="71755" marT="28575" marB="28575" vert="horz" anchor="ctr"/>
+                </a:tc>
+                <a:tc>
+                  <a:txBody>
+                    <a:bodyPr/>
+                    <a:p>
+                      <a:pPr marL="0" lvl="0" indent="0" algn="ctr" fontAlgn="auto">
+                        <a:buNone/>
+                      </a:pPr>
+                      <a:r>
+                        <a:rPr lang="zh-CN" altLang="en-US" sz="1400" dirty="0">
+                          <a:solidFill>
+                            <a:srgbClr val="000000"/>
+                          </a:solidFill>
+                          <a:latin typeface="宋体" panose="02010600030101010101" pitchFamily="2" charset="-122"/>
+                          <a:ea typeface="宋体" panose="02010600030101010101" pitchFamily="2" charset="-122"/>
+                        </a:rPr>
+                        <a:t> 0.75</a:t>
+                      </a:r>
+                      <a:endParaRPr lang="zh-CN" altLang="en-US" sz="1400" dirty="0">
+                        <a:solidFill>
+                          <a:srgbClr val="000000"/>
+                        </a:solidFill>
+                        <a:latin typeface="宋体" panose="02010600030101010101" pitchFamily="2" charset="-122"/>
+                        <a:ea typeface="宋体" panose="02010600030101010101" pitchFamily="2" charset="-122"/>
+                      </a:endParaRPr>
+                    </a:p>
+                  </a:txBody>
+                  <a:tcPr marL="71755" marR="71755" marT="28575" marB="28575" vert="horz" anchor="ctr"/>
+                </a:tc>
+                <a:tc>
+                  <a:txBody>
+                    <a:bodyPr/>
+                    <a:p>
+                      <a:pPr marL="0" lvl="0" indent="0" algn="ctr" fontAlgn="auto">
+                        <a:buNone/>
+                      </a:pPr>
+                      <a:r>
+                        <a:rPr lang="zh-CN" altLang="en-US" sz="1400" dirty="0">
+                          <a:solidFill>
+                            <a:srgbClr val="000000"/>
+                          </a:solidFill>
+                          <a:latin typeface="宋体" panose="02010600030101010101" pitchFamily="2" charset="-122"/>
+                          <a:ea typeface="宋体" panose="02010600030101010101" pitchFamily="2" charset="-122"/>
+                        </a:rPr>
+                        <a:t> 0.57</a:t>
+                      </a:r>
+                      <a:endParaRPr lang="zh-CN" altLang="en-US" sz="1400" dirty="0">
+                        <a:solidFill>
+                          <a:srgbClr val="000000"/>
+                        </a:solidFill>
+                        <a:latin typeface="宋体" panose="02010600030101010101" pitchFamily="2" charset="-122"/>
+                        <a:ea typeface="宋体" panose="02010600030101010101" pitchFamily="2" charset="-122"/>
+                      </a:endParaRPr>
+                    </a:p>
+                  </a:txBody>
+                  <a:tcPr marL="71755" marR="71755" marT="28575" marB="28575" vert="horz" anchor="ctr"/>
+                </a:tc>
+                <a:tc>
+                  <a:txBody>
+                    <a:bodyPr/>
+                    <a:p>
+                      <a:pPr marL="0" lvl="0" indent="0" algn="ctr" fontAlgn="auto">
+                        <a:buNone/>
+                      </a:pPr>
+                      <a:r>
+                        <a:rPr lang="zh-CN" altLang="en-US" sz="1400" dirty="0">
+                          <a:solidFill>
+                            <a:srgbClr val="000000"/>
+                          </a:solidFill>
+                          <a:latin typeface="宋体" panose="02010600030101010101" pitchFamily="2" charset="-122"/>
+                          <a:ea typeface="宋体" panose="02010600030101010101" pitchFamily="2" charset="-122"/>
+                        </a:rPr>
+                        <a:t>0.75</a:t>
+                      </a:r>
+                      <a:endParaRPr lang="zh-CN" altLang="en-US" sz="1400" dirty="0">
+                        <a:solidFill>
+                          <a:srgbClr val="000000"/>
+                        </a:solidFill>
+                        <a:latin typeface="宋体" panose="02010600030101010101" pitchFamily="2" charset="-122"/>
+                        <a:ea typeface="宋体" panose="02010600030101010101" pitchFamily="2" charset="-122"/>
+                      </a:endParaRPr>
+                    </a:p>
+                  </a:txBody>
+                  <a:tcPr marL="71755" marR="71755" marT="28575" marB="28575" vert="horz" anchor="ctr"/>
+                </a:tc>
+                <a:tc>
+                  <a:txBody>
+                    <a:bodyPr/>
+                    <a:p>
+                      <a:pPr marL="0" lvl="0" indent="0" algn="ctr" fontAlgn="auto">
+                        <a:buNone/>
+                      </a:pPr>
+                      <a:r>
+                        <a:rPr lang="zh-CN" altLang="en-US" sz="1400" dirty="0">
+                          <a:solidFill>
+                            <a:srgbClr val="000000"/>
+                          </a:solidFill>
+                          <a:latin typeface="宋体" panose="02010600030101010101" pitchFamily="2" charset="-122"/>
+                          <a:ea typeface="宋体" panose="02010600030101010101" pitchFamily="2" charset="-122"/>
+                        </a:rPr>
+                        <a:t>0.57</a:t>
+                      </a:r>
+                      <a:endParaRPr lang="zh-CN" altLang="en-US" sz="1400" dirty="0">
+                        <a:solidFill>
+                          <a:srgbClr val="000000"/>
+                        </a:solidFill>
+                        <a:latin typeface="宋体" panose="02010600030101010101" pitchFamily="2" charset="-122"/>
+                        <a:ea typeface="宋体" panose="02010600030101010101" pitchFamily="2" charset="-122"/>
+                      </a:endParaRPr>
+                    </a:p>
+                  </a:txBody>
+                  <a:tcPr marL="71755" marR="71755" marT="28575" marB="28575" vert="horz" anchor="ctr"/>
+                </a:tc>
+                <a:tc>
+                  <a:txBody>
+                    <a:bodyPr/>
+                    <a:p>
+                      <a:pPr marL="0" lvl="0" indent="0" algn="ctr" fontAlgn="auto">
+                        <a:buNone/>
+                      </a:pPr>
+                      <a:r>
+                        <a:rPr lang="en-US" altLang="zh-CN" sz="1400">
+                          <a:solidFill>
+                            <a:srgbClr val="000000"/>
+                          </a:solidFill>
+                          <a:latin typeface="宋体" panose="02010600030101010101" pitchFamily="2" charset="-122"/>
+                          <a:ea typeface="宋体" panose="02010600030101010101" pitchFamily="2" charset="-122"/>
+                        </a:rPr>
+                        <a:t>30140.8</a:t>
+                      </a:r>
+                      <a:endParaRPr lang="en-US" altLang="zh-CN" sz="1400">
+                        <a:solidFill>
+                          <a:srgbClr val="000000"/>
+                        </a:solidFill>
+                        <a:latin typeface="宋体" panose="02010600030101010101" pitchFamily="2" charset="-122"/>
+                        <a:ea typeface="宋体" panose="02010600030101010101" pitchFamily="2" charset="-122"/>
+                      </a:endParaRPr>
+                    </a:p>
+                  </a:txBody>
+                  <a:tcPr marL="71755" marR="71755" marT="28575" marB="28575" vert="horz" anchor="ctr"/>
+                </a:tc>
+              </a:tr>
+              <a:tr h="235585">
+                <a:tc vMerge="1">
+                  <a:tcPr/>
+                </a:tc>
+                <a:tc>
+                  <a:txBody>
+                    <a:bodyPr/>
+                    <a:p>
+                      <a:pPr marL="0" lvl="0" indent="0" algn="ctr" fontAlgn="auto">
+                        <a:buNone/>
+                      </a:pPr>
+                      <a:r>
+                        <a:rPr lang="zh-CN" altLang="en-US" sz="1400" dirty="0">
+                          <a:solidFill>
+                            <a:srgbClr val="000000"/>
+                          </a:solidFill>
+                          <a:latin typeface="宋体" panose="02010600030101010101" pitchFamily="2" charset="-122"/>
+                          <a:ea typeface="宋体" panose="02010600030101010101" pitchFamily="2" charset="-122"/>
+                        </a:rPr>
+                        <a:t>meshpart</a:t>
+                      </a:r>
+                      <a:endParaRPr lang="zh-CN" altLang="en-US" sz="1400" dirty="0">
+                        <a:solidFill>
+                          <a:srgbClr val="000000"/>
+                        </a:solidFill>
+                        <a:latin typeface="宋体" panose="02010600030101010101" pitchFamily="2" charset="-122"/>
+                        <a:ea typeface="宋体" panose="02010600030101010101" pitchFamily="2" charset="-122"/>
+                      </a:endParaRPr>
+                    </a:p>
+                  </a:txBody>
+                  <a:tcPr marL="71755" marR="71755" marT="28575" marB="28575" vert="horz" anchor="ctr"/>
+                </a:tc>
+                <a:tc>
+                  <a:txBody>
+                    <a:bodyPr/>
+                    <a:p>
+                      <a:pPr marL="0" lvl="0" indent="0" algn="ctr" fontAlgn="auto">
+                        <a:buNone/>
+                      </a:pPr>
+                      <a:r>
+                        <a:rPr lang="zh-CN" altLang="en-US" sz="1400" dirty="0">
+                          <a:solidFill>
+                            <a:srgbClr val="000000"/>
+                          </a:solidFill>
+                          <a:latin typeface="宋体" panose="02010600030101010101" pitchFamily="2" charset="-122"/>
+                          <a:ea typeface="宋体" panose="02010600030101010101" pitchFamily="2" charset="-122"/>
+                        </a:rPr>
+                        <a:t>0.74</a:t>
+                      </a:r>
+                      <a:endParaRPr lang="zh-CN" altLang="en-US" sz="1400" dirty="0">
+                        <a:solidFill>
+                          <a:srgbClr val="000000"/>
+                        </a:solidFill>
+                        <a:latin typeface="宋体" panose="02010600030101010101" pitchFamily="2" charset="-122"/>
+                        <a:ea typeface="宋体" panose="02010600030101010101" pitchFamily="2" charset="-122"/>
+                      </a:endParaRPr>
+                    </a:p>
+                  </a:txBody>
+                  <a:tcPr marL="71755" marR="71755" marT="28575" marB="28575" vert="horz" anchor="ctr"/>
+                </a:tc>
+                <a:tc>
+                  <a:txBody>
+                    <a:bodyPr/>
+                    <a:p>
+                      <a:pPr marL="0" lvl="0" indent="0" algn="ctr" fontAlgn="auto">
+                        <a:buNone/>
+                      </a:pPr>
+                      <a:r>
+                        <a:rPr lang="zh-CN" altLang="en-US" sz="1400" dirty="0">
+                          <a:solidFill>
+                            <a:srgbClr val="000000"/>
+                          </a:solidFill>
+                          <a:latin typeface="宋体" panose="02010600030101010101" pitchFamily="2" charset="-122"/>
+                          <a:ea typeface="宋体" panose="02010600030101010101" pitchFamily="2" charset="-122"/>
+                        </a:rPr>
+                        <a:t>0.56</a:t>
+                      </a:r>
+                      <a:endParaRPr lang="zh-CN" altLang="en-US" sz="1400" dirty="0">
+                        <a:solidFill>
+                          <a:srgbClr val="000000"/>
+                        </a:solidFill>
+                        <a:latin typeface="宋体" panose="02010600030101010101" pitchFamily="2" charset="-122"/>
+                        <a:ea typeface="宋体" panose="02010600030101010101" pitchFamily="2" charset="-122"/>
+                      </a:endParaRPr>
+                    </a:p>
+                  </a:txBody>
+                  <a:tcPr marL="71755" marR="71755" marT="28575" marB="28575" vert="horz" anchor="ctr"/>
+                </a:tc>
+                <a:tc>
+                  <a:txBody>
+                    <a:bodyPr/>
+                    <a:p>
+                      <a:pPr marL="0" lvl="0" indent="0" algn="ctr" fontAlgn="auto">
+                        <a:buNone/>
+                      </a:pPr>
+                      <a:r>
+                        <a:rPr lang="zh-CN" altLang="en-US" sz="1400" dirty="0">
+                          <a:solidFill>
+                            <a:srgbClr val="000000"/>
+                          </a:solidFill>
+                          <a:latin typeface="宋体" panose="02010600030101010101" pitchFamily="2" charset="-122"/>
+                          <a:ea typeface="宋体" panose="02010600030101010101" pitchFamily="2" charset="-122"/>
+                        </a:rPr>
+                        <a:t>0.68</a:t>
+                      </a:r>
+                      <a:endParaRPr lang="zh-CN" altLang="en-US" sz="1400" dirty="0">
+                        <a:solidFill>
+                          <a:srgbClr val="000000"/>
+                        </a:solidFill>
+                        <a:latin typeface="宋体" panose="02010600030101010101" pitchFamily="2" charset="-122"/>
+                        <a:ea typeface="宋体" panose="02010600030101010101" pitchFamily="2" charset="-122"/>
+                      </a:endParaRPr>
+                    </a:p>
+                  </a:txBody>
+                  <a:tcPr marL="71755" marR="71755" marT="28575" marB="28575" vert="horz" anchor="ctr"/>
+                </a:tc>
+                <a:tc>
+                  <a:txBody>
+                    <a:bodyPr/>
+                    <a:p>
+                      <a:pPr marL="0" lvl="0" indent="0" algn="ctr" fontAlgn="auto">
+                        <a:buNone/>
+                      </a:pPr>
+                      <a:r>
+                        <a:rPr lang="zh-CN" altLang="en-US" sz="1400" dirty="0">
+                          <a:solidFill>
+                            <a:srgbClr val="000000"/>
+                          </a:solidFill>
+                          <a:latin typeface="宋体" panose="02010600030101010101" pitchFamily="2" charset="-122"/>
+                          <a:ea typeface="宋体" panose="02010600030101010101" pitchFamily="2" charset="-122"/>
+                        </a:rPr>
+                        <a:t>0.5</a:t>
+                      </a:r>
+                      <a:endParaRPr lang="zh-CN" altLang="en-US" sz="1400" dirty="0">
+                        <a:solidFill>
+                          <a:srgbClr val="000000"/>
+                        </a:solidFill>
+                        <a:latin typeface="宋体" panose="02010600030101010101" pitchFamily="2" charset="-122"/>
+                        <a:ea typeface="宋体" panose="02010600030101010101" pitchFamily="2" charset="-122"/>
+                      </a:endParaRPr>
+                    </a:p>
+                  </a:txBody>
+                  <a:tcPr marL="71755" marR="71755" marT="28575" marB="28575" vert="horz" anchor="ctr"/>
+                </a:tc>
+                <a:tc>
+                  <a:txBody>
+                    <a:bodyPr/>
+                    <a:p>
+                      <a:pPr marL="0" lvl="0" indent="0" algn="ctr" fontAlgn="auto">
+                        <a:buNone/>
+                      </a:pPr>
+                      <a:r>
+                        <a:rPr lang="en-US" altLang="zh-CN" sz="1400">
+                          <a:solidFill>
+                            <a:srgbClr val="000000"/>
+                          </a:solidFill>
+                          <a:latin typeface="宋体" panose="02010600030101010101" pitchFamily="2" charset="-122"/>
+                          <a:ea typeface="宋体" panose="02010600030101010101" pitchFamily="2" charset="-122"/>
+                        </a:rPr>
+                        <a:t>26964.5</a:t>
+                      </a:r>
+                      <a:endParaRPr lang="en-US" altLang="zh-CN" sz="1400">
+                        <a:solidFill>
+                          <a:srgbClr val="000000"/>
+                        </a:solidFill>
+                        <a:latin typeface="宋体" panose="02010600030101010101" pitchFamily="2" charset="-122"/>
+                        <a:ea typeface="宋体" panose="02010600030101010101" pitchFamily="2" charset="-122"/>
+                      </a:endParaRPr>
+                    </a:p>
+                  </a:txBody>
+                  <a:tcPr marL="71755" marR="71755" marT="28575" marB="28575" vert="horz" anchor="ctr"/>
+                </a:tc>
+              </a:tr>
+            </a:tbl>
+          </a:graphicData>
+        </a:graphic>
+      </p:graphicFrame>
+      <p:sp>
+        <p:nvSpPr>
+          <p:cNvPr id="4099" name="文本框 4098"/>
+          <p:cNvSpPr txBox="1"/>
+          <p:nvPr/>
+        </p:nvSpPr>
+        <p:spPr>
+          <a:xfrm>
+            <a:off x="285750" y="4071620"/>
+            <a:ext cx="6507480" cy="2676525"/>
+          </a:xfrm>
+          <a:prstGeom prst="rect">
+            <a:avLst/>
+          </a:prstGeom>
+          <a:noFill/>
+          <a:ln w="9525">
+            <a:noFill/>
+          </a:ln>
+        </p:spPr>
+        <p:txBody>
+          <a:bodyPr wrap="square" anchor="t">
+            <a:spAutoFit/>
+          </a:bodyPr>
+          <a:p>
+            <a:r>
+              <a:rPr lang="zh-CN" altLang="en-US" sz="1400" dirty="0">
+                <a:latin typeface="Arial" panose="020B0604020202020204" pitchFamily="34" charset="0"/>
+              </a:rPr>
+              <a:t>Continuum shell elements allow for:</a:t>
+            </a:r>
+            <a:endParaRPr lang="zh-CN" altLang="en-US" sz="1400" dirty="0">
+              <a:latin typeface="Arial" panose="020B0604020202020204" pitchFamily="34" charset="0"/>
+            </a:endParaRPr>
+          </a:p>
+          <a:p>
+            <a:endParaRPr lang="zh-CN" altLang="en-US" sz="1400" dirty="0">
+              <a:latin typeface="Arial" panose="020B0604020202020204" pitchFamily="34" charset="0"/>
+            </a:endParaRPr>
+          </a:p>
+          <a:p>
+            <a:r>
+              <a:rPr lang="zh-CN" altLang="en-US" sz="1400" dirty="0">
+                <a:latin typeface="Arial" panose="020B0604020202020204" pitchFamily="34" charset="0"/>
+              </a:rPr>
+              <a:t>• 同样适用于厚壳及薄壳</a:t>
+            </a:r>
+            <a:endParaRPr lang="zh-CN" altLang="en-US" sz="1400" dirty="0">
+              <a:latin typeface="Arial" panose="020B0604020202020204" pitchFamily="34" charset="0"/>
+            </a:endParaRPr>
+          </a:p>
+          <a:p>
+            <a:endParaRPr lang="zh-CN" altLang="en-US" sz="1400" dirty="0">
+              <a:latin typeface="Arial" panose="020B0604020202020204" pitchFamily="34" charset="0"/>
+            </a:endParaRPr>
+          </a:p>
+          <a:p>
+            <a:r>
+              <a:rPr lang="zh-CN" altLang="en-US" sz="1400" dirty="0">
+                <a:latin typeface="Arial" panose="020B0604020202020204" pitchFamily="34" charset="0"/>
+              </a:rPr>
+              <a:t>• 线性和非线性力学行为 (大变形及弹塑性材料的力学响应).</a:t>
+            </a:r>
+            <a:endParaRPr lang="zh-CN" altLang="en-US" sz="1400" dirty="0">
+              <a:latin typeface="Arial" panose="020B0604020202020204" pitchFamily="34" charset="0"/>
+            </a:endParaRPr>
+          </a:p>
+          <a:p>
+            <a:endParaRPr lang="zh-CN" altLang="en-US" sz="1400" dirty="0">
+              <a:latin typeface="Arial" panose="020B0604020202020204" pitchFamily="34" charset="0"/>
+            </a:endParaRPr>
+          </a:p>
+          <a:p>
+            <a:r>
+              <a:rPr lang="zh-CN" altLang="en-US" sz="1400" dirty="0">
+                <a:latin typeface="Arial" panose="020B0604020202020204" pitchFamily="34" charset="0"/>
+              </a:rPr>
+              <a:t>• 厚度渐变(单元为三维几何图形)</a:t>
+            </a:r>
+            <a:endParaRPr lang="zh-CN" altLang="en-US" sz="1400" dirty="0">
+              <a:latin typeface="Arial" panose="020B0604020202020204" pitchFamily="34" charset="0"/>
+            </a:endParaRPr>
+          </a:p>
+          <a:p>
+            <a:endParaRPr lang="zh-CN" altLang="en-US" sz="1400" dirty="0">
+              <a:latin typeface="Arial" panose="020B0604020202020204" pitchFamily="34" charset="0"/>
+            </a:endParaRPr>
+          </a:p>
+          <a:p>
+            <a:r>
+              <a:rPr lang="zh-CN" altLang="en-US" sz="1400" dirty="0">
+                <a:latin typeface="Arial" panose="020B0604020202020204" pitchFamily="34" charset="0"/>
+              </a:rPr>
+              <a:t>•比常规壳更加精确的接触模型(考虑单元两边的接触及厚度变化)</a:t>
+            </a:r>
+            <a:endParaRPr lang="zh-CN" altLang="en-US" sz="1400" dirty="0">
+              <a:latin typeface="Arial" panose="020B0604020202020204" pitchFamily="34" charset="0"/>
+            </a:endParaRPr>
+          </a:p>
+          <a:p>
+            <a:endParaRPr lang="zh-CN" altLang="en-US" sz="1400" dirty="0">
+              <a:latin typeface="Arial" panose="020B0604020202020204" pitchFamily="34" charset="0"/>
+            </a:endParaRPr>
+          </a:p>
+          <a:p>
+            <a:r>
+              <a:rPr lang="zh-CN" altLang="en-US" sz="1400" dirty="0">
+                <a:latin typeface="Arial" panose="020B0604020202020204" pitchFamily="34" charset="0"/>
+              </a:rPr>
+              <a:t>• 堆叠。(在对复合材料层合板厚度方向上的模拟能得到更加精确的结果)</a:t>
+            </a:r>
+            <a:endParaRPr lang="zh-CN" altLang="en-US" sz="1400" dirty="0">
+              <a:latin typeface="Arial" panose="020B0604020202020204" pitchFamily="34" charset="0"/>
+            </a:endParaRPr>
+          </a:p>
+          <a:p>
+            <a:r>
+              <a:rPr lang="zh-CN" altLang="en-US" sz="1400" dirty="0">
+                <a:latin typeface="Arial" panose="020B0604020202020204" pitchFamily="34" charset="0"/>
+              </a:rPr>
+              <a:t>    </a:t>
+            </a:r>
+            <a:endParaRPr lang="zh-CN" altLang="en-US" sz="1400" dirty="0">
+              <a:latin typeface="Arial" panose="020B0604020202020204" pitchFamily="34" charset="0"/>
+            </a:endParaRPr>
+          </a:p>
+        </p:txBody>
+      </p:sp>
+    </p:spTree>
+  </p:cSld>
+  <p:clrMapOvr>
+    <a:masterClrMapping/>
+  </p:clrMapOvr>
+  <p:transition/>
+  <p:timing>
+    <p:tnLst>
+      <p:par>
+        <p:cTn id="1" dur="indefinite" restart="never" nodeType="tmRoot"/>
+      </p:par>
+    </p:tnLst>
+  </p:timing>
+</p:sld>
+</file>
+
+<file path=ppt/slides/slide9.xml><?xml version="1.0" encoding="utf-8"?>
+<p:sld xmlns:a="http://schemas.openxmlformats.org/drawingml/2006/main" xmlns:r="http://schemas.openxmlformats.org/officeDocument/2006/relationships" xmlns:p="http://schemas.openxmlformats.org/presentationml/2006/main">
+  <p:cSld>
+    <p:spTree>
+      <p:nvGrpSpPr>
+        <p:cNvPr id="1" name=""/>
+        <p:cNvGrpSpPr/>
+        <p:nvPr/>
+      </p:nvGrpSpPr>
+      <p:grpSpPr>
+        <a:xfrm>
+          <a:off x="0" y="0"/>
+          <a:ext cx="0" cy="0"/>
+          <a:chOff x="0" y="0"/>
+          <a:chExt cx="0" cy="0"/>
+        </a:xfrm>
+      </p:grpSpPr>
+      <p:sp>
+        <p:nvSpPr>
           <p:cNvPr id="2" name="菱形 1"/>
           <p:cNvSpPr/>
           <p:nvPr/>
@@ -21817,645 +24300,6 @@
     <p:tnLst>
       <p:par>
         <p:cTn id="1" dur="indefinite" restart="never" nodeType="tmRoot"/>
-      </p:par>
-    </p:tnLst>
-  </p:timing>
-</p:sld>
-</file>
-
-<file path=ppt/slides/slide9.xml><?xml version="1.0" encoding="utf-8"?>
-<p:sld xmlns:a="http://schemas.openxmlformats.org/drawingml/2006/main" xmlns:r="http://schemas.openxmlformats.org/officeDocument/2006/relationships" xmlns:p="http://schemas.openxmlformats.org/presentationml/2006/main">
-  <p:cSld>
-    <p:spTree>
-      <p:nvGrpSpPr>
-        <p:cNvPr id="1" name=""/>
-        <p:cNvGrpSpPr/>
-        <p:nvPr/>
-      </p:nvGrpSpPr>
-      <p:grpSpPr>
-        <a:xfrm>
-          <a:off x="0" y="0"/>
-          <a:ext cx="0" cy="0"/>
-          <a:chOff x="0" y="0"/>
-          <a:chExt cx="0" cy="0"/>
-        </a:xfrm>
-      </p:grpSpPr>
-      <p:sp>
-        <p:nvSpPr>
-          <p:cNvPr id="4" name="文本框 3"/>
-          <p:cNvSpPr txBox="1"/>
-          <p:nvPr/>
-        </p:nvSpPr>
-        <p:spPr>
-          <a:xfrm>
-            <a:off x="-34290" y="1255395"/>
-            <a:ext cx="4476750" cy="5569585"/>
-          </a:xfrm>
-          <a:prstGeom prst="rect">
-            <a:avLst/>
-          </a:prstGeom>
-          <a:noFill/>
-        </p:spPr>
-        <p:txBody>
-          <a:bodyPr wrap="square" rtlCol="0">
-            <a:spAutoFit/>
-          </a:bodyPr>
-          <a:lstStyle/>
-          <a:p>
-            <a:r>
-              <a:rPr lang="en-US" altLang="zh-CN" b="1" dirty="0"/>
-              <a:t>Mesh Dependency</a:t>
-            </a:r>
-            <a:r>
-              <a:rPr lang="zh-CN" altLang="en-US" b="1" dirty="0"/>
-              <a:t>：</a:t>
-            </a:r>
-            <a:endParaRPr lang="zh-CN" altLang="en-US" b="1" dirty="0"/>
-          </a:p>
-          <a:p>
-            <a:pPr algn="just" latinLnBrk="0"/>
-            <a:r>
-              <a:rPr lang="zh-CN" altLang="en-US" dirty="0">
-                <a:latin typeface="Times New Roman" panose="02020603050405020304" pitchFamily="18" charset="0"/>
-                <a:cs typeface="Times New Roman" panose="02020603050405020304" pitchFamily="18" charset="0"/>
-              </a:rPr>
-              <a:t>   </a:t>
-            </a:r>
-            <a:r>
-              <a:rPr lang="zh-CN" altLang="en-US" sz="1600" dirty="0">
-                <a:latin typeface="Times New Roman" panose="02020603050405020304" pitchFamily="18" charset="0"/>
-                <a:cs typeface="Times New Roman" panose="02020603050405020304" pitchFamily="18" charset="0"/>
-              </a:rPr>
-              <a:t>When the material exhibits strain-softening behavior, leading to strain localization, this formulation results in a strong </a:t>
-            </a:r>
-            <a:r>
-              <a:rPr lang="zh-CN" altLang="en-US" sz="1600" b="1" dirty="0">
-                <a:latin typeface="Times New Roman" panose="02020603050405020304" pitchFamily="18" charset="0"/>
-                <a:cs typeface="Times New Roman" panose="02020603050405020304" pitchFamily="18" charset="0"/>
-              </a:rPr>
-              <a:t>mesh dependency</a:t>
-            </a:r>
-            <a:r>
-              <a:rPr lang="zh-CN" altLang="en-US" sz="1600" dirty="0">
-                <a:latin typeface="Times New Roman" panose="02020603050405020304" pitchFamily="18" charset="0"/>
-                <a:cs typeface="Times New Roman" panose="02020603050405020304" pitchFamily="18" charset="0"/>
-              </a:rPr>
-              <a:t> of the finite element results in that the energy dissipated decreases upon mesh refinement.</a:t>
-            </a:r>
-            <a:r>
-              <a:rPr lang="zh-CN" altLang="en-US" sz="1600" b="1" dirty="0">
-                <a:latin typeface="Times New Roman" panose="02020603050405020304" pitchFamily="18" charset="0"/>
-                <a:cs typeface="Times New Roman" panose="02020603050405020304" pitchFamily="18" charset="0"/>
-              </a:rPr>
-              <a:t>The energy dissipated is proportional to the volume of the failed element</a:t>
-            </a:r>
-            <a:r>
-              <a:rPr lang="en-US" altLang="zh-CN" sz="1600" b="1" dirty="0">
-                <a:latin typeface="Times New Roman" panose="02020603050405020304" pitchFamily="18" charset="0"/>
-                <a:cs typeface="Times New Roman" panose="02020603050405020304" pitchFamily="18" charset="0"/>
-              </a:rPr>
-              <a:t>.</a:t>
-            </a:r>
-            <a:endParaRPr lang="en-US" altLang="zh-CN" sz="1600" b="1" dirty="0">
-              <a:latin typeface="Times New Roman" panose="02020603050405020304" pitchFamily="18" charset="0"/>
-              <a:cs typeface="Times New Roman" panose="02020603050405020304" pitchFamily="18" charset="0"/>
-            </a:endParaRPr>
-          </a:p>
-          <a:p>
-            <a:pPr algn="just" latinLnBrk="0"/>
-            <a:r>
-              <a:rPr lang="zh-CN" altLang="en-US" sz="1600" dirty="0">
-                <a:latin typeface="Times New Roman" panose="02020603050405020304" pitchFamily="18" charset="0"/>
-              </a:rPr>
-              <a:t>    To correct this behavior we use the crack band model</a:t>
-            </a:r>
-            <a:r>
-              <a:rPr lang="en-US" altLang="zh-CN" sz="1600" dirty="0">
-                <a:latin typeface="Times New Roman" panose="02020603050405020304" pitchFamily="18" charset="0"/>
-              </a:rPr>
-              <a:t>,</a:t>
-            </a:r>
-            <a:r>
-              <a:rPr sz="1600" dirty="0">
-                <a:latin typeface="Times New Roman" panose="02020603050405020304" pitchFamily="18" charset="0"/>
-                <a:sym typeface="+mn-ea"/>
-              </a:rPr>
-              <a:t>In this model the strength limit      is not kept constant but is adjusted in such a way that the </a:t>
-            </a:r>
-            <a:r>
-              <a:rPr sz="1600" b="1" dirty="0">
-                <a:latin typeface="Times New Roman" panose="02020603050405020304" pitchFamily="18" charset="0"/>
-                <a:sym typeface="+mn-ea"/>
-              </a:rPr>
-              <a:t>fracture energy is preserved</a:t>
-            </a:r>
-            <a:endParaRPr sz="1600" b="1" dirty="0">
-              <a:latin typeface="Times New Roman" panose="02020603050405020304" pitchFamily="18" charset="0"/>
-              <a:sym typeface="+mn-ea"/>
-            </a:endParaRPr>
-          </a:p>
-          <a:p>
-            <a:pPr algn="just" latinLnBrk="0"/>
-            <a:endParaRPr lang="en-US" altLang="zh-CN" sz="1600" dirty="0">
-              <a:latin typeface="Times New Roman" panose="02020603050405020304" pitchFamily="18" charset="0"/>
-              <a:sym typeface="+mn-ea"/>
-            </a:endParaRPr>
-          </a:p>
-          <a:p>
-            <a:pPr algn="just" latinLnBrk="0"/>
-            <a:endParaRPr lang="en-US" altLang="zh-CN" sz="1600" dirty="0">
-              <a:latin typeface="Times New Roman" panose="02020603050405020304" pitchFamily="18" charset="0"/>
-              <a:sym typeface="+mn-ea"/>
-            </a:endParaRPr>
-          </a:p>
-          <a:p>
-            <a:pPr algn="just" latinLnBrk="0"/>
-            <a:endParaRPr lang="en-US" altLang="zh-CN" sz="1600" dirty="0">
-              <a:latin typeface="Times New Roman" panose="02020603050405020304" pitchFamily="18" charset="0"/>
-              <a:sym typeface="+mn-ea"/>
-            </a:endParaRPr>
-          </a:p>
-          <a:p>
-            <a:pPr algn="just" latinLnBrk="0"/>
-            <a:endParaRPr lang="en-US" altLang="zh-CN" sz="1600" dirty="0">
-              <a:latin typeface="Times New Roman" panose="02020603050405020304" pitchFamily="18" charset="0"/>
-              <a:sym typeface="+mn-ea"/>
-            </a:endParaRPr>
-          </a:p>
-          <a:p>
-            <a:pPr algn="just" latinLnBrk="0"/>
-            <a:r>
-              <a:rPr sz="1600" dirty="0">
-                <a:latin typeface="Times New Roman" panose="02020603050405020304" pitchFamily="18" charset="0"/>
-                <a:cs typeface="Times New Roman" panose="02020603050405020304" pitchFamily="18" charset="0"/>
-                <a:sym typeface="+mn-ea"/>
-              </a:rPr>
-              <a:t>    Different methods have been suggested for computing the characteristic length.</a:t>
-            </a:r>
-            <a:r>
-              <a:rPr lang="zh-CN" altLang="en-US" sz="1600" dirty="0">
-                <a:latin typeface="Times New Roman" panose="02020603050405020304" pitchFamily="18" charset="0"/>
-                <a:cs typeface="Times New Roman" panose="02020603050405020304" pitchFamily="18" charset="0"/>
-                <a:sym typeface="+mn-ea"/>
-              </a:rPr>
-              <a:t>In the current model, we assume that the characteristic length at a material point is equal to the square root of  the area associated with it</a:t>
-            </a:r>
-            <a:r>
-              <a:rPr lang="en-US" altLang="zh-CN" sz="1600" dirty="0">
-                <a:latin typeface="Times New Roman" panose="02020603050405020304" pitchFamily="18" charset="0"/>
-                <a:cs typeface="Times New Roman" panose="02020603050405020304" pitchFamily="18" charset="0"/>
-                <a:sym typeface="+mn-ea"/>
-              </a:rPr>
-              <a:t>.</a:t>
-            </a:r>
-            <a:endParaRPr lang="en-US" altLang="zh-CN" sz="1600" dirty="0">
-              <a:latin typeface="Times New Roman" panose="02020603050405020304" pitchFamily="18" charset="0"/>
-              <a:cs typeface="Times New Roman" panose="02020603050405020304" pitchFamily="18" charset="0"/>
-              <a:sym typeface="+mn-ea"/>
-            </a:endParaRPr>
-          </a:p>
-          <a:p>
-            <a:endParaRPr lang="zh-CN" altLang="en-US" sz="1600" dirty="0">
-              <a:sym typeface="+mn-ea"/>
-            </a:endParaRPr>
-          </a:p>
-        </p:txBody>
-      </p:sp>
-      <p:pic>
-        <p:nvPicPr>
-          <p:cNvPr id="5" name="图片 4"/>
-          <p:cNvPicPr>
-            <a:picLocks noChangeAspect="1"/>
-          </p:cNvPicPr>
-          <p:nvPr/>
-        </p:nvPicPr>
-        <p:blipFill>
-          <a:blip r:embed="rId1"/>
-          <a:stretch>
-            <a:fillRect/>
-          </a:stretch>
-        </p:blipFill>
-        <p:spPr>
-          <a:xfrm>
-            <a:off x="4883785" y="4029075"/>
-            <a:ext cx="3544570" cy="2038985"/>
-          </a:xfrm>
-          <a:prstGeom prst="rect">
-            <a:avLst/>
-          </a:prstGeom>
-        </p:spPr>
-      </p:pic>
-      <p:graphicFrame>
-        <p:nvGraphicFramePr>
-          <p:cNvPr id="6" name="对象 5">
-            <a:hlinkClick r:id="" action="ppaction://ole?verb=0"/>
-          </p:cNvPr>
-          <p:cNvGraphicFramePr>
-            <a:graphicFrameLocks noChangeAspect="1"/>
-          </p:cNvGraphicFramePr>
-          <p:nvPr/>
-        </p:nvGraphicFramePr>
-        <p:xfrm>
-          <a:off x="1764665" y="4510405"/>
-          <a:ext cx="879475" cy="563880"/>
-        </p:xfrm>
-        <a:graphic>
-          <a:graphicData uri="http://schemas.openxmlformats.org/presentationml/2006/ole">
-            <mc:AlternateContent xmlns:mc="http://schemas.openxmlformats.org/markup-compatibility/2006">
-              <mc:Choice xmlns:v="urn:schemas-microsoft-com:vml" Requires="v">
-                <p:oleObj spid="_x0000_s1031" name="" r:id="rId2" imgW="673100" imgH="431800" progId="Equation.KSEE3">
-                  <p:embed/>
-                </p:oleObj>
-              </mc:Choice>
-              <mc:Fallback>
-                <p:oleObj name="" r:id="rId2" imgW="673100" imgH="431800" progId="Equation.KSEE3">
-                  <p:embed/>
-                  <p:pic>
-                    <p:nvPicPr>
-                      <p:cNvPr id="0" name="图片 3072"/>
-                      <p:cNvPicPr/>
-                      <p:nvPr/>
-                    </p:nvPicPr>
-                    <p:blipFill>
-                      <a:blip r:embed="rId3"/>
-                      <a:stretch>
-                        <a:fillRect/>
-                      </a:stretch>
-                    </p:blipFill>
-                    <p:spPr>
-                      <a:xfrm>
-                        <a:off x="1764665" y="4510405"/>
-                        <a:ext cx="879475" cy="563880"/>
-                      </a:xfrm>
-                      <a:prstGeom prst="rect">
-                        <a:avLst/>
-                      </a:prstGeom>
-                    </p:spPr>
-                  </p:pic>
-                </p:oleObj>
-              </mc:Fallback>
-            </mc:AlternateContent>
-          </a:graphicData>
-        </a:graphic>
-      </p:graphicFrame>
-      <p:pic>
-        <p:nvPicPr>
-          <p:cNvPr id="8" name="图片 7"/>
-          <p:cNvPicPr>
-            <a:picLocks noChangeAspect="1"/>
-          </p:cNvPicPr>
-          <p:nvPr/>
-        </p:nvPicPr>
-        <p:blipFill>
-          <a:blip r:embed="rId4"/>
-          <a:stretch>
-            <a:fillRect/>
-          </a:stretch>
-        </p:blipFill>
-        <p:spPr>
-          <a:xfrm>
-            <a:off x="4883785" y="4017010"/>
-            <a:ext cx="3678555" cy="2062480"/>
-          </a:xfrm>
-          <a:prstGeom prst="rect">
-            <a:avLst/>
-          </a:prstGeom>
-        </p:spPr>
-      </p:pic>
-      <p:sp>
-        <p:nvSpPr>
-          <p:cNvPr id="9" name="文本框 8"/>
-          <p:cNvSpPr txBox="1"/>
-          <p:nvPr/>
-        </p:nvSpPr>
-        <p:spPr>
-          <a:xfrm>
-            <a:off x="4268470" y="6255385"/>
-            <a:ext cx="4774565" cy="645160"/>
-          </a:xfrm>
-          <a:prstGeom prst="rect">
-            <a:avLst/>
-          </a:prstGeom>
-          <a:noFill/>
-        </p:spPr>
-        <p:txBody>
-          <a:bodyPr wrap="square" rtlCol="0" anchor="t">
-            <a:spAutoFit/>
-          </a:bodyPr>
-          <a:lstStyle/>
-          <a:p>
-            <a:r>
-              <a:rPr lang="zh-CN" altLang="en-US" sz="1200">
-                <a:latin typeface="Times New Roman" panose="02020603050405020304" pitchFamily="18" charset="0"/>
-              </a:rPr>
-              <a:t>Lapczyk I, Hurtado J A. Progressive damage modeling in fiber-reinforced materials[J]. Composites Part A Applied Science &amp; Manufacturing, 2007, 38(11):2333-2341.</a:t>
-            </a:r>
-            <a:endParaRPr lang="zh-CN" altLang="en-US" sz="1200">
-              <a:latin typeface="Times New Roman" panose="02020603050405020304" pitchFamily="18" charset="0"/>
-            </a:endParaRPr>
-          </a:p>
-        </p:txBody>
-      </p:sp>
-      <p:sp>
-        <p:nvSpPr>
-          <p:cNvPr id="21" name="矩形 20"/>
-          <p:cNvSpPr/>
-          <p:nvPr/>
-        </p:nvSpPr>
-        <p:spPr>
-          <a:xfrm>
-            <a:off x="103505" y="-128270"/>
-            <a:ext cx="9114155" cy="1383665"/>
-          </a:xfrm>
-          <a:prstGeom prst="rect">
-            <a:avLst/>
-          </a:prstGeom>
-        </p:spPr>
-        <p:txBody>
-          <a:bodyPr wrap="square">
-            <a:spAutoFit/>
-          </a:bodyPr>
-          <a:lstStyle/>
-          <a:p>
-            <a:pPr marL="0" lvl="1">
-              <a:lnSpc>
-                <a:spcPct val="150000"/>
-              </a:lnSpc>
-            </a:pPr>
-            <a:r>
-              <a:rPr lang="en-US" altLang="zh-CN" sz="2800" dirty="0" smtClean="0">
-                <a:latin typeface="Times New Roman" panose="02020603050405020304" pitchFamily="18" charset="0"/>
-                <a:cs typeface="Times New Roman" panose="02020603050405020304" pitchFamily="18" charset="0"/>
-              </a:rPr>
-              <a:t>Abaqus Simulation</a:t>
-            </a:r>
-            <a:endParaRPr lang="en-US" altLang="zh-CN" sz="2800" dirty="0" smtClean="0">
-              <a:latin typeface="Times New Roman" panose="02020603050405020304" pitchFamily="18" charset="0"/>
-              <a:cs typeface="Times New Roman" panose="02020603050405020304" pitchFamily="18" charset="0"/>
-            </a:endParaRPr>
-          </a:p>
-          <a:p>
-            <a:pPr marL="0" lvl="1">
-              <a:lnSpc>
-                <a:spcPct val="150000"/>
-              </a:lnSpc>
-            </a:pPr>
-            <a:r>
-              <a:rPr lang="en-US" altLang="zh-CN" sz="2800" dirty="0" smtClean="0">
-                <a:latin typeface="Times New Roman" panose="02020603050405020304" pitchFamily="18" charset="0"/>
-                <a:cs typeface="Times New Roman" panose="02020603050405020304" pitchFamily="18" charset="0"/>
-              </a:rPr>
-              <a:t>                     </a:t>
-            </a:r>
-            <a:r>
-              <a:rPr lang="en-US" altLang="zh-CN" sz="2400" dirty="0" smtClean="0">
-                <a:latin typeface="Times New Roman" panose="02020603050405020304" pitchFamily="18" charset="0"/>
-                <a:cs typeface="Times New Roman" panose="02020603050405020304" pitchFamily="18" charset="0"/>
-              </a:rPr>
-              <a:t>—c</a:t>
-            </a:r>
-            <a:r>
-              <a:rPr lang="en-US" altLang="zh-CN" sz="2400">
-                <a:solidFill>
-                  <a:schemeClr val="dk1"/>
-                </a:solidFill>
-                <a:latin typeface="Times New Roman" panose="02020603050405020304" pitchFamily="18" charset="0"/>
-                <a:sym typeface="+mn-ea"/>
-              </a:rPr>
-              <a:t>haracteristic length</a:t>
-            </a:r>
-            <a:endParaRPr lang="en-US" altLang="zh-CN" sz="2400" dirty="0" smtClean="0">
-              <a:latin typeface="Times New Roman" panose="02020603050405020304" pitchFamily="18" charset="0"/>
-              <a:cs typeface="Times New Roman" panose="02020603050405020304" pitchFamily="18" charset="0"/>
-            </a:endParaRPr>
-          </a:p>
-        </p:txBody>
-      </p:sp>
-      <p:graphicFrame>
-        <p:nvGraphicFramePr>
-          <p:cNvPr id="2" name="对象 1">
-            <a:hlinkClick r:id="" action="ppaction://ole?verb=0"/>
-          </p:cNvPr>
-          <p:cNvGraphicFramePr>
-            <a:graphicFrameLocks noChangeAspect="1"/>
-          </p:cNvGraphicFramePr>
-          <p:nvPr/>
-        </p:nvGraphicFramePr>
-        <p:xfrm>
-          <a:off x="3173730" y="3446145"/>
-          <a:ext cx="309880" cy="392430"/>
-        </p:xfrm>
-        <a:graphic>
-          <a:graphicData uri="http://schemas.openxmlformats.org/presentationml/2006/ole">
-            <mc:AlternateContent xmlns:mc="http://schemas.openxmlformats.org/markup-compatibility/2006">
-              <mc:Choice xmlns:v="urn:schemas-microsoft-com:vml" Requires="v">
-                <p:oleObj spid="_x0000_s1032" name="" r:id="rId5" imgW="190500" imgH="241300" progId="Equation.KSEE3">
-                  <p:embed/>
-                </p:oleObj>
-              </mc:Choice>
-              <mc:Fallback>
-                <p:oleObj name="" r:id="rId5" imgW="190500" imgH="241300" progId="Equation.KSEE3">
-                  <p:embed/>
-                  <p:pic>
-                    <p:nvPicPr>
-                      <p:cNvPr id="0" name="图片 1024"/>
-                      <p:cNvPicPr/>
-                      <p:nvPr/>
-                    </p:nvPicPr>
-                    <p:blipFill>
-                      <a:blip r:embed="rId6"/>
-                      <a:stretch>
-                        <a:fillRect/>
-                      </a:stretch>
-                    </p:blipFill>
-                    <p:spPr>
-                      <a:xfrm>
-                        <a:off x="3173730" y="3446145"/>
-                        <a:ext cx="309880" cy="392430"/>
-                      </a:xfrm>
-                      <a:prstGeom prst="rect">
-                        <a:avLst/>
-                      </a:prstGeom>
-                    </p:spPr>
-                  </p:pic>
-                </p:oleObj>
-              </mc:Fallback>
-            </mc:AlternateContent>
-          </a:graphicData>
-        </a:graphic>
-      </p:graphicFrame>
-      <p:pic>
-        <p:nvPicPr>
-          <p:cNvPr id="3" name="图片 2"/>
-          <p:cNvPicPr>
-            <a:picLocks noChangeAspect="1"/>
-          </p:cNvPicPr>
-          <p:nvPr/>
-        </p:nvPicPr>
-        <p:blipFill>
-          <a:blip r:embed="rId7"/>
-          <a:stretch>
-            <a:fillRect/>
-          </a:stretch>
-        </p:blipFill>
-        <p:spPr>
-          <a:xfrm>
-            <a:off x="5328285" y="1255395"/>
-            <a:ext cx="2438400" cy="1352550"/>
-          </a:xfrm>
-          <a:prstGeom prst="rect">
-            <a:avLst/>
-          </a:prstGeom>
-        </p:spPr>
-      </p:pic>
-      <p:pic>
-        <p:nvPicPr>
-          <p:cNvPr id="7" name="图片 6"/>
-          <p:cNvPicPr>
-            <a:picLocks noChangeAspect="1"/>
-          </p:cNvPicPr>
-          <p:nvPr/>
-        </p:nvPicPr>
-        <p:blipFill>
-          <a:blip r:embed="rId8"/>
-          <a:stretch>
-            <a:fillRect/>
-          </a:stretch>
-        </p:blipFill>
-        <p:spPr>
-          <a:xfrm>
-            <a:off x="5200015" y="2893060"/>
-            <a:ext cx="2694940" cy="838200"/>
-          </a:xfrm>
-          <a:prstGeom prst="rect">
-            <a:avLst/>
-          </a:prstGeom>
-        </p:spPr>
-      </p:pic>
-    </p:spTree>
-  </p:cSld>
-  <p:clrMapOvr>
-    <a:masterClrMapping/>
-  </p:clrMapOvr>
-  <p:transition/>
-  <p:timing>
-    <p:tnLst>
-      <p:par>
-        <p:cTn id="1" dur="indefinite" restart="never" nodeType="tmRoot">
-          <p:childTnLst>
-            <p:seq concurrent="1" nextAc="seek">
-              <p:cTn id="2" dur="indefinite" nodeType="mainSeq">
-                <p:childTnLst>
-                  <p:par>
-                    <p:cTn id="3" fill="hold">
-                      <p:stCondLst>
-                        <p:cond delay="indefinite"/>
-                      </p:stCondLst>
-                      <p:childTnLst>
-                        <p:par>
-                          <p:cTn id="4" fill="hold">
-                            <p:stCondLst>
-                              <p:cond delay="0"/>
-                            </p:stCondLst>
-                            <p:childTnLst>
-                              <p:par>
-                                <p:cTn id="5" presetID="2" presetClass="entr" presetSubtype="4" fill="hold" nodeType="clickEffect">
-                                  <p:stCondLst>
-                                    <p:cond delay="0"/>
-                                  </p:stCondLst>
-                                  <p:childTnLst>
-                                    <p:set>
-                                      <p:cBhvr>
-                                        <p:cTn id="6" dur="1" fill="hold">
-                                          <p:stCondLst>
-                                            <p:cond delay="0"/>
-                                          </p:stCondLst>
-                                        </p:cTn>
-                                        <p:tgtEl>
-                                          <p:spTgt spid="8"/>
-                                        </p:tgtEl>
-                                        <p:attrNameLst>
-                                          <p:attrName>style.visibility</p:attrName>
-                                        </p:attrNameLst>
-                                      </p:cBhvr>
-                                      <p:to>
-                                        <p:strVal val="visible"/>
-                                      </p:to>
-                                    </p:set>
-                                    <p:anim calcmode="lin" valueType="num">
-                                      <p:cBhvr additive="base">
-                                        <p:cTn id="7" dur="500" fill="hold"/>
-                                        <p:tgtEl>
-                                          <p:spTgt spid="8"/>
-                                        </p:tgtEl>
-                                        <p:attrNameLst>
-                                          <p:attrName>ppt_x</p:attrName>
-                                        </p:attrNameLst>
-                                      </p:cBhvr>
-                                      <p:tavLst>
-                                        <p:tav tm="0">
-                                          <p:val>
-                                            <p:strVal val="#ppt_x"/>
-                                          </p:val>
-                                        </p:tav>
-                                        <p:tav tm="100000">
-                                          <p:val>
-                                            <p:strVal val="#ppt_x"/>
-                                          </p:val>
-                                        </p:tav>
-                                      </p:tavLst>
-                                    </p:anim>
-                                    <p:anim calcmode="lin" valueType="num">
-                                      <p:cBhvr additive="base">
-                                        <p:cTn id="8" dur="500" fill="hold"/>
-                                        <p:tgtEl>
-                                          <p:spTgt spid="8"/>
-                                        </p:tgtEl>
-                                        <p:attrNameLst>
-                                          <p:attrName>ppt_y</p:attrName>
-                                        </p:attrNameLst>
-                                      </p:cBhvr>
-                                      <p:tavLst>
-                                        <p:tav tm="0">
-                                          <p:val>
-                                            <p:strVal val="1+#ppt_h/2"/>
-                                          </p:val>
-                                        </p:tav>
-                                        <p:tav tm="100000">
-                                          <p:val>
-                                            <p:strVal val="#ppt_y"/>
-                                          </p:val>
-                                        </p:tav>
-                                      </p:tavLst>
-                                    </p:anim>
-                                  </p:childTnLst>
-                                </p:cTn>
-                              </p:par>
-                            </p:childTnLst>
-                          </p:cTn>
-                        </p:par>
-                      </p:childTnLst>
-                    </p:cTn>
-                  </p:par>
-                </p:childTnLst>
-              </p:cTn>
-              <p:prevCondLst>
-                <p:cond evt="onPrev" delay="0">
-                  <p:tgtEl>
-                    <p:sldTgt/>
-                  </p:tgtEl>
-                </p:cond>
-              </p:prevCondLst>
-              <p:nextCondLst>
-                <p:cond evt="onNext" delay="0">
-                  <p:tgtEl>
-                    <p:sldTgt/>
-                  </p:tgtEl>
-                </p:cond>
-              </p:nextCondLst>
-            </p:seq>
-          </p:childTnLst>
-        </p:cTn>
       </p:par>
     </p:tnLst>
   </p:timing>

--- a/组会报告/组会20180110.pptx
+++ b/组会报告/组会20180110.pptx
@@ -8,7 +8,7 @@
     <p:notesMasterId r:id="rId4"/>
   </p:notesMasterIdLst>
   <p:handoutMasterIdLst>
-    <p:handoutMasterId r:id="rId22"/>
+    <p:handoutMasterId r:id="rId24"/>
   </p:handoutMasterIdLst>
   <p:sldIdLst>
     <p:sldId id="536" r:id="rId3"/>
@@ -19,16 +19,18 @@
     <p:sldId id="498" r:id="rId9"/>
     <p:sldId id="499" r:id="rId10"/>
     <p:sldId id="501" r:id="rId11"/>
-    <p:sldId id="553" r:id="rId12"/>
-    <p:sldId id="496" r:id="rId13"/>
-    <p:sldId id="489" r:id="rId14"/>
-    <p:sldId id="488" r:id="rId15"/>
-    <p:sldId id="470" r:id="rId16"/>
-    <p:sldId id="456" r:id="rId17"/>
-    <p:sldId id="471" r:id="rId18"/>
-    <p:sldId id="472" r:id="rId19"/>
-    <p:sldId id="473" r:id="rId20"/>
-    <p:sldId id="500" r:id="rId21"/>
+    <p:sldId id="563" r:id="rId12"/>
+    <p:sldId id="553" r:id="rId13"/>
+    <p:sldId id="496" r:id="rId14"/>
+    <p:sldId id="489" r:id="rId15"/>
+    <p:sldId id="564" r:id="rId16"/>
+    <p:sldId id="488" r:id="rId17"/>
+    <p:sldId id="470" r:id="rId18"/>
+    <p:sldId id="456" r:id="rId19"/>
+    <p:sldId id="471" r:id="rId20"/>
+    <p:sldId id="472" r:id="rId21"/>
+    <p:sldId id="473" r:id="rId22"/>
+    <p:sldId id="500" r:id="rId23"/>
   </p:sldIdLst>
   <p:sldSz cx="9144000" cy="6858000" type="screen4x3"/>
   <p:notesSz cx="6858000" cy="9144000"/>
@@ -4860,124 +4862,7 @@
               <a:buFont typeface="Wingdings" panose="05000000000000000000" pitchFamily="2" charset="2"/>
               <a:buNone/>
             </a:pPr>
-            <a:r>
-              <a:rPr lang="zh-CN" altLang="en-US" dirty="0" smtClean="0"/>
-              <a:t>为了说明这个问题，我们考虑一个施加了单向拉伸的棒，此棒由线弹性材料组成，直到应力达到峰值，并且在此后的构型中线性软化。更进一步，我们假设在垂直于轴线方向有一条很窄的材料带，这个地方的强度比材料其他地方要稍低一些。从有限元的力</a:t>
-            </a:r>
-            <a:r>
-              <a:rPr lang="en-US" altLang="zh-CN" dirty="0" smtClean="0"/>
-              <a:t>-</a:t>
-            </a:r>
-            <a:r>
-              <a:rPr lang="zh-CN" altLang="en-US" dirty="0" smtClean="0"/>
-              <a:t>位移响应解显示出有很强的网格依赖性。清晰的显示出随着单元尺寸的减小，断裂所做的外部功不断减少。应变局部化被限制与一个单元厚度的一层上。能量耗散和失效单元的体积成正比，而不是断裂表面的面积，随着网格划分的细密，能量耗散趋于</a:t>
-            </a:r>
-            <a:r>
-              <a:rPr lang="en-US" altLang="zh-CN" dirty="0" smtClean="0"/>
-              <a:t>0.</a:t>
-            </a:r>
             <a:endParaRPr lang="en-US" altLang="zh-CN" dirty="0" smtClean="0"/>
-          </a:p>
-          <a:p>
-            <a:pPr marL="171450" indent="-171450">
-              <a:buFont typeface="Wingdings" panose="05000000000000000000" pitchFamily="2" charset="2"/>
-              <a:buNone/>
-            </a:pPr>
-            <a:r>
-              <a:rPr lang="zh-CN" altLang="en-US" dirty="0" smtClean="0"/>
-              <a:t>为了纠正这个行为，我们使用裂纹带模型，在这个模型中，断裂被做成一个平行的密集分布的微裂纹带（一个弄脏的裂纹带）在这个模型中，强度极限应变ef并不是固定的而是按照公式来调整，使得总的断裂能保持不变</a:t>
-            </a:r>
-            <a:r>
-              <a:rPr lang="en-US" altLang="zh-CN" dirty="0" smtClean="0"/>
-              <a:t>bao</a:t>
-            </a:r>
-            <a:r>
-              <a:rPr lang="zh-CN" altLang="en-US" dirty="0" smtClean="0"/>
-              <a:t>。</a:t>
-            </a:r>
-            <a:r>
-              <a:rPr lang="en-US" altLang="zh-CN" dirty="0" smtClean="0"/>
-              <a:t>(</a:t>
-            </a:r>
-            <a:r>
-              <a:rPr lang="zh-CN" altLang="en-US" dirty="0" smtClean="0"/>
-              <a:t>公式略</a:t>
-            </a:r>
-            <a:r>
-              <a:rPr lang="en-US" altLang="zh-CN" dirty="0" smtClean="0"/>
-              <a:t>)</a:t>
-            </a:r>
-            <a:endParaRPr lang="en-US" altLang="zh-CN" dirty="0" smtClean="0"/>
-          </a:p>
-          <a:p>
-            <a:pPr marL="171450" indent="-171450">
-              <a:buFont typeface="Wingdings" panose="05000000000000000000" pitchFamily="2" charset="2"/>
-              <a:buNone/>
-            </a:pPr>
-            <a:r>
-              <a:rPr lang="zh-CN" altLang="en-US" dirty="0" smtClean="0"/>
-              <a:t>   </a:t>
-            </a:r>
-            <a:r>
-              <a:rPr lang="en-US" altLang="zh-CN" dirty="0" smtClean="0"/>
-              <a:t>Lc</a:t>
-            </a:r>
-            <a:r>
-              <a:rPr lang="zh-CN" altLang="en-US" dirty="0" smtClean="0"/>
-              <a:t>为单元的特征长度，</a:t>
-            </a:r>
-            <a:r>
-              <a:rPr lang="en-US" altLang="zh-CN" dirty="0" smtClean="0"/>
-              <a:t>Gc</a:t>
-            </a:r>
-            <a:r>
-              <a:rPr lang="zh-CN" altLang="en-US" dirty="0" smtClean="0"/>
-              <a:t>是断裂能，这是一个材料性能，必须要被确定，</a:t>
-            </a:r>
-            <a:r>
-              <a:rPr lang="en-US" altLang="zh-CN" dirty="0" smtClean="0"/>
-              <a:t>Lc</a:t>
-            </a:r>
-            <a:r>
-              <a:rPr lang="zh-CN" altLang="en-US" dirty="0" smtClean="0"/>
-              <a:t>可以有不同的方法来计算</a:t>
-            </a:r>
-            <a:endParaRPr lang="zh-CN" altLang="en-US" dirty="0" smtClean="0"/>
-          </a:p>
-          <a:p>
-            <a:pPr marL="171450" indent="-171450">
-              <a:buFont typeface="Wingdings" panose="05000000000000000000" pitchFamily="2" charset="2"/>
-              <a:buNone/>
-            </a:pPr>
-            <a:endParaRPr lang="en-US" altLang="zh-CN" dirty="0" smtClean="0"/>
-          </a:p>
-          <a:p>
-            <a:pPr marL="171450" indent="-171450">
-              <a:buFont typeface="Wingdings" panose="05000000000000000000" pitchFamily="2" charset="2"/>
-              <a:buNone/>
-            </a:pPr>
-            <a:endParaRPr lang="zh-CN" altLang="en-US" dirty="0" smtClean="0"/>
-          </a:p>
-          <a:p>
-            <a:pPr marL="171450" indent="-171450">
-              <a:buFont typeface="Wingdings" panose="05000000000000000000" pitchFamily="2" charset="2"/>
-              <a:buNone/>
-            </a:pPr>
-            <a:endParaRPr lang="zh-CN" altLang="en-US" dirty="0" smtClean="0"/>
-          </a:p>
-          <a:p>
-            <a:pPr marL="171450" indent="-171450">
-              <a:buFont typeface="Wingdings" panose="05000000000000000000" pitchFamily="2" charset="2"/>
-              <a:buNone/>
-            </a:pPr>
-            <a:endParaRPr lang="zh-CN" altLang="en-US" dirty="0" smtClean="0"/>
-          </a:p>
-          <a:p>
-            <a:pPr marL="171450" indent="-171450">
-              <a:buFont typeface="Wingdings" panose="05000000000000000000" pitchFamily="2" charset="2"/>
-              <a:buNone/>
-            </a:pPr>
-            <a:endParaRPr lang="zh-CN" altLang="en-US" dirty="0" smtClean="0"/>
           </a:p>
         </p:txBody>
       </p:sp>
@@ -5080,6 +4965,123 @@
               <a:buFont typeface="Wingdings" panose="05000000000000000000" pitchFamily="2" charset="2"/>
               <a:buNone/>
             </a:pPr>
+            <a:r>
+              <a:rPr lang="zh-CN" altLang="en-US" dirty="0" smtClean="0"/>
+              <a:t>为了说明这个问题，我们考虑一个施加了单向拉伸的棒，此棒由线弹性材料组成，直到应力达到峰值，并且在此后的构型中线性软化。更进一步，我们假设在垂直于轴线方向有一条很窄的材料带，这个地方的强度比材料其他地方要稍低一些。从有限元的力</a:t>
+            </a:r>
+            <a:r>
+              <a:rPr lang="en-US" altLang="zh-CN" dirty="0" smtClean="0"/>
+              <a:t>-</a:t>
+            </a:r>
+            <a:r>
+              <a:rPr lang="zh-CN" altLang="en-US" dirty="0" smtClean="0"/>
+              <a:t>位移响应解显示出有很强的网格依赖性。清晰的显示出随着单元尺寸的减小，断裂所做的外部功不断减少。应变局部化被限制与一个单元厚度的一层上。能量耗散和失效单元的体积成正比，而不是断裂表面的面积，随着网格划分的细密，能量耗散趋于</a:t>
+            </a:r>
+            <a:r>
+              <a:rPr lang="en-US" altLang="zh-CN" dirty="0" smtClean="0"/>
+              <a:t>0.</a:t>
+            </a:r>
+            <a:endParaRPr lang="en-US" altLang="zh-CN" dirty="0" smtClean="0"/>
+          </a:p>
+          <a:p>
+            <a:pPr marL="171450" indent="-171450">
+              <a:buFont typeface="Wingdings" panose="05000000000000000000" pitchFamily="2" charset="2"/>
+              <a:buNone/>
+            </a:pPr>
+            <a:r>
+              <a:rPr lang="zh-CN" altLang="en-US" dirty="0" smtClean="0"/>
+              <a:t>为了纠正这个行为，我们使用裂纹带模型，在这个模型中，断裂被做成一个平行的密集分布的微裂纹带（一个弄脏的裂纹带）在这个模型中，强度极限应变ef并不是固定的而是按照公式来调整，使得总的断裂能保持不变</a:t>
+            </a:r>
+            <a:r>
+              <a:rPr lang="en-US" altLang="zh-CN" dirty="0" smtClean="0"/>
+              <a:t>bao</a:t>
+            </a:r>
+            <a:r>
+              <a:rPr lang="zh-CN" altLang="en-US" dirty="0" smtClean="0"/>
+              <a:t>。</a:t>
+            </a:r>
+            <a:r>
+              <a:rPr lang="en-US" altLang="zh-CN" dirty="0" smtClean="0"/>
+              <a:t>(</a:t>
+            </a:r>
+            <a:r>
+              <a:rPr lang="zh-CN" altLang="en-US" dirty="0" smtClean="0"/>
+              <a:t>公式略</a:t>
+            </a:r>
+            <a:r>
+              <a:rPr lang="en-US" altLang="zh-CN" dirty="0" smtClean="0"/>
+              <a:t>)</a:t>
+            </a:r>
+            <a:endParaRPr lang="en-US" altLang="zh-CN" dirty="0" smtClean="0"/>
+          </a:p>
+          <a:p>
+            <a:pPr marL="171450" indent="-171450">
+              <a:buFont typeface="Wingdings" panose="05000000000000000000" pitchFamily="2" charset="2"/>
+              <a:buNone/>
+            </a:pPr>
+            <a:r>
+              <a:rPr lang="zh-CN" altLang="en-US" dirty="0" smtClean="0"/>
+              <a:t>   </a:t>
+            </a:r>
+            <a:r>
+              <a:rPr lang="en-US" altLang="zh-CN" dirty="0" smtClean="0"/>
+              <a:t>Lc</a:t>
+            </a:r>
+            <a:r>
+              <a:rPr lang="zh-CN" altLang="en-US" dirty="0" smtClean="0"/>
+              <a:t>为单元的特征长度，</a:t>
+            </a:r>
+            <a:r>
+              <a:rPr lang="en-US" altLang="zh-CN" dirty="0" smtClean="0"/>
+              <a:t>Gc</a:t>
+            </a:r>
+            <a:r>
+              <a:rPr lang="zh-CN" altLang="en-US" dirty="0" smtClean="0"/>
+              <a:t>是断裂能，这是一个材料性能，必须要被确定，</a:t>
+            </a:r>
+            <a:r>
+              <a:rPr lang="en-US" altLang="zh-CN" dirty="0" smtClean="0"/>
+              <a:t>Lc</a:t>
+            </a:r>
+            <a:r>
+              <a:rPr lang="zh-CN" altLang="en-US" dirty="0" smtClean="0"/>
+              <a:t>可以有不同的方法来计算</a:t>
+            </a:r>
+            <a:endParaRPr lang="zh-CN" altLang="en-US" dirty="0" smtClean="0"/>
+          </a:p>
+          <a:p>
+            <a:pPr marL="171450" indent="-171450">
+              <a:buFont typeface="Wingdings" panose="05000000000000000000" pitchFamily="2" charset="2"/>
+              <a:buNone/>
+            </a:pPr>
+            <a:endParaRPr lang="en-US" altLang="zh-CN" dirty="0" smtClean="0"/>
+          </a:p>
+          <a:p>
+            <a:pPr marL="171450" indent="-171450">
+              <a:buFont typeface="Wingdings" panose="05000000000000000000" pitchFamily="2" charset="2"/>
+              <a:buNone/>
+            </a:pPr>
+            <a:endParaRPr lang="zh-CN" altLang="en-US" dirty="0" smtClean="0"/>
+          </a:p>
+          <a:p>
+            <a:pPr marL="171450" indent="-171450">
+              <a:buFont typeface="Wingdings" panose="05000000000000000000" pitchFamily="2" charset="2"/>
+              <a:buNone/>
+            </a:pPr>
+            <a:endParaRPr lang="zh-CN" altLang="en-US" dirty="0" smtClean="0"/>
+          </a:p>
+          <a:p>
+            <a:pPr marL="171450" indent="-171450">
+              <a:buFont typeface="Wingdings" panose="05000000000000000000" pitchFamily="2" charset="2"/>
+              <a:buNone/>
+            </a:pPr>
+            <a:endParaRPr lang="zh-CN" altLang="en-US" dirty="0" smtClean="0"/>
+          </a:p>
+          <a:p>
+            <a:pPr marL="171450" indent="-171450">
+              <a:buFont typeface="Wingdings" panose="05000000000000000000" pitchFamily="2" charset="2"/>
+              <a:buNone/>
+            </a:pPr>
             <a:endParaRPr lang="zh-CN" altLang="en-US" dirty="0" smtClean="0"/>
           </a:p>
         </p:txBody>
@@ -5282,6 +5284,212 @@
           <a:bodyPr wrap="square" numCol="1" anchor="t" anchorCtr="0" compatLnSpc="1"/>
           <a:lstStyle/>
           <a:p>
+            <a:pPr marL="171450" indent="-171450">
+              <a:buFont typeface="Wingdings" panose="05000000000000000000" pitchFamily="2" charset="2"/>
+              <a:buNone/>
+            </a:pPr>
+            <a:endParaRPr lang="zh-CN" altLang="en-US" dirty="0" smtClean="0"/>
+          </a:p>
+        </p:txBody>
+      </p:sp>
+      <p:sp>
+        <p:nvSpPr>
+          <p:cNvPr id="51204" name="灯片编号占位符 3"/>
+          <p:cNvSpPr>
+            <a:spLocks noGrp="1"/>
+          </p:cNvSpPr>
+          <p:nvPr>
+            <p:ph type="sldNum" sz="quarter" idx="5"/>
+          </p:nvPr>
+        </p:nvSpPr>
+        <p:spPr bwMode="auto">
+          <a:noFill/>
+          <a:ln>
+            <a:miter lim="800000"/>
+          </a:ln>
+        </p:spPr>
+        <p:txBody>
+          <a:bodyPr wrap="square" numCol="1" anchorCtr="0" compatLnSpc="1"/>
+          <a:lstStyle/>
+          <a:p>
+            <a:fld id="{27079A59-C579-4586-98B8-6BEF6403C71B}" type="slidenum">
+              <a:rPr lang="zh-CN" altLang="en-US" smtClean="0">
+                <a:latin typeface="Arial" panose="020B0604020202020204" pitchFamily="34" charset="0"/>
+                <a:ea typeface="宋体" panose="02010600030101010101" pitchFamily="2" charset="-122"/>
+              </a:rPr>
+            </a:fld>
+            <a:endParaRPr lang="en-US" altLang="zh-CN" smtClean="0">
+              <a:latin typeface="Arial" panose="020B0604020202020204" pitchFamily="34" charset="0"/>
+              <a:ea typeface="宋体" panose="02010600030101010101" pitchFamily="2" charset="-122"/>
+            </a:endParaRPr>
+          </a:p>
+        </p:txBody>
+      </p:sp>
+    </p:spTree>
+  </p:cSld>
+  <p:clrMapOvr>
+    <a:masterClrMapping/>
+  </p:clrMapOvr>
+</p:notes>
+</file>
+
+<file path=ppt/notesSlides/notesSlide14.xml><?xml version="1.0" encoding="utf-8"?>
+<p:notes xmlns:a="http://schemas.openxmlformats.org/drawingml/2006/main" xmlns:r="http://schemas.openxmlformats.org/officeDocument/2006/relationships" xmlns:p="http://schemas.openxmlformats.org/presentationml/2006/main">
+  <p:cSld>
+    <p:spTree>
+      <p:nvGrpSpPr>
+        <p:cNvPr id="1" name=""/>
+        <p:cNvGrpSpPr/>
+        <p:nvPr/>
+      </p:nvGrpSpPr>
+      <p:grpSpPr>
+        <a:xfrm>
+          <a:off x="0" y="0"/>
+          <a:ext cx="0" cy="0"/>
+          <a:chOff x="0" y="0"/>
+          <a:chExt cx="0" cy="0"/>
+        </a:xfrm>
+      </p:grpSpPr>
+      <p:sp>
+        <p:nvSpPr>
+          <p:cNvPr id="51202" name="幻灯片图像占位符 1"/>
+          <p:cNvSpPr>
+            <a:spLocks noGrp="1" noRot="1" noChangeAspect="1" noTextEdit="1"/>
+          </p:cNvSpPr>
+          <p:nvPr>
+            <p:ph type="sldImg"/>
+          </p:nvPr>
+        </p:nvSpPr>
+        <p:spPr bwMode="auto">
+          <a:noFill/>
+          <a:ln>
+            <a:solidFill>
+              <a:srgbClr val="000000"/>
+            </a:solidFill>
+            <a:miter lim="800000"/>
+          </a:ln>
+        </p:spPr>
+      </p:sp>
+      <p:sp>
+        <p:nvSpPr>
+          <p:cNvPr id="51203" name="备注占位符 2"/>
+          <p:cNvSpPr>
+            <a:spLocks noGrp="1"/>
+          </p:cNvSpPr>
+          <p:nvPr>
+            <p:ph type="body" idx="1"/>
+          </p:nvPr>
+        </p:nvSpPr>
+        <p:spPr bwMode="auto">
+          <a:noFill/>
+        </p:spPr>
+        <p:txBody>
+          <a:bodyPr wrap="square" numCol="1" anchor="t" anchorCtr="0" compatLnSpc="1"/>
+          <a:lstStyle/>
+          <a:p>
+            <a:pPr marL="171450" indent="-171450">
+              <a:buFont typeface="Wingdings" panose="05000000000000000000" pitchFamily="2" charset="2"/>
+              <a:buNone/>
+            </a:pPr>
+            <a:endParaRPr lang="zh-CN" altLang="en-US" dirty="0" smtClean="0"/>
+          </a:p>
+        </p:txBody>
+      </p:sp>
+      <p:sp>
+        <p:nvSpPr>
+          <p:cNvPr id="51204" name="灯片编号占位符 3"/>
+          <p:cNvSpPr>
+            <a:spLocks noGrp="1"/>
+          </p:cNvSpPr>
+          <p:nvPr>
+            <p:ph type="sldNum" sz="quarter" idx="5"/>
+          </p:nvPr>
+        </p:nvSpPr>
+        <p:spPr bwMode="auto">
+          <a:noFill/>
+          <a:ln>
+            <a:miter lim="800000"/>
+          </a:ln>
+        </p:spPr>
+        <p:txBody>
+          <a:bodyPr wrap="square" numCol="1" anchorCtr="0" compatLnSpc="1"/>
+          <a:lstStyle/>
+          <a:p>
+            <a:fld id="{27079A59-C579-4586-98B8-6BEF6403C71B}" type="slidenum">
+              <a:rPr lang="zh-CN" altLang="en-US" smtClean="0">
+                <a:latin typeface="Arial" panose="020B0604020202020204" pitchFamily="34" charset="0"/>
+                <a:ea typeface="宋体" panose="02010600030101010101" pitchFamily="2" charset="-122"/>
+              </a:rPr>
+            </a:fld>
+            <a:endParaRPr lang="en-US" altLang="zh-CN" smtClean="0">
+              <a:latin typeface="Arial" panose="020B0604020202020204" pitchFamily="34" charset="0"/>
+              <a:ea typeface="宋体" panose="02010600030101010101" pitchFamily="2" charset="-122"/>
+            </a:endParaRPr>
+          </a:p>
+        </p:txBody>
+      </p:sp>
+    </p:spTree>
+  </p:cSld>
+  <p:clrMapOvr>
+    <a:masterClrMapping/>
+  </p:clrMapOvr>
+</p:notes>
+</file>
+
+<file path=ppt/notesSlides/notesSlide15.xml><?xml version="1.0" encoding="utf-8"?>
+<p:notes xmlns:a="http://schemas.openxmlformats.org/drawingml/2006/main" xmlns:r="http://schemas.openxmlformats.org/officeDocument/2006/relationships" xmlns:p="http://schemas.openxmlformats.org/presentationml/2006/main">
+  <p:cSld>
+    <p:spTree>
+      <p:nvGrpSpPr>
+        <p:cNvPr id="1" name=""/>
+        <p:cNvGrpSpPr/>
+        <p:nvPr/>
+      </p:nvGrpSpPr>
+      <p:grpSpPr>
+        <a:xfrm>
+          <a:off x="0" y="0"/>
+          <a:ext cx="0" cy="0"/>
+          <a:chOff x="0" y="0"/>
+          <a:chExt cx="0" cy="0"/>
+        </a:xfrm>
+      </p:grpSpPr>
+      <p:sp>
+        <p:nvSpPr>
+          <p:cNvPr id="51202" name="幻灯片图像占位符 1"/>
+          <p:cNvSpPr>
+            <a:spLocks noGrp="1" noRot="1" noChangeAspect="1" noTextEdit="1"/>
+          </p:cNvSpPr>
+          <p:nvPr>
+            <p:ph type="sldImg"/>
+          </p:nvPr>
+        </p:nvSpPr>
+        <p:spPr bwMode="auto">
+          <a:noFill/>
+          <a:ln>
+            <a:solidFill>
+              <a:srgbClr val="000000"/>
+            </a:solidFill>
+            <a:miter lim="800000"/>
+          </a:ln>
+        </p:spPr>
+      </p:sp>
+      <p:sp>
+        <p:nvSpPr>
+          <p:cNvPr id="51203" name="备注占位符 2"/>
+          <p:cNvSpPr>
+            <a:spLocks noGrp="1"/>
+          </p:cNvSpPr>
+          <p:nvPr>
+            <p:ph type="body" idx="1"/>
+          </p:nvPr>
+        </p:nvSpPr>
+        <p:spPr bwMode="auto">
+          <a:noFill/>
+        </p:spPr>
+        <p:txBody>
+          <a:bodyPr wrap="square" numCol="1" anchor="t" anchorCtr="0" compatLnSpc="1"/>
+          <a:lstStyle/>
+          <a:p>
             <a:pPr marL="171450" marR="0" indent="-171450" algn="l" defTabSz="914400" rtl="0" eaLnBrk="0" fontAlgn="base" latinLnBrk="0" hangingPunct="0">
               <a:lnSpc>
                 <a:spcPct val="100000"/>
@@ -5351,7 +5559,7 @@
 </p:notes>
 </file>
 
-<file path=ppt/notesSlides/notesSlide14.xml><?xml version="1.0" encoding="utf-8"?>
+<file path=ppt/notesSlides/notesSlide16.xml><?xml version="1.0" encoding="utf-8"?>
 <p:notes xmlns:a="http://schemas.openxmlformats.org/drawingml/2006/main" xmlns:r="http://schemas.openxmlformats.org/officeDocument/2006/relationships" xmlns:p="http://schemas.openxmlformats.org/presentationml/2006/main">
   <p:cSld>
     <p:spTree>
@@ -5454,7 +5662,7 @@
 </p:notes>
 </file>
 
-<file path=ppt/notesSlides/notesSlide15.xml><?xml version="1.0" encoding="utf-8"?>
+<file path=ppt/notesSlides/notesSlide17.xml><?xml version="1.0" encoding="utf-8"?>
 <p:notes xmlns:a="http://schemas.openxmlformats.org/drawingml/2006/main" xmlns:r="http://schemas.openxmlformats.org/officeDocument/2006/relationships" xmlns:p="http://schemas.openxmlformats.org/presentationml/2006/main">
   <p:cSld>
     <p:spTree>
@@ -5577,7 +5785,7 @@
 </p:notes>
 </file>
 
-<file path=ppt/notesSlides/notesSlide16.xml><?xml version="1.0" encoding="utf-8"?>
+<file path=ppt/notesSlides/notesSlide18.xml><?xml version="1.0" encoding="utf-8"?>
 <p:notes xmlns:a="http://schemas.openxmlformats.org/drawingml/2006/main" xmlns:r="http://schemas.openxmlformats.org/officeDocument/2006/relationships" xmlns:p="http://schemas.openxmlformats.org/presentationml/2006/main">
   <p:cSld>
     <p:spTree>
@@ -5700,7 +5908,7 @@
 </p:notes>
 </file>
 
-<file path=ppt/notesSlides/notesSlide17.xml><?xml version="1.0" encoding="utf-8"?>
+<file path=ppt/notesSlides/notesSlide19.xml><?xml version="1.0" encoding="utf-8"?>
 <p:notes xmlns:a="http://schemas.openxmlformats.org/drawingml/2006/main" xmlns:r="http://schemas.openxmlformats.org/officeDocument/2006/relationships" xmlns:p="http://schemas.openxmlformats.org/presentationml/2006/main">
   <p:cSld>
     <p:spTree>
@@ -11231,6 +11439,1771 @@
       </p:grpSpPr>
       <p:sp>
         <p:nvSpPr>
+          <p:cNvPr id="2" name="菱形 1"/>
+          <p:cNvSpPr/>
+          <p:nvPr/>
+        </p:nvSpPr>
+        <p:spPr>
+          <a:xfrm>
+            <a:off x="-2540" y="3794125"/>
+            <a:ext cx="2244090" cy="965200"/>
+          </a:xfrm>
+          <a:prstGeom prst="diamond">
+            <a:avLst/>
+          </a:prstGeom>
+          <a:solidFill>
+            <a:schemeClr val="accent1"/>
+          </a:solidFill>
+          <a:ln w="9525" cap="flat" cmpd="sng" algn="ctr">
+            <a:solidFill>
+              <a:schemeClr val="tx1"/>
+            </a:solidFill>
+            <a:prstDash val="solid"/>
+            <a:round/>
+            <a:headEnd type="none" w="med" len="med"/>
+            <a:tailEnd type="none" w="med" len="med"/>
+          </a:ln>
+        </p:spPr>
+        <p:txBody>
+          <a:bodyPr vert="horz" wrap="square" lIns="91440" tIns="45720" rIns="91440" bIns="45720" numCol="1" anchor="t" anchorCtr="0" compatLnSpc="1"/>
+          <a:lstStyle/>
+          <a:p>
+            <a:pPr marL="0" marR="0" indent="0" algn="l" defTabSz="914400" rtl="0" eaLnBrk="0" fontAlgn="base" latinLnBrk="0" hangingPunct="0">
+              <a:lnSpc>
+                <a:spcPct val="100000"/>
+              </a:lnSpc>
+              <a:spcBef>
+                <a:spcPct val="0"/>
+              </a:spcBef>
+              <a:spcAft>
+                <a:spcPct val="0"/>
+              </a:spcAft>
+              <a:buClrTx/>
+              <a:buSzTx/>
+              <a:buFontTx/>
+              <a:buNone/>
+            </a:pPr>
+            <a:endParaRPr kumimoji="0" lang="zh-CN" altLang="en-US" sz="1800" b="0" i="0" u="none" strike="noStrike" cap="none" normalizeH="0" baseline="0" smtClean="0">
+              <a:ln>
+                <a:noFill/>
+              </a:ln>
+              <a:solidFill>
+                <a:schemeClr val="tx1"/>
+              </a:solidFill>
+              <a:effectLst/>
+              <a:latin typeface="Arial" panose="020B0604020202020204" pitchFamily="34" charset="0"/>
+              <a:ea typeface="宋体" panose="02010600030101010101" pitchFamily="2" charset="-122"/>
+            </a:endParaRPr>
+          </a:p>
+        </p:txBody>
+      </p:sp>
+      <p:sp>
+        <p:nvSpPr>
+          <p:cNvPr id="4" name="矩形 3"/>
+          <p:cNvSpPr/>
+          <p:nvPr/>
+        </p:nvSpPr>
+        <p:spPr>
+          <a:xfrm>
+            <a:off x="19685" y="2183130"/>
+            <a:ext cx="2222500" cy="591820"/>
+          </a:xfrm>
+          <a:prstGeom prst="rect">
+            <a:avLst/>
+          </a:prstGeom>
+          <a:solidFill>
+            <a:schemeClr val="tx2">
+              <a:lumMod val="40000"/>
+              <a:lumOff val="60000"/>
+            </a:schemeClr>
+          </a:solidFill>
+          <a:ln w="9525" cap="flat" cmpd="sng" algn="ctr">
+            <a:solidFill>
+              <a:schemeClr val="tx1"/>
+            </a:solidFill>
+            <a:prstDash val="solid"/>
+            <a:round/>
+            <a:headEnd type="none" w="med" len="med"/>
+            <a:tailEnd type="none" w="med" len="med"/>
+          </a:ln>
+        </p:spPr>
+        <p:txBody>
+          <a:bodyPr vert="horz" wrap="square" lIns="91440" tIns="45720" rIns="91440" bIns="45720" numCol="1" anchor="t" anchorCtr="0" compatLnSpc="1"/>
+          <a:lstStyle/>
+          <a:p>
+            <a:pPr marL="0" marR="0" indent="0" algn="l" defTabSz="914400" rtl="0" eaLnBrk="0" fontAlgn="base" latinLnBrk="0" hangingPunct="0">
+              <a:lnSpc>
+                <a:spcPct val="100000"/>
+              </a:lnSpc>
+              <a:spcBef>
+                <a:spcPct val="0"/>
+              </a:spcBef>
+              <a:spcAft>
+                <a:spcPct val="0"/>
+              </a:spcAft>
+              <a:buClrTx/>
+              <a:buSzTx/>
+              <a:buFontTx/>
+              <a:buNone/>
+            </a:pPr>
+            <a:r>
+              <a:rPr kumimoji="0" lang="en-US" altLang="zh-CN" sz="1400" b="0" i="0" u="none" strike="noStrike" cap="none" normalizeH="0" baseline="0" smtClean="0">
+                <a:ln>
+                  <a:noFill/>
+                </a:ln>
+                <a:solidFill>
+                  <a:schemeClr val="tx1"/>
+                </a:solidFill>
+                <a:effectLst/>
+                <a:latin typeface="Times New Roman" panose="02020603050405020304" pitchFamily="18" charset="0"/>
+                <a:ea typeface="宋体" panose="02010600030101010101" pitchFamily="2" charset="-122"/>
+              </a:rPr>
+              <a:t>calculate strain and undamaged stiffness matrix</a:t>
+            </a:r>
+            <a:endParaRPr kumimoji="0" lang="en-US" altLang="zh-CN" sz="1400" b="0" i="0" u="none" strike="noStrike" cap="none" normalizeH="0" baseline="0" smtClean="0">
+              <a:ln>
+                <a:noFill/>
+              </a:ln>
+              <a:solidFill>
+                <a:schemeClr val="tx1"/>
+              </a:solidFill>
+              <a:effectLst/>
+              <a:latin typeface="Times New Roman" panose="02020603050405020304" pitchFamily="18" charset="0"/>
+              <a:ea typeface="宋体" panose="02010600030101010101" pitchFamily="2" charset="-122"/>
+            </a:endParaRPr>
+          </a:p>
+        </p:txBody>
+      </p:sp>
+      <p:sp>
+        <p:nvSpPr>
+          <p:cNvPr id="12" name="矩形 11"/>
+          <p:cNvSpPr/>
+          <p:nvPr/>
+        </p:nvSpPr>
+        <p:spPr>
+          <a:xfrm>
+            <a:off x="2739390" y="2477135"/>
+            <a:ext cx="1756410" cy="635000"/>
+          </a:xfrm>
+          <a:prstGeom prst="rect">
+            <a:avLst/>
+          </a:prstGeom>
+          <a:solidFill>
+            <a:schemeClr val="tx2">
+              <a:lumMod val="40000"/>
+              <a:lumOff val="60000"/>
+            </a:schemeClr>
+          </a:solidFill>
+          <a:ln w="9525" cap="flat" cmpd="sng" algn="ctr">
+            <a:solidFill>
+              <a:schemeClr val="tx1"/>
+            </a:solidFill>
+            <a:prstDash val="solid"/>
+            <a:round/>
+            <a:headEnd type="none" w="med" len="med"/>
+            <a:tailEnd type="none" w="med" len="med"/>
+          </a:ln>
+        </p:spPr>
+        <p:txBody>
+          <a:bodyPr vert="horz" wrap="square" lIns="91440" tIns="45720" rIns="91440" bIns="45720" numCol="1" anchor="t" anchorCtr="0" compatLnSpc="1"/>
+          <a:lstStyle/>
+          <a:p>
+            <a:pPr marL="0" marR="0" indent="0" algn="l" defTabSz="914400" rtl="0" eaLnBrk="0" fontAlgn="base" latinLnBrk="0" hangingPunct="0">
+              <a:lnSpc>
+                <a:spcPct val="100000"/>
+              </a:lnSpc>
+              <a:spcBef>
+                <a:spcPct val="0"/>
+              </a:spcBef>
+              <a:spcAft>
+                <a:spcPct val="0"/>
+              </a:spcAft>
+              <a:buClrTx/>
+              <a:buSzTx/>
+              <a:buFontTx/>
+              <a:buNone/>
+            </a:pPr>
+            <a:r>
+              <a:rPr kumimoji="0" lang="en-US" altLang="zh-CN" sz="1400" b="0" i="0" u="none" strike="noStrike" cap="none" normalizeH="0" baseline="0" smtClean="0">
+                <a:ln>
+                  <a:noFill/>
+                </a:ln>
+                <a:solidFill>
+                  <a:schemeClr val="tx1"/>
+                </a:solidFill>
+                <a:effectLst/>
+                <a:latin typeface="Times New Roman" panose="02020603050405020304" pitchFamily="18" charset="0"/>
+                <a:ea typeface="宋体" panose="02010600030101010101" pitchFamily="2" charset="-122"/>
+              </a:rPr>
+              <a:t>calculate damage variable d and</a:t>
+            </a:r>
+            <a:r>
+              <a:rPr kumimoji="0" lang="zh-CN" altLang="en-US" sz="1400" b="0" i="0" u="none" strike="noStrike" cap="none" normalizeH="0" baseline="0" smtClean="0">
+                <a:ln>
+                  <a:noFill/>
+                </a:ln>
+                <a:solidFill>
+                  <a:schemeClr val="tx1"/>
+                </a:solidFill>
+                <a:effectLst/>
+                <a:latin typeface="Times New Roman" panose="02020603050405020304" pitchFamily="18" charset="0"/>
+                <a:ea typeface="宋体" panose="02010600030101010101" pitchFamily="2" charset="-122"/>
+              </a:rPr>
+              <a:t>          </a:t>
+            </a:r>
+            <a:endParaRPr kumimoji="0" lang="zh-CN" altLang="en-US" sz="1400" b="0" i="0" u="none" strike="noStrike" cap="none" normalizeH="0" baseline="0" smtClean="0">
+              <a:ln>
+                <a:noFill/>
+              </a:ln>
+              <a:solidFill>
+                <a:schemeClr val="tx1"/>
+              </a:solidFill>
+              <a:effectLst/>
+              <a:latin typeface="Times New Roman" panose="02020603050405020304" pitchFamily="18" charset="0"/>
+              <a:ea typeface="宋体" panose="02010600030101010101" pitchFamily="2" charset="-122"/>
+            </a:endParaRPr>
+          </a:p>
+        </p:txBody>
+      </p:sp>
+      <p:graphicFrame>
+        <p:nvGraphicFramePr>
+          <p:cNvPr id="15" name="对象 14">
+            <a:hlinkClick r:id="" action="ppaction://ole?verb=0"/>
+          </p:cNvPr>
+          <p:cNvGraphicFramePr>
+            <a:graphicFrameLocks noChangeAspect="1"/>
+          </p:cNvGraphicFramePr>
+          <p:nvPr/>
+        </p:nvGraphicFramePr>
+        <p:xfrm>
+          <a:off x="3892550" y="2774950"/>
+          <a:ext cx="461645" cy="179070"/>
+        </p:xfrm>
+        <a:graphic>
+          <a:graphicData uri="http://schemas.openxmlformats.org/presentationml/2006/ole">
+            <mc:AlternateContent xmlns:mc="http://schemas.openxmlformats.org/markup-compatibility/2006">
+              <mc:Choice xmlns:v="urn:schemas-microsoft-com:vml" Requires="v">
+                <p:oleObj spid="_x0000_s3142" name="" r:id="rId1" imgW="457200" imgH="177165" progId="Equation.KSEE3">
+                  <p:embed/>
+                </p:oleObj>
+              </mc:Choice>
+              <mc:Fallback>
+                <p:oleObj name="" r:id="rId1" imgW="457200" imgH="177165" progId="Equation.KSEE3">
+                  <p:embed/>
+                  <p:pic>
+                    <p:nvPicPr>
+                      <p:cNvPr id="0" name="图片 3073"/>
+                      <p:cNvPicPr/>
+                      <p:nvPr/>
+                    </p:nvPicPr>
+                    <p:blipFill>
+                      <a:blip r:embed="rId2"/>
+                      <a:stretch>
+                        <a:fillRect/>
+                      </a:stretch>
+                    </p:blipFill>
+                    <p:spPr>
+                      <a:xfrm>
+                        <a:off x="3892550" y="2774950"/>
+                        <a:ext cx="461645" cy="179070"/>
+                      </a:xfrm>
+                      <a:prstGeom prst="rect">
+                        <a:avLst/>
+                      </a:prstGeom>
+                    </p:spPr>
+                  </p:pic>
+                </p:oleObj>
+              </mc:Fallback>
+            </mc:AlternateContent>
+          </a:graphicData>
+        </a:graphic>
+      </p:graphicFrame>
+      <p:sp>
+        <p:nvSpPr>
+          <p:cNvPr id="5" name="矩形 4"/>
+          <p:cNvSpPr/>
+          <p:nvPr/>
+        </p:nvSpPr>
+        <p:spPr>
+          <a:xfrm>
+            <a:off x="135255" y="5131435"/>
+            <a:ext cx="4361180" cy="650240"/>
+          </a:xfrm>
+          <a:prstGeom prst="rect">
+            <a:avLst/>
+          </a:prstGeom>
+          <a:solidFill>
+            <a:schemeClr val="tx2">
+              <a:lumMod val="40000"/>
+              <a:lumOff val="60000"/>
+            </a:schemeClr>
+          </a:solidFill>
+          <a:ln w="9525" cap="flat" cmpd="sng" algn="ctr">
+            <a:solidFill>
+              <a:schemeClr val="tx1"/>
+            </a:solidFill>
+            <a:prstDash val="solid"/>
+            <a:round/>
+            <a:headEnd type="none" w="med" len="med"/>
+            <a:tailEnd type="none" w="med" len="med"/>
+          </a:ln>
+        </p:spPr>
+        <p:txBody>
+          <a:bodyPr vert="horz" wrap="square" lIns="91440" tIns="45720" rIns="91440" bIns="45720" numCol="1" anchor="t" anchorCtr="0" compatLnSpc="1"/>
+          <a:lstStyle/>
+          <a:p>
+            <a:pPr marL="0" marR="0" indent="0" algn="ctr" defTabSz="914400" rtl="0" eaLnBrk="0" fontAlgn="base" latinLnBrk="0" hangingPunct="0">
+              <a:lnSpc>
+                <a:spcPct val="100000"/>
+              </a:lnSpc>
+              <a:spcBef>
+                <a:spcPct val="0"/>
+              </a:spcBef>
+              <a:spcAft>
+                <a:spcPct val="0"/>
+              </a:spcAft>
+              <a:buClrTx/>
+              <a:buSzTx/>
+              <a:buFontTx/>
+              <a:buNone/>
+            </a:pPr>
+            <a:r>
+              <a:rPr lang="en-US" altLang="zh-CN" sz="1400" smtClean="0">
+                <a:ln>
+                  <a:noFill/>
+                </a:ln>
+                <a:effectLst/>
+                <a:latin typeface="Times New Roman" panose="02020603050405020304" pitchFamily="18" charset="0"/>
+                <a:sym typeface="+mn-ea"/>
+              </a:rPr>
+              <a:t>calculate stress and </a:t>
+            </a:r>
+            <a:r>
+              <a:rPr lang="en-US" altLang="zh-CN" sz="1400" b="1" smtClean="0">
+                <a:ln>
+                  <a:noFill/>
+                </a:ln>
+                <a:effectLst/>
+                <a:latin typeface="Times New Roman" panose="02020603050405020304" pitchFamily="18" charset="0"/>
+                <a:sym typeface="+mn-ea"/>
+              </a:rPr>
+              <a:t>Jacobian matrix</a:t>
+            </a:r>
+            <a:r>
+              <a:rPr lang="en-US" altLang="zh-CN" sz="1400" smtClean="0">
+                <a:ln>
+                  <a:noFill/>
+                </a:ln>
+                <a:effectLst/>
+                <a:latin typeface="Times New Roman" panose="02020603050405020304" pitchFamily="18" charset="0"/>
+                <a:sym typeface="+mn-ea"/>
+              </a:rPr>
+              <a:t> ;update damage variable d </a:t>
+            </a:r>
+            <a:endParaRPr kumimoji="0" lang="en-US" altLang="zh-CN" sz="1400" b="0" i="0" u="none" strike="noStrike" cap="none" normalizeH="0" baseline="0" smtClean="0">
+              <a:ln>
+                <a:noFill/>
+              </a:ln>
+              <a:solidFill>
+                <a:schemeClr val="tx1"/>
+              </a:solidFill>
+              <a:effectLst/>
+              <a:latin typeface="Times New Roman" panose="02020603050405020304" pitchFamily="18" charset="0"/>
+              <a:ea typeface="宋体" panose="02010600030101010101" pitchFamily="2" charset="-122"/>
+              <a:sym typeface="+mn-ea"/>
+            </a:endParaRPr>
+          </a:p>
+          <a:p>
+            <a:pPr marL="0" marR="0" indent="0" algn="ctr" defTabSz="914400" rtl="0" eaLnBrk="0" fontAlgn="base" latinLnBrk="0" hangingPunct="0">
+              <a:lnSpc>
+                <a:spcPct val="100000"/>
+              </a:lnSpc>
+              <a:spcBef>
+                <a:spcPct val="0"/>
+              </a:spcBef>
+              <a:spcAft>
+                <a:spcPct val="0"/>
+              </a:spcAft>
+              <a:buClrTx/>
+              <a:buSzTx/>
+              <a:buFontTx/>
+              <a:buNone/>
+            </a:pPr>
+            <a:endParaRPr kumimoji="0" lang="zh-CN" altLang="en-US" sz="1400" b="0" i="0" u="none" strike="noStrike" cap="none" normalizeH="0" baseline="0" smtClean="0">
+              <a:ln>
+                <a:noFill/>
+              </a:ln>
+              <a:solidFill>
+                <a:schemeClr val="tx1"/>
+              </a:solidFill>
+              <a:effectLst/>
+              <a:latin typeface="Times New Roman" panose="02020603050405020304" pitchFamily="18" charset="0"/>
+              <a:ea typeface="宋体" panose="02010600030101010101" pitchFamily="2" charset="-122"/>
+            </a:endParaRPr>
+          </a:p>
+        </p:txBody>
+      </p:sp>
+      <p:cxnSp>
+        <p:nvCxnSpPr>
+          <p:cNvPr id="20" name="直接箭头连接符 19"/>
+          <p:cNvCxnSpPr>
+            <a:stCxn id="4" idx="2"/>
+            <a:endCxn id="27" idx="0"/>
+          </p:cNvCxnSpPr>
+          <p:nvPr/>
+        </p:nvCxnSpPr>
+        <p:spPr>
+          <a:xfrm>
+            <a:off x="1130935" y="2774950"/>
+            <a:ext cx="0" cy="337185"/>
+          </a:xfrm>
+          <a:prstGeom prst="straightConnector1">
+            <a:avLst/>
+          </a:prstGeom>
+          <a:solidFill>
+            <a:schemeClr val="accent1"/>
+          </a:solidFill>
+          <a:ln w="9525" cap="flat" cmpd="sng" algn="ctr">
+            <a:solidFill>
+              <a:schemeClr val="tx1"/>
+            </a:solidFill>
+            <a:prstDash val="solid"/>
+            <a:round/>
+            <a:headEnd type="none" w="med" len="med"/>
+            <a:tailEnd type="arrow" w="med" len="med"/>
+          </a:ln>
+        </p:spPr>
+      </p:cxnSp>
+      <p:sp>
+        <p:nvSpPr>
+          <p:cNvPr id="22" name="文本框 21"/>
+          <p:cNvSpPr txBox="1"/>
+          <p:nvPr/>
+        </p:nvSpPr>
+        <p:spPr>
+          <a:xfrm>
+            <a:off x="1974850" y="3491865"/>
+            <a:ext cx="1249045" cy="275590"/>
+          </a:xfrm>
+          <a:prstGeom prst="rect">
+            <a:avLst/>
+          </a:prstGeom>
+          <a:noFill/>
+        </p:spPr>
+        <p:txBody>
+          <a:bodyPr wrap="square" rtlCol="0">
+            <a:spAutoFit/>
+          </a:bodyPr>
+          <a:lstStyle/>
+          <a:p>
+            <a:r>
+              <a:rPr lang="en-US" altLang="zh-CN" sz="1200" dirty="0" smtClean="0">
+                <a:latin typeface="Times New Roman" panose="02020603050405020304" pitchFamily="18" charset="0"/>
+              </a:rPr>
+              <a:t>damaged</a:t>
+            </a:r>
+            <a:endParaRPr lang="en-US" altLang="zh-CN" sz="1200" dirty="0">
+              <a:latin typeface="Times New Roman" panose="02020603050405020304" pitchFamily="18" charset="0"/>
+            </a:endParaRPr>
+          </a:p>
+        </p:txBody>
+      </p:sp>
+      <p:cxnSp>
+        <p:nvCxnSpPr>
+          <p:cNvPr id="23" name="直接箭头连接符 22"/>
+          <p:cNvCxnSpPr>
+            <a:stCxn id="2" idx="2"/>
+          </p:cNvCxnSpPr>
+          <p:nvPr/>
+        </p:nvCxnSpPr>
+        <p:spPr>
+          <a:xfrm flipH="1">
+            <a:off x="1115695" y="4759325"/>
+            <a:ext cx="3810" cy="398145"/>
+          </a:xfrm>
+          <a:prstGeom prst="straightConnector1">
+            <a:avLst/>
+          </a:prstGeom>
+          <a:solidFill>
+            <a:schemeClr val="accent1"/>
+          </a:solidFill>
+          <a:ln w="9525" cap="flat" cmpd="sng" algn="ctr">
+            <a:solidFill>
+              <a:schemeClr val="tx1"/>
+            </a:solidFill>
+            <a:prstDash val="solid"/>
+            <a:round/>
+            <a:headEnd type="none" w="med" len="med"/>
+            <a:tailEnd type="arrow" w="med" len="med"/>
+          </a:ln>
+        </p:spPr>
+      </p:cxnSp>
+      <p:sp>
+        <p:nvSpPr>
+          <p:cNvPr id="28" name="文本框 27"/>
+          <p:cNvSpPr txBox="1"/>
+          <p:nvPr/>
+        </p:nvSpPr>
+        <p:spPr>
+          <a:xfrm>
+            <a:off x="-55245" y="4845050"/>
+            <a:ext cx="1186180" cy="275590"/>
+          </a:xfrm>
+          <a:prstGeom prst="rect">
+            <a:avLst/>
+          </a:prstGeom>
+          <a:noFill/>
+        </p:spPr>
+        <p:txBody>
+          <a:bodyPr wrap="square" rtlCol="0">
+            <a:spAutoFit/>
+          </a:bodyPr>
+          <a:lstStyle/>
+          <a:p>
+            <a:r>
+              <a:rPr lang="en-US" altLang="zh-CN" sz="1200" dirty="0" smtClean="0">
+                <a:latin typeface="Times New Roman" panose="02020603050405020304" pitchFamily="18" charset="0"/>
+              </a:rPr>
+              <a:t>undamaged </a:t>
+            </a:r>
+            <a:endParaRPr lang="en-US" altLang="zh-CN" sz="1200" dirty="0">
+              <a:latin typeface="Times New Roman" panose="02020603050405020304" pitchFamily="18" charset="0"/>
+            </a:endParaRPr>
+          </a:p>
+        </p:txBody>
+      </p:sp>
+      <p:cxnSp>
+        <p:nvCxnSpPr>
+          <p:cNvPr id="30" name="肘形连接符 29"/>
+          <p:cNvCxnSpPr>
+            <a:stCxn id="2" idx="3"/>
+            <a:endCxn id="12" idx="0"/>
+          </p:cNvCxnSpPr>
+          <p:nvPr/>
+        </p:nvCxnSpPr>
+        <p:spPr>
+          <a:xfrm flipV="1">
+            <a:off x="2241550" y="2477135"/>
+            <a:ext cx="1376045" cy="1799590"/>
+          </a:xfrm>
+          <a:prstGeom prst="bentConnector4">
+            <a:avLst>
+              <a:gd name="adj1" fmla="val 18090"/>
+              <a:gd name="adj2" fmla="val 113232"/>
+            </a:avLst>
+          </a:prstGeom>
+          <a:solidFill>
+            <a:schemeClr val="accent1"/>
+          </a:solidFill>
+          <a:ln w="9525" cap="flat" cmpd="sng" algn="ctr">
+            <a:solidFill>
+              <a:schemeClr val="tx1"/>
+            </a:solidFill>
+            <a:prstDash val="solid"/>
+            <a:round/>
+            <a:headEnd type="none" w="med" len="med"/>
+            <a:tailEnd type="arrow" w="med" len="med"/>
+          </a:ln>
+        </p:spPr>
+      </p:cxnSp>
+      <p:sp>
+        <p:nvSpPr>
+          <p:cNvPr id="31" name="矩形 30"/>
+          <p:cNvSpPr/>
+          <p:nvPr/>
+        </p:nvSpPr>
+        <p:spPr>
+          <a:xfrm>
+            <a:off x="2722245" y="3767455"/>
+            <a:ext cx="1773555" cy="607060"/>
+          </a:xfrm>
+          <a:prstGeom prst="rect">
+            <a:avLst/>
+          </a:prstGeom>
+          <a:solidFill>
+            <a:schemeClr val="tx2">
+              <a:lumMod val="40000"/>
+              <a:lumOff val="60000"/>
+            </a:schemeClr>
+          </a:solidFill>
+          <a:ln w="9525" cap="flat" cmpd="sng" algn="ctr">
+            <a:solidFill>
+              <a:schemeClr val="tx1"/>
+            </a:solidFill>
+            <a:prstDash val="solid"/>
+            <a:round/>
+            <a:headEnd type="none" w="med" len="med"/>
+            <a:tailEnd type="none" w="med" len="med"/>
+          </a:ln>
+        </p:spPr>
+        <p:txBody>
+          <a:bodyPr vert="horz" wrap="square" lIns="91440" tIns="45720" rIns="91440" bIns="45720" numCol="1" anchor="t" anchorCtr="0" compatLnSpc="1"/>
+          <a:lstStyle/>
+          <a:p>
+            <a:pPr marL="0" marR="0" indent="0" algn="l" defTabSz="914400" rtl="0" eaLnBrk="0" fontAlgn="base" latinLnBrk="0" hangingPunct="0">
+              <a:lnSpc>
+                <a:spcPct val="100000"/>
+              </a:lnSpc>
+              <a:spcBef>
+                <a:spcPct val="0"/>
+              </a:spcBef>
+              <a:spcAft>
+                <a:spcPct val="0"/>
+              </a:spcAft>
+              <a:buClrTx/>
+              <a:buSzTx/>
+              <a:buFontTx/>
+              <a:buNone/>
+            </a:pPr>
+            <a:r>
+              <a:rPr kumimoji="0" lang="en-US" altLang="zh-CN" sz="1400" b="0" i="0" u="none" strike="noStrike" cap="none" normalizeH="0" baseline="0" smtClean="0">
+                <a:ln>
+                  <a:noFill/>
+                </a:ln>
+                <a:solidFill>
+                  <a:schemeClr val="tx1"/>
+                </a:solidFill>
+                <a:effectLst/>
+                <a:latin typeface="Times New Roman" panose="02020603050405020304" pitchFamily="18" charset="0"/>
+                <a:ea typeface="宋体" panose="02010600030101010101" pitchFamily="2" charset="-122"/>
+              </a:rPr>
+              <a:t>calculate </a:t>
+            </a:r>
+            <a:r>
+              <a:rPr lang="en-US" altLang="zh-CN" sz="1400" smtClean="0">
+                <a:ln>
+                  <a:noFill/>
+                </a:ln>
+                <a:effectLst/>
+                <a:latin typeface="Times New Roman" panose="02020603050405020304" pitchFamily="18" charset="0"/>
+                <a:sym typeface="+mn-ea"/>
+              </a:rPr>
+              <a:t>damaged stiffness matrix C</a:t>
+            </a:r>
+            <a:r>
+              <a:rPr lang="en-US" altLang="zh-CN" sz="1400" baseline="-25000" smtClean="0">
+                <a:ln>
+                  <a:noFill/>
+                </a:ln>
+                <a:effectLst/>
+                <a:latin typeface="Times New Roman" panose="02020603050405020304" pitchFamily="18" charset="0"/>
+                <a:sym typeface="+mn-ea"/>
+              </a:rPr>
+              <a:t>d</a:t>
+            </a:r>
+            <a:endParaRPr kumimoji="0" lang="zh-CN" altLang="en-US" sz="1400" b="0" i="0" u="none" strike="noStrike" cap="none" normalizeH="0" baseline="-25000" smtClean="0">
+              <a:ln>
+                <a:noFill/>
+              </a:ln>
+              <a:solidFill>
+                <a:schemeClr val="tx1"/>
+              </a:solidFill>
+              <a:effectLst/>
+              <a:latin typeface="Times New Roman" panose="02020603050405020304" pitchFamily="18" charset="0"/>
+              <a:ea typeface="宋体" panose="02010600030101010101" pitchFamily="2" charset="-122"/>
+            </a:endParaRPr>
+          </a:p>
+        </p:txBody>
+      </p:sp>
+      <p:cxnSp>
+        <p:nvCxnSpPr>
+          <p:cNvPr id="32" name="直接箭头连接符 31"/>
+          <p:cNvCxnSpPr>
+            <a:stCxn id="12" idx="2"/>
+            <a:endCxn id="31" idx="0"/>
+          </p:cNvCxnSpPr>
+          <p:nvPr/>
+        </p:nvCxnSpPr>
+        <p:spPr>
+          <a:xfrm flipH="1">
+            <a:off x="3609340" y="3112135"/>
+            <a:ext cx="8255" cy="655320"/>
+          </a:xfrm>
+          <a:prstGeom prst="straightConnector1">
+            <a:avLst/>
+          </a:prstGeom>
+          <a:solidFill>
+            <a:schemeClr val="accent1"/>
+          </a:solidFill>
+          <a:ln w="9525" cap="flat" cmpd="sng" algn="ctr">
+            <a:solidFill>
+              <a:schemeClr val="tx1"/>
+            </a:solidFill>
+            <a:prstDash val="solid"/>
+            <a:round/>
+            <a:headEnd type="none" w="med" len="med"/>
+            <a:tailEnd type="arrow" w="med" len="med"/>
+          </a:ln>
+        </p:spPr>
+      </p:cxnSp>
+      <p:cxnSp>
+        <p:nvCxnSpPr>
+          <p:cNvPr id="33" name="直接箭头连接符 32"/>
+          <p:cNvCxnSpPr>
+            <a:stCxn id="31" idx="2"/>
+          </p:cNvCxnSpPr>
+          <p:nvPr/>
+        </p:nvCxnSpPr>
+        <p:spPr>
+          <a:xfrm>
+            <a:off x="3609340" y="4374515"/>
+            <a:ext cx="26670" cy="782955"/>
+          </a:xfrm>
+          <a:prstGeom prst="straightConnector1">
+            <a:avLst/>
+          </a:prstGeom>
+          <a:solidFill>
+            <a:schemeClr val="accent1"/>
+          </a:solidFill>
+          <a:ln w="9525" cap="flat" cmpd="sng" algn="ctr">
+            <a:solidFill>
+              <a:schemeClr val="tx1"/>
+            </a:solidFill>
+            <a:prstDash val="solid"/>
+            <a:round/>
+            <a:headEnd type="none" w="med" len="med"/>
+            <a:tailEnd type="arrow" w="med" len="med"/>
+          </a:ln>
+        </p:spPr>
+      </p:cxnSp>
+      <p:cxnSp>
+        <p:nvCxnSpPr>
+          <p:cNvPr id="6" name="直接箭头连接符 5"/>
+          <p:cNvCxnSpPr>
+            <a:stCxn id="8" idx="2"/>
+            <a:endCxn id="4" idx="0"/>
+          </p:cNvCxnSpPr>
+          <p:nvPr/>
+        </p:nvCxnSpPr>
+        <p:spPr>
+          <a:xfrm>
+            <a:off x="1117600" y="1682115"/>
+            <a:ext cx="13335" cy="501015"/>
+          </a:xfrm>
+          <a:prstGeom prst="straightConnector1">
+            <a:avLst/>
+          </a:prstGeom>
+          <a:solidFill>
+            <a:schemeClr val="accent1"/>
+          </a:solidFill>
+          <a:ln w="9525" cap="flat" cmpd="sng" algn="ctr">
+            <a:solidFill>
+              <a:schemeClr val="tx1"/>
+            </a:solidFill>
+            <a:prstDash val="solid"/>
+            <a:round/>
+            <a:headEnd type="none" w="med" len="med"/>
+            <a:tailEnd type="arrow" w="med" len="med"/>
+          </a:ln>
+        </p:spPr>
+      </p:cxnSp>
+      <p:sp>
+        <p:nvSpPr>
+          <p:cNvPr id="8" name="文本框 7"/>
+          <p:cNvSpPr txBox="1"/>
+          <p:nvPr/>
+        </p:nvSpPr>
+        <p:spPr>
+          <a:xfrm>
+            <a:off x="64135" y="1375410"/>
+            <a:ext cx="2106930" cy="306705"/>
+          </a:xfrm>
+          <a:prstGeom prst="rect">
+            <a:avLst/>
+          </a:prstGeom>
+        </p:spPr>
+        <p:style>
+          <a:lnRef idx="2">
+            <a:schemeClr val="accent4"/>
+          </a:lnRef>
+          <a:fillRef idx="1">
+            <a:schemeClr val="lt1"/>
+          </a:fillRef>
+          <a:effectRef idx="0">
+            <a:schemeClr val="accent4"/>
+          </a:effectRef>
+          <a:fontRef idx="minor">
+            <a:schemeClr val="dk1"/>
+          </a:fontRef>
+        </p:style>
+        <p:txBody>
+          <a:bodyPr wrap="square" rtlCol="0">
+            <a:spAutoFit/>
+          </a:bodyPr>
+          <a:lstStyle/>
+          <a:p>
+            <a:pPr algn="ctr"/>
+            <a:r>
+              <a:rPr lang="en-US" altLang="zh-CN" sz="1400">
+                <a:latin typeface="Times New Roman" panose="02020603050405020304" pitchFamily="18" charset="0"/>
+              </a:rPr>
+              <a:t>after each increment </a:t>
+            </a:r>
+            <a:endParaRPr lang="en-US" altLang="zh-CN" sz="1400">
+              <a:latin typeface="Times New Roman" panose="02020603050405020304" pitchFamily="18" charset="0"/>
+            </a:endParaRPr>
+          </a:p>
+        </p:txBody>
+      </p:sp>
+      <p:sp>
+        <p:nvSpPr>
+          <p:cNvPr id="9" name="文本框 8"/>
+          <p:cNvSpPr txBox="1"/>
+          <p:nvPr/>
+        </p:nvSpPr>
+        <p:spPr>
+          <a:xfrm>
+            <a:off x="1406525" y="6068060"/>
+            <a:ext cx="2041525" cy="521970"/>
+          </a:xfrm>
+          <a:prstGeom prst="rect">
+            <a:avLst/>
+          </a:prstGeom>
+        </p:spPr>
+        <p:style>
+          <a:lnRef idx="2">
+            <a:schemeClr val="dk1"/>
+          </a:lnRef>
+          <a:fillRef idx="1">
+            <a:schemeClr val="lt1"/>
+          </a:fillRef>
+          <a:effectRef idx="0">
+            <a:schemeClr val="dk1"/>
+          </a:effectRef>
+          <a:fontRef idx="minor">
+            <a:schemeClr val="dk1"/>
+          </a:fontRef>
+        </p:style>
+        <p:txBody>
+          <a:bodyPr wrap="square" rtlCol="0">
+            <a:spAutoFit/>
+          </a:bodyPr>
+          <a:lstStyle/>
+          <a:p>
+            <a:r>
+              <a:rPr lang="en-US" altLang="zh-CN" sz="1400">
+                <a:latin typeface="Times New Roman" panose="02020603050405020304" pitchFamily="18" charset="0"/>
+              </a:rPr>
+              <a:t>quit UMAT,back to  main program</a:t>
+            </a:r>
+            <a:endParaRPr lang="en-US" altLang="zh-CN" sz="1400">
+              <a:latin typeface="Times New Roman" panose="02020603050405020304" pitchFamily="18" charset="0"/>
+            </a:endParaRPr>
+          </a:p>
+        </p:txBody>
+      </p:sp>
+      <p:cxnSp>
+        <p:nvCxnSpPr>
+          <p:cNvPr id="10" name="直接箭头连接符 9"/>
+          <p:cNvCxnSpPr>
+            <a:stCxn id="5" idx="2"/>
+          </p:cNvCxnSpPr>
+          <p:nvPr/>
+        </p:nvCxnSpPr>
+        <p:spPr>
+          <a:xfrm>
+            <a:off x="2315845" y="5781675"/>
+            <a:ext cx="0" cy="286385"/>
+          </a:xfrm>
+          <a:prstGeom prst="straightConnector1">
+            <a:avLst/>
+          </a:prstGeom>
+          <a:solidFill>
+            <a:schemeClr val="accent1"/>
+          </a:solidFill>
+          <a:ln w="9525" cap="flat" cmpd="sng" algn="ctr">
+            <a:solidFill>
+              <a:schemeClr val="tx1"/>
+            </a:solidFill>
+            <a:prstDash val="solid"/>
+            <a:round/>
+            <a:headEnd type="none" w="med" len="med"/>
+            <a:tailEnd type="arrow" w="med" len="med"/>
+          </a:ln>
+        </p:spPr>
+      </p:cxnSp>
+      <p:sp>
+        <p:nvSpPr>
+          <p:cNvPr id="13" name="矩形 12"/>
+          <p:cNvSpPr/>
+          <p:nvPr/>
+        </p:nvSpPr>
+        <p:spPr>
+          <a:xfrm>
+            <a:off x="19685" y="1845310"/>
+            <a:ext cx="4548505" cy="4046855"/>
+          </a:xfrm>
+          <a:prstGeom prst="rect">
+            <a:avLst/>
+          </a:prstGeom>
+          <a:noFill/>
+          <a:ln w="31750" cap="flat" cmpd="sng" algn="ctr">
+            <a:solidFill>
+              <a:schemeClr val="accent1">
+                <a:shade val="50000"/>
+              </a:schemeClr>
+            </a:solidFill>
+            <a:prstDash val="solid"/>
+            <a:round/>
+            <a:headEnd type="none" w="med" len="med"/>
+            <a:tailEnd type="none" w="med" len="med"/>
+          </a:ln>
+        </p:spPr>
+        <p:txBody>
+          <a:bodyPr vert="horz" wrap="square" lIns="91440" tIns="45720" rIns="91440" bIns="45720" numCol="1" anchor="t" anchorCtr="0" compatLnSpc="1"/>
+          <a:lstStyle/>
+          <a:p>
+            <a:pPr marL="0" marR="0" indent="0" algn="l" defTabSz="914400" rtl="0" eaLnBrk="0" fontAlgn="base" latinLnBrk="0" hangingPunct="0">
+              <a:lnSpc>
+                <a:spcPct val="100000"/>
+              </a:lnSpc>
+              <a:spcBef>
+                <a:spcPct val="0"/>
+              </a:spcBef>
+              <a:spcAft>
+                <a:spcPct val="0"/>
+              </a:spcAft>
+              <a:buClrTx/>
+              <a:buSzTx/>
+              <a:buFontTx/>
+              <a:buNone/>
+            </a:pPr>
+            <a:endParaRPr kumimoji="0" lang="zh-CN" altLang="en-US" sz="1800" b="0" i="0" u="none" strike="noStrike" cap="none" normalizeH="0" baseline="0" smtClean="0">
+              <a:ln>
+                <a:noFill/>
+              </a:ln>
+              <a:solidFill>
+                <a:schemeClr val="tx1"/>
+              </a:solidFill>
+              <a:effectLst/>
+              <a:latin typeface="Arial" panose="020B0604020202020204" pitchFamily="34" charset="0"/>
+              <a:ea typeface="宋体" panose="02010600030101010101" pitchFamily="2" charset="-122"/>
+            </a:endParaRPr>
+          </a:p>
+        </p:txBody>
+      </p:sp>
+      <p:sp>
+        <p:nvSpPr>
+          <p:cNvPr id="27" name="矩形 26"/>
+          <p:cNvSpPr/>
+          <p:nvPr/>
+        </p:nvSpPr>
+        <p:spPr>
+          <a:xfrm>
+            <a:off x="447675" y="3112135"/>
+            <a:ext cx="1366520" cy="353695"/>
+          </a:xfrm>
+          <a:prstGeom prst="rect">
+            <a:avLst/>
+          </a:prstGeom>
+          <a:solidFill>
+            <a:schemeClr val="tx2">
+              <a:lumMod val="40000"/>
+              <a:lumOff val="60000"/>
+            </a:schemeClr>
+          </a:solidFill>
+          <a:ln w="9525" cap="flat" cmpd="sng" algn="ctr">
+            <a:solidFill>
+              <a:schemeClr val="tx1"/>
+            </a:solidFill>
+            <a:prstDash val="solid"/>
+            <a:round/>
+            <a:headEnd type="none" w="med" len="med"/>
+            <a:tailEnd type="none" w="med" len="med"/>
+          </a:ln>
+        </p:spPr>
+        <p:txBody>
+          <a:bodyPr vert="horz" wrap="square" lIns="91440" tIns="45720" rIns="91440" bIns="45720" numCol="1" anchor="t" anchorCtr="0" compatLnSpc="1"/>
+          <a:lstStyle/>
+          <a:p>
+            <a:pPr marL="0" marR="0" indent="0" algn="l" defTabSz="914400" rtl="0" eaLnBrk="0" fontAlgn="base" latinLnBrk="0" hangingPunct="0">
+              <a:lnSpc>
+                <a:spcPct val="100000"/>
+              </a:lnSpc>
+              <a:spcBef>
+                <a:spcPct val="0"/>
+              </a:spcBef>
+              <a:spcAft>
+                <a:spcPct val="0"/>
+              </a:spcAft>
+              <a:buClrTx/>
+              <a:buSzTx/>
+              <a:buFontTx/>
+              <a:buNone/>
+            </a:pPr>
+            <a:r>
+              <a:rPr kumimoji="0" lang="en-US" altLang="zh-CN" sz="1400" b="0" i="0" u="none" strike="noStrike" cap="none" normalizeH="0" baseline="0" smtClean="0">
+                <a:ln>
+                  <a:noFill/>
+                </a:ln>
+                <a:solidFill>
+                  <a:schemeClr val="tx1"/>
+                </a:solidFill>
+                <a:effectLst/>
+                <a:latin typeface="Times New Roman" panose="02020603050405020304" pitchFamily="18" charset="0"/>
+                <a:ea typeface="宋体" panose="02010600030101010101" pitchFamily="2" charset="-122"/>
+              </a:rPr>
+              <a:t>calculate  stress</a:t>
+            </a:r>
+            <a:endParaRPr kumimoji="0" lang="en-US" altLang="zh-CN" sz="1400" b="0" i="0" u="none" strike="noStrike" cap="none" normalizeH="0" baseline="0" smtClean="0">
+              <a:ln>
+                <a:noFill/>
+              </a:ln>
+              <a:solidFill>
+                <a:schemeClr val="tx1"/>
+              </a:solidFill>
+              <a:effectLst/>
+              <a:latin typeface="Times New Roman" panose="02020603050405020304" pitchFamily="18" charset="0"/>
+              <a:ea typeface="宋体" panose="02010600030101010101" pitchFamily="2" charset="-122"/>
+            </a:endParaRPr>
+          </a:p>
+        </p:txBody>
+      </p:sp>
+      <p:cxnSp>
+        <p:nvCxnSpPr>
+          <p:cNvPr id="29" name="直接箭头连接符 28"/>
+          <p:cNvCxnSpPr>
+            <a:stCxn id="27" idx="2"/>
+            <a:endCxn id="2" idx="0"/>
+          </p:cNvCxnSpPr>
+          <p:nvPr/>
+        </p:nvCxnSpPr>
+        <p:spPr>
+          <a:xfrm flipH="1">
+            <a:off x="1119505" y="3465830"/>
+            <a:ext cx="11430" cy="328295"/>
+          </a:xfrm>
+          <a:prstGeom prst="straightConnector1">
+            <a:avLst/>
+          </a:prstGeom>
+          <a:solidFill>
+            <a:schemeClr val="accent1"/>
+          </a:solidFill>
+          <a:ln w="9525" cap="flat" cmpd="sng" algn="ctr">
+            <a:solidFill>
+              <a:schemeClr val="tx1"/>
+            </a:solidFill>
+            <a:prstDash val="solid"/>
+            <a:round/>
+            <a:headEnd type="none" w="med" len="med"/>
+            <a:tailEnd type="arrow" w="med" len="med"/>
+          </a:ln>
+        </p:spPr>
+      </p:cxnSp>
+      <p:sp>
+        <p:nvSpPr>
+          <p:cNvPr id="24" name="文本框 23"/>
+          <p:cNvSpPr txBox="1"/>
+          <p:nvPr/>
+        </p:nvSpPr>
+        <p:spPr>
+          <a:xfrm>
+            <a:off x="2739390" y="1477010"/>
+            <a:ext cx="1829435" cy="368300"/>
+          </a:xfrm>
+          <a:prstGeom prst="rect">
+            <a:avLst/>
+          </a:prstGeom>
+        </p:spPr>
+        <p:style>
+          <a:lnRef idx="2">
+            <a:schemeClr val="dk1"/>
+          </a:lnRef>
+          <a:fillRef idx="1">
+            <a:schemeClr val="lt1"/>
+          </a:fillRef>
+          <a:effectRef idx="0">
+            <a:schemeClr val="dk1"/>
+          </a:effectRef>
+          <a:fontRef idx="minor">
+            <a:schemeClr val="dk1"/>
+          </a:fontRef>
+        </p:style>
+        <p:txBody>
+          <a:bodyPr wrap="square" rtlCol="0" anchor="t">
+            <a:spAutoFit/>
+          </a:bodyPr>
+          <a:lstStyle/>
+          <a:p>
+            <a:r>
+              <a:rPr lang="en-US" altLang="zh-CN" sz="1800">
+                <a:latin typeface="Times New Roman" panose="02020603050405020304" pitchFamily="18" charset="0"/>
+                <a:sym typeface="+mn-ea"/>
+              </a:rPr>
+              <a:t>UMAT Flowchart</a:t>
+            </a:r>
+            <a:endParaRPr lang="en-US" altLang="zh-CN" sz="1800">
+              <a:latin typeface="Times New Roman" panose="02020603050405020304" pitchFamily="18" charset="0"/>
+              <a:sym typeface="+mn-ea"/>
+            </a:endParaRPr>
+          </a:p>
+        </p:txBody>
+      </p:sp>
+      <p:sp>
+        <p:nvSpPr>
+          <p:cNvPr id="3" name="文本框 2"/>
+          <p:cNvSpPr txBox="1"/>
+          <p:nvPr/>
+        </p:nvSpPr>
+        <p:spPr>
+          <a:xfrm>
+            <a:off x="103505" y="4066540"/>
+            <a:ext cx="2028190" cy="521970"/>
+          </a:xfrm>
+          <a:prstGeom prst="rect">
+            <a:avLst/>
+          </a:prstGeom>
+          <a:noFill/>
+        </p:spPr>
+        <p:txBody>
+          <a:bodyPr wrap="none" rtlCol="0" anchor="t">
+            <a:spAutoFit/>
+          </a:bodyPr>
+          <a:lstStyle/>
+          <a:p>
+            <a:pPr marL="0" marR="0" indent="0" algn="l" defTabSz="914400" rtl="0" eaLnBrk="0" fontAlgn="base" latinLnBrk="0" hangingPunct="0">
+              <a:lnSpc>
+                <a:spcPct val="100000"/>
+              </a:lnSpc>
+              <a:spcBef>
+                <a:spcPct val="0"/>
+              </a:spcBef>
+              <a:spcAft>
+                <a:spcPct val="0"/>
+              </a:spcAft>
+              <a:buClrTx/>
+              <a:buSzTx/>
+              <a:buFontTx/>
+              <a:buNone/>
+            </a:pPr>
+            <a:r>
+              <a:rPr lang="en-US" altLang="zh-CN" sz="1400" smtClean="0">
+                <a:ln>
+                  <a:noFill/>
+                </a:ln>
+                <a:effectLst/>
+                <a:latin typeface="Times New Roman" panose="02020603050405020304" pitchFamily="18" charset="0"/>
+                <a:sym typeface="+mn-ea"/>
+              </a:rPr>
+              <a:t>checkout failure ( Hashin </a:t>
+            </a:r>
+            <a:endParaRPr lang="en-US" altLang="zh-CN" sz="1400" smtClean="0">
+              <a:ln>
+                <a:noFill/>
+              </a:ln>
+              <a:effectLst/>
+              <a:latin typeface="Times New Roman" panose="02020603050405020304" pitchFamily="18" charset="0"/>
+              <a:sym typeface="+mn-ea"/>
+            </a:endParaRPr>
+          </a:p>
+          <a:p>
+            <a:pPr marL="0" marR="0" indent="0" algn="l" defTabSz="914400" rtl="0" eaLnBrk="0" fontAlgn="base" latinLnBrk="0" hangingPunct="0">
+              <a:lnSpc>
+                <a:spcPct val="100000"/>
+              </a:lnSpc>
+              <a:spcBef>
+                <a:spcPct val="0"/>
+              </a:spcBef>
+              <a:spcAft>
+                <a:spcPct val="0"/>
+              </a:spcAft>
+              <a:buClrTx/>
+              <a:buSzTx/>
+              <a:buFontTx/>
+              <a:buNone/>
+            </a:pPr>
+            <a:r>
+              <a:rPr lang="en-US" altLang="zh-CN" sz="1400" smtClean="0">
+                <a:ln>
+                  <a:noFill/>
+                </a:ln>
+                <a:effectLst/>
+                <a:latin typeface="Times New Roman" panose="02020603050405020304" pitchFamily="18" charset="0"/>
+                <a:sym typeface="+mn-ea"/>
+              </a:rPr>
+              <a:t>          criterion)</a:t>
+            </a:r>
+            <a:endParaRPr lang="zh-CN" altLang="en-US" sz="1400">
+              <a:latin typeface="Times New Roman" panose="02020603050405020304" pitchFamily="18" charset="0"/>
+            </a:endParaRPr>
+          </a:p>
+        </p:txBody>
+      </p:sp>
+      <p:sp>
+        <p:nvSpPr>
+          <p:cNvPr id="14" name="灯片编号占位符 13"/>
+          <p:cNvSpPr>
+            <a:spLocks noGrp="1"/>
+          </p:cNvSpPr>
+          <p:nvPr>
+            <p:ph type="sldNum" sz="quarter" idx="12"/>
+          </p:nvPr>
+        </p:nvSpPr>
+        <p:spPr/>
+        <p:txBody>
+          <a:bodyPr/>
+          <a:lstStyle/>
+          <a:p>
+            <a:pPr>
+              <a:defRPr/>
+            </a:pPr>
+            <a:fld id="{A2EA7766-9A74-464A-9A62-AF2E5CE9E77E}" type="slidenum">
+              <a:rPr lang="en-US" altLang="zh-CN"/>
+            </a:fld>
+            <a:endParaRPr lang="en-US" altLang="zh-CN"/>
+          </a:p>
+        </p:txBody>
+      </p:sp>
+      <p:sp>
+        <p:nvSpPr>
+          <p:cNvPr id="21" name="矩形 20"/>
+          <p:cNvSpPr/>
+          <p:nvPr/>
+        </p:nvSpPr>
+        <p:spPr>
+          <a:xfrm>
+            <a:off x="103505" y="-128270"/>
+            <a:ext cx="9114155" cy="1383665"/>
+          </a:xfrm>
+          <a:prstGeom prst="rect">
+            <a:avLst/>
+          </a:prstGeom>
+        </p:spPr>
+        <p:txBody>
+          <a:bodyPr wrap="square">
+            <a:spAutoFit/>
+          </a:bodyPr>
+          <a:lstStyle/>
+          <a:p>
+            <a:pPr marL="0" lvl="1">
+              <a:lnSpc>
+                <a:spcPct val="150000"/>
+              </a:lnSpc>
+            </a:pPr>
+            <a:r>
+              <a:rPr lang="en-US" altLang="zh-CN" sz="2800" dirty="0" smtClean="0">
+                <a:latin typeface="Times New Roman" panose="02020603050405020304" pitchFamily="18" charset="0"/>
+                <a:cs typeface="Times New Roman" panose="02020603050405020304" pitchFamily="18" charset="0"/>
+              </a:rPr>
+              <a:t>Abaqus Simulation</a:t>
+            </a:r>
+            <a:endParaRPr lang="en-US" altLang="zh-CN" sz="2800" dirty="0" smtClean="0">
+              <a:latin typeface="Times New Roman" panose="02020603050405020304" pitchFamily="18" charset="0"/>
+              <a:cs typeface="Times New Roman" panose="02020603050405020304" pitchFamily="18" charset="0"/>
+            </a:endParaRPr>
+          </a:p>
+          <a:p>
+            <a:pPr marL="0" lvl="1">
+              <a:lnSpc>
+                <a:spcPct val="150000"/>
+              </a:lnSpc>
+            </a:pPr>
+            <a:r>
+              <a:rPr lang="en-US" altLang="zh-CN" sz="2800" dirty="0" smtClean="0">
+                <a:latin typeface="Times New Roman" panose="02020603050405020304" pitchFamily="18" charset="0"/>
+                <a:cs typeface="Times New Roman" panose="02020603050405020304" pitchFamily="18" charset="0"/>
+              </a:rPr>
+              <a:t>                     </a:t>
+            </a:r>
+            <a:r>
+              <a:rPr lang="en-US" altLang="zh-CN" sz="2400" dirty="0" smtClean="0">
+                <a:latin typeface="Times New Roman" panose="02020603050405020304" pitchFamily="18" charset="0"/>
+                <a:cs typeface="Times New Roman" panose="02020603050405020304" pitchFamily="18" charset="0"/>
+              </a:rPr>
+              <a:t>—UMAT subroutine</a:t>
+            </a:r>
+            <a:endParaRPr lang="en-US" altLang="zh-CN" sz="2400" dirty="0" smtClean="0">
+              <a:latin typeface="Times New Roman" panose="02020603050405020304" pitchFamily="18" charset="0"/>
+              <a:cs typeface="Times New Roman" panose="02020603050405020304" pitchFamily="18" charset="0"/>
+            </a:endParaRPr>
+          </a:p>
+        </p:txBody>
+      </p:sp>
+      <p:sp>
+        <p:nvSpPr>
+          <p:cNvPr id="11" name="矩形 10"/>
+          <p:cNvSpPr/>
+          <p:nvPr/>
+        </p:nvSpPr>
+        <p:spPr>
+          <a:xfrm>
+            <a:off x="5210810" y="5596255"/>
+            <a:ext cx="3886200" cy="1180465"/>
+          </a:xfrm>
+          <a:prstGeom prst="rect">
+            <a:avLst/>
+          </a:prstGeom>
+          <a:noFill/>
+          <a:ln>
+            <a:headEnd type="none" w="med" len="med"/>
+            <a:tailEnd type="none" w="med" len="med"/>
+          </a:ln>
+        </p:spPr>
+        <p:style>
+          <a:lnRef idx="2">
+            <a:schemeClr val="accent4"/>
+          </a:lnRef>
+          <a:fillRef idx="1">
+            <a:schemeClr val="lt1"/>
+          </a:fillRef>
+          <a:effectRef idx="0">
+            <a:schemeClr val="accent4"/>
+          </a:effectRef>
+          <a:fontRef idx="minor">
+            <a:schemeClr val="dk1"/>
+          </a:fontRef>
+        </p:style>
+        <p:txBody>
+          <a:bodyPr vert="horz" wrap="square" lIns="91440" tIns="45720" rIns="91440" bIns="45720" numCol="1" anchor="t" anchorCtr="0" compatLnSpc="1"/>
+          <a:lstStyle/>
+          <a:p>
+            <a:pPr marL="0" marR="0" indent="0" algn="l" defTabSz="914400" rtl="0" eaLnBrk="0" fontAlgn="base" latinLnBrk="0" hangingPunct="0">
+              <a:lnSpc>
+                <a:spcPct val="100000"/>
+              </a:lnSpc>
+              <a:spcBef>
+                <a:spcPct val="0"/>
+              </a:spcBef>
+              <a:spcAft>
+                <a:spcPct val="0"/>
+              </a:spcAft>
+              <a:buClrTx/>
+              <a:buSzTx/>
+              <a:buFontTx/>
+              <a:buNone/>
+            </a:pPr>
+            <a:endParaRPr kumimoji="0" lang="zh-CN" altLang="en-US" sz="1800" b="0" i="0" u="none" strike="noStrike" cap="none" normalizeH="0" baseline="0" smtClean="0">
+              <a:ln>
+                <a:noFill/>
+              </a:ln>
+              <a:solidFill>
+                <a:schemeClr val="tx1"/>
+              </a:solidFill>
+              <a:effectLst/>
+              <a:latin typeface="Arial" panose="020B0604020202020204" pitchFamily="34" charset="0"/>
+              <a:ea typeface="宋体" panose="02010600030101010101" pitchFamily="2" charset="-122"/>
+            </a:endParaRPr>
+          </a:p>
+        </p:txBody>
+      </p:sp>
+      <p:graphicFrame>
+        <p:nvGraphicFramePr>
+          <p:cNvPr id="25" name="对象 24">
+            <a:hlinkClick r:id="" action="ppaction://ole?verb=0"/>
+          </p:cNvPr>
+          <p:cNvGraphicFramePr>
+            <a:graphicFrameLocks noChangeAspect="1"/>
+          </p:cNvGraphicFramePr>
+          <p:nvPr/>
+        </p:nvGraphicFramePr>
+        <p:xfrm>
+          <a:off x="5783580" y="5595620"/>
+          <a:ext cx="2976245" cy="1144905"/>
+        </p:xfrm>
+        <a:graphic>
+          <a:graphicData uri="http://schemas.openxmlformats.org/presentationml/2006/ole">
+            <mc:AlternateContent xmlns:mc="http://schemas.openxmlformats.org/markup-compatibility/2006">
+              <mc:Choice xmlns:v="urn:schemas-microsoft-com:vml" Requires="v">
+                <p:oleObj spid="_x0000_s3143" name="" r:id="rId3" imgW="2311400" imgH="889000" progId="Equation.KSEE3">
+                  <p:embed/>
+                </p:oleObj>
+              </mc:Choice>
+              <mc:Fallback>
+                <p:oleObj name="" r:id="rId3" imgW="2311400" imgH="889000" progId="Equation.KSEE3">
+                  <p:embed/>
+                  <p:pic>
+                    <p:nvPicPr>
+                      <p:cNvPr id="0" name="图片 2048"/>
+                      <p:cNvPicPr/>
+                      <p:nvPr/>
+                    </p:nvPicPr>
+                    <p:blipFill>
+                      <a:blip r:embed="rId4"/>
+                      <a:stretch>
+                        <a:fillRect/>
+                      </a:stretch>
+                    </p:blipFill>
+                    <p:spPr>
+                      <a:xfrm>
+                        <a:off x="5783580" y="5595620"/>
+                        <a:ext cx="2976245" cy="1144905"/>
+                      </a:xfrm>
+                      <a:prstGeom prst="rect">
+                        <a:avLst/>
+                      </a:prstGeom>
+                    </p:spPr>
+                  </p:pic>
+                </p:oleObj>
+              </mc:Fallback>
+            </mc:AlternateContent>
+          </a:graphicData>
+        </a:graphic>
+      </p:graphicFrame>
+      <p:sp>
+        <p:nvSpPr>
+          <p:cNvPr id="19" name="文本框 18"/>
+          <p:cNvSpPr txBox="1"/>
+          <p:nvPr/>
+        </p:nvSpPr>
+        <p:spPr>
+          <a:xfrm>
+            <a:off x="4675505" y="1255395"/>
+            <a:ext cx="4422140" cy="5507990"/>
+          </a:xfrm>
+          <a:prstGeom prst="rect">
+            <a:avLst/>
+          </a:prstGeom>
+          <a:noFill/>
+        </p:spPr>
+        <p:txBody>
+          <a:bodyPr wrap="square" rtlCol="0">
+            <a:spAutoFit/>
+          </a:bodyPr>
+          <a:lstStyle/>
+          <a:p>
+            <a:r>
+              <a:rPr lang="en-US" altLang="zh-CN">
+                <a:latin typeface="Times New Roman" panose="02020603050405020304" pitchFamily="18" charset="0"/>
+              </a:rPr>
+              <a:t>UMAT Overview</a:t>
+            </a:r>
+            <a:r>
+              <a:rPr lang="zh-CN" altLang="en-US">
+                <a:latin typeface="Times New Roman" panose="02020603050405020304" pitchFamily="18" charset="0"/>
+              </a:rPr>
+              <a:t>：</a:t>
+            </a:r>
+            <a:endParaRPr lang="zh-CN" altLang="en-US">
+              <a:latin typeface="Times New Roman" panose="02020603050405020304" pitchFamily="18" charset="0"/>
+            </a:endParaRPr>
+          </a:p>
+          <a:p>
+            <a:endParaRPr lang="zh-CN" altLang="en-US">
+              <a:latin typeface="Times New Roman" panose="02020603050405020304" pitchFamily="18" charset="0"/>
+            </a:endParaRPr>
+          </a:p>
+          <a:p>
+            <a:r>
+              <a:rPr lang="en-US" altLang="zh-CN" sz="1600">
+                <a:latin typeface="Times New Roman" panose="02020603050405020304" pitchFamily="18" charset="0"/>
+                <a:sym typeface="+mn-ea"/>
+              </a:rPr>
+              <a:t>1 </a:t>
+            </a:r>
+            <a:r>
+              <a:rPr lang="zh-CN" altLang="zh-CN" sz="1600">
+                <a:latin typeface="Times New Roman" panose="02020603050405020304" pitchFamily="18" charset="0"/>
+                <a:sym typeface="+mn-ea"/>
+              </a:rPr>
+              <a:t>can be used to define the mechanical constitutive behavior of a material;</a:t>
+            </a:r>
+            <a:endParaRPr lang="zh-CN" altLang="zh-CN" sz="1600">
+              <a:latin typeface="Times New Roman" panose="02020603050405020304" pitchFamily="18" charset="0"/>
+              <a:sym typeface="+mn-ea"/>
+            </a:endParaRPr>
+          </a:p>
+          <a:p>
+            <a:endParaRPr lang="zh-CN" altLang="zh-CN" sz="1600">
+              <a:latin typeface="Times New Roman" panose="02020603050405020304" pitchFamily="18" charset="0"/>
+              <a:sym typeface="+mn-ea"/>
+            </a:endParaRPr>
+          </a:p>
+          <a:p>
+            <a:r>
+              <a:rPr lang="en-US" altLang="zh-CN" sz="1600">
+                <a:latin typeface="Times New Roman" panose="02020603050405020304" pitchFamily="18" charset="0"/>
+                <a:sym typeface="+mn-ea"/>
+              </a:rPr>
+              <a:t>2 </a:t>
+            </a:r>
+            <a:r>
+              <a:rPr lang="zh-CN" altLang="en-US" sz="1600">
+                <a:latin typeface="Times New Roman" panose="02020603050405020304" pitchFamily="18" charset="0"/>
+                <a:sym typeface="+mn-ea"/>
+              </a:rPr>
+              <a:t>will be called at all material calculation points of elements for which the material definition includes a user-defined material behavior;</a:t>
+            </a:r>
+            <a:endParaRPr lang="zh-CN" altLang="en-US" sz="1600">
+              <a:latin typeface="Times New Roman" panose="02020603050405020304" pitchFamily="18" charset="0"/>
+              <a:sym typeface="+mn-ea"/>
+            </a:endParaRPr>
+          </a:p>
+          <a:p>
+            <a:endParaRPr lang="zh-CN" altLang="en-US" sz="1600">
+              <a:latin typeface="Times New Roman" panose="02020603050405020304" pitchFamily="18" charset="0"/>
+              <a:sym typeface="+mn-ea"/>
+            </a:endParaRPr>
+          </a:p>
+          <a:p>
+            <a:r>
+              <a:rPr lang="en-US" altLang="zh-CN" sz="1600">
+                <a:latin typeface="Times New Roman" panose="02020603050405020304" pitchFamily="18" charset="0"/>
+                <a:sym typeface="+mn-ea"/>
+              </a:rPr>
+              <a:t>3 </a:t>
+            </a:r>
+            <a:r>
+              <a:rPr lang="zh-CN" altLang="en-US" sz="1600">
+                <a:latin typeface="Times New Roman" panose="02020603050405020304" pitchFamily="18" charset="0"/>
+                <a:sym typeface="+mn-ea"/>
+              </a:rPr>
+              <a:t>must update the stresses and solution-dependent state variables to their values at the end of the increment for which it is called;</a:t>
+            </a:r>
+            <a:endParaRPr lang="zh-CN" altLang="en-US" sz="1600">
+              <a:latin typeface="Times New Roman" panose="02020603050405020304" pitchFamily="18" charset="0"/>
+              <a:sym typeface="+mn-ea"/>
+            </a:endParaRPr>
+          </a:p>
+          <a:p>
+            <a:endParaRPr lang="zh-CN" altLang="en-US" sz="1600">
+              <a:latin typeface="Times New Roman" panose="02020603050405020304" pitchFamily="18" charset="0"/>
+              <a:sym typeface="+mn-ea"/>
+            </a:endParaRPr>
+          </a:p>
+          <a:p>
+            <a:r>
+              <a:rPr lang="en-US" altLang="zh-CN" sz="1600">
+                <a:latin typeface="Times New Roman" panose="02020603050405020304" pitchFamily="18" charset="0"/>
+                <a:sym typeface="+mn-ea"/>
+              </a:rPr>
+              <a:t>4 Jocobian Matrix of the material must be supplied by users</a:t>
+            </a:r>
+            <a:r>
+              <a:rPr lang="zh-CN" altLang="en-US" sz="1600">
+                <a:latin typeface="Times New Roman" panose="02020603050405020304" pitchFamily="18" charset="0"/>
+                <a:sym typeface="+mn-ea"/>
+              </a:rPr>
+              <a:t>：</a:t>
+            </a:r>
+            <a:endParaRPr lang="zh-CN" altLang="en-US" sz="1600">
+              <a:latin typeface="Times New Roman" panose="02020603050405020304" pitchFamily="18" charset="0"/>
+              <a:sym typeface="+mn-ea"/>
+            </a:endParaRPr>
+          </a:p>
+          <a:p>
+            <a:endParaRPr lang="zh-CN" altLang="en-US">
+              <a:latin typeface="Times New Roman" panose="02020603050405020304" pitchFamily="18" charset="0"/>
+            </a:endParaRPr>
+          </a:p>
+          <a:p>
+            <a:endParaRPr lang="zh-CN" altLang="en-US">
+              <a:latin typeface="Times New Roman" panose="02020603050405020304" pitchFamily="18" charset="0"/>
+            </a:endParaRPr>
+          </a:p>
+          <a:p>
+            <a:endParaRPr lang="zh-CN" altLang="en-US">
+              <a:latin typeface="Times New Roman" panose="02020603050405020304" pitchFamily="18" charset="0"/>
+            </a:endParaRPr>
+          </a:p>
+          <a:p>
+            <a:endParaRPr lang="zh-CN" altLang="en-US">
+              <a:latin typeface="Times New Roman" panose="02020603050405020304" pitchFamily="18" charset="0"/>
+            </a:endParaRPr>
+          </a:p>
+          <a:p>
+            <a:endParaRPr lang="zh-CN" altLang="en-US">
+              <a:latin typeface="Times New Roman" panose="02020603050405020304" pitchFamily="18" charset="0"/>
+            </a:endParaRPr>
+          </a:p>
+          <a:p>
+            <a:endParaRPr lang="zh-CN" altLang="en-US">
+              <a:latin typeface="Times New Roman" panose="02020603050405020304" pitchFamily="18" charset="0"/>
+            </a:endParaRPr>
+          </a:p>
+        </p:txBody>
+      </p:sp>
+      <p:sp>
+        <p:nvSpPr>
+          <p:cNvPr id="36" name="矩形 35"/>
+          <p:cNvSpPr/>
+          <p:nvPr/>
+        </p:nvSpPr>
+        <p:spPr>
+          <a:xfrm>
+            <a:off x="1793875" y="5157470"/>
+            <a:ext cx="1306195" cy="226060"/>
+          </a:xfrm>
+          <a:prstGeom prst="rect">
+            <a:avLst/>
+          </a:prstGeom>
+          <a:noFill/>
+          <a:ln>
+            <a:headEnd type="none" w="med" len="med"/>
+            <a:tailEnd type="none" w="med" len="med"/>
+          </a:ln>
+        </p:spPr>
+        <p:style>
+          <a:lnRef idx="2">
+            <a:schemeClr val="accent4"/>
+          </a:lnRef>
+          <a:fillRef idx="1">
+            <a:schemeClr val="lt1"/>
+          </a:fillRef>
+          <a:effectRef idx="0">
+            <a:schemeClr val="accent4"/>
+          </a:effectRef>
+          <a:fontRef idx="minor">
+            <a:schemeClr val="dk1"/>
+          </a:fontRef>
+        </p:style>
+        <p:txBody>
+          <a:bodyPr vert="horz" wrap="square" lIns="91440" tIns="45720" rIns="91440" bIns="45720" numCol="1" anchor="t" anchorCtr="0" compatLnSpc="1"/>
+          <a:lstStyle/>
+          <a:p>
+            <a:pPr marL="0" marR="0" indent="0" algn="l" defTabSz="914400" rtl="0" eaLnBrk="0" fontAlgn="base" latinLnBrk="0" hangingPunct="0">
+              <a:lnSpc>
+                <a:spcPct val="100000"/>
+              </a:lnSpc>
+              <a:spcBef>
+                <a:spcPct val="0"/>
+              </a:spcBef>
+              <a:spcAft>
+                <a:spcPct val="0"/>
+              </a:spcAft>
+              <a:buClrTx/>
+              <a:buSzTx/>
+              <a:buFontTx/>
+              <a:buNone/>
+            </a:pPr>
+            <a:endParaRPr kumimoji="0" lang="zh-CN" altLang="en-US" sz="1800" b="0" i="0" u="none" strike="noStrike" cap="none" normalizeH="0" baseline="0" smtClean="0">
+              <a:ln>
+                <a:noFill/>
+              </a:ln>
+              <a:solidFill>
+                <a:schemeClr val="tx1"/>
+              </a:solidFill>
+              <a:effectLst/>
+              <a:latin typeface="Arial" panose="020B0604020202020204" pitchFamily="34" charset="0"/>
+              <a:ea typeface="宋体" panose="02010600030101010101" pitchFamily="2" charset="-122"/>
+            </a:endParaRPr>
+          </a:p>
+        </p:txBody>
+      </p:sp>
+      <p:cxnSp>
+        <p:nvCxnSpPr>
+          <p:cNvPr id="37" name="直接箭头连接符 36"/>
+          <p:cNvCxnSpPr>
+            <a:stCxn id="11" idx="1"/>
+          </p:cNvCxnSpPr>
+          <p:nvPr/>
+        </p:nvCxnSpPr>
+        <p:spPr>
+          <a:xfrm flipH="1" flipV="1">
+            <a:off x="3059430" y="5373370"/>
+            <a:ext cx="2151380" cy="813435"/>
+          </a:xfrm>
+          <a:prstGeom prst="straightConnector1">
+            <a:avLst/>
+          </a:prstGeom>
+          <a:solidFill>
+            <a:schemeClr val="accent1"/>
+          </a:solidFill>
+          <a:ln w="28575" cap="flat" cmpd="sng" algn="ctr">
+            <a:solidFill>
+              <a:schemeClr val="tx1"/>
+            </a:solidFill>
+            <a:prstDash val="solid"/>
+            <a:round/>
+            <a:headEnd type="arrow" w="med" len="med"/>
+            <a:tailEnd type="none" w="med" len="med"/>
+          </a:ln>
+        </p:spPr>
+      </p:cxnSp>
+      <p:sp>
+        <p:nvSpPr>
+          <p:cNvPr id="38" name="矩形 37"/>
+          <p:cNvSpPr/>
+          <p:nvPr/>
+        </p:nvSpPr>
+        <p:spPr>
+          <a:xfrm>
+            <a:off x="4667250" y="1199515"/>
+            <a:ext cx="4430395" cy="4245610"/>
+          </a:xfrm>
+          <a:prstGeom prst="rect">
+            <a:avLst/>
+          </a:prstGeom>
+          <a:noFill/>
+          <a:ln w="31750" cap="flat" cmpd="sng" algn="ctr">
+            <a:solidFill>
+              <a:schemeClr val="accent1">
+                <a:shade val="50000"/>
+              </a:schemeClr>
+            </a:solidFill>
+            <a:prstDash val="solid"/>
+            <a:round/>
+            <a:headEnd type="none" w="med" len="med"/>
+            <a:tailEnd type="none" w="med" len="med"/>
+          </a:ln>
+        </p:spPr>
+        <p:txBody>
+          <a:bodyPr vert="horz" wrap="square" lIns="91440" tIns="45720" rIns="91440" bIns="45720" numCol="1" anchor="t" anchorCtr="0" compatLnSpc="1"/>
+          <a:lstStyle/>
+          <a:p>
+            <a:pPr marL="0" marR="0" indent="0" algn="l" defTabSz="914400" rtl="0" eaLnBrk="0" fontAlgn="base" latinLnBrk="0" hangingPunct="0">
+              <a:lnSpc>
+                <a:spcPct val="100000"/>
+              </a:lnSpc>
+              <a:spcBef>
+                <a:spcPct val="0"/>
+              </a:spcBef>
+              <a:spcAft>
+                <a:spcPct val="0"/>
+              </a:spcAft>
+              <a:buClrTx/>
+              <a:buSzTx/>
+              <a:buFontTx/>
+              <a:buNone/>
+            </a:pPr>
+            <a:endParaRPr kumimoji="0" lang="zh-CN" altLang="en-US" sz="1800" b="0" i="0" u="none" strike="noStrike" cap="none" normalizeH="0" baseline="0" smtClean="0">
+              <a:ln>
+                <a:noFill/>
+              </a:ln>
+              <a:solidFill>
+                <a:schemeClr val="tx1"/>
+              </a:solidFill>
+              <a:effectLst/>
+              <a:latin typeface="Arial" panose="020B0604020202020204" pitchFamily="34" charset="0"/>
+              <a:ea typeface="宋体" panose="02010600030101010101" pitchFamily="2" charset="-122"/>
+            </a:endParaRPr>
+          </a:p>
+        </p:txBody>
+      </p:sp>
+    </p:spTree>
+  </p:cSld>
+  <p:clrMapOvr>
+    <a:masterClrMapping/>
+  </p:clrMapOvr>
+  <p:transition/>
+  <p:timing>
+    <p:tnLst>
+      <p:par>
+        <p:cTn id="1" dur="indefinite" restart="never" nodeType="tmRoot"/>
+      </p:par>
+    </p:tnLst>
+  </p:timing>
+</p:sld>
+</file>
+
+<file path=ppt/slides/slide11.xml><?xml version="1.0" encoding="utf-8"?>
+<p:sld xmlns:a="http://schemas.openxmlformats.org/drawingml/2006/main" xmlns:r="http://schemas.openxmlformats.org/officeDocument/2006/relationships" xmlns:p="http://schemas.openxmlformats.org/presentationml/2006/main">
+  <p:cSld>
+    <p:spTree>
+      <p:nvGrpSpPr>
+        <p:cNvPr id="1" name=""/>
+        <p:cNvGrpSpPr/>
+        <p:nvPr/>
+      </p:nvGrpSpPr>
+      <p:grpSpPr>
+        <a:xfrm>
+          <a:off x="0" y="0"/>
+          <a:ext cx="0" cy="0"/>
+          <a:chOff x="0" y="0"/>
+          <a:chExt cx="0" cy="0"/>
+        </a:xfrm>
+      </p:grpSpPr>
+      <p:sp>
+        <p:nvSpPr>
           <p:cNvPr id="4" name="文本框 3"/>
           <p:cNvSpPr txBox="1"/>
           <p:nvPr/>
@@ -11851,7 +13824,7 @@
 </p:sld>
 </file>
 
-<file path=ppt/slides/slide11.xml><?xml version="1.0" encoding="utf-8"?>
+<file path=ppt/slides/slide12.xml><?xml version="1.0" encoding="utf-8"?>
 <p:sld xmlns:a="http://schemas.openxmlformats.org/drawingml/2006/main" xmlns:r="http://schemas.openxmlformats.org/officeDocument/2006/relationships" xmlns:p="http://schemas.openxmlformats.org/presentationml/2006/main">
   <p:cSld>
     <p:spTree>
@@ -12251,17 +14224,10 @@
           <a:lstStyle/>
           <a:p>
             <a:r>
-              <a:rPr lang="zh-CN" altLang="en-US" sz="1400"/>
-              <a:t>Care must be exercised to choose an appropriate value for since a large value of viscosity might cause a</a:t>
-            </a:r>
-            <a:endParaRPr lang="zh-CN" altLang="en-US" sz="1400"/>
-          </a:p>
-          <a:p>
-            <a:r>
-              <a:rPr lang="zh-CN" altLang="en-US" sz="1400"/>
-              <a:t>noticeable delay in the degradation of the stiffness.</a:t>
-            </a:r>
-            <a:endParaRPr lang="zh-CN" altLang="en-US" sz="1400"/>
+              <a:rPr lang="zh-CN" altLang="en-US" sz="1400" b="1"/>
+              <a:t>Care must be exercised to choose an appropriate value for since a large value of viscosity might cause a noticeable delay in the degradation of the stiffness.</a:t>
+            </a:r>
+            <a:endParaRPr lang="zh-CN" altLang="en-US" sz="1400" b="1"/>
           </a:p>
         </p:txBody>
       </p:sp>
@@ -12321,7 +14287,321 @@
 </p:sld>
 </file>
 
-<file path=ppt/slides/slide12.xml><?xml version="1.0" encoding="utf-8"?>
+<file path=ppt/slides/slide13.xml><?xml version="1.0" encoding="utf-8"?>
+<p:sld xmlns:a="http://schemas.openxmlformats.org/drawingml/2006/main" xmlns:r="http://schemas.openxmlformats.org/officeDocument/2006/relationships" xmlns:p="http://schemas.openxmlformats.org/presentationml/2006/main">
+  <p:cSld>
+    <p:spTree>
+      <p:nvGrpSpPr>
+        <p:cNvPr id="1" name=""/>
+        <p:cNvGrpSpPr/>
+        <p:nvPr/>
+      </p:nvGrpSpPr>
+      <p:grpSpPr>
+        <a:xfrm>
+          <a:off x="0" y="0"/>
+          <a:ext cx="0" cy="0"/>
+          <a:chOff x="0" y="0"/>
+          <a:chExt cx="0" cy="0"/>
+        </a:xfrm>
+      </p:grpSpPr>
+      <p:sp>
+        <p:nvSpPr>
+          <p:cNvPr id="2" name="矩形 1"/>
+          <p:cNvSpPr/>
+          <p:nvPr/>
+        </p:nvSpPr>
+        <p:spPr>
+          <a:xfrm>
+            <a:off x="121285" y="-120650"/>
+            <a:ext cx="9114155" cy="1291590"/>
+          </a:xfrm>
+          <a:prstGeom prst="rect">
+            <a:avLst/>
+          </a:prstGeom>
+        </p:spPr>
+        <p:txBody>
+          <a:bodyPr wrap="square">
+            <a:spAutoFit/>
+          </a:bodyPr>
+          <a:lstStyle/>
+          <a:p>
+            <a:pPr marL="0" lvl="1">
+              <a:lnSpc>
+                <a:spcPct val="150000"/>
+              </a:lnSpc>
+            </a:pPr>
+            <a:r>
+              <a:rPr lang="en-US" altLang="zh-CN" sz="2800" dirty="0" smtClean="0">
+                <a:latin typeface="Times New Roman" panose="02020603050405020304" pitchFamily="18" charset="0"/>
+                <a:cs typeface="Times New Roman" panose="02020603050405020304" pitchFamily="18" charset="0"/>
+              </a:rPr>
+              <a:t>Abaqus Simulation</a:t>
+            </a:r>
+            <a:endParaRPr lang="en-US" altLang="zh-CN" sz="2800" dirty="0" smtClean="0">
+              <a:latin typeface="Times New Roman" panose="02020603050405020304" pitchFamily="18" charset="0"/>
+              <a:cs typeface="Times New Roman" panose="02020603050405020304" pitchFamily="18" charset="0"/>
+            </a:endParaRPr>
+          </a:p>
+          <a:p>
+            <a:pPr marL="0" lvl="1">
+              <a:lnSpc>
+                <a:spcPct val="150000"/>
+              </a:lnSpc>
+            </a:pPr>
+            <a:r>
+              <a:rPr lang="en-US" altLang="zh-CN" sz="2400" dirty="0" smtClean="0">
+                <a:latin typeface="Times New Roman" panose="02020603050405020304" pitchFamily="18" charset="0"/>
+                <a:cs typeface="Times New Roman" panose="02020603050405020304" pitchFamily="18" charset="0"/>
+              </a:rPr>
+              <a:t>                       —</a:t>
+            </a:r>
+            <a:r>
+              <a:rPr lang="en-US" altLang="zh-CN" sz="2400">
+                <a:solidFill>
+                  <a:schemeClr val="dk1"/>
+                </a:solidFill>
+                <a:latin typeface="Times New Roman" panose="02020603050405020304" pitchFamily="18" charset="0"/>
+                <a:sym typeface="+mn-ea"/>
+              </a:rPr>
+              <a:t>coefficient of viscosity</a:t>
+            </a:r>
+            <a:endParaRPr lang="en-US" altLang="zh-CN" sz="2400" dirty="0" smtClean="0">
+              <a:latin typeface="Times New Roman" panose="02020603050405020304" pitchFamily="18" charset="0"/>
+              <a:cs typeface="Times New Roman" panose="02020603050405020304" pitchFamily="18" charset="0"/>
+            </a:endParaRPr>
+          </a:p>
+        </p:txBody>
+      </p:sp>
+      <p:pic>
+        <p:nvPicPr>
+          <p:cNvPr id="10243" name="图片 10242"/>
+          <p:cNvPicPr>
+            <a:picLocks noChangeAspect="1"/>
+          </p:cNvPicPr>
+          <p:nvPr/>
+        </p:nvPicPr>
+        <p:blipFill>
+          <a:blip r:embed="rId1"/>
+          <a:stretch>
+            <a:fillRect/>
+          </a:stretch>
+        </p:blipFill>
+        <p:spPr>
+          <a:xfrm>
+            <a:off x="4250690" y="1623695"/>
+            <a:ext cx="4750435" cy="1384935"/>
+          </a:xfrm>
+          <a:prstGeom prst="rect">
+            <a:avLst/>
+          </a:prstGeom>
+          <a:noFill/>
+          <a:ln w="9525">
+            <a:noFill/>
+          </a:ln>
+        </p:spPr>
+      </p:pic>
+      <p:pic>
+        <p:nvPicPr>
+          <p:cNvPr id="10244" name="图片 10243"/>
+          <p:cNvPicPr>
+            <a:picLocks noChangeAspect="1"/>
+          </p:cNvPicPr>
+          <p:nvPr/>
+        </p:nvPicPr>
+        <p:blipFill>
+          <a:blip r:embed="rId2"/>
+          <a:stretch>
+            <a:fillRect/>
+          </a:stretch>
+        </p:blipFill>
+        <p:spPr>
+          <a:xfrm>
+            <a:off x="282575" y="3450590"/>
+            <a:ext cx="4675188" cy="1357313"/>
+          </a:xfrm>
+          <a:prstGeom prst="rect">
+            <a:avLst/>
+          </a:prstGeom>
+          <a:noFill/>
+          <a:ln w="9525">
+            <a:noFill/>
+          </a:ln>
+        </p:spPr>
+      </p:pic>
+      <p:sp>
+        <p:nvSpPr>
+          <p:cNvPr id="10245" name="文本框 10244"/>
+          <p:cNvSpPr txBox="1"/>
+          <p:nvPr/>
+        </p:nvSpPr>
+        <p:spPr>
+          <a:xfrm>
+            <a:off x="159385" y="4928870"/>
+            <a:ext cx="4922520" cy="953135"/>
+          </a:xfrm>
+          <a:prstGeom prst="rect">
+            <a:avLst/>
+          </a:prstGeom>
+          <a:noFill/>
+          <a:ln w="9525">
+            <a:noFill/>
+          </a:ln>
+        </p:spPr>
+        <p:txBody>
+          <a:bodyPr wrap="square" anchor="t">
+            <a:spAutoFit/>
+          </a:bodyPr>
+          <a:p>
+            <a:r>
+              <a:rPr lang="zh-CN" altLang="en-US" sz="1400" dirty="0">
+                <a:latin typeface="Arial" panose="020B0604020202020204" pitchFamily="34" charset="0"/>
+              </a:rPr>
+              <a:t>Net blunt notch strength (MPa) for different values of the viscosity parameter in fiber direction(using built-in</a:t>
+            </a:r>
+            <a:endParaRPr lang="zh-CN" altLang="en-US" sz="1400" dirty="0">
+              <a:latin typeface="Arial" panose="020B0604020202020204" pitchFamily="34" charset="0"/>
+            </a:endParaRPr>
+          </a:p>
+          <a:p>
+            <a:r>
+              <a:rPr lang="zh-CN" altLang="en-US" sz="1400" dirty="0">
+                <a:latin typeface="Arial" panose="020B0604020202020204" pitchFamily="34" charset="0"/>
+              </a:rPr>
+              <a:t>fiber reinforced material damage model, viscosity in the matrix direction =0.005).</a:t>
+            </a:r>
+            <a:endParaRPr lang="zh-CN" altLang="en-US" sz="1400" dirty="0">
+              <a:latin typeface="Arial" panose="020B0604020202020204" pitchFamily="34" charset="0"/>
+            </a:endParaRPr>
+          </a:p>
+        </p:txBody>
+      </p:sp>
+      <p:pic>
+        <p:nvPicPr>
+          <p:cNvPr id="10246" name="图片 10245"/>
+          <p:cNvPicPr>
+            <a:picLocks noChangeAspect="1"/>
+          </p:cNvPicPr>
+          <p:nvPr/>
+        </p:nvPicPr>
+        <p:blipFill>
+          <a:blip r:embed="rId3"/>
+          <a:stretch>
+            <a:fillRect/>
+          </a:stretch>
+        </p:blipFill>
+        <p:spPr>
+          <a:xfrm>
+            <a:off x="530225" y="1506220"/>
+            <a:ext cx="4180205" cy="1620520"/>
+          </a:xfrm>
+          <a:prstGeom prst="rect">
+            <a:avLst/>
+          </a:prstGeom>
+          <a:noFill/>
+          <a:ln w="9525">
+            <a:noFill/>
+          </a:ln>
+        </p:spPr>
+      </p:pic>
+      <p:pic>
+        <p:nvPicPr>
+          <p:cNvPr id="3" name="图片 2"/>
+          <p:cNvPicPr>
+            <a:picLocks noChangeAspect="1"/>
+          </p:cNvPicPr>
+          <p:nvPr/>
+        </p:nvPicPr>
+        <p:blipFill>
+          <a:blip r:embed="rId4"/>
+          <a:stretch>
+            <a:fillRect/>
+          </a:stretch>
+        </p:blipFill>
+        <p:spPr>
+          <a:xfrm>
+            <a:off x="4863465" y="3311525"/>
+            <a:ext cx="4281805" cy="3058160"/>
+          </a:xfrm>
+          <a:prstGeom prst="rect">
+            <a:avLst/>
+          </a:prstGeom>
+        </p:spPr>
+      </p:pic>
+      <p:sp>
+        <p:nvSpPr>
+          <p:cNvPr id="5" name="文本框 4"/>
+          <p:cNvSpPr txBox="1"/>
+          <p:nvPr/>
+        </p:nvSpPr>
+        <p:spPr>
+          <a:xfrm>
+            <a:off x="121285" y="1137920"/>
+            <a:ext cx="2540000" cy="368300"/>
+          </a:xfrm>
+          <a:prstGeom prst="rect">
+            <a:avLst/>
+          </a:prstGeom>
+          <a:noFill/>
+        </p:spPr>
+        <p:txBody>
+          <a:bodyPr wrap="square" rtlCol="0" anchor="t">
+            <a:spAutoFit/>
+          </a:bodyPr>
+          <a:p>
+            <a:r>
+              <a:rPr lang="zh-CN" altLang="en-US"/>
+              <a:t>Numerical example</a:t>
+            </a:r>
+            <a:endParaRPr lang="zh-CN" altLang="en-US"/>
+          </a:p>
+        </p:txBody>
+      </p:sp>
+      <p:sp>
+        <p:nvSpPr>
+          <p:cNvPr id="51" name="文本框 50"/>
+          <p:cNvSpPr txBox="1"/>
+          <p:nvPr/>
+        </p:nvSpPr>
+        <p:spPr>
+          <a:xfrm>
+            <a:off x="3307715" y="6392545"/>
+            <a:ext cx="6483350" cy="460375"/>
+          </a:xfrm>
+          <a:prstGeom prst="rect">
+            <a:avLst/>
+          </a:prstGeom>
+          <a:noFill/>
+        </p:spPr>
+        <p:txBody>
+          <a:bodyPr wrap="square" rtlCol="0" anchor="t">
+            <a:spAutoFit/>
+          </a:bodyPr>
+          <a:p>
+            <a:r>
+              <a:rPr lang="zh-CN" altLang="en-US" sz="1200" dirty="0"/>
+              <a:t>Lapczyk I, Hurtado J A. Progressive damage modeling in fiber-reinforced materials[J]. Composites Part A Applied Science &amp; Manufacturing, 2007, 38(11):2333-2341.</a:t>
+            </a:r>
+            <a:endParaRPr lang="zh-CN" altLang="en-US" sz="1200" dirty="0"/>
+          </a:p>
+        </p:txBody>
+      </p:sp>
+    </p:spTree>
+  </p:cSld>
+  <p:clrMapOvr>
+    <a:masterClrMapping/>
+  </p:clrMapOvr>
+  <p:transition/>
+  <p:timing>
+    <p:tnLst>
+      <p:par>
+        <p:cTn id="1" dur="indefinite" restart="never" nodeType="tmRoot"/>
+      </p:par>
+    </p:tnLst>
+  </p:timing>
+</p:sld>
+</file>
+
+<file path=ppt/slides/slide14.xml><?xml version="1.0" encoding="utf-8"?>
 <p:sld xmlns:a="http://schemas.openxmlformats.org/drawingml/2006/main" xmlns:r="http://schemas.openxmlformats.org/officeDocument/2006/relationships" xmlns:p="http://schemas.openxmlformats.org/presentationml/2006/main">
   <p:cSld>
     <p:spTree>
@@ -12705,7 +14985,7 @@
 </p:sld>
 </file>
 
-<file path=ppt/slides/slide13.xml><?xml version="1.0" encoding="utf-8"?>
+<file path=ppt/slides/slide15.xml><?xml version="1.0" encoding="utf-8"?>
 <p:sld xmlns:a="http://schemas.openxmlformats.org/drawingml/2006/main" xmlns:r="http://schemas.openxmlformats.org/officeDocument/2006/relationships" xmlns:p="http://schemas.openxmlformats.org/presentationml/2006/main">
   <p:cSld>
     <p:spTree>
@@ -14143,7 +16423,7 @@
 </p:sld>
 </file>
 
-<file path=ppt/slides/slide14.xml><?xml version="1.0" encoding="utf-8"?>
+<file path=ppt/slides/slide16.xml><?xml version="1.0" encoding="utf-8"?>
 <p:sld xmlns:a="http://schemas.openxmlformats.org/drawingml/2006/main" xmlns:r="http://schemas.openxmlformats.org/officeDocument/2006/relationships" xmlns:p="http://schemas.openxmlformats.org/presentationml/2006/main">
   <p:cSld>
     <p:spTree>
@@ -14455,7 +16735,7 @@
 </p:sld>
 </file>
 
-<file path=ppt/slides/slide15.xml><?xml version="1.0" encoding="utf-8"?>
+<file path=ppt/slides/slide17.xml><?xml version="1.0" encoding="utf-8"?>
 <p:sld xmlns:a="http://schemas.openxmlformats.org/drawingml/2006/main" xmlns:r="http://schemas.openxmlformats.org/officeDocument/2006/relationships" xmlns:p="http://schemas.openxmlformats.org/presentationml/2006/main">
   <p:cSld>
     <p:spTree>
@@ -14796,7 +17076,7 @@
 </p:sld>
 </file>
 
-<file path=ppt/slides/slide16.xml><?xml version="1.0" encoding="utf-8"?>
+<file path=ppt/slides/slide18.xml><?xml version="1.0" encoding="utf-8"?>
 <p:sld xmlns:a="http://schemas.openxmlformats.org/drawingml/2006/main" xmlns:r="http://schemas.openxmlformats.org/officeDocument/2006/relationships" xmlns:p="http://schemas.openxmlformats.org/presentationml/2006/main">
   <p:cSld>
     <p:spTree>
@@ -15192,7 +17472,7 @@
 </p:sld>
 </file>
 
-<file path=ppt/slides/slide17.xml><?xml version="1.0" encoding="utf-8"?>
+<file path=ppt/slides/slide19.xml><?xml version="1.0" encoding="utf-8"?>
 <p:sld xmlns:a="http://schemas.openxmlformats.org/drawingml/2006/main" xmlns:r="http://schemas.openxmlformats.org/officeDocument/2006/relationships" xmlns:p="http://schemas.openxmlformats.org/presentationml/2006/main">
   <p:cSld>
     <p:spTree>
@@ -15823,7 +18103,379 @@
 </p:sld>
 </file>
 
-<file path=ppt/slides/slide18.xml><?xml version="1.0" encoding="utf-8"?>
+<file path=ppt/slides/slide2.xml><?xml version="1.0" encoding="utf-8"?>
+<p:sld xmlns:a="http://schemas.openxmlformats.org/drawingml/2006/main" xmlns:r="http://schemas.openxmlformats.org/officeDocument/2006/relationships" xmlns:p="http://schemas.openxmlformats.org/presentationml/2006/main">
+  <p:cSld>
+    <p:spTree>
+      <p:nvGrpSpPr>
+        <p:cNvPr id="1" name=""/>
+        <p:cNvGrpSpPr/>
+        <p:nvPr/>
+      </p:nvGrpSpPr>
+      <p:grpSpPr>
+        <a:xfrm>
+          <a:off x="0" y="0"/>
+          <a:ext cx="0" cy="0"/>
+          <a:chOff x="0" y="0"/>
+          <a:chExt cx="0" cy="0"/>
+        </a:xfrm>
+      </p:grpSpPr>
+      <p:graphicFrame>
+        <p:nvGraphicFramePr>
+          <p:cNvPr id="2" name="图示 1"/>
+          <p:cNvGraphicFramePr/>
+          <p:nvPr/>
+        </p:nvGraphicFramePr>
+        <p:xfrm>
+          <a:off x="125730" y="1207135"/>
+          <a:ext cx="8851265" cy="4791710"/>
+        </p:xfrm>
+        <a:graphic>
+          <a:graphicData uri="http://schemas.openxmlformats.org/drawingml/2006/diagram">
+            <dgm:relIds xmlns:dgm="http://schemas.openxmlformats.org/drawingml/2006/diagram" xmlns:r="http://schemas.openxmlformats.org/officeDocument/2006/relationships" r:dm="rId1" r:lo="rId2" r:qs="rId3" r:cs="rId4"/>
+          </a:graphicData>
+        </a:graphic>
+      </p:graphicFrame>
+      <p:sp>
+        <p:nvSpPr>
+          <p:cNvPr id="4" name="文本框 3"/>
+          <p:cNvSpPr txBox="1"/>
+          <p:nvPr/>
+        </p:nvSpPr>
+        <p:spPr>
+          <a:xfrm>
+            <a:off x="461010" y="1121410"/>
+            <a:ext cx="7325360" cy="5354320"/>
+          </a:xfrm>
+          <a:prstGeom prst="rect">
+            <a:avLst/>
+          </a:prstGeom>
+          <a:noFill/>
+        </p:spPr>
+        <p:txBody>
+          <a:bodyPr wrap="square" rtlCol="0" anchor="t">
+            <a:spAutoFit/>
+          </a:bodyPr>
+          <a:lstStyle/>
+          <a:p>
+            <a:pPr marL="342900" indent="-342900">
+              <a:buFont typeface="+mj-lt"/>
+              <a:buAutoNum type="arabicPeriod"/>
+            </a:pPr>
+            <a:r>
+              <a:rPr lang="zh-CN" altLang="en-US" sz="2400" b="1">
+                <a:latin typeface="Times New Roman" panose="02020603050405020304" pitchFamily="18" charset="0"/>
+              </a:rPr>
+              <a:t>Numerical </a:t>
+            </a:r>
+            <a:r>
+              <a:rPr lang="en-US" altLang="zh-CN" sz="2400" b="1">
+                <a:latin typeface="Times New Roman" panose="02020603050405020304" pitchFamily="18" charset="0"/>
+              </a:rPr>
+              <a:t>M</a:t>
+            </a:r>
+            <a:r>
+              <a:rPr lang="zh-CN" altLang="en-US" sz="2400" b="1">
+                <a:latin typeface="Times New Roman" panose="02020603050405020304" pitchFamily="18" charset="0"/>
+              </a:rPr>
+              <a:t>odel</a:t>
+            </a:r>
+            <a:endParaRPr lang="zh-CN" altLang="en-US" sz="2400" b="1">
+              <a:latin typeface="Times New Roman" panose="02020603050405020304" pitchFamily="18" charset="0"/>
+            </a:endParaRPr>
+          </a:p>
+          <a:p>
+            <a:pPr marL="1257300" lvl="2" indent="-342900">
+              <a:buFont typeface="Arial" panose="020B0604020202020204" pitchFamily="34" charset="0"/>
+              <a:buChar char="•"/>
+            </a:pPr>
+            <a:endParaRPr lang="zh-CN" altLang="en-US">
+              <a:latin typeface="Times New Roman" panose="02020603050405020304" pitchFamily="18" charset="0"/>
+              <a:sym typeface="+mn-ea"/>
+            </a:endParaRPr>
+          </a:p>
+          <a:p>
+            <a:pPr marL="720090" lvl="2" indent="-284480" latinLnBrk="0">
+              <a:buFont typeface="Arial" panose="020B0604020202020204" pitchFamily="34" charset="0"/>
+              <a:buChar char="•"/>
+            </a:pPr>
+            <a:r>
+              <a:rPr lang="zh-CN" altLang="en-US" sz="2000">
+                <a:latin typeface="Times New Roman" panose="02020603050405020304" pitchFamily="18" charset="0"/>
+                <a:sym typeface="+mn-ea"/>
+              </a:rPr>
+              <a:t>Hashin Criteria &amp; Continumm Damage Model(CDM)</a:t>
+            </a:r>
+            <a:endParaRPr lang="zh-CN" altLang="en-US" sz="2000">
+              <a:latin typeface="Times New Roman" panose="02020603050405020304" pitchFamily="18" charset="0"/>
+            </a:endParaRPr>
+          </a:p>
+          <a:p>
+            <a:pPr marL="720090" lvl="2" indent="-284480" latinLnBrk="0">
+              <a:buFont typeface="Arial" panose="020B0604020202020204" pitchFamily="34" charset="0"/>
+              <a:buChar char="•"/>
+            </a:pPr>
+            <a:r>
+              <a:rPr lang="zh-CN" altLang="en-US" sz="2000">
+                <a:latin typeface="Times New Roman" panose="02020603050405020304" pitchFamily="18" charset="0"/>
+                <a:sym typeface="+mn-ea"/>
+              </a:rPr>
+              <a:t>Degeneration Model(linear vs exponential)</a:t>
+            </a:r>
+            <a:endParaRPr lang="zh-CN" altLang="en-US" sz="2000">
+              <a:latin typeface="Times New Roman" panose="02020603050405020304" pitchFamily="18" charset="0"/>
+              <a:sym typeface="+mn-ea"/>
+            </a:endParaRPr>
+          </a:p>
+          <a:p>
+            <a:pPr marL="720090" lvl="2" indent="-284480" latinLnBrk="0">
+              <a:buFont typeface="Arial" panose="020B0604020202020204" pitchFamily="34" charset="0"/>
+              <a:buChar char="•"/>
+            </a:pPr>
+            <a:r>
+              <a:rPr lang="zh-CN" altLang="en-US" sz="2000">
+                <a:latin typeface="Times New Roman" panose="02020603050405020304" pitchFamily="18" charset="0"/>
+                <a:sym typeface="+mn-ea"/>
+              </a:rPr>
+              <a:t>Shear Nonlinearity</a:t>
+            </a:r>
+            <a:endParaRPr lang="zh-CN" altLang="en-US" sz="2000">
+              <a:latin typeface="Times New Roman" panose="02020603050405020304" pitchFamily="18" charset="0"/>
+            </a:endParaRPr>
+          </a:p>
+          <a:p>
+            <a:pPr marL="720090" lvl="2" indent="-284480" latinLnBrk="0">
+              <a:buFont typeface="Arial" panose="020B0604020202020204" pitchFamily="34" charset="0"/>
+              <a:buChar char="•"/>
+            </a:pPr>
+            <a:r>
+              <a:rPr lang="zh-CN" altLang="en-US" sz="2000">
+                <a:latin typeface="Times New Roman" panose="02020603050405020304" pitchFamily="18" charset="0"/>
+                <a:sym typeface="+mn-ea"/>
+              </a:rPr>
+              <a:t>就地强度准测？？</a:t>
+            </a:r>
+            <a:endParaRPr lang="zh-CN" altLang="en-US" sz="2000">
+              <a:latin typeface="Times New Roman" panose="02020603050405020304" pitchFamily="18" charset="0"/>
+            </a:endParaRPr>
+          </a:p>
+          <a:p>
+            <a:pPr marL="342900" indent="-342900">
+              <a:buFont typeface="+mj-lt"/>
+              <a:buAutoNum type="arabicPeriod"/>
+            </a:pPr>
+            <a:endParaRPr lang="zh-CN" altLang="en-US">
+              <a:latin typeface="Times New Roman" panose="02020603050405020304" pitchFamily="18" charset="0"/>
+            </a:endParaRPr>
+          </a:p>
+          <a:p>
+            <a:pPr marL="342900" indent="-342900">
+              <a:buFont typeface="+mj-lt"/>
+              <a:buAutoNum type="arabicPeriod"/>
+            </a:pPr>
+            <a:r>
+              <a:rPr lang="zh-CN" altLang="en-US" sz="2400" b="1">
+                <a:latin typeface="Times New Roman" panose="02020603050405020304" pitchFamily="18" charset="0"/>
+                <a:sym typeface="+mn-ea"/>
+              </a:rPr>
+              <a:t>Abaqus </a:t>
+            </a:r>
+            <a:r>
+              <a:rPr lang="en-US" altLang="zh-CN" sz="2400" b="1">
+                <a:latin typeface="Times New Roman" panose="02020603050405020304" pitchFamily="18" charset="0"/>
+                <a:sym typeface="+mn-ea"/>
+              </a:rPr>
+              <a:t>S</a:t>
+            </a:r>
+            <a:r>
+              <a:rPr lang="zh-CN" altLang="en-US" sz="2400" b="1">
+                <a:latin typeface="Times New Roman" panose="02020603050405020304" pitchFamily="18" charset="0"/>
+                <a:sym typeface="+mn-ea"/>
+              </a:rPr>
+              <a:t>imulation</a:t>
+            </a:r>
+            <a:endParaRPr lang="zh-CN" altLang="en-US" sz="2400" b="1">
+              <a:latin typeface="Times New Roman" panose="02020603050405020304" pitchFamily="18" charset="0"/>
+              <a:sym typeface="+mn-ea"/>
+            </a:endParaRPr>
+          </a:p>
+          <a:p>
+            <a:pPr lvl="2" indent="0">
+              <a:buFont typeface="Arial" panose="020B0604020202020204" pitchFamily="34" charset="0"/>
+              <a:buNone/>
+            </a:pPr>
+            <a:endParaRPr lang="zh-CN" altLang="en-US">
+              <a:latin typeface="Times New Roman" panose="02020603050405020304" pitchFamily="18" charset="0"/>
+              <a:sym typeface="+mn-ea"/>
+            </a:endParaRPr>
+          </a:p>
+          <a:p>
+            <a:pPr marL="720090" lvl="2" indent="-285750" latinLnBrk="0">
+              <a:buFont typeface="Arial" panose="020B0604020202020204" pitchFamily="34" charset="0"/>
+              <a:buChar char="•"/>
+            </a:pPr>
+            <a:r>
+              <a:rPr lang="en-US" altLang="zh-CN" sz="2000">
+                <a:latin typeface="Times New Roman" panose="02020603050405020304" pitchFamily="18" charset="0"/>
+                <a:sym typeface="+mn-ea"/>
+              </a:rPr>
+              <a:t>Modeling Technique</a:t>
+            </a:r>
+            <a:endParaRPr lang="en-US" altLang="zh-CN" sz="2000">
+              <a:latin typeface="Times New Roman" panose="02020603050405020304" pitchFamily="18" charset="0"/>
+              <a:sym typeface="+mn-ea"/>
+            </a:endParaRPr>
+          </a:p>
+          <a:p>
+            <a:pPr marL="720090" lvl="2" indent="-285750" latinLnBrk="0">
+              <a:buFont typeface="Arial" panose="020B0604020202020204" pitchFamily="34" charset="0"/>
+              <a:buChar char="•"/>
+            </a:pPr>
+            <a:r>
+              <a:rPr lang="zh-CN" altLang="en-US" sz="2000">
+                <a:latin typeface="Times New Roman" panose="02020603050405020304" pitchFamily="18" charset="0"/>
+                <a:sym typeface="+mn-ea"/>
+              </a:rPr>
+              <a:t>UMAT subroutine</a:t>
+            </a:r>
+            <a:endParaRPr lang="zh-CN" altLang="en-US" sz="2000">
+              <a:latin typeface="Times New Roman" panose="02020603050405020304" pitchFamily="18" charset="0"/>
+            </a:endParaRPr>
+          </a:p>
+          <a:p>
+            <a:pPr marL="720090" lvl="2" indent="-285750" latinLnBrk="0">
+              <a:buFont typeface="Arial" panose="020B0604020202020204" pitchFamily="34" charset="0"/>
+              <a:buChar char="•"/>
+            </a:pPr>
+            <a:r>
+              <a:rPr lang="en-US" altLang="zh-CN" sz="2000">
+                <a:latin typeface="Times New Roman" panose="02020603050405020304" pitchFamily="18" charset="0"/>
+                <a:sym typeface="+mn-ea"/>
+              </a:rPr>
+              <a:t>c</a:t>
+            </a:r>
+            <a:r>
+              <a:rPr lang="zh-CN" altLang="en-US" sz="2000">
+                <a:latin typeface="Times New Roman" panose="02020603050405020304" pitchFamily="18" charset="0"/>
+                <a:sym typeface="+mn-ea"/>
+              </a:rPr>
+              <a:t>haracteristic </a:t>
+            </a:r>
+            <a:r>
+              <a:rPr lang="en-US" altLang="zh-CN" sz="2000">
+                <a:latin typeface="Times New Roman" panose="02020603050405020304" pitchFamily="18" charset="0"/>
+                <a:sym typeface="+mn-ea"/>
+              </a:rPr>
+              <a:t>l</a:t>
+            </a:r>
+            <a:r>
+              <a:rPr lang="zh-CN" altLang="en-US" sz="2000">
+                <a:latin typeface="Times New Roman" panose="02020603050405020304" pitchFamily="18" charset="0"/>
+                <a:sym typeface="+mn-ea"/>
+              </a:rPr>
+              <a:t>ength</a:t>
+            </a:r>
+            <a:endParaRPr lang="zh-CN" altLang="en-US" sz="2000">
+              <a:latin typeface="Times New Roman" panose="02020603050405020304" pitchFamily="18" charset="0"/>
+            </a:endParaRPr>
+          </a:p>
+          <a:p>
+            <a:pPr marL="720090" lvl="2" indent="-285750" latinLnBrk="0">
+              <a:buFont typeface="Arial" panose="020B0604020202020204" pitchFamily="34" charset="0"/>
+              <a:buChar char="•"/>
+            </a:pPr>
+            <a:r>
+              <a:rPr lang="zh-CN" altLang="en-US" sz="2000">
+                <a:latin typeface="Times New Roman" panose="02020603050405020304" pitchFamily="18" charset="0"/>
+                <a:sym typeface="+mn-ea"/>
+              </a:rPr>
+              <a:t>coefficient of viscosity</a:t>
+            </a:r>
+            <a:endParaRPr lang="zh-CN" altLang="en-US" sz="2000">
+              <a:latin typeface="Times New Roman" panose="02020603050405020304" pitchFamily="18" charset="0"/>
+            </a:endParaRPr>
+          </a:p>
+          <a:p>
+            <a:pPr marL="720090" lvl="2" indent="-285750" latinLnBrk="0">
+              <a:buFont typeface="Arial" panose="020B0604020202020204" pitchFamily="34" charset="0"/>
+              <a:buChar char="•"/>
+            </a:pPr>
+            <a:r>
+              <a:rPr lang="zh-CN" altLang="en-US" sz="2000">
+                <a:latin typeface="Times New Roman" panose="02020603050405020304" pitchFamily="18" charset="0"/>
+                <a:sym typeface="+mn-ea"/>
+              </a:rPr>
+              <a:t>implicit dynamic </a:t>
+            </a:r>
+            <a:endParaRPr lang="zh-CN" altLang="en-US" sz="2000">
+              <a:latin typeface="Times New Roman" panose="02020603050405020304" pitchFamily="18" charset="0"/>
+            </a:endParaRPr>
+          </a:p>
+          <a:p>
+            <a:pPr marL="342900" indent="-342900">
+              <a:buFont typeface="+mj-lt"/>
+              <a:buAutoNum type="arabicPeriod"/>
+            </a:pPr>
+            <a:endParaRPr lang="zh-CN" altLang="en-US">
+              <a:latin typeface="Times New Roman" panose="02020603050405020304" pitchFamily="18" charset="0"/>
+              <a:sym typeface="+mn-ea"/>
+            </a:endParaRPr>
+          </a:p>
+          <a:p>
+            <a:pPr marL="342900" indent="-342900">
+              <a:buFont typeface="+mj-lt"/>
+              <a:buAutoNum type="arabicPeriod"/>
+            </a:pPr>
+            <a:r>
+              <a:rPr lang="zh-CN" altLang="en-US" sz="2400" b="1">
+                <a:latin typeface="Times New Roman" panose="02020603050405020304" pitchFamily="18" charset="0"/>
+                <a:sym typeface="+mn-ea"/>
+              </a:rPr>
+              <a:t>Results </a:t>
+            </a:r>
+            <a:r>
+              <a:rPr lang="en-US" altLang="zh-CN" sz="2400" b="1">
+                <a:latin typeface="Times New Roman" panose="02020603050405020304" pitchFamily="18" charset="0"/>
+                <a:sym typeface="+mn-ea"/>
+              </a:rPr>
+              <a:t>&amp; Conclusions</a:t>
+            </a:r>
+            <a:endParaRPr lang="zh-CN" altLang="en-US" sz="2400" b="1">
+              <a:latin typeface="Times New Roman" panose="02020603050405020304" pitchFamily="18" charset="0"/>
+              <a:sym typeface="+mn-ea"/>
+            </a:endParaRPr>
+          </a:p>
+          <a:p>
+            <a:pPr marL="0" indent="0">
+              <a:buFont typeface="+mj-lt"/>
+              <a:buNone/>
+            </a:pPr>
+            <a:r>
+              <a:rPr lang="zh-CN" altLang="en-US">
+                <a:sym typeface="+mn-ea"/>
+              </a:rPr>
+              <a:t> </a:t>
+            </a:r>
+            <a:r>
+              <a:rPr lang="zh-CN" altLang="en-US"/>
+              <a:t>	</a:t>
+            </a:r>
+            <a:endParaRPr lang="en-US" altLang="zh-CN"/>
+          </a:p>
+        </p:txBody>
+      </p:sp>
+    </p:spTree>
+    <p:custDataLst>
+      <p:tags r:id="rId6"/>
+    </p:custDataLst>
+  </p:cSld>
+  <p:clrMapOvr>
+    <a:masterClrMapping/>
+  </p:clrMapOvr>
+</p:sld>
+</file>
+
+<file path=ppt/slides/slide20.xml><?xml version="1.0" encoding="utf-8"?>
 <p:sld xmlns:a="http://schemas.openxmlformats.org/drawingml/2006/main" xmlns:r="http://schemas.openxmlformats.org/officeDocument/2006/relationships" xmlns:p="http://schemas.openxmlformats.org/presentationml/2006/main">
   <p:cSld>
     <p:spTree>
@@ -16225,378 +18877,6 @@
     <a:masterClrMapping/>
   </p:clrMapOvr>
   <p:transition/>
-</p:sld>
-</file>
-
-<file path=ppt/slides/slide2.xml><?xml version="1.0" encoding="utf-8"?>
-<p:sld xmlns:a="http://schemas.openxmlformats.org/drawingml/2006/main" xmlns:r="http://schemas.openxmlformats.org/officeDocument/2006/relationships" xmlns:p="http://schemas.openxmlformats.org/presentationml/2006/main">
-  <p:cSld>
-    <p:spTree>
-      <p:nvGrpSpPr>
-        <p:cNvPr id="1" name=""/>
-        <p:cNvGrpSpPr/>
-        <p:nvPr/>
-      </p:nvGrpSpPr>
-      <p:grpSpPr>
-        <a:xfrm>
-          <a:off x="0" y="0"/>
-          <a:ext cx="0" cy="0"/>
-          <a:chOff x="0" y="0"/>
-          <a:chExt cx="0" cy="0"/>
-        </a:xfrm>
-      </p:grpSpPr>
-      <p:graphicFrame>
-        <p:nvGraphicFramePr>
-          <p:cNvPr id="2" name="图示 1"/>
-          <p:cNvGraphicFramePr/>
-          <p:nvPr/>
-        </p:nvGraphicFramePr>
-        <p:xfrm>
-          <a:off x="125730" y="1207135"/>
-          <a:ext cx="8851265" cy="4791710"/>
-        </p:xfrm>
-        <a:graphic>
-          <a:graphicData uri="http://schemas.openxmlformats.org/drawingml/2006/diagram">
-            <dgm:relIds xmlns:dgm="http://schemas.openxmlformats.org/drawingml/2006/diagram" xmlns:r="http://schemas.openxmlformats.org/officeDocument/2006/relationships" r:dm="rId1" r:lo="rId2" r:qs="rId3" r:cs="rId4"/>
-          </a:graphicData>
-        </a:graphic>
-      </p:graphicFrame>
-      <p:sp>
-        <p:nvSpPr>
-          <p:cNvPr id="4" name="文本框 3"/>
-          <p:cNvSpPr txBox="1"/>
-          <p:nvPr/>
-        </p:nvSpPr>
-        <p:spPr>
-          <a:xfrm>
-            <a:off x="461010" y="1121410"/>
-            <a:ext cx="7325360" cy="5354320"/>
-          </a:xfrm>
-          <a:prstGeom prst="rect">
-            <a:avLst/>
-          </a:prstGeom>
-          <a:noFill/>
-        </p:spPr>
-        <p:txBody>
-          <a:bodyPr wrap="square" rtlCol="0" anchor="t">
-            <a:spAutoFit/>
-          </a:bodyPr>
-          <a:lstStyle/>
-          <a:p>
-            <a:pPr marL="342900" indent="-342900">
-              <a:buFont typeface="+mj-lt"/>
-              <a:buAutoNum type="arabicPeriod"/>
-            </a:pPr>
-            <a:r>
-              <a:rPr lang="zh-CN" altLang="en-US" sz="2400" b="1">
-                <a:latin typeface="Times New Roman" panose="02020603050405020304" pitchFamily="18" charset="0"/>
-              </a:rPr>
-              <a:t>Numerical </a:t>
-            </a:r>
-            <a:r>
-              <a:rPr lang="en-US" altLang="zh-CN" sz="2400" b="1">
-                <a:latin typeface="Times New Roman" panose="02020603050405020304" pitchFamily="18" charset="0"/>
-              </a:rPr>
-              <a:t>M</a:t>
-            </a:r>
-            <a:r>
-              <a:rPr lang="zh-CN" altLang="en-US" sz="2400" b="1">
-                <a:latin typeface="Times New Roman" panose="02020603050405020304" pitchFamily="18" charset="0"/>
-              </a:rPr>
-              <a:t>odel</a:t>
-            </a:r>
-            <a:endParaRPr lang="zh-CN" altLang="en-US" sz="2400" b="1">
-              <a:latin typeface="Times New Roman" panose="02020603050405020304" pitchFamily="18" charset="0"/>
-            </a:endParaRPr>
-          </a:p>
-          <a:p>
-            <a:pPr marL="1257300" lvl="2" indent="-342900">
-              <a:buFont typeface="Arial" panose="020B0604020202020204" pitchFamily="34" charset="0"/>
-              <a:buChar char="•"/>
-            </a:pPr>
-            <a:endParaRPr lang="zh-CN" altLang="en-US">
-              <a:latin typeface="Times New Roman" panose="02020603050405020304" pitchFamily="18" charset="0"/>
-              <a:sym typeface="+mn-ea"/>
-            </a:endParaRPr>
-          </a:p>
-          <a:p>
-            <a:pPr marL="720090" lvl="2" indent="-284480" latinLnBrk="0">
-              <a:buFont typeface="Arial" panose="020B0604020202020204" pitchFamily="34" charset="0"/>
-              <a:buChar char="•"/>
-            </a:pPr>
-            <a:r>
-              <a:rPr lang="zh-CN" altLang="en-US" sz="2000">
-                <a:latin typeface="Times New Roman" panose="02020603050405020304" pitchFamily="18" charset="0"/>
-                <a:sym typeface="+mn-ea"/>
-              </a:rPr>
-              <a:t>Hashin Criteria &amp; Continumm Damage Model(CDM)</a:t>
-            </a:r>
-            <a:endParaRPr lang="zh-CN" altLang="en-US" sz="2000">
-              <a:latin typeface="Times New Roman" panose="02020603050405020304" pitchFamily="18" charset="0"/>
-            </a:endParaRPr>
-          </a:p>
-          <a:p>
-            <a:pPr marL="720090" lvl="2" indent="-284480" latinLnBrk="0">
-              <a:buFont typeface="Arial" panose="020B0604020202020204" pitchFamily="34" charset="0"/>
-              <a:buChar char="•"/>
-            </a:pPr>
-            <a:r>
-              <a:rPr lang="zh-CN" altLang="en-US" sz="2000">
-                <a:latin typeface="Times New Roman" panose="02020603050405020304" pitchFamily="18" charset="0"/>
-                <a:sym typeface="+mn-ea"/>
-              </a:rPr>
-              <a:t>Degeneration Model(linear vs exponential)</a:t>
-            </a:r>
-            <a:endParaRPr lang="zh-CN" altLang="en-US" sz="2000">
-              <a:latin typeface="Times New Roman" panose="02020603050405020304" pitchFamily="18" charset="0"/>
-              <a:sym typeface="+mn-ea"/>
-            </a:endParaRPr>
-          </a:p>
-          <a:p>
-            <a:pPr marL="720090" lvl="2" indent="-284480" latinLnBrk="0">
-              <a:buFont typeface="Arial" panose="020B0604020202020204" pitchFamily="34" charset="0"/>
-              <a:buChar char="•"/>
-            </a:pPr>
-            <a:r>
-              <a:rPr lang="zh-CN" altLang="en-US" sz="2000">
-                <a:latin typeface="Times New Roman" panose="02020603050405020304" pitchFamily="18" charset="0"/>
-                <a:sym typeface="+mn-ea"/>
-              </a:rPr>
-              <a:t>Shear Nonlinearity</a:t>
-            </a:r>
-            <a:endParaRPr lang="zh-CN" altLang="en-US" sz="2000">
-              <a:latin typeface="Times New Roman" panose="02020603050405020304" pitchFamily="18" charset="0"/>
-            </a:endParaRPr>
-          </a:p>
-          <a:p>
-            <a:pPr marL="720090" lvl="2" indent="-284480" latinLnBrk="0">
-              <a:buFont typeface="Arial" panose="020B0604020202020204" pitchFamily="34" charset="0"/>
-              <a:buChar char="•"/>
-            </a:pPr>
-            <a:r>
-              <a:rPr lang="zh-CN" altLang="en-US" sz="2000">
-                <a:latin typeface="Times New Roman" panose="02020603050405020304" pitchFamily="18" charset="0"/>
-                <a:sym typeface="+mn-ea"/>
-              </a:rPr>
-              <a:t>就地强度准测？？</a:t>
-            </a:r>
-            <a:endParaRPr lang="zh-CN" altLang="en-US" sz="2000">
-              <a:latin typeface="Times New Roman" panose="02020603050405020304" pitchFamily="18" charset="0"/>
-            </a:endParaRPr>
-          </a:p>
-          <a:p>
-            <a:pPr marL="342900" indent="-342900">
-              <a:buFont typeface="+mj-lt"/>
-              <a:buAutoNum type="arabicPeriod"/>
-            </a:pPr>
-            <a:endParaRPr lang="zh-CN" altLang="en-US">
-              <a:latin typeface="Times New Roman" panose="02020603050405020304" pitchFamily="18" charset="0"/>
-            </a:endParaRPr>
-          </a:p>
-          <a:p>
-            <a:pPr marL="342900" indent="-342900">
-              <a:buFont typeface="+mj-lt"/>
-              <a:buAutoNum type="arabicPeriod"/>
-            </a:pPr>
-            <a:r>
-              <a:rPr lang="zh-CN" altLang="en-US" sz="2400" b="1">
-                <a:latin typeface="Times New Roman" panose="02020603050405020304" pitchFamily="18" charset="0"/>
-                <a:sym typeface="+mn-ea"/>
-              </a:rPr>
-              <a:t>Abaqus </a:t>
-            </a:r>
-            <a:r>
-              <a:rPr lang="en-US" altLang="zh-CN" sz="2400" b="1">
-                <a:latin typeface="Times New Roman" panose="02020603050405020304" pitchFamily="18" charset="0"/>
-                <a:sym typeface="+mn-ea"/>
-              </a:rPr>
-              <a:t>S</a:t>
-            </a:r>
-            <a:r>
-              <a:rPr lang="zh-CN" altLang="en-US" sz="2400" b="1">
-                <a:latin typeface="Times New Roman" panose="02020603050405020304" pitchFamily="18" charset="0"/>
-                <a:sym typeface="+mn-ea"/>
-              </a:rPr>
-              <a:t>imulation</a:t>
-            </a:r>
-            <a:endParaRPr lang="zh-CN" altLang="en-US" sz="2400" b="1">
-              <a:latin typeface="Times New Roman" panose="02020603050405020304" pitchFamily="18" charset="0"/>
-              <a:sym typeface="+mn-ea"/>
-            </a:endParaRPr>
-          </a:p>
-          <a:p>
-            <a:pPr lvl="2" indent="0">
-              <a:buFont typeface="Arial" panose="020B0604020202020204" pitchFamily="34" charset="0"/>
-              <a:buNone/>
-            </a:pPr>
-            <a:endParaRPr lang="zh-CN" altLang="en-US">
-              <a:latin typeface="Times New Roman" panose="02020603050405020304" pitchFamily="18" charset="0"/>
-              <a:sym typeface="+mn-ea"/>
-            </a:endParaRPr>
-          </a:p>
-          <a:p>
-            <a:pPr marL="720090" lvl="2" indent="-285750" latinLnBrk="0">
-              <a:buFont typeface="Arial" panose="020B0604020202020204" pitchFamily="34" charset="0"/>
-              <a:buChar char="•"/>
-            </a:pPr>
-            <a:r>
-              <a:rPr lang="en-US" altLang="zh-CN" sz="2000">
-                <a:latin typeface="Times New Roman" panose="02020603050405020304" pitchFamily="18" charset="0"/>
-                <a:sym typeface="+mn-ea"/>
-              </a:rPr>
-              <a:t>Element choose</a:t>
-            </a:r>
-            <a:endParaRPr lang="en-US" altLang="zh-CN" sz="2000">
-              <a:latin typeface="Times New Roman" panose="02020603050405020304" pitchFamily="18" charset="0"/>
-              <a:sym typeface="+mn-ea"/>
-            </a:endParaRPr>
-          </a:p>
-          <a:p>
-            <a:pPr marL="720090" lvl="2" indent="-285750" latinLnBrk="0">
-              <a:buFont typeface="Arial" panose="020B0604020202020204" pitchFamily="34" charset="0"/>
-              <a:buChar char="•"/>
-            </a:pPr>
-            <a:r>
-              <a:rPr lang="zh-CN" altLang="en-US" sz="2000">
-                <a:latin typeface="Times New Roman" panose="02020603050405020304" pitchFamily="18" charset="0"/>
-                <a:sym typeface="+mn-ea"/>
-              </a:rPr>
-              <a:t>UMAT subroutine</a:t>
-            </a:r>
-            <a:endParaRPr lang="zh-CN" altLang="en-US" sz="2000">
-              <a:latin typeface="Times New Roman" panose="02020603050405020304" pitchFamily="18" charset="0"/>
-            </a:endParaRPr>
-          </a:p>
-          <a:p>
-            <a:pPr marL="720090" lvl="2" indent="-285750" latinLnBrk="0">
-              <a:buFont typeface="Arial" panose="020B0604020202020204" pitchFamily="34" charset="0"/>
-              <a:buChar char="•"/>
-            </a:pPr>
-            <a:r>
-              <a:rPr lang="en-US" altLang="zh-CN" sz="2000">
-                <a:latin typeface="Times New Roman" panose="02020603050405020304" pitchFamily="18" charset="0"/>
-                <a:sym typeface="+mn-ea"/>
-              </a:rPr>
-              <a:t>c</a:t>
-            </a:r>
-            <a:r>
-              <a:rPr lang="zh-CN" altLang="en-US" sz="2000">
-                <a:latin typeface="Times New Roman" panose="02020603050405020304" pitchFamily="18" charset="0"/>
-                <a:sym typeface="+mn-ea"/>
-              </a:rPr>
-              <a:t>haracteristic </a:t>
-            </a:r>
-            <a:r>
-              <a:rPr lang="en-US" altLang="zh-CN" sz="2000">
-                <a:latin typeface="Times New Roman" panose="02020603050405020304" pitchFamily="18" charset="0"/>
-                <a:sym typeface="+mn-ea"/>
-              </a:rPr>
-              <a:t>l</a:t>
-            </a:r>
-            <a:r>
-              <a:rPr lang="zh-CN" altLang="en-US" sz="2000">
-                <a:latin typeface="Times New Roman" panose="02020603050405020304" pitchFamily="18" charset="0"/>
-                <a:sym typeface="+mn-ea"/>
-              </a:rPr>
-              <a:t>ength</a:t>
-            </a:r>
-            <a:endParaRPr lang="zh-CN" altLang="en-US" sz="2000">
-              <a:latin typeface="Times New Roman" panose="02020603050405020304" pitchFamily="18" charset="0"/>
-            </a:endParaRPr>
-          </a:p>
-          <a:p>
-            <a:pPr marL="720090" lvl="2" indent="-285750" latinLnBrk="0">
-              <a:buFont typeface="Arial" panose="020B0604020202020204" pitchFamily="34" charset="0"/>
-              <a:buChar char="•"/>
-            </a:pPr>
-            <a:r>
-              <a:rPr lang="zh-CN" altLang="en-US" sz="2000">
-                <a:latin typeface="Times New Roman" panose="02020603050405020304" pitchFamily="18" charset="0"/>
-                <a:sym typeface="+mn-ea"/>
-              </a:rPr>
-              <a:t>coefficient of viscosity</a:t>
-            </a:r>
-            <a:endParaRPr lang="zh-CN" altLang="en-US" sz="2000">
-              <a:latin typeface="Times New Roman" panose="02020603050405020304" pitchFamily="18" charset="0"/>
-            </a:endParaRPr>
-          </a:p>
-          <a:p>
-            <a:pPr marL="720090" lvl="2" indent="-285750" latinLnBrk="0">
-              <a:buFont typeface="Arial" panose="020B0604020202020204" pitchFamily="34" charset="0"/>
-              <a:buChar char="•"/>
-            </a:pPr>
-            <a:r>
-              <a:rPr lang="zh-CN" altLang="en-US" sz="2000">
-                <a:latin typeface="Times New Roman" panose="02020603050405020304" pitchFamily="18" charset="0"/>
-                <a:sym typeface="+mn-ea"/>
-              </a:rPr>
-              <a:t>implicit dynamic </a:t>
-            </a:r>
-            <a:endParaRPr lang="zh-CN" altLang="en-US" sz="2000">
-              <a:latin typeface="Times New Roman" panose="02020603050405020304" pitchFamily="18" charset="0"/>
-            </a:endParaRPr>
-          </a:p>
-          <a:p>
-            <a:pPr marL="342900" indent="-342900">
-              <a:buFont typeface="+mj-lt"/>
-              <a:buAutoNum type="arabicPeriod"/>
-            </a:pPr>
-            <a:endParaRPr lang="zh-CN" altLang="en-US">
-              <a:latin typeface="Times New Roman" panose="02020603050405020304" pitchFamily="18" charset="0"/>
-              <a:sym typeface="+mn-ea"/>
-            </a:endParaRPr>
-          </a:p>
-          <a:p>
-            <a:pPr marL="342900" indent="-342900">
-              <a:buFont typeface="+mj-lt"/>
-              <a:buAutoNum type="arabicPeriod"/>
-            </a:pPr>
-            <a:r>
-              <a:rPr lang="zh-CN" altLang="en-US" sz="2400" b="1">
-                <a:latin typeface="Times New Roman" panose="02020603050405020304" pitchFamily="18" charset="0"/>
-                <a:sym typeface="+mn-ea"/>
-              </a:rPr>
-              <a:t>Results </a:t>
-            </a:r>
-            <a:r>
-              <a:rPr lang="en-US" altLang="zh-CN" sz="2400" b="1">
-                <a:latin typeface="Times New Roman" panose="02020603050405020304" pitchFamily="18" charset="0"/>
-                <a:sym typeface="+mn-ea"/>
-              </a:rPr>
-              <a:t>&amp; Conclusions</a:t>
-            </a:r>
-            <a:endParaRPr lang="zh-CN" altLang="en-US" sz="2400" b="1">
-              <a:latin typeface="Times New Roman" panose="02020603050405020304" pitchFamily="18" charset="0"/>
-              <a:sym typeface="+mn-ea"/>
-            </a:endParaRPr>
-          </a:p>
-          <a:p>
-            <a:pPr marL="0" indent="0">
-              <a:buFont typeface="+mj-lt"/>
-              <a:buNone/>
-            </a:pPr>
-            <a:r>
-              <a:rPr lang="zh-CN" altLang="en-US">
-                <a:sym typeface="+mn-ea"/>
-              </a:rPr>
-              <a:t> </a:t>
-            </a:r>
-            <a:r>
-              <a:rPr lang="zh-CN" altLang="en-US"/>
-              <a:t>	</a:t>
-            </a:r>
-            <a:endParaRPr lang="en-US" altLang="zh-CN"/>
-          </a:p>
-        </p:txBody>
-      </p:sp>
-    </p:spTree>
-    <p:custDataLst>
-      <p:tags r:id="rId6"/>
-    </p:custDataLst>
-  </p:cSld>
-  <p:clrMapOvr>
-    <a:masterClrMapping/>
-  </p:clrMapOvr>
 </p:sld>
 </file>
 
@@ -20905,7 +23185,7 @@
                 <a:latin typeface="Times New Roman" panose="02020603050405020304" pitchFamily="18" charset="0"/>
                 <a:sym typeface="+mn-ea"/>
               </a:rPr>
-              <a:t>Element choose</a:t>
+              <a:t>Modeling Technique</a:t>
             </a:r>
             <a:endParaRPr lang="en-US" altLang="zh-CN" sz="2400">
               <a:latin typeface="Times New Roman" panose="02020603050405020304" pitchFamily="18" charset="0"/>
@@ -20933,8 +23213,8 @@
         </p:nvSpPr>
         <p:spPr>
           <a:xfrm>
-            <a:off x="371475" y="1210310"/>
-            <a:ext cx="7632700" cy="2861310"/>
+            <a:off x="285750" y="1228090"/>
+            <a:ext cx="7632700" cy="1876425"/>
           </a:xfrm>
           <a:prstGeom prst="rect">
             <a:avLst/>
@@ -20949,48 +23229,59 @@
             <a:spAutoFit/>
           </a:bodyPr>
           <a:p>
-            <a:pPr marL="1905" indent="-1905">
+            <a:pPr marL="0" indent="0">
               <a:buFont typeface="Wingdings" panose="05000000000000000000" pitchFamily="2" charset="2"/>
-              <a:buChar char="l"/>
+              <a:buNone/>
             </a:pPr>
             <a:r>
-              <a:rPr lang="zh-CN" altLang="en-US" dirty="0">
-                <a:latin typeface="Arial" panose="020B0604020202020204" pitchFamily="34" charset="0"/>
+              <a:rPr lang="en-US" altLang="zh-CN" sz="1400" b="1" dirty="0"/>
+              <a:t>Element choise:</a:t>
+            </a:r>
+            <a:endParaRPr lang="en-US" altLang="zh-CN" sz="1400" b="1" dirty="0"/>
+          </a:p>
+          <a:p>
+            <a:pPr marL="285750" indent="-285750">
+              <a:buFont typeface="Arial" panose="020B0604020202020204" pitchFamily="34" charset="0"/>
+              <a:buChar char="•"/>
+            </a:pPr>
+            <a:r>
+              <a:rPr lang="zh-CN" altLang="en-US" sz="1400" dirty="0">
+                <a:latin typeface="宋体" panose="02010600030101010101" pitchFamily="2" charset="-122"/>
               </a:rPr>
               <a:t>conventional shell   (where only the shell reference surface is discretized只有壳参考面被离散)</a:t>
             </a:r>
-            <a:endParaRPr lang="zh-CN" altLang="en-US" dirty="0">
-              <a:latin typeface="Arial" panose="020B0604020202020204" pitchFamily="34" charset="0"/>
+            <a:endParaRPr lang="zh-CN" altLang="en-US" sz="1400" dirty="0">
+              <a:latin typeface="宋体" panose="02010600030101010101" pitchFamily="2" charset="-122"/>
             </a:endParaRPr>
           </a:p>
           <a:p>
-            <a:pPr marL="1905" indent="-1905">
-              <a:buFont typeface="Wingdings" panose="05000000000000000000" pitchFamily="2" charset="2"/>
-              <a:buChar char="l"/>
+            <a:pPr marL="285750" indent="-285750">
+              <a:buFont typeface="Arial" panose="020B0604020202020204" pitchFamily="34" charset="0"/>
+              <a:buChar char="•"/>
             </a:pPr>
             <a:r>
-              <a:rPr lang="zh-CN" altLang="en-US" dirty="0">
-                <a:latin typeface="Arial" panose="020B0604020202020204" pitchFamily="34" charset="0"/>
+              <a:rPr lang="zh-CN" altLang="en-US" sz="1400" dirty="0">
+                <a:latin typeface="宋体" panose="02010600030101010101" pitchFamily="2" charset="-122"/>
               </a:rPr>
               <a:t>continuum shell   (where a 3D volume is discretized but the kinematic behavior of the element is based on shell theory网格离散的是三维图形，但单元的动力学行为是基于壳理论计算的)(SC6R and SC8R) </a:t>
             </a:r>
-            <a:endParaRPr lang="zh-CN" altLang="en-US" dirty="0">
-              <a:latin typeface="Arial" panose="020B0604020202020204" pitchFamily="34" charset="0"/>
+            <a:endParaRPr lang="zh-CN" altLang="en-US" sz="1400" dirty="0">
+              <a:latin typeface="宋体" panose="02010600030101010101" pitchFamily="2" charset="-122"/>
             </a:endParaRPr>
           </a:p>
           <a:p>
-            <a:pPr marL="1905" indent="-1905">
-              <a:buFont typeface="Wingdings" panose="05000000000000000000" pitchFamily="2" charset="2"/>
-              <a:buChar char="l"/>
+            <a:pPr marL="285750" indent="-285750">
+              <a:buFont typeface="Arial" panose="020B0604020202020204" pitchFamily="34" charset="0"/>
+              <a:buChar char="•"/>
             </a:pPr>
             <a:r>
-              <a:rPr lang="zh-CN" altLang="en-US" dirty="0">
-                <a:latin typeface="Arial" panose="020B0604020202020204" pitchFamily="34" charset="0"/>
+              <a:rPr lang="zh-CN" altLang="en-US" sz="1400" dirty="0">
+                <a:latin typeface="宋体" panose="02010600030101010101" pitchFamily="2" charset="-122"/>
               </a:rPr>
               <a:t>solid element(C3D8R)</a:t>
             </a:r>
-            <a:endParaRPr lang="zh-CN" altLang="en-US" dirty="0">
-              <a:latin typeface="Arial" panose="020B0604020202020204" pitchFamily="34" charset="0"/>
+            <a:endParaRPr lang="zh-CN" altLang="en-US" sz="1400" dirty="0">
+              <a:latin typeface="宋体" panose="02010600030101010101" pitchFamily="2" charset="-122"/>
             </a:endParaRPr>
           </a:p>
           <a:p>
@@ -20999,22 +23290,375 @@
               <a:latin typeface="Arial" panose="020B0604020202020204" pitchFamily="34" charset="0"/>
             </a:endParaRPr>
           </a:p>
-          <a:p>
-            <a:pPr marL="1905" indent="-1905"/>
-            <a:endParaRPr lang="zh-CN" altLang="en-US" dirty="0">
+        </p:txBody>
+      </p:sp>
+      <p:sp>
+        <p:nvSpPr>
+          <p:cNvPr id="4099" name="文本框 4098"/>
+          <p:cNvSpPr txBox="1"/>
+          <p:nvPr/>
+        </p:nvSpPr>
+        <p:spPr>
+          <a:xfrm>
+            <a:off x="358140" y="1464310"/>
+            <a:ext cx="7901940" cy="1568450"/>
+          </a:xfrm>
+          <a:prstGeom prst="rect">
+            <a:avLst/>
+          </a:prstGeom>
+          <a:solidFill>
+            <a:schemeClr val="bg1"/>
+          </a:solidFill>
+          <a:ln w="9525">
+            <a:noFill/>
+          </a:ln>
+        </p:spPr>
+        <p:txBody>
+          <a:bodyPr wrap="square" anchor="t">
+            <a:spAutoFit/>
+          </a:bodyPr>
+          <a:p>
+            <a:r>
+              <a:rPr lang="zh-CN" altLang="en-US" sz="1200" dirty="0">
+                <a:latin typeface="Arial" panose="020B0604020202020204" pitchFamily="34" charset="0"/>
+              </a:rPr>
+              <a:t>Continuum shell elements allow for:</a:t>
+            </a:r>
+            <a:endParaRPr lang="en-US" altLang="zh-CN" sz="1200" dirty="0">
               <a:latin typeface="Arial" panose="020B0604020202020204" pitchFamily="34" charset="0"/>
             </a:endParaRPr>
           </a:p>
           <a:p>
-            <a:pPr marL="1905" indent="-1905"/>
-            <a:endParaRPr lang="zh-CN" altLang="en-US" dirty="0">
+            <a:r>
+              <a:rPr lang="zh-CN" altLang="en-US" sz="1200" dirty="0">
+                <a:latin typeface="Arial" panose="020B0604020202020204" pitchFamily="34" charset="0"/>
+              </a:rPr>
+              <a:t>•  </a:t>
+            </a:r>
+            <a:r>
+              <a:rPr lang="zh-CN" altLang="en-US" sz="1400" dirty="0">
+                <a:latin typeface="Arial" panose="020B0604020202020204" pitchFamily="34" charset="0"/>
+              </a:rPr>
+              <a:t>同样适用于厚壳及薄壳</a:t>
+            </a:r>
+            <a:endParaRPr lang="zh-CN" altLang="en-US" sz="1400" dirty="0">
               <a:latin typeface="Arial" panose="020B0604020202020204" pitchFamily="34" charset="0"/>
             </a:endParaRPr>
           </a:p>
           <a:p>
-            <a:pPr marL="1905" indent="-1905"/>
-            <a:endParaRPr lang="zh-CN" altLang="en-US" dirty="0">
+            <a:r>
+              <a:rPr lang="zh-CN" altLang="en-US" sz="1400" dirty="0">
+                <a:latin typeface="Arial" panose="020B0604020202020204" pitchFamily="34" charset="0"/>
+              </a:rPr>
+              <a:t>• 线性和非线性力学行为 (大变形及弹塑性材料的力学响应).</a:t>
+            </a:r>
+            <a:endParaRPr lang="zh-CN" altLang="en-US" sz="1400" dirty="0">
               <a:latin typeface="Arial" panose="020B0604020202020204" pitchFamily="34" charset="0"/>
+            </a:endParaRPr>
+          </a:p>
+          <a:p>
+            <a:r>
+              <a:rPr lang="zh-CN" altLang="en-US" sz="1400" dirty="0">
+                <a:latin typeface="Arial" panose="020B0604020202020204" pitchFamily="34" charset="0"/>
+              </a:rPr>
+              <a:t>• 厚度渐变(单元为三维几何图形)</a:t>
+            </a:r>
+            <a:endParaRPr lang="zh-CN" altLang="en-US" sz="1400" dirty="0">
+              <a:latin typeface="Arial" panose="020B0604020202020204" pitchFamily="34" charset="0"/>
+            </a:endParaRPr>
+          </a:p>
+          <a:p>
+            <a:r>
+              <a:rPr lang="zh-CN" altLang="en-US" sz="1400" dirty="0">
+                <a:latin typeface="Arial" panose="020B0604020202020204" pitchFamily="34" charset="0"/>
+              </a:rPr>
+              <a:t>• 比常规壳更加精确的接触模型(考虑单元两边的接触及厚度变化)</a:t>
+            </a:r>
+            <a:endParaRPr lang="zh-CN" altLang="en-US" sz="1400" dirty="0">
+              <a:latin typeface="Arial" panose="020B0604020202020204" pitchFamily="34" charset="0"/>
+            </a:endParaRPr>
+          </a:p>
+          <a:p>
+            <a:r>
+              <a:rPr lang="zh-CN" altLang="en-US" sz="1400" dirty="0">
+                <a:latin typeface="Arial" panose="020B0604020202020204" pitchFamily="34" charset="0"/>
+              </a:rPr>
+              <a:t>• 堆叠。(在对复合材料层合板厚度方向上的模拟能得到更加精确的结果)</a:t>
+            </a:r>
+            <a:endParaRPr lang="zh-CN" altLang="en-US" sz="1400" dirty="0">
+              <a:latin typeface="Arial" panose="020B0604020202020204" pitchFamily="34" charset="0"/>
+            </a:endParaRPr>
+          </a:p>
+          <a:p>
+            <a:r>
+              <a:rPr lang="zh-CN" altLang="en-US" sz="1400" dirty="0">
+                <a:latin typeface="Arial" panose="020B0604020202020204" pitchFamily="34" charset="0"/>
+              </a:rPr>
+              <a:t> </a:t>
+            </a:r>
+            <a:endParaRPr lang="zh-CN" altLang="en-US" sz="1400" dirty="0">
+              <a:latin typeface="Arial" panose="020B0604020202020204" pitchFamily="34" charset="0"/>
+            </a:endParaRPr>
+          </a:p>
+        </p:txBody>
+      </p:sp>
+      <p:pic>
+        <p:nvPicPr>
+          <p:cNvPr id="9" name="图片 8"/>
+          <p:cNvPicPr>
+            <a:picLocks noChangeAspect="1"/>
+          </p:cNvPicPr>
+          <p:nvPr/>
+        </p:nvPicPr>
+        <p:blipFill>
+          <a:blip r:embed="rId1"/>
+          <a:stretch>
+            <a:fillRect/>
+          </a:stretch>
+        </p:blipFill>
+        <p:spPr>
+          <a:xfrm>
+            <a:off x="1705610" y="3489325"/>
+            <a:ext cx="4979035" cy="2683510"/>
+          </a:xfrm>
+          <a:prstGeom prst="rect">
+            <a:avLst/>
+          </a:prstGeom>
+          <a:noFill/>
+          <a:ln w="9525">
+            <a:noFill/>
+          </a:ln>
+        </p:spPr>
+      </p:pic>
+    </p:spTree>
+  </p:cSld>
+  <p:clrMapOvr>
+    <a:masterClrMapping/>
+  </p:clrMapOvr>
+  <p:transition/>
+  <p:timing>
+    <p:tnLst>
+      <p:par>
+        <p:cTn id="1" dur="indefinite" restart="never" nodeType="tmRoot">
+          <p:childTnLst>
+            <p:seq concurrent="1" nextAc="seek">
+              <p:cTn id="2" dur="indefinite" nodeType="mainSeq">
+                <p:childTnLst>
+                  <p:par>
+                    <p:cTn id="3" fill="hold">
+                      <p:stCondLst>
+                        <p:cond delay="indefinite"/>
+                      </p:stCondLst>
+                      <p:childTnLst>
+                        <p:par>
+                          <p:cTn id="4" fill="hold">
+                            <p:stCondLst>
+                              <p:cond delay="0"/>
+                            </p:stCondLst>
+                            <p:childTnLst>
+                              <p:par>
+                                <p:cTn id="5" presetID="2" presetClass="entr" presetSubtype="4" fill="hold" grpId="0" nodeType="clickEffect">
+                                  <p:stCondLst>
+                                    <p:cond delay="0"/>
+                                  </p:stCondLst>
+                                  <p:childTnLst>
+                                    <p:set>
+                                      <p:cBhvr>
+                                        <p:cTn id="6" dur="1" fill="hold">
+                                          <p:stCondLst>
+                                            <p:cond delay="0"/>
+                                          </p:stCondLst>
+                                        </p:cTn>
+                                        <p:tgtEl>
+                                          <p:spTgt spid="4099"/>
+                                        </p:tgtEl>
+                                        <p:attrNameLst>
+                                          <p:attrName>style.visibility</p:attrName>
+                                        </p:attrNameLst>
+                                      </p:cBhvr>
+                                      <p:to>
+                                        <p:strVal val="visible"/>
+                                      </p:to>
+                                    </p:set>
+                                    <p:anim calcmode="lin" valueType="num">
+                                      <p:cBhvr additive="base">
+                                        <p:cTn id="7" dur="500" fill="hold"/>
+                                        <p:tgtEl>
+                                          <p:spTgt spid="4099"/>
+                                        </p:tgtEl>
+                                        <p:attrNameLst>
+                                          <p:attrName>ppt_x</p:attrName>
+                                        </p:attrNameLst>
+                                      </p:cBhvr>
+                                      <p:tavLst>
+                                        <p:tav tm="0">
+                                          <p:val>
+                                            <p:strVal val="#ppt_x"/>
+                                          </p:val>
+                                        </p:tav>
+                                        <p:tav tm="100000">
+                                          <p:val>
+                                            <p:strVal val="#ppt_x"/>
+                                          </p:val>
+                                        </p:tav>
+                                      </p:tavLst>
+                                    </p:anim>
+                                    <p:anim calcmode="lin" valueType="num">
+                                      <p:cBhvr additive="base">
+                                        <p:cTn id="8" dur="500" fill="hold"/>
+                                        <p:tgtEl>
+                                          <p:spTgt spid="4099"/>
+                                        </p:tgtEl>
+                                        <p:attrNameLst>
+                                          <p:attrName>ppt_y</p:attrName>
+                                        </p:attrNameLst>
+                                      </p:cBhvr>
+                                      <p:tavLst>
+                                        <p:tav tm="0">
+                                          <p:val>
+                                            <p:strVal val="1+#ppt_h/2"/>
+                                          </p:val>
+                                        </p:tav>
+                                        <p:tav tm="100000">
+                                          <p:val>
+                                            <p:strVal val="#ppt_y"/>
+                                          </p:val>
+                                        </p:tav>
+                                      </p:tavLst>
+                                    </p:anim>
+                                  </p:childTnLst>
+                                </p:cTn>
+                              </p:par>
+                            </p:childTnLst>
+                          </p:cTn>
+                        </p:par>
+                      </p:childTnLst>
+                    </p:cTn>
+                  </p:par>
+                </p:childTnLst>
+              </p:cTn>
+              <p:prevCondLst>
+                <p:cond evt="onPrev" delay="0">
+                  <p:tgtEl>
+                    <p:sldTgt/>
+                  </p:tgtEl>
+                </p:cond>
+              </p:prevCondLst>
+              <p:nextCondLst>
+                <p:cond evt="onNext" delay="0">
+                  <p:tgtEl>
+                    <p:sldTgt/>
+                  </p:tgtEl>
+                </p:cond>
+              </p:nextCondLst>
+            </p:seq>
+          </p:childTnLst>
+        </p:cTn>
+      </p:par>
+    </p:tnLst>
+    <p:bldLst>
+      <p:bldP spid="4099" grpId="0" bldLvl="0" animBg="1"/>
+    </p:bldLst>
+  </p:timing>
+</p:sld>
+</file>
+
+<file path=ppt/slides/slide9.xml><?xml version="1.0" encoding="utf-8"?>
+<p:sld xmlns:a="http://schemas.openxmlformats.org/drawingml/2006/main" xmlns:r="http://schemas.openxmlformats.org/officeDocument/2006/relationships" xmlns:p="http://schemas.openxmlformats.org/presentationml/2006/main">
+  <p:cSld>
+    <p:spTree>
+      <p:nvGrpSpPr>
+        <p:cNvPr id="1" name=""/>
+        <p:cNvGrpSpPr/>
+        <p:nvPr/>
+      </p:nvGrpSpPr>
+      <p:grpSpPr>
+        <a:xfrm>
+          <a:off x="0" y="0"/>
+          <a:ext cx="0" cy="0"/>
+          <a:chOff x="0" y="0"/>
+          <a:chExt cx="0" cy="0"/>
+        </a:xfrm>
+      </p:grpSpPr>
+      <p:sp>
+        <p:nvSpPr>
+          <p:cNvPr id="21" name="矩形 20"/>
+          <p:cNvSpPr/>
+          <p:nvPr/>
+        </p:nvSpPr>
+        <p:spPr>
+          <a:xfrm>
+            <a:off x="103505" y="-128270"/>
+            <a:ext cx="9114155" cy="1938020"/>
+          </a:xfrm>
+          <a:prstGeom prst="rect">
+            <a:avLst/>
+          </a:prstGeom>
+        </p:spPr>
+        <p:txBody>
+          <a:bodyPr wrap="square">
+            <a:spAutoFit/>
+          </a:bodyPr>
+          <a:lstStyle/>
+          <a:p>
+            <a:pPr marL="0" lvl="1">
+              <a:lnSpc>
+                <a:spcPct val="150000"/>
+              </a:lnSpc>
+            </a:pPr>
+            <a:r>
+              <a:rPr lang="en-US" altLang="zh-CN" sz="2800" dirty="0" smtClean="0">
+                <a:latin typeface="Times New Roman" panose="02020603050405020304" pitchFamily="18" charset="0"/>
+                <a:cs typeface="Times New Roman" panose="02020603050405020304" pitchFamily="18" charset="0"/>
+              </a:rPr>
+              <a:t>Abaqus Simulation</a:t>
+            </a:r>
+            <a:endParaRPr lang="en-US" altLang="zh-CN" sz="2800" dirty="0" smtClean="0">
+              <a:latin typeface="Times New Roman" panose="02020603050405020304" pitchFamily="18" charset="0"/>
+              <a:cs typeface="Times New Roman" panose="02020603050405020304" pitchFamily="18" charset="0"/>
+            </a:endParaRPr>
+          </a:p>
+          <a:p>
+            <a:pPr marL="0" lvl="2">
+              <a:lnSpc>
+                <a:spcPct val="150000"/>
+              </a:lnSpc>
+            </a:pPr>
+            <a:r>
+              <a:rPr lang="en-US" altLang="zh-CN" sz="2800" dirty="0" smtClean="0">
+                <a:latin typeface="Times New Roman" panose="02020603050405020304" pitchFamily="18" charset="0"/>
+                <a:cs typeface="Times New Roman" panose="02020603050405020304" pitchFamily="18" charset="0"/>
+              </a:rPr>
+              <a:t>                     </a:t>
+            </a:r>
+            <a:r>
+              <a:rPr lang="en-US" altLang="zh-CN" sz="2400" dirty="0" smtClean="0">
+                <a:latin typeface="Times New Roman" panose="02020603050405020304" pitchFamily="18" charset="0"/>
+                <a:cs typeface="Times New Roman" panose="02020603050405020304" pitchFamily="18" charset="0"/>
+              </a:rPr>
+              <a:t>—</a:t>
+            </a:r>
+            <a:r>
+              <a:rPr lang="en-US" altLang="zh-CN" sz="2400">
+                <a:latin typeface="Times New Roman" panose="02020603050405020304" pitchFamily="18" charset="0"/>
+                <a:sym typeface="+mn-ea"/>
+              </a:rPr>
+              <a:t>Modeling Technique</a:t>
+            </a:r>
+            <a:endParaRPr lang="en-US" altLang="zh-CN" sz="2400">
+              <a:latin typeface="Times New Roman" panose="02020603050405020304" pitchFamily="18" charset="0"/>
+              <a:sym typeface="+mn-ea"/>
+            </a:endParaRPr>
+          </a:p>
+          <a:p>
+            <a:pPr marL="0" lvl="1">
+              <a:lnSpc>
+                <a:spcPct val="150000"/>
+              </a:lnSpc>
+            </a:pPr>
+            <a:endParaRPr lang="en-US" altLang="zh-CN" sz="2400" dirty="0" smtClean="0">
+              <a:latin typeface="Times New Roman" panose="02020603050405020304" pitchFamily="18" charset="0"/>
+              <a:cs typeface="Times New Roman" panose="02020603050405020304" pitchFamily="18" charset="0"/>
             </a:endParaRPr>
           </a:p>
         </p:txBody>
@@ -21026,8 +23670,8 @@
           <p:nvPr/>
         </p:nvGraphicFramePr>
         <p:xfrm>
-          <a:off x="1952625" y="3599180"/>
-          <a:ext cx="6396355" cy="2586990"/>
+          <a:off x="305435" y="3297555"/>
+          <a:ext cx="6396355" cy="2599055"/>
         </p:xfrm>
         <a:graphic>
           <a:graphicData uri="http://schemas.openxmlformats.org/drawingml/2006/table">
@@ -21044,7 +23688,7 @@
                 <a:gridCol w="913765"/>
                 <a:gridCol w="913765"/>
               </a:tblGrid>
-              <a:tr h="697230">
+              <a:tr h="709295">
                 <a:tc>
                   <a:txBody>
                     <a:bodyPr/>
@@ -21069,11 +23713,22 @@
                       <a:pPr marL="0" lvl="0" indent="0" algn="ctr">
                         <a:buNone/>
                       </a:pPr>
-                      <a:endParaRPr lang="zh-CN" altLang="en-US" sz="1800" b="1">
+                      <a:r>
+                        <a:rPr lang="zh-CN" altLang="en-US" sz="1200" b="0" dirty="0">
+                          <a:solidFill>
+                            <a:srgbClr val="FFFFFF"/>
+                          </a:solidFill>
+                          <a:latin typeface="Calibri" panose="020F0502020204030204" charset="0"/>
+                          <a:sym typeface="+mn-ea"/>
+                        </a:rPr>
+                        <a:t>单元划分方法</a:t>
+                      </a:r>
+                      <a:endParaRPr lang="zh-CN" altLang="en-US" sz="1200" b="0" dirty="0">
                         <a:solidFill>
                           <a:srgbClr val="FFFFFF"/>
                         </a:solidFill>
                         <a:latin typeface="Calibri" panose="020F0502020204030204" charset="0"/>
+                        <a:sym typeface="+mn-ea"/>
                       </a:endParaRPr>
                     </a:p>
                   </a:txBody>
@@ -21210,7 +23865,7 @@
                   <a:tcPr marL="71755" marR="71755" marT="28575" marB="28575" vert="horz" anchor="ctr"/>
                 </a:tc>
               </a:tr>
-              <a:tr h="309880">
+              <a:tr h="281305">
                 <a:tc rowSpan="3">
                   <a:txBody>
                     <a:bodyPr/>
@@ -21284,20 +23939,30 @@
                         <a:buNone/>
                       </a:pPr>
                       <a:r>
-                        <a:rPr lang="zh-CN" altLang="en-US" sz="1400" dirty="0">
+                        <a:rPr lang="en-US" altLang="zh-CN" sz="1200" dirty="0">
                           <a:solidFill>
                             <a:srgbClr val="000000"/>
                           </a:solidFill>
-                          <a:latin typeface="宋体" panose="02010600030101010101" pitchFamily="2" charset="-122"/>
+                          <a:latin typeface="Times New Roman" panose="02020603050405020304" pitchFamily="18" charset="0"/>
+                          <a:ea typeface="宋体" panose="02010600030101010101" pitchFamily="2" charset="-122"/>
+                        </a:rPr>
+                        <a:t>  </a:t>
+                      </a:r>
+                      <a:r>
+                        <a:rPr lang="zh-CN" altLang="en-US" sz="1200" dirty="0">
+                          <a:solidFill>
+                            <a:srgbClr val="000000"/>
+                          </a:solidFill>
+                          <a:latin typeface="Times New Roman" panose="02020603050405020304" pitchFamily="18" charset="0"/>
                           <a:ea typeface="宋体" panose="02010600030101010101" pitchFamily="2" charset="-122"/>
                         </a:rPr>
                         <a:t>1层单元</a:t>
                       </a:r>
-                      <a:endParaRPr lang="zh-CN" altLang="en-US" sz="1400" dirty="0">
+                      <a:endParaRPr lang="zh-CN" altLang="en-US" sz="1200" dirty="0">
                         <a:solidFill>
                           <a:srgbClr val="000000"/>
                         </a:solidFill>
-                        <a:latin typeface="宋体" panose="02010600030101010101" pitchFamily="2" charset="-122"/>
+                        <a:latin typeface="Times New Roman" panose="02020603050405020304" pitchFamily="18" charset="0"/>
                         <a:ea typeface="宋体" panose="02010600030101010101" pitchFamily="2" charset="-122"/>
                       </a:endParaRPr>
                     </a:p>
@@ -21446,7 +24111,7 @@
                           <a:latin typeface="宋体" panose="02010600030101010101" pitchFamily="2" charset="-122"/>
                           <a:ea typeface="宋体" panose="02010600030101010101" pitchFamily="2" charset="-122"/>
                         </a:rPr>
-                        <a:t> 29456.2</a:t>
+                        <a:t>29456.2</a:t>
                       </a:r>
                       <a:endParaRPr lang="en-US" altLang="zh-CN" sz="1400">
                         <a:solidFill>
@@ -21472,20 +24137,20 @@
                         <a:buNone/>
                       </a:pPr>
                       <a:r>
-                        <a:rPr lang="zh-CN" altLang="en-US" sz="1400" dirty="0">
+                        <a:rPr lang="zh-CN" altLang="en-US" sz="1200" dirty="0">
                           <a:solidFill>
                             <a:srgbClr val="000000"/>
                           </a:solidFill>
-                          <a:latin typeface="宋体" panose="02010600030101010101" pitchFamily="2" charset="-122"/>
+                          <a:latin typeface="Times New Roman" panose="02020603050405020304" pitchFamily="18" charset="0"/>
                           <a:ea typeface="宋体" panose="02010600030101010101" pitchFamily="2" charset="-122"/>
                         </a:rPr>
                         <a:t>24层单元</a:t>
                       </a:r>
-                      <a:endParaRPr lang="zh-CN" altLang="en-US" sz="1400" dirty="0">
+                      <a:endParaRPr lang="zh-CN" altLang="en-US" sz="1200" dirty="0">
                         <a:solidFill>
                           <a:srgbClr val="000000"/>
                         </a:solidFill>
-                        <a:latin typeface="宋体" panose="02010600030101010101" pitchFamily="2" charset="-122"/>
+                        <a:latin typeface="Times New Roman" panose="02020603050405020304" pitchFamily="18" charset="0"/>
                         <a:ea typeface="宋体" panose="02010600030101010101" pitchFamily="2" charset="-122"/>
                       </a:endParaRPr>
                     </a:p>
@@ -21633,7 +24298,7 @@
                   <a:tcPr marL="71755" marR="71755" marT="28575" marB="28575" vert="horz" anchor="ctr"/>
                 </a:tc>
               </a:tr>
-              <a:tr h="316865">
+              <a:tr h="393065">
                 <a:tc vMerge="1">
                   <a:tcPr/>
                 </a:tc>
@@ -21645,20 +24310,20 @@
                         <a:buNone/>
                       </a:pPr>
                       <a:r>
-                        <a:rPr lang="zh-CN" altLang="en-US" sz="1400" dirty="0">
+                        <a:rPr lang="zh-CN" altLang="en-US" sz="1200" dirty="0">
                           <a:solidFill>
                             <a:srgbClr val="000000"/>
                           </a:solidFill>
-                          <a:latin typeface="宋体" panose="02010600030101010101" pitchFamily="2" charset="-122"/>
+                          <a:latin typeface="Times New Roman" panose="02020603050405020304" pitchFamily="18" charset="0"/>
                           <a:ea typeface="宋体" panose="02010600030101010101" pitchFamily="2" charset="-122"/>
                         </a:rPr>
                         <a:t>meshpart</a:t>
                       </a:r>
-                      <a:endParaRPr lang="zh-CN" altLang="en-US" sz="1400" dirty="0">
+                      <a:endParaRPr lang="zh-CN" altLang="en-US" sz="1200" dirty="0">
                         <a:solidFill>
                           <a:srgbClr val="000000"/>
                         </a:solidFill>
-                        <a:latin typeface="宋体" panose="02010600030101010101" pitchFamily="2" charset="-122"/>
+                        <a:latin typeface="Times New Roman" panose="02020603050405020304" pitchFamily="18" charset="0"/>
                         <a:ea typeface="宋体" panose="02010600030101010101" pitchFamily="2" charset="-122"/>
                       </a:endParaRPr>
                     </a:p>
@@ -21816,7 +24481,7 @@
                   <a:tcPr marL="71755" marR="71755" marT="28575" marB="28575" vert="horz" anchor="ctr"/>
                 </a:tc>
               </a:tr>
-              <a:tr h="240665">
+              <a:tr h="270510">
                 <a:tc rowSpan="3">
                   <a:txBody>
                     <a:bodyPr/>
@@ -21887,20 +24552,20 @@
                         <a:buNone/>
                       </a:pPr>
                       <a:r>
-                        <a:rPr lang="zh-CN" altLang="en-US" sz="1400" dirty="0">
+                        <a:rPr lang="zh-CN" altLang="en-US" sz="1200" dirty="0">
                           <a:solidFill>
                             <a:srgbClr val="000000"/>
                           </a:solidFill>
-                          <a:latin typeface="宋体" panose="02010600030101010101" pitchFamily="2" charset="-122"/>
+                          <a:latin typeface="Times New Roman" panose="02020603050405020304" pitchFamily="18" charset="0"/>
                           <a:ea typeface="宋体" panose="02010600030101010101" pitchFamily="2" charset="-122"/>
                         </a:rPr>
                         <a:t>1层单元</a:t>
                       </a:r>
-                      <a:endParaRPr lang="zh-CN" altLang="en-US" sz="1400" dirty="0">
+                      <a:endParaRPr lang="zh-CN" altLang="en-US" sz="1200" dirty="0">
                         <a:solidFill>
                           <a:srgbClr val="000000"/>
                         </a:solidFill>
-                        <a:latin typeface="宋体" panose="02010600030101010101" pitchFamily="2" charset="-122"/>
+                        <a:latin typeface="Times New Roman" panose="02020603050405020304" pitchFamily="18" charset="0"/>
                         <a:ea typeface="宋体" panose="02010600030101010101" pitchFamily="2" charset="-122"/>
                       </a:endParaRPr>
                     </a:p>
@@ -22048,7 +24713,7 @@
                   <a:tcPr marL="71755" marR="71755" marT="28575" marB="28575" vert="horz" anchor="ctr"/>
                 </a:tc>
               </a:tr>
-              <a:tr h="0">
+              <a:tr h="270510">
                 <a:tc vMerge="1">
                   <a:tcPr/>
                 </a:tc>
@@ -22060,20 +24725,20 @@
                         <a:buNone/>
                       </a:pPr>
                       <a:r>
-                        <a:rPr lang="zh-CN" altLang="en-US" sz="1400" dirty="0">
+                        <a:rPr lang="zh-CN" altLang="en-US" sz="1200" dirty="0">
                           <a:solidFill>
                             <a:srgbClr val="000000"/>
                           </a:solidFill>
-                          <a:latin typeface="宋体" panose="02010600030101010101" pitchFamily="2" charset="-122"/>
+                          <a:latin typeface="Times New Roman" panose="02020603050405020304" pitchFamily="18" charset="0"/>
                           <a:ea typeface="宋体" panose="02010600030101010101" pitchFamily="2" charset="-122"/>
                         </a:rPr>
                         <a:t>24层单元</a:t>
                       </a:r>
-                      <a:endParaRPr lang="zh-CN" altLang="en-US" sz="1400" dirty="0">
+                      <a:endParaRPr lang="zh-CN" altLang="en-US" sz="1200" dirty="0">
                         <a:solidFill>
                           <a:srgbClr val="000000"/>
                         </a:solidFill>
-                        <a:latin typeface="宋体" panose="02010600030101010101" pitchFamily="2" charset="-122"/>
+                        <a:latin typeface="Times New Roman" panose="02020603050405020304" pitchFamily="18" charset="0"/>
                         <a:ea typeface="宋体" panose="02010600030101010101" pitchFamily="2" charset="-122"/>
                       </a:endParaRPr>
                     </a:p>
@@ -22221,7 +24886,7 @@
                   <a:tcPr marL="71755" marR="71755" marT="28575" marB="28575" vert="horz" anchor="ctr"/>
                 </a:tc>
               </a:tr>
-              <a:tr h="235585">
+              <a:tr h="403860">
                 <a:tc vMerge="1">
                   <a:tcPr/>
                 </a:tc>
@@ -22233,20 +24898,20 @@
                         <a:buNone/>
                       </a:pPr>
                       <a:r>
-                        <a:rPr lang="zh-CN" altLang="en-US" sz="1400" dirty="0">
+                        <a:rPr lang="zh-CN" altLang="en-US" sz="1200" dirty="0">
                           <a:solidFill>
                             <a:srgbClr val="000000"/>
                           </a:solidFill>
-                          <a:latin typeface="宋体" panose="02010600030101010101" pitchFamily="2" charset="-122"/>
+                          <a:latin typeface="Times New Roman" panose="02020603050405020304" pitchFamily="18" charset="0"/>
                           <a:ea typeface="宋体" panose="02010600030101010101" pitchFamily="2" charset="-122"/>
                         </a:rPr>
                         <a:t>meshpart</a:t>
                       </a:r>
-                      <a:endParaRPr lang="zh-CN" altLang="en-US" sz="1400" dirty="0">
+                      <a:endParaRPr lang="zh-CN" altLang="en-US" sz="1200" dirty="0">
                         <a:solidFill>
                           <a:srgbClr val="000000"/>
                         </a:solidFill>
-                        <a:latin typeface="宋体" panose="02010600030101010101" pitchFamily="2" charset="-122"/>
+                        <a:latin typeface="Times New Roman" panose="02020603050405020304" pitchFamily="18" charset="0"/>
                         <a:ea typeface="宋体" panose="02010600030101010101" pitchFamily="2" charset="-122"/>
                       </a:endParaRPr>
                     </a:p>
@@ -22400,14 +25065,14 @@
       </p:graphicFrame>
       <p:sp>
         <p:nvSpPr>
-          <p:cNvPr id="4099" name="文本框 4098"/>
+          <p:cNvPr id="2" name="文本框 1"/>
           <p:cNvSpPr txBox="1"/>
           <p:nvPr/>
         </p:nvSpPr>
         <p:spPr>
           <a:xfrm>
-            <a:off x="285750" y="4071620"/>
-            <a:ext cx="6507480" cy="2676525"/>
+            <a:off x="252095" y="1214755"/>
+            <a:ext cx="8272780" cy="1168400"/>
           </a:xfrm>
           <a:prstGeom prst="rect">
             <a:avLst/>
@@ -22418,419 +25083,315 @@
           </a:ln>
         </p:spPr>
         <p:txBody>
-          <a:bodyPr wrap="square" anchor="t">
+          <a:bodyPr wrap="square">
             <a:spAutoFit/>
           </a:bodyPr>
           <a:p>
+            <a:pPr marL="0" indent="0">
+              <a:buFont typeface="Arial" panose="020B0604020202020204" pitchFamily="34" charset="0"/>
+              <a:buNone/>
+            </a:pPr>
+            <a:r>
+              <a:rPr lang="en-US" altLang="zh-CN" sz="1400" b="1" dirty="0"/>
+              <a:t>Modeling method</a:t>
+            </a:r>
+            <a:r>
+              <a:rPr lang="zh-CN" altLang="en-US" sz="1400" b="1" dirty="0"/>
+              <a:t>：</a:t>
+            </a:r>
+            <a:endParaRPr lang="zh-CN" altLang="en-US" sz="1400" b="1" dirty="0"/>
+          </a:p>
+          <a:p>
+            <a:pPr marL="0" indent="0">
+              <a:buFont typeface="Arial" panose="020B0604020202020204" pitchFamily="34" charset="0"/>
+              <a:buNone/>
+            </a:pPr>
+            <a:endParaRPr lang="zh-CN" altLang="en-US" sz="1400" b="1" dirty="0"/>
+          </a:p>
+          <a:p>
+            <a:pPr marL="171450" indent="-171450">
+              <a:buFont typeface="Arial" panose="020B0604020202020204" pitchFamily="34" charset="0"/>
+              <a:buChar char="•"/>
+            </a:pPr>
             <a:r>
               <a:rPr lang="zh-CN" altLang="en-US" sz="1400" dirty="0">
                 <a:latin typeface="Arial" panose="020B0604020202020204" pitchFamily="34" charset="0"/>
               </a:rPr>
-              <a:t>Continuum shell elements allow for:</a:t>
+              <a:t>在厚度方向上建立一层单元vs建立与层合板相同层数的单元</a:t>
             </a:r>
             <a:endParaRPr lang="zh-CN" altLang="en-US" sz="1400" dirty="0">
               <a:latin typeface="Arial" panose="020B0604020202020204" pitchFamily="34" charset="0"/>
             </a:endParaRPr>
           </a:p>
           <a:p>
+            <a:pPr marL="171450" indent="-171450">
+              <a:buFont typeface="Arial" panose="020B0604020202020204" pitchFamily="34" charset="0"/>
+              <a:buChar char="•"/>
+            </a:pPr>
+            <a:r>
+              <a:rPr lang="zh-CN" altLang="en-US" sz="1400" dirty="0">
+                <a:latin typeface="Arial" panose="020B0604020202020204" pitchFamily="34" charset="0"/>
+              </a:rPr>
+              <a:t>solid element （C3D8R）vs continuum shell element（SC8R）</a:t>
+            </a:r>
             <a:endParaRPr lang="zh-CN" altLang="en-US" sz="1400" dirty="0">
               <a:latin typeface="Arial" panose="020B0604020202020204" pitchFamily="34" charset="0"/>
             </a:endParaRPr>
           </a:p>
           <a:p>
+            <a:pPr marL="171450" indent="-171450">
+              <a:buFont typeface="Arial" panose="020B0604020202020204" pitchFamily="34" charset="0"/>
+              <a:buChar char="•"/>
+            </a:pPr>
             <a:r>
               <a:rPr lang="zh-CN" altLang="en-US" sz="1400" dirty="0">
                 <a:latin typeface="Arial" panose="020B0604020202020204" pitchFamily="34" charset="0"/>
               </a:rPr>
-              <a:t>• 同样适用于厚壳及薄壳</a:t>
+              <a:t>不同建模方式的对比：meshpart vs composite layup</a:t>
             </a:r>
             <a:endParaRPr lang="zh-CN" altLang="en-US" sz="1400" dirty="0">
               <a:latin typeface="Arial" panose="020B0604020202020204" pitchFamily="34" charset="0"/>
             </a:endParaRPr>
           </a:p>
-          <a:p>
-            <a:endParaRPr lang="zh-CN" altLang="en-US" sz="1400" dirty="0">
-              <a:latin typeface="Arial" panose="020B0604020202020204" pitchFamily="34" charset="0"/>
-            </a:endParaRPr>
-          </a:p>
-          <a:p>
-            <a:r>
-              <a:rPr lang="zh-CN" altLang="en-US" sz="1400" dirty="0">
-                <a:latin typeface="Arial" panose="020B0604020202020204" pitchFamily="34" charset="0"/>
-              </a:rPr>
-              <a:t>• 线性和非线性力学行为 (大变形及弹塑性材料的力学响应).</a:t>
-            </a:r>
-            <a:endParaRPr lang="zh-CN" altLang="en-US" sz="1400" dirty="0">
-              <a:latin typeface="Arial" panose="020B0604020202020204" pitchFamily="34" charset="0"/>
-            </a:endParaRPr>
-          </a:p>
-          <a:p>
-            <a:endParaRPr lang="zh-CN" altLang="en-US" sz="1400" dirty="0">
-              <a:latin typeface="Arial" panose="020B0604020202020204" pitchFamily="34" charset="0"/>
-            </a:endParaRPr>
-          </a:p>
-          <a:p>
-            <a:r>
-              <a:rPr lang="zh-CN" altLang="en-US" sz="1400" dirty="0">
-                <a:latin typeface="Arial" panose="020B0604020202020204" pitchFamily="34" charset="0"/>
-              </a:rPr>
-              <a:t>• 厚度渐变(单元为三维几何图形)</a:t>
-            </a:r>
-            <a:endParaRPr lang="zh-CN" altLang="en-US" sz="1400" dirty="0">
-              <a:latin typeface="Arial" panose="020B0604020202020204" pitchFamily="34" charset="0"/>
-            </a:endParaRPr>
-          </a:p>
-          <a:p>
-            <a:endParaRPr lang="zh-CN" altLang="en-US" sz="1400" dirty="0">
-              <a:latin typeface="Arial" panose="020B0604020202020204" pitchFamily="34" charset="0"/>
-            </a:endParaRPr>
-          </a:p>
-          <a:p>
-            <a:r>
-              <a:rPr lang="zh-CN" altLang="en-US" sz="1400" dirty="0">
-                <a:latin typeface="Arial" panose="020B0604020202020204" pitchFamily="34" charset="0"/>
-              </a:rPr>
-              <a:t>•比常规壳更加精确的接触模型(考虑单元两边的接触及厚度变化)</a:t>
-            </a:r>
-            <a:endParaRPr lang="zh-CN" altLang="en-US" sz="1400" dirty="0">
-              <a:latin typeface="Arial" panose="020B0604020202020204" pitchFamily="34" charset="0"/>
-            </a:endParaRPr>
-          </a:p>
-          <a:p>
-            <a:endParaRPr lang="zh-CN" altLang="en-US" sz="1400" dirty="0">
-              <a:latin typeface="Arial" panose="020B0604020202020204" pitchFamily="34" charset="0"/>
-            </a:endParaRPr>
-          </a:p>
-          <a:p>
-            <a:r>
-              <a:rPr lang="zh-CN" altLang="en-US" sz="1400" dirty="0">
-                <a:latin typeface="Arial" panose="020B0604020202020204" pitchFamily="34" charset="0"/>
-              </a:rPr>
-              <a:t>• 堆叠。(在对复合材料层合板厚度方向上的模拟能得到更加精确的结果)</a:t>
-            </a:r>
-            <a:endParaRPr lang="zh-CN" altLang="en-US" sz="1400" dirty="0">
-              <a:latin typeface="Arial" panose="020B0604020202020204" pitchFamily="34" charset="0"/>
-            </a:endParaRPr>
-          </a:p>
-          <a:p>
-            <a:r>
-              <a:rPr lang="zh-CN" altLang="en-US" sz="1400" dirty="0">
-                <a:latin typeface="Arial" panose="020B0604020202020204" pitchFamily="34" charset="0"/>
-              </a:rPr>
-              <a:t>    </a:t>
-            </a:r>
-            <a:endParaRPr lang="zh-CN" altLang="en-US" sz="1400" dirty="0">
-              <a:latin typeface="Arial" panose="020B0604020202020204" pitchFamily="34" charset="0"/>
-            </a:endParaRPr>
-          </a:p>
         </p:txBody>
       </p:sp>
-    </p:spTree>
-  </p:cSld>
-  <p:clrMapOvr>
-    <a:masterClrMapping/>
-  </p:clrMapOvr>
-  <p:transition/>
-  <p:timing>
-    <p:tnLst>
-      <p:par>
-        <p:cTn id="1" dur="indefinite" restart="never" nodeType="tmRoot"/>
-      </p:par>
-    </p:tnLst>
-  </p:timing>
-</p:sld>
-</file>
-
-<file path=ppt/slides/slide9.xml><?xml version="1.0" encoding="utf-8"?>
-<p:sld xmlns:a="http://schemas.openxmlformats.org/drawingml/2006/main" xmlns:r="http://schemas.openxmlformats.org/officeDocument/2006/relationships" xmlns:p="http://schemas.openxmlformats.org/presentationml/2006/main">
-  <p:cSld>
-    <p:spTree>
-      <p:nvGrpSpPr>
-        <p:cNvPr id="1" name=""/>
-        <p:cNvGrpSpPr/>
-        <p:nvPr/>
-      </p:nvGrpSpPr>
-      <p:grpSpPr>
-        <a:xfrm>
-          <a:off x="0" y="0"/>
-          <a:ext cx="0" cy="0"/>
-          <a:chOff x="0" y="0"/>
-          <a:chExt cx="0" cy="0"/>
-        </a:xfrm>
-      </p:grpSpPr>
-      <p:sp>
-        <p:nvSpPr>
-          <p:cNvPr id="2" name="菱形 1"/>
-          <p:cNvSpPr/>
+      <p:pic>
+        <p:nvPicPr>
+          <p:cNvPr id="4" name="图片 3"/>
+          <p:cNvPicPr>
+            <a:picLocks noChangeAspect="1"/>
+          </p:cNvPicPr>
           <p:nvPr/>
-        </p:nvSpPr>
+        </p:nvPicPr>
+        <p:blipFill>
+          <a:blip r:embed="rId1"/>
+          <a:stretch>
+            <a:fillRect/>
+          </a:stretch>
+        </p:blipFill>
         <p:spPr>
           <a:xfrm>
-            <a:off x="-2540" y="3794125"/>
-            <a:ext cx="2244090" cy="965200"/>
-          </a:xfrm>
-          <a:prstGeom prst="diamond">
-            <a:avLst/>
-          </a:prstGeom>
-          <a:solidFill>
-            <a:schemeClr val="accent1"/>
-          </a:solidFill>
-          <a:ln w="9525" cap="flat" cmpd="sng" algn="ctr">
-            <a:solidFill>
-              <a:schemeClr val="tx1"/>
-            </a:solidFill>
-            <a:prstDash val="solid"/>
-            <a:round/>
-            <a:headEnd type="none" w="med" len="med"/>
-            <a:tailEnd type="none" w="med" len="med"/>
-          </a:ln>
-        </p:spPr>
-        <p:txBody>
-          <a:bodyPr vert="horz" wrap="square" lIns="91440" tIns="45720" rIns="91440" bIns="45720" numCol="1" anchor="t" anchorCtr="0" compatLnSpc="1"/>
-          <a:lstStyle/>
-          <a:p>
-            <a:pPr marL="0" marR="0" indent="0" algn="l" defTabSz="914400" rtl="0" eaLnBrk="0" fontAlgn="base" latinLnBrk="0" hangingPunct="0">
-              <a:lnSpc>
-                <a:spcPct val="100000"/>
-              </a:lnSpc>
-              <a:spcBef>
-                <a:spcPct val="0"/>
-              </a:spcBef>
-              <a:spcAft>
-                <a:spcPct val="0"/>
-              </a:spcAft>
-              <a:buClrTx/>
-              <a:buSzTx/>
-              <a:buFontTx/>
-              <a:buNone/>
-            </a:pPr>
-            <a:endParaRPr kumimoji="0" lang="zh-CN" altLang="en-US" sz="1800" b="0" i="0" u="none" strike="noStrike" cap="none" normalizeH="0" baseline="0" smtClean="0">
-              <a:ln>
-                <a:noFill/>
-              </a:ln>
-              <a:solidFill>
-                <a:schemeClr val="tx1"/>
-              </a:solidFill>
-              <a:effectLst/>
-              <a:latin typeface="Arial" panose="020B0604020202020204" pitchFamily="34" charset="0"/>
-              <a:ea typeface="宋体" panose="02010600030101010101" pitchFamily="2" charset="-122"/>
-            </a:endParaRPr>
-          </a:p>
-        </p:txBody>
-      </p:sp>
-      <p:sp>
-        <p:nvSpPr>
-          <p:cNvPr id="4" name="矩形 3"/>
-          <p:cNvSpPr/>
-          <p:nvPr/>
-        </p:nvSpPr>
-        <p:spPr>
-          <a:xfrm>
-            <a:off x="19685" y="2183130"/>
-            <a:ext cx="2222500" cy="591820"/>
+            <a:off x="744855" y="2383155"/>
+            <a:ext cx="3636010" cy="798195"/>
           </a:xfrm>
           <a:prstGeom prst="rect">
             <a:avLst/>
           </a:prstGeom>
-          <a:solidFill>
-            <a:schemeClr val="tx2">
-              <a:lumMod val="40000"/>
-              <a:lumOff val="60000"/>
-            </a:schemeClr>
-          </a:solidFill>
-          <a:ln w="9525" cap="flat" cmpd="sng" algn="ctr">
-            <a:solidFill>
-              <a:schemeClr val="tx1"/>
-            </a:solidFill>
-            <a:prstDash val="solid"/>
-            <a:round/>
-            <a:headEnd type="none" w="med" len="med"/>
-            <a:tailEnd type="none" w="med" len="med"/>
+          <a:noFill/>
+          <a:ln w="9525">
+            <a:noFill/>
           </a:ln>
         </p:spPr>
-        <p:txBody>
-          <a:bodyPr vert="horz" wrap="square" lIns="91440" tIns="45720" rIns="91440" bIns="45720" numCol="1" anchor="t" anchorCtr="0" compatLnSpc="1"/>
-          <a:lstStyle/>
-          <a:p>
-            <a:pPr marL="0" marR="0" indent="0" algn="l" defTabSz="914400" rtl="0" eaLnBrk="0" fontAlgn="base" latinLnBrk="0" hangingPunct="0">
-              <a:lnSpc>
-                <a:spcPct val="100000"/>
-              </a:lnSpc>
-              <a:spcBef>
-                <a:spcPct val="0"/>
-              </a:spcBef>
-              <a:spcAft>
-                <a:spcPct val="0"/>
-              </a:spcAft>
-              <a:buClrTx/>
-              <a:buSzTx/>
-              <a:buFontTx/>
-              <a:buNone/>
-            </a:pPr>
-            <a:r>
-              <a:rPr kumimoji="0" lang="en-US" altLang="zh-CN" sz="1400" b="0" i="0" u="none" strike="noStrike" cap="none" normalizeH="0" baseline="0" smtClean="0">
-                <a:ln>
-                  <a:noFill/>
-                </a:ln>
-                <a:solidFill>
-                  <a:schemeClr val="tx1"/>
-                </a:solidFill>
-                <a:effectLst/>
-                <a:latin typeface="Times New Roman" panose="02020603050405020304" pitchFamily="18" charset="0"/>
-                <a:ea typeface="宋体" panose="02010600030101010101" pitchFamily="2" charset="-122"/>
-              </a:rPr>
-              <a:t>calculate strain and undamaged stiffness matrix</a:t>
-            </a:r>
-            <a:endParaRPr kumimoji="0" lang="en-US" altLang="zh-CN" sz="1400" b="0" i="0" u="none" strike="noStrike" cap="none" normalizeH="0" baseline="0" smtClean="0">
-              <a:ln>
-                <a:noFill/>
-              </a:ln>
-              <a:solidFill>
-                <a:schemeClr val="tx1"/>
-              </a:solidFill>
-              <a:effectLst/>
-              <a:latin typeface="Times New Roman" panose="02020603050405020304" pitchFamily="18" charset="0"/>
-              <a:ea typeface="宋体" panose="02010600030101010101" pitchFamily="2" charset="-122"/>
-            </a:endParaRPr>
-          </a:p>
-        </p:txBody>
-      </p:sp>
-      <p:sp>
-        <p:nvSpPr>
-          <p:cNvPr id="12" name="矩形 11"/>
-          <p:cNvSpPr/>
+      </p:pic>
+      <p:sp>
+        <p:nvSpPr>
+          <p:cNvPr id="6149" name="文本框 6148"/>
+          <p:cNvSpPr txBox="1"/>
           <p:nvPr/>
         </p:nvSpPr>
         <p:spPr>
           <a:xfrm>
-            <a:off x="2739390" y="2477135"/>
-            <a:ext cx="1756410" cy="635000"/>
+            <a:off x="5140325" y="2351405"/>
+            <a:ext cx="3065145" cy="829945"/>
           </a:xfrm>
           <a:prstGeom prst="rect">
             <a:avLst/>
           </a:prstGeom>
-          <a:solidFill>
-            <a:schemeClr val="tx2">
-              <a:lumMod val="40000"/>
-              <a:lumOff val="60000"/>
-            </a:schemeClr>
-          </a:solidFill>
-          <a:ln w="9525" cap="flat" cmpd="sng" algn="ctr">
-            <a:solidFill>
-              <a:schemeClr val="tx1"/>
-            </a:solidFill>
-            <a:prstDash val="solid"/>
-            <a:round/>
-            <a:headEnd type="none" w="med" len="med"/>
-            <a:tailEnd type="none" w="med" len="med"/>
+          <a:noFill/>
+          <a:ln w="9525">
+            <a:noFill/>
           </a:ln>
         </p:spPr>
         <p:txBody>
-          <a:bodyPr vert="horz" wrap="square" lIns="91440" tIns="45720" rIns="91440" bIns="45720" numCol="1" anchor="t" anchorCtr="0" compatLnSpc="1"/>
-          <a:lstStyle/>
-          <a:p>
-            <a:pPr marL="0" marR="0" indent="0" algn="l" defTabSz="914400" rtl="0" eaLnBrk="0" fontAlgn="base" latinLnBrk="0" hangingPunct="0">
-              <a:lnSpc>
-                <a:spcPct val="100000"/>
-              </a:lnSpc>
-              <a:spcBef>
-                <a:spcPct val="0"/>
-              </a:spcBef>
-              <a:spcAft>
-                <a:spcPct val="0"/>
-              </a:spcAft>
-              <a:buClrTx/>
-              <a:buSzTx/>
-              <a:buFontTx/>
-              <a:buNone/>
-            </a:pPr>
-            <a:r>
-              <a:rPr kumimoji="0" lang="en-US" altLang="zh-CN" sz="1400" b="0" i="0" u="none" strike="noStrike" cap="none" normalizeH="0" baseline="0" smtClean="0">
-                <a:ln>
-                  <a:noFill/>
-                </a:ln>
-                <a:solidFill>
-                  <a:schemeClr val="tx1"/>
-                </a:solidFill>
-                <a:effectLst/>
+          <a:bodyPr wrap="square">
+            <a:spAutoFit/>
+          </a:bodyPr>
+          <a:p>
+            <a:pPr indent="304800"/>
+            <a:r>
+              <a:rPr lang="zh-CN" altLang="en-US" sz="1200" dirty="0">
                 <a:latin typeface="Times New Roman" panose="02020603050405020304" pitchFamily="18" charset="0"/>
+                <a:cs typeface="Times New Roman" panose="02020603050405020304" pitchFamily="18" charset="0"/>
+                <a:sym typeface="Times New Roman" panose="02020603050405020304" pitchFamily="18" charset="0"/>
+              </a:rPr>
+              <a:t>左图</a:t>
+            </a:r>
+            <a:r>
+              <a:rPr lang="zh-CN" altLang="en-US" sz="1200" dirty="0">
+                <a:latin typeface="宋体" panose="02010600030101010101" pitchFamily="2" charset="-122"/>
                 <a:ea typeface="宋体" panose="02010600030101010101" pitchFamily="2" charset="-122"/>
+                <a:sym typeface="宋体" panose="02010600030101010101" pitchFamily="2" charset="-122"/>
               </a:rPr>
-              <a:t>calculate damage variable d and</a:t>
-            </a:r>
-            <a:r>
-              <a:rPr kumimoji="0" lang="zh-CN" altLang="en-US" sz="1400" b="0" i="0" u="none" strike="noStrike" cap="none" normalizeH="0" baseline="0" smtClean="0">
-                <a:ln>
-                  <a:noFill/>
-                </a:ln>
-                <a:solidFill>
-                  <a:schemeClr val="tx1"/>
-                </a:solidFill>
-                <a:effectLst/>
+              <a:t>为            铺层的层合板尺寸图，长度L为</a:t>
+            </a:r>
+            <a:r>
+              <a:rPr lang="zh-CN" altLang="en-US" sz="1200" dirty="0">
                 <a:latin typeface="Times New Roman" panose="02020603050405020304" pitchFamily="18" charset="0"/>
+                <a:cs typeface="Times New Roman" panose="02020603050405020304" pitchFamily="18" charset="0"/>
+                <a:sym typeface="Times New Roman" panose="02020603050405020304" pitchFamily="18" charset="0"/>
+              </a:rPr>
+              <a:t>203mm</a:t>
+            </a:r>
+            <a:r>
+              <a:rPr lang="zh-CN" altLang="en-US" sz="1200" dirty="0">
+                <a:latin typeface="宋体" panose="02010600030101010101" pitchFamily="2" charset="-122"/>
                 <a:ea typeface="宋体" panose="02010600030101010101" pitchFamily="2" charset="-122"/>
+                <a:sym typeface="宋体" panose="02010600030101010101" pitchFamily="2" charset="-122"/>
               </a:rPr>
-              <a:t>          </a:t>
-            </a:r>
-            <a:endParaRPr kumimoji="0" lang="zh-CN" altLang="en-US" sz="1400" b="0" i="0" u="none" strike="noStrike" cap="none" normalizeH="0" baseline="0" smtClean="0">
-              <a:ln>
-                <a:noFill/>
-              </a:ln>
-              <a:solidFill>
-                <a:schemeClr val="tx1"/>
-              </a:solidFill>
-              <a:effectLst/>
-              <a:latin typeface="Times New Roman" panose="02020603050405020304" pitchFamily="18" charset="0"/>
+              <a:t>，宽度</a:t>
+            </a:r>
+            <a:r>
+              <a:rPr lang="zh-CN" altLang="en-US" sz="1200" dirty="0">
+                <a:latin typeface="Times New Roman" panose="02020603050405020304" pitchFamily="18" charset="0"/>
+                <a:cs typeface="Times New Roman" panose="02020603050405020304" pitchFamily="18" charset="0"/>
+                <a:sym typeface="Times New Roman" panose="02020603050405020304" pitchFamily="18" charset="0"/>
+              </a:rPr>
+              <a:t>W</a:t>
+            </a:r>
+            <a:r>
+              <a:rPr lang="zh-CN" altLang="en-US" sz="1200" dirty="0">
+                <a:latin typeface="宋体" panose="02010600030101010101" pitchFamily="2" charset="-122"/>
+                <a:ea typeface="宋体" panose="02010600030101010101" pitchFamily="2" charset="-122"/>
+                <a:sym typeface="宋体" panose="02010600030101010101" pitchFamily="2" charset="-122"/>
+              </a:rPr>
+              <a:t>为</a:t>
+            </a:r>
+            <a:r>
+              <a:rPr lang="zh-CN" altLang="en-US" sz="1200" dirty="0">
+                <a:latin typeface="Times New Roman" panose="02020603050405020304" pitchFamily="18" charset="0"/>
+                <a:cs typeface="Times New Roman" panose="02020603050405020304" pitchFamily="18" charset="0"/>
+                <a:sym typeface="Times New Roman" panose="02020603050405020304" pitchFamily="18" charset="0"/>
+              </a:rPr>
+              <a:t>25.4mm</a:t>
+            </a:r>
+            <a:r>
+              <a:rPr lang="zh-CN" altLang="en-US" sz="1200" dirty="0">
+                <a:latin typeface="宋体" panose="02010600030101010101" pitchFamily="2" charset="-122"/>
+                <a:ea typeface="宋体" panose="02010600030101010101" pitchFamily="2" charset="-122"/>
+                <a:sym typeface="宋体" panose="02010600030101010101" pitchFamily="2" charset="-122"/>
+              </a:rPr>
+              <a:t>，孔的直径</a:t>
+            </a:r>
+            <a:r>
+              <a:rPr lang="zh-CN" altLang="en-US" sz="1200" dirty="0">
+                <a:latin typeface="Times New Roman" panose="02020603050405020304" pitchFamily="18" charset="0"/>
+                <a:cs typeface="Times New Roman" panose="02020603050405020304" pitchFamily="18" charset="0"/>
+                <a:sym typeface="Times New Roman" panose="02020603050405020304" pitchFamily="18" charset="0"/>
+              </a:rPr>
+              <a:t>D</a:t>
+            </a:r>
+            <a:r>
+              <a:rPr lang="zh-CN" altLang="en-US" sz="1200" dirty="0">
+                <a:latin typeface="宋体" panose="02010600030101010101" pitchFamily="2" charset="-122"/>
+                <a:ea typeface="宋体" panose="02010600030101010101" pitchFamily="2" charset="-122"/>
+                <a:sym typeface="宋体" panose="02010600030101010101" pitchFamily="2" charset="-122"/>
+              </a:rPr>
+              <a:t>为</a:t>
+            </a:r>
+            <a:r>
+              <a:rPr lang="zh-CN" altLang="en-US" sz="1200" dirty="0">
+                <a:latin typeface="Times New Roman" panose="02020603050405020304" pitchFamily="18" charset="0"/>
+                <a:cs typeface="Times New Roman" panose="02020603050405020304" pitchFamily="18" charset="0"/>
+                <a:sym typeface="Times New Roman" panose="02020603050405020304" pitchFamily="18" charset="0"/>
+              </a:rPr>
+              <a:t>6.35mm</a:t>
+            </a:r>
+            <a:r>
+              <a:rPr lang="zh-CN" altLang="en-US" sz="1200" dirty="0">
+                <a:latin typeface="宋体" panose="02010600030101010101" pitchFamily="2" charset="-122"/>
+                <a:ea typeface="宋体" panose="02010600030101010101" pitchFamily="2" charset="-122"/>
+                <a:sym typeface="宋体" panose="02010600030101010101" pitchFamily="2" charset="-122"/>
+              </a:rPr>
+              <a:t>，单层层合板的厚度</a:t>
+            </a:r>
+            <a:r>
+              <a:rPr lang="zh-CN" altLang="en-US" sz="1200" dirty="0">
+                <a:latin typeface="Times New Roman" panose="02020603050405020304" pitchFamily="18" charset="0"/>
+                <a:cs typeface="Times New Roman" panose="02020603050405020304" pitchFamily="18" charset="0"/>
+                <a:sym typeface="Times New Roman" panose="02020603050405020304" pitchFamily="18" charset="0"/>
+              </a:rPr>
+              <a:t>h</a:t>
+            </a:r>
+            <a:r>
+              <a:rPr lang="zh-CN" altLang="en-US" sz="1200" dirty="0">
+                <a:latin typeface="宋体" panose="02010600030101010101" pitchFamily="2" charset="-122"/>
+                <a:ea typeface="宋体" panose="02010600030101010101" pitchFamily="2" charset="-122"/>
+                <a:sym typeface="宋体" panose="02010600030101010101" pitchFamily="2" charset="-122"/>
+              </a:rPr>
+              <a:t>为</a:t>
+            </a:r>
+            <a:r>
+              <a:rPr lang="zh-CN" altLang="en-US" sz="1200" dirty="0">
+                <a:latin typeface="Times New Roman" panose="02020603050405020304" pitchFamily="18" charset="0"/>
+                <a:cs typeface="Times New Roman" panose="02020603050405020304" pitchFamily="18" charset="0"/>
+                <a:sym typeface="Times New Roman" panose="02020603050405020304" pitchFamily="18" charset="0"/>
+              </a:rPr>
+              <a:t>0.13mm</a:t>
+            </a:r>
+            <a:r>
+              <a:rPr lang="zh-CN" altLang="en-US" sz="1200" dirty="0">
+                <a:latin typeface="宋体" panose="02010600030101010101" pitchFamily="2" charset="-122"/>
+                <a:ea typeface="宋体" panose="02010600030101010101" pitchFamily="2" charset="-122"/>
+                <a:sym typeface="宋体" panose="02010600030101010101" pitchFamily="2" charset="-122"/>
+              </a:rPr>
+              <a:t>。</a:t>
+            </a:r>
+            <a:endParaRPr lang="zh-CN" altLang="en-US" sz="1200" dirty="0">
+              <a:latin typeface="宋体" panose="02010600030101010101" pitchFamily="2" charset="-122"/>
               <a:ea typeface="宋体" panose="02010600030101010101" pitchFamily="2" charset="-122"/>
+              <a:sym typeface="宋体" panose="02010600030101010101" pitchFamily="2" charset="-122"/>
             </a:endParaRPr>
           </a:p>
         </p:txBody>
       </p:sp>
       <p:graphicFrame>
         <p:nvGraphicFramePr>
-          <p:cNvPr id="15" name="对象 14">
-            <a:hlinkClick r:id="" action="ppaction://ole?verb=0"/>
-          </p:cNvPr>
+          <p:cNvPr id="6150" name="对象 6149"/>
           <p:cNvGraphicFramePr>
             <a:graphicFrameLocks noChangeAspect="1"/>
           </p:cNvGraphicFramePr>
           <p:nvPr/>
         </p:nvGraphicFramePr>
         <p:xfrm>
-          <a:off x="3892550" y="2774950"/>
-          <a:ext cx="461645" cy="179070"/>
+          <a:off x="6052185" y="2372995"/>
+          <a:ext cx="833120" cy="238760"/>
         </p:xfrm>
         <a:graphic>
           <a:graphicData uri="http://schemas.openxmlformats.org/presentationml/2006/ole">
             <mc:AlternateContent xmlns:mc="http://schemas.openxmlformats.org/markup-compatibility/2006">
               <mc:Choice xmlns:v="urn:schemas-microsoft-com:vml" Requires="v">
-                <p:oleObj spid="_x0000_s3142" name="" r:id="rId1" imgW="457200" imgH="177165" progId="Equation.KSEE3">
+                <p:oleObj spid="_x0000_s3076" name="" r:id="rId2" imgW="800100" imgH="228600" progId="Equation.3">
                   <p:embed/>
                 </p:oleObj>
               </mc:Choice>
               <mc:Fallback>
-                <p:oleObj name="" r:id="rId1" imgW="457200" imgH="177165" progId="Equation.KSEE3">
+                <p:oleObj name="" r:id="rId2" imgW="800100" imgH="228600" progId="Equation.3">
                   <p:embed/>
                   <p:pic>
                     <p:nvPicPr>
-                      <p:cNvPr id="0" name="图片 3073"/>
+                      <p:cNvPr id="0" name="图片 3075"/>
                       <p:cNvPicPr/>
                       <p:nvPr/>
                     </p:nvPicPr>
                     <p:blipFill>
-                      <a:blip r:embed="rId2"/>
+                      <a:blip r:embed="rId3"/>
                       <a:stretch>
                         <a:fillRect/>
                       </a:stretch>
                     </p:blipFill>
                     <p:spPr>
                       <a:xfrm>
-                        <a:off x="3892550" y="2774950"/>
-                        <a:ext cx="461645" cy="179070"/>
+                        <a:off x="6052185" y="2372995"/>
+                        <a:ext cx="833120" cy="238760"/>
                       </a:xfrm>
                       <a:prstGeom prst="rect">
                         <a:avLst/>
                       </a:prstGeom>
+                      <a:noFill/>
+                      <a:ln w="38100">
+                        <a:noFill/>
+                        <a:miter/>
+                      </a:ln>
                     </p:spPr>
                   </p:pic>
                 </p:oleObj>
@@ -22841,234 +25402,77 @@
       </p:graphicFrame>
       <p:sp>
         <p:nvSpPr>
-          <p:cNvPr id="5" name="矩形 4"/>
-          <p:cNvSpPr/>
+          <p:cNvPr id="8332" name="文本框 8331"/>
+          <p:cNvSpPr txBox="1"/>
           <p:nvPr/>
         </p:nvSpPr>
         <p:spPr>
           <a:xfrm>
-            <a:off x="135255" y="5131435"/>
-            <a:ext cx="4361180" cy="650240"/>
-          </a:xfrm>
-          <a:prstGeom prst="rect">
-            <a:avLst/>
-          </a:prstGeom>
-          <a:solidFill>
-            <a:schemeClr val="tx2">
-              <a:lumMod val="40000"/>
-              <a:lumOff val="60000"/>
-            </a:schemeClr>
-          </a:solidFill>
-          <a:ln w="9525" cap="flat" cmpd="sng" algn="ctr">
-            <a:solidFill>
-              <a:schemeClr val="tx1"/>
-            </a:solidFill>
-            <a:prstDash val="solid"/>
-            <a:round/>
-            <a:headEnd type="none" w="med" len="med"/>
-            <a:tailEnd type="none" w="med" len="med"/>
-          </a:ln>
-        </p:spPr>
-        <p:txBody>
-          <a:bodyPr vert="horz" wrap="square" lIns="91440" tIns="45720" rIns="91440" bIns="45720" numCol="1" anchor="t" anchorCtr="0" compatLnSpc="1"/>
-          <a:lstStyle/>
-          <a:p>
-            <a:pPr marL="0" marR="0" indent="0" algn="ctr" defTabSz="914400" rtl="0" eaLnBrk="0" fontAlgn="base" latinLnBrk="0" hangingPunct="0">
-              <a:lnSpc>
-                <a:spcPct val="100000"/>
-              </a:lnSpc>
-              <a:spcBef>
-                <a:spcPct val="0"/>
-              </a:spcBef>
-              <a:spcAft>
-                <a:spcPct val="0"/>
-              </a:spcAft>
-              <a:buClrTx/>
-              <a:buSzTx/>
-              <a:buFontTx/>
-              <a:buNone/>
-            </a:pPr>
-            <a:r>
-              <a:rPr lang="en-US" altLang="zh-CN" sz="1400" smtClean="0">
-                <a:ln>
-                  <a:noFill/>
-                </a:ln>
-                <a:effectLst/>
-                <a:latin typeface="Times New Roman" panose="02020603050405020304" pitchFamily="18" charset="0"/>
-                <a:sym typeface="+mn-ea"/>
-              </a:rPr>
-              <a:t>calculate stress and </a:t>
-            </a:r>
-            <a:r>
-              <a:rPr lang="en-US" altLang="zh-CN" sz="1400" b="1" smtClean="0">
-                <a:ln>
-                  <a:noFill/>
-                </a:ln>
-                <a:effectLst/>
-                <a:latin typeface="Times New Roman" panose="02020603050405020304" pitchFamily="18" charset="0"/>
-                <a:sym typeface="+mn-ea"/>
-              </a:rPr>
-              <a:t>Jacobian matrix</a:t>
-            </a:r>
-            <a:r>
-              <a:rPr lang="en-US" altLang="zh-CN" sz="1400" smtClean="0">
-                <a:ln>
-                  <a:noFill/>
-                </a:ln>
-                <a:effectLst/>
-                <a:latin typeface="Times New Roman" panose="02020603050405020304" pitchFamily="18" charset="0"/>
-                <a:sym typeface="+mn-ea"/>
-              </a:rPr>
-              <a:t> ;update damage variable d </a:t>
-            </a:r>
-            <a:endParaRPr kumimoji="0" lang="en-US" altLang="zh-CN" sz="1400" b="0" i="0" u="none" strike="noStrike" cap="none" normalizeH="0" baseline="0" smtClean="0">
-              <a:ln>
-                <a:noFill/>
-              </a:ln>
-              <a:solidFill>
-                <a:schemeClr val="tx1"/>
-              </a:solidFill>
-              <a:effectLst/>
-              <a:latin typeface="Times New Roman" panose="02020603050405020304" pitchFamily="18" charset="0"/>
-              <a:ea typeface="宋体" panose="02010600030101010101" pitchFamily="2" charset="-122"/>
-              <a:sym typeface="+mn-ea"/>
-            </a:endParaRPr>
-          </a:p>
-          <a:p>
-            <a:pPr marL="0" marR="0" indent="0" algn="ctr" defTabSz="914400" rtl="0" eaLnBrk="0" fontAlgn="base" latinLnBrk="0" hangingPunct="0">
-              <a:lnSpc>
-                <a:spcPct val="100000"/>
-              </a:lnSpc>
-              <a:spcBef>
-                <a:spcPct val="0"/>
-              </a:spcBef>
-              <a:spcAft>
-                <a:spcPct val="0"/>
-              </a:spcAft>
-              <a:buClrTx/>
-              <a:buSzTx/>
-              <a:buFontTx/>
-              <a:buNone/>
-            </a:pPr>
-            <a:endParaRPr kumimoji="0" lang="zh-CN" altLang="en-US" sz="1400" b="0" i="0" u="none" strike="noStrike" cap="none" normalizeH="0" baseline="0" smtClean="0">
-              <a:ln>
-                <a:noFill/>
-              </a:ln>
-              <a:solidFill>
-                <a:schemeClr val="tx1"/>
-              </a:solidFill>
-              <a:effectLst/>
-              <a:latin typeface="Times New Roman" panose="02020603050405020304" pitchFamily="18" charset="0"/>
-              <a:ea typeface="宋体" panose="02010600030101010101" pitchFamily="2" charset="-122"/>
-            </a:endParaRPr>
-          </a:p>
-        </p:txBody>
-      </p:sp>
-      <p:cxnSp>
-        <p:nvCxnSpPr>
-          <p:cNvPr id="20" name="直接箭头连接符 19"/>
-          <p:cNvCxnSpPr>
-            <a:stCxn id="4" idx="2"/>
-            <a:endCxn id="27" idx="0"/>
-          </p:cNvCxnSpPr>
-          <p:nvPr/>
-        </p:nvCxnSpPr>
-        <p:spPr>
-          <a:xfrm>
-            <a:off x="1130935" y="2774950"/>
-            <a:ext cx="0" cy="337185"/>
-          </a:xfrm>
-          <a:prstGeom prst="straightConnector1">
-            <a:avLst/>
-          </a:prstGeom>
-          <a:solidFill>
-            <a:schemeClr val="accent1"/>
-          </a:solidFill>
-          <a:ln w="9525" cap="flat" cmpd="sng" algn="ctr">
-            <a:solidFill>
-              <a:schemeClr val="tx1"/>
-            </a:solidFill>
-            <a:prstDash val="solid"/>
-            <a:round/>
-            <a:headEnd type="none" w="med" len="med"/>
-            <a:tailEnd type="arrow" w="med" len="med"/>
-          </a:ln>
-        </p:spPr>
-      </p:cxnSp>
-      <p:sp>
-        <p:nvSpPr>
-          <p:cNvPr id="22" name="文本框 21"/>
-          <p:cNvSpPr txBox="1"/>
-          <p:nvPr/>
-        </p:nvSpPr>
-        <p:spPr>
-          <a:xfrm>
-            <a:off x="1974850" y="3491865"/>
-            <a:ext cx="1249045" cy="275590"/>
+            <a:off x="6701790" y="4556125"/>
+            <a:ext cx="2007235" cy="521970"/>
           </a:xfrm>
           <a:prstGeom prst="rect">
             <a:avLst/>
           </a:prstGeom>
           <a:noFill/>
+          <a:ln w="9525">
+            <a:solidFill>
+              <a:schemeClr val="accent5">
+                <a:lumMod val="50000"/>
+              </a:schemeClr>
+            </a:solidFill>
+          </a:ln>
         </p:spPr>
         <p:txBody>
-          <a:bodyPr wrap="square" rtlCol="0">
+          <a:bodyPr wrap="square">
             <a:spAutoFit/>
           </a:bodyPr>
-          <a:lstStyle/>
-          <a:p>
-            <a:r>
-              <a:rPr lang="en-US" altLang="zh-CN" sz="1200" dirty="0" smtClean="0">
-                <a:latin typeface="Times New Roman" panose="02020603050405020304" pitchFamily="18" charset="0"/>
+          <a:p>
+            <a:r>
+              <a:rPr lang="en-US" altLang="zh-CN" sz="1400" dirty="0">
+                <a:latin typeface="Arial" panose="020B0604020202020204" pitchFamily="34" charset="0"/>
               </a:rPr>
-              <a:t>damaged</a:t>
-            </a:r>
-            <a:endParaRPr lang="en-US" altLang="zh-CN" sz="1200" dirty="0">
-              <a:latin typeface="Times New Roman" panose="02020603050405020304" pitchFamily="18" charset="0"/>
+              <a:t>Test ultimate loading</a:t>
+            </a:r>
+            <a:r>
+              <a:rPr lang="zh-CN" altLang="en-US" sz="1400" dirty="0">
+                <a:latin typeface="Arial" panose="020B0604020202020204" pitchFamily="34" charset="0"/>
+              </a:rPr>
+              <a:t>：</a:t>
+            </a:r>
+            <a:endParaRPr lang="zh-CN" altLang="en-US" sz="1400" dirty="0">
+              <a:latin typeface="Arial" panose="020B0604020202020204" pitchFamily="34" charset="0"/>
             </a:endParaRPr>
           </a:p>
+          <a:p>
+            <a:r>
+              <a:rPr lang="zh-CN" altLang="en-US" sz="1400" dirty="0">
+                <a:latin typeface="Arial" panose="020B0604020202020204" pitchFamily="34" charset="0"/>
+              </a:rPr>
+              <a:t>28394.6</a:t>
+            </a:r>
+            <a:r>
+              <a:rPr lang="en-US" altLang="zh-CN" sz="1400" dirty="0">
+                <a:latin typeface="Arial" panose="020B0604020202020204" pitchFamily="34" charset="0"/>
+              </a:rPr>
+              <a:t>N</a:t>
+            </a:r>
+            <a:endParaRPr lang="en-US" altLang="zh-CN" sz="1400" dirty="0">
+              <a:latin typeface="Arial" panose="020B0604020202020204" pitchFamily="34" charset="0"/>
+            </a:endParaRPr>
+          </a:p>
         </p:txBody>
       </p:sp>
-      <p:cxnSp>
-        <p:nvCxnSpPr>
-          <p:cNvPr id="23" name="直接箭头连接符 22"/>
-          <p:cNvCxnSpPr>
-            <a:stCxn id="2" idx="2"/>
-          </p:cNvCxnSpPr>
-          <p:nvPr/>
-        </p:nvCxnSpPr>
-        <p:spPr>
-          <a:xfrm flipH="1">
-            <a:off x="1115695" y="4759325"/>
-            <a:ext cx="3810" cy="398145"/>
-          </a:xfrm>
-          <a:prstGeom prst="straightConnector1">
-            <a:avLst/>
-          </a:prstGeom>
-          <a:solidFill>
-            <a:schemeClr val="accent1"/>
-          </a:solidFill>
-          <a:ln w="9525" cap="flat" cmpd="sng" algn="ctr">
-            <a:solidFill>
-              <a:schemeClr val="tx1"/>
-            </a:solidFill>
-            <a:prstDash val="solid"/>
-            <a:round/>
-            <a:headEnd type="none" w="med" len="med"/>
-            <a:tailEnd type="arrow" w="med" len="med"/>
-          </a:ln>
-        </p:spPr>
-      </p:cxnSp>
-      <p:sp>
-        <p:nvSpPr>
-          <p:cNvPr id="28" name="文本框 27"/>
+      <p:sp>
+        <p:nvSpPr>
+          <p:cNvPr id="8" name="文本框 7"/>
           <p:cNvSpPr txBox="1"/>
           <p:nvPr/>
         </p:nvSpPr>
         <p:spPr>
           <a:xfrm>
-            <a:off x="-55245" y="4845050"/>
-            <a:ext cx="1186180" cy="275590"/>
+            <a:off x="252095" y="6062980"/>
+            <a:ext cx="8712200" cy="521970"/>
           </a:xfrm>
           <a:prstGeom prst="rect">
             <a:avLst/>
@@ -23079,1214 +25483,16 @@
           <a:bodyPr wrap="square" rtlCol="0">
             <a:spAutoFit/>
           </a:bodyPr>
-          <a:lstStyle/>
-          <a:p>
-            <a:r>
-              <a:rPr lang="en-US" altLang="zh-CN" sz="1200" dirty="0" smtClean="0">
-                <a:latin typeface="Times New Roman" panose="02020603050405020304" pitchFamily="18" charset="0"/>
-              </a:rPr>
-              <a:t>undamaged </a:t>
-            </a:r>
-            <a:endParaRPr lang="en-US" altLang="zh-CN" sz="1200" dirty="0">
-              <a:latin typeface="Times New Roman" panose="02020603050405020304" pitchFamily="18" charset="0"/>
-            </a:endParaRPr>
-          </a:p>
-        </p:txBody>
-      </p:sp>
-      <p:cxnSp>
-        <p:nvCxnSpPr>
-          <p:cNvPr id="30" name="肘形连接符 29"/>
-          <p:cNvCxnSpPr>
-            <a:stCxn id="2" idx="3"/>
-            <a:endCxn id="12" idx="0"/>
-          </p:cNvCxnSpPr>
-          <p:nvPr/>
-        </p:nvCxnSpPr>
-        <p:spPr>
-          <a:xfrm flipV="1">
-            <a:off x="2241550" y="2477135"/>
-            <a:ext cx="1376045" cy="1799590"/>
-          </a:xfrm>
-          <a:prstGeom prst="bentConnector4">
-            <a:avLst>
-              <a:gd name="adj1" fmla="val 18090"/>
-              <a:gd name="adj2" fmla="val 113232"/>
-            </a:avLst>
-          </a:prstGeom>
-          <a:solidFill>
-            <a:schemeClr val="accent1"/>
-          </a:solidFill>
-          <a:ln w="9525" cap="flat" cmpd="sng" algn="ctr">
-            <a:solidFill>
-              <a:schemeClr val="tx1"/>
-            </a:solidFill>
-            <a:prstDash val="solid"/>
-            <a:round/>
-            <a:headEnd type="none" w="med" len="med"/>
-            <a:tailEnd type="arrow" w="med" len="med"/>
-          </a:ln>
-        </p:spPr>
-      </p:cxnSp>
-      <p:sp>
-        <p:nvSpPr>
-          <p:cNvPr id="31" name="矩形 30"/>
-          <p:cNvSpPr/>
-          <p:nvPr/>
-        </p:nvSpPr>
-        <p:spPr>
-          <a:xfrm>
-            <a:off x="2722245" y="3767455"/>
-            <a:ext cx="1773555" cy="607060"/>
-          </a:xfrm>
-          <a:prstGeom prst="rect">
-            <a:avLst/>
-          </a:prstGeom>
-          <a:solidFill>
-            <a:schemeClr val="tx2">
-              <a:lumMod val="40000"/>
-              <a:lumOff val="60000"/>
-            </a:schemeClr>
-          </a:solidFill>
-          <a:ln w="9525" cap="flat" cmpd="sng" algn="ctr">
-            <a:solidFill>
-              <a:schemeClr val="tx1"/>
-            </a:solidFill>
-            <a:prstDash val="solid"/>
-            <a:round/>
-            <a:headEnd type="none" w="med" len="med"/>
-            <a:tailEnd type="none" w="med" len="med"/>
-          </a:ln>
-        </p:spPr>
-        <p:txBody>
-          <a:bodyPr vert="horz" wrap="square" lIns="91440" tIns="45720" rIns="91440" bIns="45720" numCol="1" anchor="t" anchorCtr="0" compatLnSpc="1"/>
-          <a:lstStyle/>
-          <a:p>
-            <a:pPr marL="0" marR="0" indent="0" algn="l" defTabSz="914400" rtl="0" eaLnBrk="0" fontAlgn="base" latinLnBrk="0" hangingPunct="0">
-              <a:lnSpc>
-                <a:spcPct val="100000"/>
-              </a:lnSpc>
-              <a:spcBef>
-                <a:spcPct val="0"/>
-              </a:spcBef>
-              <a:spcAft>
-                <a:spcPct val="0"/>
-              </a:spcAft>
-              <a:buClrTx/>
-              <a:buSzTx/>
-              <a:buFontTx/>
-              <a:buNone/>
-            </a:pPr>
-            <a:r>
-              <a:rPr kumimoji="0" lang="en-US" altLang="zh-CN" sz="1400" b="0" i="0" u="none" strike="noStrike" cap="none" normalizeH="0" baseline="0" smtClean="0">
-                <a:ln>
-                  <a:noFill/>
-                </a:ln>
-                <a:solidFill>
-                  <a:schemeClr val="tx1"/>
-                </a:solidFill>
-                <a:effectLst/>
-                <a:latin typeface="Times New Roman" panose="02020603050405020304" pitchFamily="18" charset="0"/>
-                <a:ea typeface="宋体" panose="02010600030101010101" pitchFamily="2" charset="-122"/>
-              </a:rPr>
-              <a:t>calculate </a:t>
-            </a:r>
-            <a:r>
-              <a:rPr lang="en-US" altLang="zh-CN" sz="1400" smtClean="0">
-                <a:ln>
-                  <a:noFill/>
-                </a:ln>
-                <a:effectLst/>
-                <a:latin typeface="Times New Roman" panose="02020603050405020304" pitchFamily="18" charset="0"/>
-                <a:sym typeface="+mn-ea"/>
-              </a:rPr>
-              <a:t>damaged stiffness matrix C</a:t>
-            </a:r>
-            <a:r>
-              <a:rPr lang="en-US" altLang="zh-CN" sz="1400" baseline="-25000" smtClean="0">
-                <a:ln>
-                  <a:noFill/>
-                </a:ln>
-                <a:effectLst/>
-                <a:latin typeface="Times New Roman" panose="02020603050405020304" pitchFamily="18" charset="0"/>
-                <a:sym typeface="+mn-ea"/>
-              </a:rPr>
-              <a:t>d</a:t>
-            </a:r>
-            <a:endParaRPr kumimoji="0" lang="zh-CN" altLang="en-US" sz="1400" b="0" i="0" u="none" strike="noStrike" cap="none" normalizeH="0" baseline="-25000" smtClean="0">
-              <a:ln>
-                <a:noFill/>
-              </a:ln>
-              <a:solidFill>
-                <a:schemeClr val="tx1"/>
-              </a:solidFill>
-              <a:effectLst/>
-              <a:latin typeface="Times New Roman" panose="02020603050405020304" pitchFamily="18" charset="0"/>
-              <a:ea typeface="宋体" panose="02010600030101010101" pitchFamily="2" charset="-122"/>
-            </a:endParaRPr>
-          </a:p>
-        </p:txBody>
-      </p:sp>
-      <p:cxnSp>
-        <p:nvCxnSpPr>
-          <p:cNvPr id="32" name="直接箭头连接符 31"/>
-          <p:cNvCxnSpPr>
-            <a:stCxn id="12" idx="2"/>
-            <a:endCxn id="31" idx="0"/>
-          </p:cNvCxnSpPr>
-          <p:nvPr/>
-        </p:nvCxnSpPr>
-        <p:spPr>
-          <a:xfrm flipH="1">
-            <a:off x="3609340" y="3112135"/>
-            <a:ext cx="8255" cy="655320"/>
-          </a:xfrm>
-          <a:prstGeom prst="straightConnector1">
-            <a:avLst/>
-          </a:prstGeom>
-          <a:solidFill>
-            <a:schemeClr val="accent1"/>
-          </a:solidFill>
-          <a:ln w="9525" cap="flat" cmpd="sng" algn="ctr">
-            <a:solidFill>
-              <a:schemeClr val="tx1"/>
-            </a:solidFill>
-            <a:prstDash val="solid"/>
-            <a:round/>
-            <a:headEnd type="none" w="med" len="med"/>
-            <a:tailEnd type="arrow" w="med" len="med"/>
-          </a:ln>
-        </p:spPr>
-      </p:cxnSp>
-      <p:cxnSp>
-        <p:nvCxnSpPr>
-          <p:cNvPr id="33" name="直接箭头连接符 32"/>
-          <p:cNvCxnSpPr>
-            <a:stCxn id="31" idx="2"/>
-          </p:cNvCxnSpPr>
-          <p:nvPr/>
-        </p:nvCxnSpPr>
-        <p:spPr>
-          <a:xfrm>
-            <a:off x="3609340" y="4374515"/>
-            <a:ext cx="26670" cy="782955"/>
-          </a:xfrm>
-          <a:prstGeom prst="straightConnector1">
-            <a:avLst/>
-          </a:prstGeom>
-          <a:solidFill>
-            <a:schemeClr val="accent1"/>
-          </a:solidFill>
-          <a:ln w="9525" cap="flat" cmpd="sng" algn="ctr">
-            <a:solidFill>
-              <a:schemeClr val="tx1"/>
-            </a:solidFill>
-            <a:prstDash val="solid"/>
-            <a:round/>
-            <a:headEnd type="none" w="med" len="med"/>
-            <a:tailEnd type="arrow" w="med" len="med"/>
-          </a:ln>
-        </p:spPr>
-      </p:cxnSp>
-      <p:cxnSp>
-        <p:nvCxnSpPr>
-          <p:cNvPr id="6" name="直接箭头连接符 5"/>
-          <p:cNvCxnSpPr>
-            <a:stCxn id="8" idx="2"/>
-            <a:endCxn id="4" idx="0"/>
-          </p:cNvCxnSpPr>
-          <p:nvPr/>
-        </p:nvCxnSpPr>
-        <p:spPr>
-          <a:xfrm>
-            <a:off x="1117600" y="1682115"/>
-            <a:ext cx="13335" cy="501015"/>
-          </a:xfrm>
-          <a:prstGeom prst="straightConnector1">
-            <a:avLst/>
-          </a:prstGeom>
-          <a:solidFill>
-            <a:schemeClr val="accent1"/>
-          </a:solidFill>
-          <a:ln w="9525" cap="flat" cmpd="sng" algn="ctr">
-            <a:solidFill>
-              <a:schemeClr val="tx1"/>
-            </a:solidFill>
-            <a:prstDash val="solid"/>
-            <a:round/>
-            <a:headEnd type="none" w="med" len="med"/>
-            <a:tailEnd type="arrow" w="med" len="med"/>
-          </a:ln>
-        </p:spPr>
-      </p:cxnSp>
-      <p:sp>
-        <p:nvSpPr>
-          <p:cNvPr id="8" name="文本框 7"/>
-          <p:cNvSpPr txBox="1"/>
-          <p:nvPr/>
-        </p:nvSpPr>
-        <p:spPr>
-          <a:xfrm>
-            <a:off x="64135" y="1375410"/>
-            <a:ext cx="2106930" cy="306705"/>
-          </a:xfrm>
-          <a:prstGeom prst="rect">
-            <a:avLst/>
-          </a:prstGeom>
-        </p:spPr>
-        <p:style>
-          <a:lnRef idx="2">
-            <a:schemeClr val="accent4"/>
-          </a:lnRef>
-          <a:fillRef idx="1">
-            <a:schemeClr val="lt1"/>
-          </a:fillRef>
-          <a:effectRef idx="0">
-            <a:schemeClr val="accent4"/>
-          </a:effectRef>
-          <a:fontRef idx="minor">
-            <a:schemeClr val="dk1"/>
-          </a:fontRef>
-        </p:style>
-        <p:txBody>
-          <a:bodyPr wrap="square" rtlCol="0">
-            <a:spAutoFit/>
-          </a:bodyPr>
-          <a:lstStyle/>
-          <a:p>
-            <a:pPr algn="ctr"/>
-            <a:r>
-              <a:rPr lang="en-US" altLang="zh-CN" sz="1400">
-                <a:latin typeface="Times New Roman" panose="02020603050405020304" pitchFamily="18" charset="0"/>
-              </a:rPr>
-              <a:t>after each increment </a:t>
-            </a:r>
-            <a:endParaRPr lang="en-US" altLang="zh-CN" sz="1400">
-              <a:latin typeface="Times New Roman" panose="02020603050405020304" pitchFamily="18" charset="0"/>
-            </a:endParaRPr>
-          </a:p>
-        </p:txBody>
-      </p:sp>
-      <p:sp>
-        <p:nvSpPr>
-          <p:cNvPr id="9" name="文本框 8"/>
-          <p:cNvSpPr txBox="1"/>
-          <p:nvPr/>
-        </p:nvSpPr>
-        <p:spPr>
-          <a:xfrm>
-            <a:off x="1406525" y="6068060"/>
-            <a:ext cx="2041525" cy="521970"/>
-          </a:xfrm>
-          <a:prstGeom prst="rect">
-            <a:avLst/>
-          </a:prstGeom>
-        </p:spPr>
-        <p:style>
-          <a:lnRef idx="2">
-            <a:schemeClr val="dk1"/>
-          </a:lnRef>
-          <a:fillRef idx="1">
-            <a:schemeClr val="lt1"/>
-          </a:fillRef>
-          <a:effectRef idx="0">
-            <a:schemeClr val="dk1"/>
-          </a:effectRef>
-          <a:fontRef idx="minor">
-            <a:schemeClr val="dk1"/>
-          </a:fontRef>
-        </p:style>
-        <p:txBody>
-          <a:bodyPr wrap="square" rtlCol="0">
-            <a:spAutoFit/>
-          </a:bodyPr>
-          <a:lstStyle/>
-          <a:p>
-            <a:r>
-              <a:rPr lang="en-US" altLang="zh-CN" sz="1400">
-                <a:latin typeface="Times New Roman" panose="02020603050405020304" pitchFamily="18" charset="0"/>
-              </a:rPr>
-              <a:t>quit UMAT,back to  main program</a:t>
-            </a:r>
-            <a:endParaRPr lang="en-US" altLang="zh-CN" sz="1400">
-              <a:latin typeface="Times New Roman" panose="02020603050405020304" pitchFamily="18" charset="0"/>
-            </a:endParaRPr>
-          </a:p>
-        </p:txBody>
-      </p:sp>
-      <p:cxnSp>
-        <p:nvCxnSpPr>
-          <p:cNvPr id="10" name="直接箭头连接符 9"/>
-          <p:cNvCxnSpPr>
-            <a:stCxn id="5" idx="2"/>
-          </p:cNvCxnSpPr>
-          <p:nvPr/>
-        </p:nvCxnSpPr>
-        <p:spPr>
-          <a:xfrm>
-            <a:off x="2315845" y="5781675"/>
-            <a:ext cx="0" cy="286385"/>
-          </a:xfrm>
-          <a:prstGeom prst="straightConnector1">
-            <a:avLst/>
-          </a:prstGeom>
-          <a:solidFill>
-            <a:schemeClr val="accent1"/>
-          </a:solidFill>
-          <a:ln w="9525" cap="flat" cmpd="sng" algn="ctr">
-            <a:solidFill>
-              <a:schemeClr val="tx1"/>
-            </a:solidFill>
-            <a:prstDash val="solid"/>
-            <a:round/>
-            <a:headEnd type="none" w="med" len="med"/>
-            <a:tailEnd type="arrow" w="med" len="med"/>
-          </a:ln>
-        </p:spPr>
-      </p:cxnSp>
-      <p:sp>
-        <p:nvSpPr>
-          <p:cNvPr id="13" name="矩形 12"/>
-          <p:cNvSpPr/>
-          <p:nvPr/>
-        </p:nvSpPr>
-        <p:spPr>
-          <a:xfrm>
-            <a:off x="19685" y="1845310"/>
-            <a:ext cx="4548505" cy="4046855"/>
-          </a:xfrm>
-          <a:prstGeom prst="rect">
-            <a:avLst/>
-          </a:prstGeom>
-          <a:noFill/>
-          <a:ln w="31750" cap="flat" cmpd="sng" algn="ctr">
-            <a:solidFill>
-              <a:schemeClr val="accent1">
-                <a:shade val="50000"/>
-              </a:schemeClr>
-            </a:solidFill>
-            <a:prstDash val="solid"/>
-            <a:round/>
-            <a:headEnd type="none" w="med" len="med"/>
-            <a:tailEnd type="none" w="med" len="med"/>
-          </a:ln>
-        </p:spPr>
-        <p:txBody>
-          <a:bodyPr vert="horz" wrap="square" lIns="91440" tIns="45720" rIns="91440" bIns="45720" numCol="1" anchor="t" anchorCtr="0" compatLnSpc="1"/>
-          <a:lstStyle/>
-          <a:p>
-            <a:pPr marL="0" marR="0" indent="0" algn="l" defTabSz="914400" rtl="0" eaLnBrk="0" fontAlgn="base" latinLnBrk="0" hangingPunct="0">
-              <a:lnSpc>
-                <a:spcPct val="100000"/>
-              </a:lnSpc>
-              <a:spcBef>
-                <a:spcPct val="0"/>
-              </a:spcBef>
-              <a:spcAft>
-                <a:spcPct val="0"/>
-              </a:spcAft>
-              <a:buClrTx/>
-              <a:buSzTx/>
-              <a:buFontTx/>
-              <a:buNone/>
-            </a:pPr>
-            <a:endParaRPr kumimoji="0" lang="zh-CN" altLang="en-US" sz="1800" b="0" i="0" u="none" strike="noStrike" cap="none" normalizeH="0" baseline="0" smtClean="0">
-              <a:ln>
-                <a:noFill/>
-              </a:ln>
-              <a:solidFill>
-                <a:schemeClr val="tx1"/>
-              </a:solidFill>
-              <a:effectLst/>
-              <a:latin typeface="Arial" panose="020B0604020202020204" pitchFamily="34" charset="0"/>
-              <a:ea typeface="宋体" panose="02010600030101010101" pitchFamily="2" charset="-122"/>
-            </a:endParaRPr>
-          </a:p>
-        </p:txBody>
-      </p:sp>
-      <p:sp>
-        <p:nvSpPr>
-          <p:cNvPr id="27" name="矩形 26"/>
-          <p:cNvSpPr/>
-          <p:nvPr/>
-        </p:nvSpPr>
-        <p:spPr>
-          <a:xfrm>
-            <a:off x="447675" y="3112135"/>
-            <a:ext cx="1366520" cy="353695"/>
-          </a:xfrm>
-          <a:prstGeom prst="rect">
-            <a:avLst/>
-          </a:prstGeom>
-          <a:solidFill>
-            <a:schemeClr val="tx2">
-              <a:lumMod val="40000"/>
-              <a:lumOff val="60000"/>
-            </a:schemeClr>
-          </a:solidFill>
-          <a:ln w="9525" cap="flat" cmpd="sng" algn="ctr">
-            <a:solidFill>
-              <a:schemeClr val="tx1"/>
-            </a:solidFill>
-            <a:prstDash val="solid"/>
-            <a:round/>
-            <a:headEnd type="none" w="med" len="med"/>
-            <a:tailEnd type="none" w="med" len="med"/>
-          </a:ln>
-        </p:spPr>
-        <p:txBody>
-          <a:bodyPr vert="horz" wrap="square" lIns="91440" tIns="45720" rIns="91440" bIns="45720" numCol="1" anchor="t" anchorCtr="0" compatLnSpc="1"/>
-          <a:lstStyle/>
-          <a:p>
-            <a:pPr marL="0" marR="0" indent="0" algn="l" defTabSz="914400" rtl="0" eaLnBrk="0" fontAlgn="base" latinLnBrk="0" hangingPunct="0">
-              <a:lnSpc>
-                <a:spcPct val="100000"/>
-              </a:lnSpc>
-              <a:spcBef>
-                <a:spcPct val="0"/>
-              </a:spcBef>
-              <a:spcAft>
-                <a:spcPct val="0"/>
-              </a:spcAft>
-              <a:buClrTx/>
-              <a:buSzTx/>
-              <a:buFontTx/>
-              <a:buNone/>
-            </a:pPr>
-            <a:r>
-              <a:rPr kumimoji="0" lang="en-US" altLang="zh-CN" sz="1400" b="0" i="0" u="none" strike="noStrike" cap="none" normalizeH="0" baseline="0" smtClean="0">
-                <a:ln>
-                  <a:noFill/>
-                </a:ln>
-                <a:solidFill>
-                  <a:schemeClr val="tx1"/>
-                </a:solidFill>
-                <a:effectLst/>
-                <a:latin typeface="Times New Roman" panose="02020603050405020304" pitchFamily="18" charset="0"/>
-                <a:ea typeface="宋体" panose="02010600030101010101" pitchFamily="2" charset="-122"/>
-              </a:rPr>
-              <a:t>calculate  stress</a:t>
-            </a:r>
-            <a:endParaRPr kumimoji="0" lang="en-US" altLang="zh-CN" sz="1400" b="0" i="0" u="none" strike="noStrike" cap="none" normalizeH="0" baseline="0" smtClean="0">
-              <a:ln>
-                <a:noFill/>
-              </a:ln>
-              <a:solidFill>
-                <a:schemeClr val="tx1"/>
-              </a:solidFill>
-              <a:effectLst/>
-              <a:latin typeface="Times New Roman" panose="02020603050405020304" pitchFamily="18" charset="0"/>
-              <a:ea typeface="宋体" panose="02010600030101010101" pitchFamily="2" charset="-122"/>
-            </a:endParaRPr>
-          </a:p>
-        </p:txBody>
-      </p:sp>
-      <p:cxnSp>
-        <p:nvCxnSpPr>
-          <p:cNvPr id="29" name="直接箭头连接符 28"/>
-          <p:cNvCxnSpPr>
-            <a:stCxn id="27" idx="2"/>
-            <a:endCxn id="2" idx="0"/>
-          </p:cNvCxnSpPr>
-          <p:nvPr/>
-        </p:nvCxnSpPr>
-        <p:spPr>
-          <a:xfrm flipH="1">
-            <a:off x="1119505" y="3465830"/>
-            <a:ext cx="11430" cy="328295"/>
-          </a:xfrm>
-          <a:prstGeom prst="straightConnector1">
-            <a:avLst/>
-          </a:prstGeom>
-          <a:solidFill>
-            <a:schemeClr val="accent1"/>
-          </a:solidFill>
-          <a:ln w="9525" cap="flat" cmpd="sng" algn="ctr">
-            <a:solidFill>
-              <a:schemeClr val="tx1"/>
-            </a:solidFill>
-            <a:prstDash val="solid"/>
-            <a:round/>
-            <a:headEnd type="none" w="med" len="med"/>
-            <a:tailEnd type="arrow" w="med" len="med"/>
-          </a:ln>
-        </p:spPr>
-      </p:cxnSp>
-      <p:sp>
-        <p:nvSpPr>
-          <p:cNvPr id="24" name="文本框 23"/>
-          <p:cNvSpPr txBox="1"/>
-          <p:nvPr/>
-        </p:nvSpPr>
-        <p:spPr>
-          <a:xfrm>
-            <a:off x="2739390" y="1477010"/>
-            <a:ext cx="1829435" cy="368300"/>
-          </a:xfrm>
-          <a:prstGeom prst="rect">
-            <a:avLst/>
-          </a:prstGeom>
-        </p:spPr>
-        <p:style>
-          <a:lnRef idx="2">
-            <a:schemeClr val="dk1"/>
-          </a:lnRef>
-          <a:fillRef idx="1">
-            <a:schemeClr val="lt1"/>
-          </a:fillRef>
-          <a:effectRef idx="0">
-            <a:schemeClr val="dk1"/>
-          </a:effectRef>
-          <a:fontRef idx="minor">
-            <a:schemeClr val="dk1"/>
-          </a:fontRef>
-        </p:style>
-        <p:txBody>
-          <a:bodyPr wrap="square" rtlCol="0" anchor="t">
-            <a:spAutoFit/>
-          </a:bodyPr>
-          <a:lstStyle/>
-          <a:p>
-            <a:r>
-              <a:rPr lang="en-US" altLang="zh-CN" sz="1800">
-                <a:latin typeface="Times New Roman" panose="02020603050405020304" pitchFamily="18" charset="0"/>
-                <a:sym typeface="+mn-ea"/>
-              </a:rPr>
-              <a:t>UMAT Flowchart</a:t>
-            </a:r>
-            <a:endParaRPr lang="en-US" altLang="zh-CN" sz="1800">
-              <a:latin typeface="Times New Roman" panose="02020603050405020304" pitchFamily="18" charset="0"/>
-              <a:sym typeface="+mn-ea"/>
-            </a:endParaRPr>
-          </a:p>
-        </p:txBody>
-      </p:sp>
-      <p:sp>
-        <p:nvSpPr>
-          <p:cNvPr id="3" name="文本框 2"/>
-          <p:cNvSpPr txBox="1"/>
-          <p:nvPr/>
-        </p:nvSpPr>
-        <p:spPr>
-          <a:xfrm>
-            <a:off x="103505" y="4066540"/>
-            <a:ext cx="2028190" cy="521970"/>
-          </a:xfrm>
-          <a:prstGeom prst="rect">
-            <a:avLst/>
-          </a:prstGeom>
-          <a:noFill/>
-        </p:spPr>
-        <p:txBody>
-          <a:bodyPr wrap="none" rtlCol="0" anchor="t">
-            <a:spAutoFit/>
-          </a:bodyPr>
-          <a:lstStyle/>
-          <a:p>
-            <a:pPr marL="0" marR="0" indent="0" algn="l" defTabSz="914400" rtl="0" eaLnBrk="0" fontAlgn="base" latinLnBrk="0" hangingPunct="0">
-              <a:lnSpc>
-                <a:spcPct val="100000"/>
-              </a:lnSpc>
-              <a:spcBef>
-                <a:spcPct val="0"/>
-              </a:spcBef>
-              <a:spcAft>
-                <a:spcPct val="0"/>
-              </a:spcAft>
-              <a:buClrTx/>
-              <a:buSzTx/>
-              <a:buFontTx/>
-              <a:buNone/>
-            </a:pPr>
-            <a:r>
-              <a:rPr lang="en-US" altLang="zh-CN" sz="1400" smtClean="0">
-                <a:ln>
-                  <a:noFill/>
-                </a:ln>
-                <a:effectLst/>
-                <a:latin typeface="Times New Roman" panose="02020603050405020304" pitchFamily="18" charset="0"/>
-                <a:sym typeface="+mn-ea"/>
-              </a:rPr>
-              <a:t>checkout failure ( Hashin </a:t>
-            </a:r>
-            <a:endParaRPr lang="en-US" altLang="zh-CN" sz="1400" smtClean="0">
-              <a:ln>
-                <a:noFill/>
-              </a:ln>
-              <a:effectLst/>
-              <a:latin typeface="Times New Roman" panose="02020603050405020304" pitchFamily="18" charset="0"/>
-              <a:sym typeface="+mn-ea"/>
-            </a:endParaRPr>
-          </a:p>
-          <a:p>
-            <a:pPr marL="0" marR="0" indent="0" algn="l" defTabSz="914400" rtl="0" eaLnBrk="0" fontAlgn="base" latinLnBrk="0" hangingPunct="0">
-              <a:lnSpc>
-                <a:spcPct val="100000"/>
-              </a:lnSpc>
-              <a:spcBef>
-                <a:spcPct val="0"/>
-              </a:spcBef>
-              <a:spcAft>
-                <a:spcPct val="0"/>
-              </a:spcAft>
-              <a:buClrTx/>
-              <a:buSzTx/>
-              <a:buFontTx/>
-              <a:buNone/>
-            </a:pPr>
-            <a:r>
-              <a:rPr lang="en-US" altLang="zh-CN" sz="1400" smtClean="0">
-                <a:ln>
-                  <a:noFill/>
-                </a:ln>
-                <a:effectLst/>
-                <a:latin typeface="Times New Roman" panose="02020603050405020304" pitchFamily="18" charset="0"/>
-                <a:sym typeface="+mn-ea"/>
-              </a:rPr>
-              <a:t>          criterion)</a:t>
-            </a:r>
-            <a:endParaRPr lang="zh-CN" altLang="en-US" sz="1400">
-              <a:latin typeface="Times New Roman" panose="02020603050405020304" pitchFamily="18" charset="0"/>
-            </a:endParaRPr>
-          </a:p>
-        </p:txBody>
-      </p:sp>
-      <p:sp>
-        <p:nvSpPr>
-          <p:cNvPr id="14" name="灯片编号占位符 13"/>
-          <p:cNvSpPr>
-            <a:spLocks noGrp="1"/>
-          </p:cNvSpPr>
-          <p:nvPr>
-            <p:ph type="sldNum" sz="quarter" idx="12"/>
-          </p:nvPr>
-        </p:nvSpPr>
-        <p:spPr/>
-        <p:txBody>
-          <a:bodyPr/>
-          <a:lstStyle/>
-          <a:p>
-            <a:pPr>
-              <a:defRPr/>
-            </a:pPr>
-            <a:fld id="{A2EA7766-9A74-464A-9A62-AF2E5CE9E77E}" type="slidenum">
-              <a:rPr lang="en-US" altLang="zh-CN"/>
-            </a:fld>
-            <a:endParaRPr lang="en-US" altLang="zh-CN"/>
-          </a:p>
-        </p:txBody>
-      </p:sp>
-      <p:sp>
-        <p:nvSpPr>
-          <p:cNvPr id="21" name="矩形 20"/>
-          <p:cNvSpPr/>
-          <p:nvPr/>
-        </p:nvSpPr>
-        <p:spPr>
-          <a:xfrm>
-            <a:off x="103505" y="-128270"/>
-            <a:ext cx="9114155" cy="1383665"/>
-          </a:xfrm>
-          <a:prstGeom prst="rect">
-            <a:avLst/>
-          </a:prstGeom>
-        </p:spPr>
-        <p:txBody>
-          <a:bodyPr wrap="square">
-            <a:spAutoFit/>
-          </a:bodyPr>
-          <a:lstStyle/>
-          <a:p>
-            <a:pPr marL="0" lvl="1">
-              <a:lnSpc>
-                <a:spcPct val="150000"/>
-              </a:lnSpc>
-            </a:pPr>
-            <a:r>
-              <a:rPr lang="en-US" altLang="zh-CN" sz="2800" dirty="0" smtClean="0">
-                <a:latin typeface="Times New Roman" panose="02020603050405020304" pitchFamily="18" charset="0"/>
-                <a:cs typeface="Times New Roman" panose="02020603050405020304" pitchFamily="18" charset="0"/>
-              </a:rPr>
-              <a:t>Abaqus Simulation</a:t>
-            </a:r>
-            <a:endParaRPr lang="en-US" altLang="zh-CN" sz="2800" dirty="0" smtClean="0">
-              <a:latin typeface="Times New Roman" panose="02020603050405020304" pitchFamily="18" charset="0"/>
-              <a:cs typeface="Times New Roman" panose="02020603050405020304" pitchFamily="18" charset="0"/>
-            </a:endParaRPr>
-          </a:p>
-          <a:p>
-            <a:pPr marL="0" lvl="1">
-              <a:lnSpc>
-                <a:spcPct val="150000"/>
-              </a:lnSpc>
-            </a:pPr>
-            <a:r>
-              <a:rPr lang="en-US" altLang="zh-CN" sz="2800" dirty="0" smtClean="0">
-                <a:latin typeface="Times New Roman" panose="02020603050405020304" pitchFamily="18" charset="0"/>
-                <a:cs typeface="Times New Roman" panose="02020603050405020304" pitchFamily="18" charset="0"/>
-              </a:rPr>
-              <a:t>                     </a:t>
-            </a:r>
-            <a:r>
-              <a:rPr lang="en-US" altLang="zh-CN" sz="2400" dirty="0" smtClean="0">
-                <a:latin typeface="Times New Roman" panose="02020603050405020304" pitchFamily="18" charset="0"/>
-                <a:cs typeface="Times New Roman" panose="02020603050405020304" pitchFamily="18" charset="0"/>
-              </a:rPr>
-              <a:t>—UMAT subroutine</a:t>
-            </a:r>
-            <a:endParaRPr lang="en-US" altLang="zh-CN" sz="2400" dirty="0" smtClean="0">
-              <a:latin typeface="Times New Roman" panose="02020603050405020304" pitchFamily="18" charset="0"/>
-              <a:cs typeface="Times New Roman" panose="02020603050405020304" pitchFamily="18" charset="0"/>
-            </a:endParaRPr>
-          </a:p>
-        </p:txBody>
-      </p:sp>
-      <p:sp>
-        <p:nvSpPr>
-          <p:cNvPr id="11" name="矩形 10"/>
-          <p:cNvSpPr/>
-          <p:nvPr/>
-        </p:nvSpPr>
-        <p:spPr>
-          <a:xfrm>
-            <a:off x="5210810" y="5596255"/>
-            <a:ext cx="3886200" cy="1180465"/>
-          </a:xfrm>
-          <a:prstGeom prst="rect">
-            <a:avLst/>
-          </a:prstGeom>
-          <a:noFill/>
-          <a:ln>
-            <a:headEnd type="none" w="med" len="med"/>
-            <a:tailEnd type="none" w="med" len="med"/>
-          </a:ln>
-        </p:spPr>
-        <p:style>
-          <a:lnRef idx="2">
-            <a:schemeClr val="accent4"/>
-          </a:lnRef>
-          <a:fillRef idx="1">
-            <a:schemeClr val="lt1"/>
-          </a:fillRef>
-          <a:effectRef idx="0">
-            <a:schemeClr val="accent4"/>
-          </a:effectRef>
-          <a:fontRef idx="minor">
-            <a:schemeClr val="dk1"/>
-          </a:fontRef>
-        </p:style>
-        <p:txBody>
-          <a:bodyPr vert="horz" wrap="square" lIns="91440" tIns="45720" rIns="91440" bIns="45720" numCol="1" anchor="t" anchorCtr="0" compatLnSpc="1"/>
-          <a:lstStyle/>
-          <a:p>
-            <a:pPr marL="0" marR="0" indent="0" algn="l" defTabSz="914400" rtl="0" eaLnBrk="0" fontAlgn="base" latinLnBrk="0" hangingPunct="0">
-              <a:lnSpc>
-                <a:spcPct val="100000"/>
-              </a:lnSpc>
-              <a:spcBef>
-                <a:spcPct val="0"/>
-              </a:spcBef>
-              <a:spcAft>
-                <a:spcPct val="0"/>
-              </a:spcAft>
-              <a:buClrTx/>
-              <a:buSzTx/>
-              <a:buFontTx/>
-              <a:buNone/>
-            </a:pPr>
-            <a:endParaRPr kumimoji="0" lang="zh-CN" altLang="en-US" sz="1800" b="0" i="0" u="none" strike="noStrike" cap="none" normalizeH="0" baseline="0" smtClean="0">
-              <a:ln>
-                <a:noFill/>
-              </a:ln>
-              <a:solidFill>
-                <a:schemeClr val="tx1"/>
-              </a:solidFill>
-              <a:effectLst/>
-              <a:latin typeface="Arial" panose="020B0604020202020204" pitchFamily="34" charset="0"/>
-              <a:ea typeface="宋体" panose="02010600030101010101" pitchFamily="2" charset="-122"/>
-            </a:endParaRPr>
-          </a:p>
-        </p:txBody>
-      </p:sp>
-      <p:graphicFrame>
-        <p:nvGraphicFramePr>
-          <p:cNvPr id="25" name="对象 24">
-            <a:hlinkClick r:id="" action="ppaction://ole?verb=0"/>
-          </p:cNvPr>
-          <p:cNvGraphicFramePr>
-            <a:graphicFrameLocks noChangeAspect="1"/>
-          </p:cNvGraphicFramePr>
-          <p:nvPr/>
-        </p:nvGraphicFramePr>
-        <p:xfrm>
-          <a:off x="5783580" y="5595620"/>
-          <a:ext cx="2976245" cy="1144905"/>
-        </p:xfrm>
-        <a:graphic>
-          <a:graphicData uri="http://schemas.openxmlformats.org/presentationml/2006/ole">
-            <mc:AlternateContent xmlns:mc="http://schemas.openxmlformats.org/markup-compatibility/2006">
-              <mc:Choice xmlns:v="urn:schemas-microsoft-com:vml" Requires="v">
-                <p:oleObj spid="_x0000_s3143" name="" r:id="rId3" imgW="2311400" imgH="889000" progId="Equation.KSEE3">
-                  <p:embed/>
-                </p:oleObj>
-              </mc:Choice>
-              <mc:Fallback>
-                <p:oleObj name="" r:id="rId3" imgW="2311400" imgH="889000" progId="Equation.KSEE3">
-                  <p:embed/>
-                  <p:pic>
-                    <p:nvPicPr>
-                      <p:cNvPr id="0" name="图片 2048"/>
-                      <p:cNvPicPr/>
-                      <p:nvPr/>
-                    </p:nvPicPr>
-                    <p:blipFill>
-                      <a:blip r:embed="rId4"/>
-                      <a:stretch>
-                        <a:fillRect/>
-                      </a:stretch>
-                    </p:blipFill>
-                    <p:spPr>
-                      <a:xfrm>
-                        <a:off x="5783580" y="5595620"/>
-                        <a:ext cx="2976245" cy="1144905"/>
-                      </a:xfrm>
-                      <a:prstGeom prst="rect">
-                        <a:avLst/>
-                      </a:prstGeom>
-                    </p:spPr>
-                  </p:pic>
-                </p:oleObj>
-              </mc:Fallback>
-            </mc:AlternateContent>
-          </a:graphicData>
-        </a:graphic>
-      </p:graphicFrame>
-      <p:sp>
-        <p:nvSpPr>
-          <p:cNvPr id="19" name="文本框 18"/>
-          <p:cNvSpPr txBox="1"/>
-          <p:nvPr/>
-        </p:nvSpPr>
-        <p:spPr>
-          <a:xfrm>
-            <a:off x="4675505" y="1255395"/>
-            <a:ext cx="4422140" cy="5507990"/>
-          </a:xfrm>
-          <a:prstGeom prst="rect">
-            <a:avLst/>
-          </a:prstGeom>
-          <a:noFill/>
-        </p:spPr>
-        <p:txBody>
-          <a:bodyPr wrap="square" rtlCol="0">
-            <a:spAutoFit/>
-          </a:bodyPr>
-          <a:lstStyle/>
-          <a:p>
-            <a:r>
-              <a:rPr lang="en-US" altLang="zh-CN">
-                <a:latin typeface="Times New Roman" panose="02020603050405020304" pitchFamily="18" charset="0"/>
-              </a:rPr>
-              <a:t>UMAT Overview</a:t>
-            </a:r>
-            <a:r>
-              <a:rPr lang="zh-CN" altLang="en-US">
-                <a:latin typeface="Times New Roman" panose="02020603050405020304" pitchFamily="18" charset="0"/>
-              </a:rPr>
-              <a:t>：</a:t>
-            </a:r>
-            <a:endParaRPr lang="zh-CN" altLang="en-US">
-              <a:latin typeface="Times New Roman" panose="02020603050405020304" pitchFamily="18" charset="0"/>
-            </a:endParaRPr>
-          </a:p>
-          <a:p>
-            <a:endParaRPr lang="zh-CN" altLang="en-US">
-              <a:latin typeface="Times New Roman" panose="02020603050405020304" pitchFamily="18" charset="0"/>
-            </a:endParaRPr>
-          </a:p>
-          <a:p>
-            <a:r>
-              <a:rPr lang="en-US" altLang="zh-CN" sz="1600">
-                <a:latin typeface="Times New Roman" panose="02020603050405020304" pitchFamily="18" charset="0"/>
-                <a:sym typeface="+mn-ea"/>
-              </a:rPr>
-              <a:t>1 </a:t>
-            </a:r>
-            <a:r>
-              <a:rPr lang="zh-CN" altLang="zh-CN" sz="1600">
-                <a:latin typeface="Times New Roman" panose="02020603050405020304" pitchFamily="18" charset="0"/>
-                <a:sym typeface="+mn-ea"/>
-              </a:rPr>
-              <a:t>can be used to define the mechanical constitutive behavior of a material;</a:t>
-            </a:r>
-            <a:endParaRPr lang="zh-CN" altLang="zh-CN" sz="1600">
-              <a:latin typeface="Times New Roman" panose="02020603050405020304" pitchFamily="18" charset="0"/>
-              <a:sym typeface="+mn-ea"/>
-            </a:endParaRPr>
-          </a:p>
-          <a:p>
-            <a:endParaRPr lang="zh-CN" altLang="zh-CN" sz="1600">
-              <a:latin typeface="Times New Roman" panose="02020603050405020304" pitchFamily="18" charset="0"/>
-              <a:sym typeface="+mn-ea"/>
-            </a:endParaRPr>
-          </a:p>
-          <a:p>
-            <a:r>
-              <a:rPr lang="en-US" altLang="zh-CN" sz="1600">
-                <a:latin typeface="Times New Roman" panose="02020603050405020304" pitchFamily="18" charset="0"/>
-                <a:sym typeface="+mn-ea"/>
-              </a:rPr>
-              <a:t>2 </a:t>
-            </a:r>
-            <a:r>
-              <a:rPr lang="zh-CN" altLang="en-US" sz="1600">
-                <a:latin typeface="Times New Roman" panose="02020603050405020304" pitchFamily="18" charset="0"/>
-                <a:sym typeface="+mn-ea"/>
-              </a:rPr>
-              <a:t>will be called at all material calculation points of elements for which the material definition includes a user-defined material behavior;</a:t>
-            </a:r>
-            <a:endParaRPr lang="zh-CN" altLang="en-US" sz="1600">
-              <a:latin typeface="Times New Roman" panose="02020603050405020304" pitchFamily="18" charset="0"/>
-              <a:sym typeface="+mn-ea"/>
-            </a:endParaRPr>
-          </a:p>
-          <a:p>
-            <a:endParaRPr lang="zh-CN" altLang="en-US" sz="1600">
-              <a:latin typeface="Times New Roman" panose="02020603050405020304" pitchFamily="18" charset="0"/>
-              <a:sym typeface="+mn-ea"/>
-            </a:endParaRPr>
-          </a:p>
-          <a:p>
-            <a:r>
-              <a:rPr lang="en-US" altLang="zh-CN" sz="1600">
-                <a:latin typeface="Times New Roman" panose="02020603050405020304" pitchFamily="18" charset="0"/>
-                <a:sym typeface="+mn-ea"/>
-              </a:rPr>
-              <a:t>3 </a:t>
-            </a:r>
-            <a:r>
-              <a:rPr lang="zh-CN" altLang="en-US" sz="1600">
-                <a:latin typeface="Times New Roman" panose="02020603050405020304" pitchFamily="18" charset="0"/>
-                <a:sym typeface="+mn-ea"/>
-              </a:rPr>
-              <a:t>must update the stresses and solution-dependent state variables to their values at the end of the increment for which it is called;</a:t>
-            </a:r>
-            <a:endParaRPr lang="zh-CN" altLang="en-US" sz="1600">
-              <a:latin typeface="Times New Roman" panose="02020603050405020304" pitchFamily="18" charset="0"/>
-              <a:sym typeface="+mn-ea"/>
-            </a:endParaRPr>
-          </a:p>
-          <a:p>
-            <a:endParaRPr lang="zh-CN" altLang="en-US" sz="1600">
-              <a:latin typeface="Times New Roman" panose="02020603050405020304" pitchFamily="18" charset="0"/>
-              <a:sym typeface="+mn-ea"/>
-            </a:endParaRPr>
-          </a:p>
-          <a:p>
-            <a:r>
-              <a:rPr lang="en-US" altLang="zh-CN" sz="1600">
-                <a:latin typeface="Times New Roman" panose="02020603050405020304" pitchFamily="18" charset="0"/>
-                <a:sym typeface="+mn-ea"/>
-              </a:rPr>
-              <a:t>4 Jocobian Matrix of the material must be supplied by users</a:t>
-            </a:r>
-            <a:r>
-              <a:rPr lang="zh-CN" altLang="en-US" sz="1600">
-                <a:latin typeface="Times New Roman" panose="02020603050405020304" pitchFamily="18" charset="0"/>
-                <a:sym typeface="+mn-ea"/>
-              </a:rPr>
-              <a:t>：</a:t>
-            </a:r>
-            <a:endParaRPr lang="zh-CN" altLang="en-US" sz="1600">
-              <a:latin typeface="Times New Roman" panose="02020603050405020304" pitchFamily="18" charset="0"/>
-              <a:sym typeface="+mn-ea"/>
-            </a:endParaRPr>
-          </a:p>
-          <a:p>
-            <a:endParaRPr lang="zh-CN" altLang="en-US">
-              <a:latin typeface="Times New Roman" panose="02020603050405020304" pitchFamily="18" charset="0"/>
-            </a:endParaRPr>
-          </a:p>
-          <a:p>
-            <a:endParaRPr lang="zh-CN" altLang="en-US">
-              <a:latin typeface="Times New Roman" panose="02020603050405020304" pitchFamily="18" charset="0"/>
-            </a:endParaRPr>
-          </a:p>
-          <a:p>
-            <a:endParaRPr lang="zh-CN" altLang="en-US">
-              <a:latin typeface="Times New Roman" panose="02020603050405020304" pitchFamily="18" charset="0"/>
-            </a:endParaRPr>
-          </a:p>
-          <a:p>
-            <a:endParaRPr lang="zh-CN" altLang="en-US">
-              <a:latin typeface="Times New Roman" panose="02020603050405020304" pitchFamily="18" charset="0"/>
-            </a:endParaRPr>
-          </a:p>
-          <a:p>
-            <a:endParaRPr lang="zh-CN" altLang="en-US">
-              <a:latin typeface="Times New Roman" panose="02020603050405020304" pitchFamily="18" charset="0"/>
-            </a:endParaRPr>
-          </a:p>
-          <a:p>
-            <a:endParaRPr lang="zh-CN" altLang="en-US">
-              <a:latin typeface="Times New Roman" panose="02020603050405020304" pitchFamily="18" charset="0"/>
-            </a:endParaRPr>
-          </a:p>
-        </p:txBody>
-      </p:sp>
-      <p:sp>
-        <p:nvSpPr>
-          <p:cNvPr id="36" name="矩形 35"/>
-          <p:cNvSpPr/>
-          <p:nvPr/>
-        </p:nvSpPr>
-        <p:spPr>
-          <a:xfrm>
-            <a:off x="1793875" y="5157470"/>
-            <a:ext cx="1306195" cy="226060"/>
-          </a:xfrm>
-          <a:prstGeom prst="rect">
-            <a:avLst/>
-          </a:prstGeom>
-          <a:noFill/>
-          <a:ln>
-            <a:headEnd type="none" w="med" len="med"/>
-            <a:tailEnd type="none" w="med" len="med"/>
-          </a:ln>
-        </p:spPr>
-        <p:style>
-          <a:lnRef idx="2">
-            <a:schemeClr val="accent4"/>
-          </a:lnRef>
-          <a:fillRef idx="1">
-            <a:schemeClr val="lt1"/>
-          </a:fillRef>
-          <a:effectRef idx="0">
-            <a:schemeClr val="accent4"/>
-          </a:effectRef>
-          <a:fontRef idx="minor">
-            <a:schemeClr val="dk1"/>
-          </a:fontRef>
-        </p:style>
-        <p:txBody>
-          <a:bodyPr vert="horz" wrap="square" lIns="91440" tIns="45720" rIns="91440" bIns="45720" numCol="1" anchor="t" anchorCtr="0" compatLnSpc="1"/>
-          <a:lstStyle/>
-          <a:p>
-            <a:pPr marL="0" marR="0" indent="0" algn="l" defTabSz="914400" rtl="0" eaLnBrk="0" fontAlgn="base" latinLnBrk="0" hangingPunct="0">
-              <a:lnSpc>
-                <a:spcPct val="100000"/>
-              </a:lnSpc>
-              <a:spcBef>
-                <a:spcPct val="0"/>
-              </a:spcBef>
-              <a:spcAft>
-                <a:spcPct val="0"/>
-              </a:spcAft>
-              <a:buClrTx/>
-              <a:buSzTx/>
-              <a:buFontTx/>
-              <a:buNone/>
-            </a:pPr>
-            <a:endParaRPr kumimoji="0" lang="zh-CN" altLang="en-US" sz="1800" b="0" i="0" u="none" strike="noStrike" cap="none" normalizeH="0" baseline="0" smtClean="0">
-              <a:ln>
-                <a:noFill/>
-              </a:ln>
-              <a:solidFill>
-                <a:schemeClr val="tx1"/>
-              </a:solidFill>
-              <a:effectLst/>
-              <a:latin typeface="Arial" panose="020B0604020202020204" pitchFamily="34" charset="0"/>
-              <a:ea typeface="宋体" panose="02010600030101010101" pitchFamily="2" charset="-122"/>
-            </a:endParaRPr>
-          </a:p>
-        </p:txBody>
-      </p:sp>
-      <p:cxnSp>
-        <p:nvCxnSpPr>
-          <p:cNvPr id="37" name="直接箭头连接符 36"/>
-          <p:cNvCxnSpPr>
-            <a:stCxn id="11" idx="1"/>
-          </p:cNvCxnSpPr>
-          <p:nvPr/>
-        </p:nvCxnSpPr>
-        <p:spPr>
-          <a:xfrm flipH="1" flipV="1">
-            <a:off x="3059430" y="5373370"/>
-            <a:ext cx="2151380" cy="813435"/>
-          </a:xfrm>
-          <a:prstGeom prst="straightConnector1">
-            <a:avLst/>
-          </a:prstGeom>
-          <a:solidFill>
-            <a:schemeClr val="accent1"/>
-          </a:solidFill>
-          <a:ln w="28575" cap="flat" cmpd="sng" algn="ctr">
-            <a:solidFill>
-              <a:schemeClr val="tx1"/>
-            </a:solidFill>
-            <a:prstDash val="solid"/>
-            <a:round/>
-            <a:headEnd type="arrow" w="med" len="med"/>
-            <a:tailEnd type="none" w="med" len="med"/>
-          </a:ln>
-        </p:spPr>
-      </p:cxnSp>
-      <p:sp>
-        <p:nvSpPr>
-          <p:cNvPr id="38" name="矩形 37"/>
-          <p:cNvSpPr/>
-          <p:nvPr/>
-        </p:nvSpPr>
-        <p:spPr>
-          <a:xfrm>
-            <a:off x="4667250" y="1199515"/>
-            <a:ext cx="4430395" cy="4245610"/>
-          </a:xfrm>
-          <a:prstGeom prst="rect">
-            <a:avLst/>
-          </a:prstGeom>
-          <a:noFill/>
-          <a:ln w="31750" cap="flat" cmpd="sng" algn="ctr">
-            <a:solidFill>
-              <a:schemeClr val="accent1">
-                <a:shade val="50000"/>
-              </a:schemeClr>
-            </a:solidFill>
-            <a:prstDash val="solid"/>
-            <a:round/>
-            <a:headEnd type="none" w="med" len="med"/>
-            <a:tailEnd type="none" w="med" len="med"/>
-          </a:ln>
-        </p:spPr>
-        <p:txBody>
-          <a:bodyPr vert="horz" wrap="square" lIns="91440" tIns="45720" rIns="91440" bIns="45720" numCol="1" anchor="t" anchorCtr="0" compatLnSpc="1"/>
-          <a:lstStyle/>
-          <a:p>
-            <a:pPr marL="0" marR="0" indent="0" algn="l" defTabSz="914400" rtl="0" eaLnBrk="0" fontAlgn="base" latinLnBrk="0" hangingPunct="0">
-              <a:lnSpc>
-                <a:spcPct val="100000"/>
-              </a:lnSpc>
-              <a:spcBef>
-                <a:spcPct val="0"/>
-              </a:spcBef>
-              <a:spcAft>
-                <a:spcPct val="0"/>
-              </a:spcAft>
-              <a:buClrTx/>
-              <a:buSzTx/>
-              <a:buFontTx/>
-              <a:buNone/>
-            </a:pPr>
-            <a:endParaRPr kumimoji="0" lang="zh-CN" altLang="en-US" sz="1800" b="0" i="0" u="none" strike="noStrike" cap="none" normalizeH="0" baseline="0" smtClean="0">
-              <a:ln>
-                <a:noFill/>
-              </a:ln>
-              <a:solidFill>
-                <a:schemeClr val="tx1"/>
-              </a:solidFill>
-              <a:effectLst/>
-              <a:latin typeface="Arial" panose="020B0604020202020204" pitchFamily="34" charset="0"/>
-              <a:ea typeface="宋体" panose="02010600030101010101" pitchFamily="2" charset="-122"/>
-            </a:endParaRPr>
+          <a:p>
+            <a:r>
+              <a:rPr lang="zh-CN" altLang="en-US" sz="1400"/>
+              <a:t>Considering the efficiency and accuracy</a:t>
+            </a:r>
+            <a:r>
+              <a:rPr lang="en-US" altLang="zh-CN" sz="1400"/>
+              <a:t>, we use SC8R and composite layup to build the model in Abaqus,and mesh one element in the thickness direction.</a:t>
+            </a:r>
+            <a:endParaRPr lang="en-US" altLang="zh-CN" sz="1400"/>
           </a:p>
         </p:txBody>
       </p:sp>
